--- a/Crop-Aware Panoptic Segmentation.pptx
+++ b/Crop-Aware Panoptic Segmentation.pptx
@@ -5,10 +5,10 @@
     <p:sldMasterId id="2147483653" r:id="rId1"/>
   </p:sldMasterIdLst>
   <p:notesMasterIdLst>
-    <p:notesMasterId r:id="rId11"/>
+    <p:notesMasterId r:id="rId14"/>
   </p:notesMasterIdLst>
   <p:handoutMasterIdLst>
-    <p:handoutMasterId r:id="rId12"/>
+    <p:handoutMasterId r:id="rId15"/>
   </p:handoutMasterIdLst>
   <p:sldIdLst>
     <p:sldId id="607" r:id="rId2"/>
@@ -16,15 +16,18 @@
     <p:sldId id="611" r:id="rId4"/>
     <p:sldId id="610" r:id="rId5"/>
     <p:sldId id="612" r:id="rId6"/>
-    <p:sldId id="613" r:id="rId7"/>
-    <p:sldId id="614" r:id="rId8"/>
-    <p:sldId id="615" r:id="rId9"/>
-    <p:sldId id="604" r:id="rId10"/>
+    <p:sldId id="616" r:id="rId7"/>
+    <p:sldId id="613" r:id="rId8"/>
+    <p:sldId id="614" r:id="rId9"/>
+    <p:sldId id="617" r:id="rId10"/>
+    <p:sldId id="615" r:id="rId11"/>
+    <p:sldId id="618" r:id="rId12"/>
+    <p:sldId id="604" r:id="rId13"/>
   </p:sldIdLst>
   <p:sldSz cx="9144000" cy="5143500" type="screen16x9"/>
   <p:notesSz cx="10234613" cy="7099300"/>
   <p:custDataLst>
-    <p:tags r:id="rId13"/>
+    <p:tags r:id="rId16"/>
   </p:custDataLst>
   <p:defaultTextStyle>
     <a:defPPr>
@@ -187,7 +190,7 @@
 <file path=ppt/revisionInfo.xml><?xml version="1.0" encoding="utf-8"?>
 <p1510:revInfo xmlns:a="http://schemas.openxmlformats.org/drawingml/2006/main" xmlns:r="http://schemas.openxmlformats.org/officeDocument/2006/relationships" xmlns:p1510="http://schemas.microsoft.com/office/powerpoint/2015/10/main">
   <p1510:revLst>
-    <p1510:client id="{2CD5F5D6-88A3-4631-A66A-40A03704DD16}" v="1" dt="2021-07-23T08:06:29.751"/>
+    <p1510:client id="{E8785D74-9879-42C5-9058-5D91577AAC50}" v="9" dt="2021-07-24T13:18:55.489"/>
   </p1510:revLst>
 </p1510:revInfo>
 </file>
@@ -381,6 +384,263 @@
       </pc:sldMasterChg>
     </pc:docChg>
   </pc:docChgLst>
+  <pc:docChgLst>
+    <pc:chgData name="Dystron Forever" userId="860741af1eec8ecc" providerId="LiveId" clId="{E8785D74-9879-42C5-9058-5D91577AAC50}"/>
+    <pc:docChg chg="custSel addSld delSld modSld">
+      <pc:chgData name="Dystron Forever" userId="860741af1eec8ecc" providerId="LiveId" clId="{E8785D74-9879-42C5-9058-5D91577AAC50}" dt="2021-07-24T13:39:06.374" v="933" actId="20577"/>
+      <pc:docMkLst>
+        <pc:docMk/>
+      </pc:docMkLst>
+      <pc:sldChg chg="delSp modSp mod">
+        <pc:chgData name="Dystron Forever" userId="860741af1eec8ecc" providerId="LiveId" clId="{E8785D74-9879-42C5-9058-5D91577AAC50}" dt="2021-07-24T13:22:28.236" v="521" actId="26606"/>
+        <pc:sldMkLst>
+          <pc:docMk/>
+          <pc:sldMk cId="463365429" sldId="612"/>
+        </pc:sldMkLst>
+        <pc:spChg chg="mod">
+          <ac:chgData name="Dystron Forever" userId="860741af1eec8ecc" providerId="LiveId" clId="{E8785D74-9879-42C5-9058-5D91577AAC50}" dt="2021-07-24T13:22:28.236" v="521" actId="26606"/>
+          <ac:spMkLst>
+            <pc:docMk/>
+            <pc:sldMk cId="463365429" sldId="612"/>
+            <ac:spMk id="3" creationId="{43404B09-8B2E-41C7-ACDC-FEC028CD3BA8}"/>
+          </ac:spMkLst>
+        </pc:spChg>
+        <pc:spChg chg="del">
+          <ac:chgData name="Dystron Forever" userId="860741af1eec8ecc" providerId="LiveId" clId="{E8785D74-9879-42C5-9058-5D91577AAC50}" dt="2021-07-24T13:22:28.236" v="521" actId="26606"/>
+          <ac:spMkLst>
+            <pc:docMk/>
+            <pc:sldMk cId="463365429" sldId="612"/>
+            <ac:spMk id="4" creationId="{A8E97774-92E3-4E04-9D90-A32D0CB6D1B1}"/>
+          </ac:spMkLst>
+        </pc:spChg>
+        <pc:picChg chg="mod">
+          <ac:chgData name="Dystron Forever" userId="860741af1eec8ecc" providerId="LiveId" clId="{E8785D74-9879-42C5-9058-5D91577AAC50}" dt="2021-07-24T13:22:28.236" v="521" actId="26606"/>
+          <ac:picMkLst>
+            <pc:docMk/>
+            <pc:sldMk cId="463365429" sldId="612"/>
+            <ac:picMk id="5" creationId="{46FA50DC-05C6-4C28-837C-9B3C178EACF3}"/>
+          </ac:picMkLst>
+        </pc:picChg>
+      </pc:sldChg>
+      <pc:sldChg chg="addSp delSp modSp mod modNotesTx">
+        <pc:chgData name="Dystron Forever" userId="860741af1eec8ecc" providerId="LiveId" clId="{E8785D74-9879-42C5-9058-5D91577AAC50}" dt="2021-07-24T13:22:13.302" v="520" actId="20577"/>
+        <pc:sldMkLst>
+          <pc:docMk/>
+          <pc:sldMk cId="1885977225" sldId="613"/>
+        </pc:sldMkLst>
+        <pc:spChg chg="mod">
+          <ac:chgData name="Dystron Forever" userId="860741af1eec8ecc" providerId="LiveId" clId="{E8785D74-9879-42C5-9058-5D91577AAC50}" dt="2021-07-24T13:13:55.895" v="212" actId="20577"/>
+          <ac:spMkLst>
+            <pc:docMk/>
+            <pc:sldMk cId="1885977225" sldId="613"/>
+            <ac:spMk id="4" creationId="{30C9BDA0-8F15-4D90-81BA-5E4C7E87598F}"/>
+          </ac:spMkLst>
+        </pc:spChg>
+        <pc:spChg chg="mod">
+          <ac:chgData name="Dystron Forever" userId="860741af1eec8ecc" providerId="LiveId" clId="{E8785D74-9879-42C5-9058-5D91577AAC50}" dt="2021-07-24T13:22:13.302" v="520" actId="20577"/>
+          <ac:spMkLst>
+            <pc:docMk/>
+            <pc:sldMk cId="1885977225" sldId="613"/>
+            <ac:spMk id="5" creationId="{879BE057-F79C-416A-BC4B-8048CEFEFBAF}"/>
+          </ac:spMkLst>
+        </pc:spChg>
+        <pc:spChg chg="add del mod">
+          <ac:chgData name="Dystron Forever" userId="860741af1eec8ecc" providerId="LiveId" clId="{E8785D74-9879-42C5-9058-5D91577AAC50}" dt="2021-07-24T13:11:38.782" v="135" actId="21"/>
+          <ac:spMkLst>
+            <pc:docMk/>
+            <pc:sldMk cId="1885977225" sldId="613"/>
+            <ac:spMk id="8" creationId="{04812295-E098-4483-B1F0-8E11D23620D7}"/>
+          </ac:spMkLst>
+        </pc:spChg>
+        <pc:spChg chg="add del mod">
+          <ac:chgData name="Dystron Forever" userId="860741af1eec8ecc" providerId="LiveId" clId="{E8785D74-9879-42C5-9058-5D91577AAC50}" dt="2021-07-24T13:11:38.782" v="135" actId="21"/>
+          <ac:spMkLst>
+            <pc:docMk/>
+            <pc:sldMk cId="1885977225" sldId="613"/>
+            <ac:spMk id="9" creationId="{464D937D-4440-4A79-B3F3-1B20FA4A0C77}"/>
+          </ac:spMkLst>
+        </pc:spChg>
+        <pc:picChg chg="add del mod">
+          <ac:chgData name="Dystron Forever" userId="860741af1eec8ecc" providerId="LiveId" clId="{E8785D74-9879-42C5-9058-5D91577AAC50}" dt="2021-07-24T13:11:38.782" v="135" actId="21"/>
+          <ac:picMkLst>
+            <pc:docMk/>
+            <pc:sldMk cId="1885977225" sldId="613"/>
+            <ac:picMk id="3" creationId="{B1334620-39D6-4DB6-90D2-E840EB8467E6}"/>
+          </ac:picMkLst>
+        </pc:picChg>
+        <pc:picChg chg="add del mod">
+          <ac:chgData name="Dystron Forever" userId="860741af1eec8ecc" providerId="LiveId" clId="{E8785D74-9879-42C5-9058-5D91577AAC50}" dt="2021-07-24T13:09:31.040" v="53" actId="478"/>
+          <ac:picMkLst>
+            <pc:docMk/>
+            <pc:sldMk cId="1885977225" sldId="613"/>
+            <ac:picMk id="7" creationId="{F6086B37-BDDB-4B7E-9789-8293393EB647}"/>
+          </ac:picMkLst>
+        </pc:picChg>
+        <pc:picChg chg="add del mod">
+          <ac:chgData name="Dystron Forever" userId="860741af1eec8ecc" providerId="LiveId" clId="{E8785D74-9879-42C5-9058-5D91577AAC50}" dt="2021-07-24T13:11:38.782" v="135" actId="21"/>
+          <ac:picMkLst>
+            <pc:docMk/>
+            <pc:sldMk cId="1885977225" sldId="613"/>
+            <ac:picMk id="11" creationId="{4AD75C56-6828-420E-9E18-6E48D749CAE4}"/>
+          </ac:picMkLst>
+        </pc:picChg>
+        <pc:picChg chg="add mod">
+          <ac:chgData name="Dystron Forever" userId="860741af1eec8ecc" providerId="LiveId" clId="{E8785D74-9879-42C5-9058-5D91577AAC50}" dt="2021-07-24T13:17:57.596" v="217" actId="1076"/>
+          <ac:picMkLst>
+            <pc:docMk/>
+            <pc:sldMk cId="1885977225" sldId="613"/>
+            <ac:picMk id="13" creationId="{FF7A492A-FA54-4B67-8A3B-536D293479E5}"/>
+          </ac:picMkLst>
+        </pc:picChg>
+      </pc:sldChg>
+      <pc:sldChg chg="addSp modSp mod modNotesTx">
+        <pc:chgData name="Dystron Forever" userId="860741af1eec8ecc" providerId="LiveId" clId="{E8785D74-9879-42C5-9058-5D91577AAC50}" dt="2021-07-24T13:22:45.134" v="523"/>
+        <pc:sldMkLst>
+          <pc:docMk/>
+          <pc:sldMk cId="2489557210" sldId="614"/>
+        </pc:sldMkLst>
+        <pc:spChg chg="mod">
+          <ac:chgData name="Dystron Forever" userId="860741af1eec8ecc" providerId="LiveId" clId="{E8785D74-9879-42C5-9058-5D91577AAC50}" dt="2021-07-24T13:22:42.966" v="522" actId="21"/>
+          <ac:spMkLst>
+            <pc:docMk/>
+            <pc:sldMk cId="2489557210" sldId="614"/>
+            <ac:spMk id="3" creationId="{E792780D-FF8B-464B-A133-01C1B809D660}"/>
+          </ac:spMkLst>
+        </pc:spChg>
+        <pc:spChg chg="add mod">
+          <ac:chgData name="Dystron Forever" userId="860741af1eec8ecc" providerId="LiveId" clId="{E8785D74-9879-42C5-9058-5D91577AAC50}" dt="2021-07-24T13:12:28.968" v="141" actId="1076"/>
+          <ac:spMkLst>
+            <pc:docMk/>
+            <pc:sldMk cId="2489557210" sldId="614"/>
+            <ac:spMk id="5" creationId="{BA942420-B2DF-4312-9F77-010105064C64}"/>
+          </ac:spMkLst>
+        </pc:spChg>
+        <pc:spChg chg="add mod">
+          <ac:chgData name="Dystron Forever" userId="860741af1eec8ecc" providerId="LiveId" clId="{E8785D74-9879-42C5-9058-5D91577AAC50}" dt="2021-07-24T13:12:28.968" v="141" actId="1076"/>
+          <ac:spMkLst>
+            <pc:docMk/>
+            <pc:sldMk cId="2489557210" sldId="614"/>
+            <ac:spMk id="6" creationId="{5B6482A4-EF81-4EB4-B206-D70873A4FFB9}"/>
+          </ac:spMkLst>
+        </pc:spChg>
+        <pc:picChg chg="add mod">
+          <ac:chgData name="Dystron Forever" userId="860741af1eec8ecc" providerId="LiveId" clId="{E8785D74-9879-42C5-9058-5D91577AAC50}" dt="2021-07-24T13:12:28.968" v="141" actId="1076"/>
+          <ac:picMkLst>
+            <pc:docMk/>
+            <pc:sldMk cId="2489557210" sldId="614"/>
+            <ac:picMk id="4" creationId="{019DB30C-1759-4DF1-AE4C-E17C76EE6AB0}"/>
+          </ac:picMkLst>
+        </pc:picChg>
+        <pc:picChg chg="add mod">
+          <ac:chgData name="Dystron Forever" userId="860741af1eec8ecc" providerId="LiveId" clId="{E8785D74-9879-42C5-9058-5D91577AAC50}" dt="2021-07-24T13:12:28.968" v="141" actId="1076"/>
+          <ac:picMkLst>
+            <pc:docMk/>
+            <pc:sldMk cId="2489557210" sldId="614"/>
+            <ac:picMk id="7" creationId="{B359E9AD-B13F-4042-BD52-83B942F326F2}"/>
+          </ac:picMkLst>
+        </pc:picChg>
+      </pc:sldChg>
+      <pc:sldChg chg="modSp mod">
+        <pc:chgData name="Dystron Forever" userId="860741af1eec8ecc" providerId="LiveId" clId="{E8785D74-9879-42C5-9058-5D91577AAC50}" dt="2021-07-24T13:39:06.374" v="933" actId="20577"/>
+        <pc:sldMkLst>
+          <pc:docMk/>
+          <pc:sldMk cId="803320101" sldId="615"/>
+        </pc:sldMkLst>
+        <pc:spChg chg="mod">
+          <ac:chgData name="Dystron Forever" userId="860741af1eec8ecc" providerId="LiveId" clId="{E8785D74-9879-42C5-9058-5D91577AAC50}" dt="2021-07-24T13:39:06.374" v="933" actId="20577"/>
+          <ac:spMkLst>
+            <pc:docMk/>
+            <pc:sldMk cId="803320101" sldId="615"/>
+            <ac:spMk id="3" creationId="{CFB73C6E-E25A-4AD9-9620-74058DEEA275}"/>
+          </ac:spMkLst>
+        </pc:spChg>
+      </pc:sldChg>
+      <pc:sldChg chg="modSp new mod">
+        <pc:chgData name="Dystron Forever" userId="860741af1eec8ecc" providerId="LiveId" clId="{E8785D74-9879-42C5-9058-5D91577AAC50}" dt="2021-07-24T13:27:57.769" v="676" actId="20577"/>
+        <pc:sldMkLst>
+          <pc:docMk/>
+          <pc:sldMk cId="31551848" sldId="616"/>
+        </pc:sldMkLst>
+        <pc:spChg chg="mod">
+          <ac:chgData name="Dystron Forever" userId="860741af1eec8ecc" providerId="LiveId" clId="{E8785D74-9879-42C5-9058-5D91577AAC50}" dt="2021-07-24T13:26:24.583" v="552" actId="20577"/>
+          <ac:spMkLst>
+            <pc:docMk/>
+            <pc:sldMk cId="31551848" sldId="616"/>
+            <ac:spMk id="2" creationId="{AF311FAB-AD3C-4964-9198-8FCBF12C9111}"/>
+          </ac:spMkLst>
+        </pc:spChg>
+        <pc:spChg chg="mod">
+          <ac:chgData name="Dystron Forever" userId="860741af1eec8ecc" providerId="LiveId" clId="{E8785D74-9879-42C5-9058-5D91577AAC50}" dt="2021-07-24T13:27:57.769" v="676" actId="20577"/>
+          <ac:spMkLst>
+            <pc:docMk/>
+            <pc:sldMk cId="31551848" sldId="616"/>
+            <ac:spMk id="3" creationId="{19BCFA74-BA43-4AED-8291-33BE8E5C855C}"/>
+          </ac:spMkLst>
+        </pc:spChg>
+      </pc:sldChg>
+      <pc:sldChg chg="modSp new del mod">
+        <pc:chgData name="Dystron Forever" userId="860741af1eec8ecc" providerId="LiveId" clId="{E8785D74-9879-42C5-9058-5D91577AAC50}" dt="2021-07-24T13:27:31.952" v="603" actId="2696"/>
+        <pc:sldMkLst>
+          <pc:docMk/>
+          <pc:sldMk cId="2130268812" sldId="617"/>
+        </pc:sldMkLst>
+        <pc:spChg chg="mod">
+          <ac:chgData name="Dystron Forever" userId="860741af1eec8ecc" providerId="LiveId" clId="{E8785D74-9879-42C5-9058-5D91577AAC50}" dt="2021-07-24T13:27:24.435" v="602" actId="20577"/>
+          <ac:spMkLst>
+            <pc:docMk/>
+            <pc:sldMk cId="2130268812" sldId="617"/>
+            <ac:spMk id="2" creationId="{C2887700-5536-44B0-907C-FAD83586CA83}"/>
+          </ac:spMkLst>
+        </pc:spChg>
+      </pc:sldChg>
+      <pc:sldChg chg="modSp new mod">
+        <pc:chgData name="Dystron Forever" userId="860741af1eec8ecc" providerId="LiveId" clId="{E8785D74-9879-42C5-9058-5D91577AAC50}" dt="2021-07-24T13:37:21.150" v="762" actId="20577"/>
+        <pc:sldMkLst>
+          <pc:docMk/>
+          <pc:sldMk cId="2836184599" sldId="617"/>
+        </pc:sldMkLst>
+        <pc:spChg chg="mod">
+          <ac:chgData name="Dystron Forever" userId="860741af1eec8ecc" providerId="LiveId" clId="{E8785D74-9879-42C5-9058-5D91577AAC50}" dt="2021-07-24T13:36:21.655" v="695" actId="20577"/>
+          <ac:spMkLst>
+            <pc:docMk/>
+            <pc:sldMk cId="2836184599" sldId="617"/>
+            <ac:spMk id="2" creationId="{2DE899C9-ECB8-4209-B44A-D55809197041}"/>
+          </ac:spMkLst>
+        </pc:spChg>
+        <pc:spChg chg="mod">
+          <ac:chgData name="Dystron Forever" userId="860741af1eec8ecc" providerId="LiveId" clId="{E8785D74-9879-42C5-9058-5D91577AAC50}" dt="2021-07-24T13:37:21.150" v="762" actId="20577"/>
+          <ac:spMkLst>
+            <pc:docMk/>
+            <pc:sldMk cId="2836184599" sldId="617"/>
+            <ac:spMk id="3" creationId="{855BEFD4-C452-40AA-8020-77316D8CF61E}"/>
+          </ac:spMkLst>
+        </pc:spChg>
+      </pc:sldChg>
+      <pc:sldChg chg="modSp new mod">
+        <pc:chgData name="Dystron Forever" userId="860741af1eec8ecc" providerId="LiveId" clId="{E8785D74-9879-42C5-9058-5D91577AAC50}" dt="2021-07-24T13:38:49.652" v="905" actId="20577"/>
+        <pc:sldMkLst>
+          <pc:docMk/>
+          <pc:sldMk cId="2748774166" sldId="618"/>
+        </pc:sldMkLst>
+        <pc:spChg chg="mod">
+          <ac:chgData name="Dystron Forever" userId="860741af1eec8ecc" providerId="LiveId" clId="{E8785D74-9879-42C5-9058-5D91577AAC50}" dt="2021-07-24T13:38:23.101" v="820" actId="20577"/>
+          <ac:spMkLst>
+            <pc:docMk/>
+            <pc:sldMk cId="2748774166" sldId="618"/>
+            <ac:spMk id="2" creationId="{B04B6A19-647C-4D28-A0C4-DC3919B963B2}"/>
+          </ac:spMkLst>
+        </pc:spChg>
+        <pc:spChg chg="mod">
+          <ac:chgData name="Dystron Forever" userId="860741af1eec8ecc" providerId="LiveId" clId="{E8785D74-9879-42C5-9058-5D91577AAC50}" dt="2021-07-24T13:38:49.652" v="905" actId="20577"/>
+          <ac:spMkLst>
+            <pc:docMk/>
+            <pc:sldMk cId="2748774166" sldId="618"/>
+            <ac:spMk id="3" creationId="{A389FADC-3889-478E-AB32-B9F0461268D2}"/>
+          </ac:spMkLst>
+        </pc:spChg>
+      </pc:sldChg>
+    </pc:docChg>
+  </pc:docChgLst>
 </pc:chgInfo>
 </file>
 
@@ -466,7 +726,7 @@
           <a:p>
             <a:fld id="{4E9DBEC1-03D6-8C41-96E3-520E1D7FD629}" type="datetimeFigureOut">
               <a:rPr lang="en-US" smtClean="0"/>
-              <a:t>7/23/2021</a:t>
+              <a:t>7/24/2021</a:t>
             </a:fld>
             <a:endParaRPr lang="en-US"/>
           </a:p>
@@ -532,7 +792,7 @@
           <a:p>
             <a:fld id="{1FAA035C-FB08-0242-AF90-D9F53D6B6D73}" type="slidenum">
               <a:rPr lang="en-US" smtClean="0"/>
-              <a:t>‹#›</a:t>
+              <a:t>‹Nr.›</a:t>
             </a:fld>
             <a:endParaRPr lang="en-US"/>
           </a:p>
@@ -627,7 +887,7 @@
               </a14:hiddenEffects>
             </a:ext>
             <a:ext uri="{FAA26D3D-D897-4be2-8F04-BA451C77F1D7}">
-              <ma14:placeholderFlag xmlns:ma14="http://schemas.microsoft.com/office/mac/drawingml/2011/main" xmlns="" val="1"/>
+              <ma14:placeholderFlag xmlns="" xmlns:ma14="http://schemas.microsoft.com/office/mac/drawingml/2011/main" val="1"/>
             </a:ext>
           </a:extLst>
         </p:spPr>
@@ -706,7 +966,7 @@
               </a14:hiddenEffects>
             </a:ext>
             <a:ext uri="{FAA26D3D-D897-4be2-8F04-BA451C77F1D7}">
-              <ma14:placeholderFlag xmlns:ma14="http://schemas.microsoft.com/office/mac/drawingml/2011/main" xmlns="" val="1"/>
+              <ma14:placeholderFlag xmlns="" xmlns:ma14="http://schemas.microsoft.com/office/mac/drawingml/2011/main" val="1"/>
             </a:ext>
           </a:extLst>
         </p:spPr>
@@ -831,7 +1091,7 @@
               </a14:hiddenEffects>
             </a:ext>
             <a:ext uri="{FAA26D3D-D897-4be2-8F04-BA451C77F1D7}">
-              <ma14:placeholderFlag xmlns:ma14="http://schemas.microsoft.com/office/mac/drawingml/2011/main" xmlns="" val="1"/>
+              <ma14:placeholderFlag xmlns="" xmlns:ma14="http://schemas.microsoft.com/office/mac/drawingml/2011/main" val="1"/>
             </a:ext>
           </a:extLst>
         </p:spPr>
@@ -932,7 +1192,7 @@
               </a14:hiddenEffects>
             </a:ext>
             <a:ext uri="{FAA26D3D-D897-4be2-8F04-BA451C77F1D7}">
-              <ma14:placeholderFlag xmlns:ma14="http://schemas.microsoft.com/office/mac/drawingml/2011/main" xmlns="" val="1"/>
+              <ma14:placeholderFlag xmlns="" xmlns:ma14="http://schemas.microsoft.com/office/mac/drawingml/2011/main" val="1"/>
             </a:ext>
           </a:extLst>
         </p:spPr>
@@ -1011,7 +1271,7 @@
               </a14:hiddenEffects>
             </a:ext>
             <a:ext uri="{FAA26D3D-D897-4be2-8F04-BA451C77F1D7}">
-              <ma14:placeholderFlag xmlns:ma14="http://schemas.microsoft.com/office/mac/drawingml/2011/main" xmlns="" val="1"/>
+              <ma14:placeholderFlag xmlns="" xmlns:ma14="http://schemas.microsoft.com/office/mac/drawingml/2011/main" val="1"/>
             </a:ext>
           </a:extLst>
         </p:spPr>
@@ -1038,7 +1298,7 @@
               <a:pPr>
                 <a:defRPr/>
               </a:pPr>
-              <a:t>‹#›</a:t>
+              <a:t>‹Nr.›</a:t>
             </a:fld>
             <a:endParaRPr lang="en-US" dirty="0"/>
           </a:p>
@@ -1432,7 +1692,7 @@
       </p:grpSpPr>
       <p:sp>
         <p:nvSpPr>
-          <p:cNvPr id="2" name="Slide Image Placeholder 1"/>
+          <p:cNvPr id="2" name="Folienbildplatzhalter 1"/>
           <p:cNvSpPr>
             <a:spLocks noGrp="1" noRot="1" noChangeAspect="1"/>
           </p:cNvSpPr>
@@ -1440,16 +1700,11 @@
             <p:ph type="sldImg"/>
           </p:nvPr>
         </p:nvSpPr>
-        <p:spPr>
-          <a:xfrm>
-            <a:off x="2752725" y="533400"/>
-            <a:ext cx="4729163" cy="2660650"/>
-          </a:xfrm>
-        </p:spPr>
-      </p:sp>
-      <p:sp>
-        <p:nvSpPr>
-          <p:cNvPr id="3" name="Notes Placeholder 2"/>
+        <p:spPr/>
+      </p:sp>
+      <p:sp>
+        <p:nvSpPr>
+          <p:cNvPr id="3" name="Notizenplatzhalter 2"/>
           <p:cNvSpPr>
             <a:spLocks noGrp="1"/>
           </p:cNvSpPr>
@@ -1462,18 +1717,21 @@
           <a:bodyPr/>
           <a:lstStyle/>
           <a:p>
-            <a:endParaRPr lang="en-US" baseline="0" dirty="0"/>
+            <a:r>
+              <a:rPr lang="en-US" dirty="0"/>
+              <a:t>With CABB is an adapted version is a greater equal in SOLVE O1</a:t>
+            </a:r>
           </a:p>
         </p:txBody>
       </p:sp>
       <p:sp>
         <p:nvSpPr>
-          <p:cNvPr id="4" name="Slide Number Placeholder 3"/>
+          <p:cNvPr id="4" name="Foliennummernplatzhalter 3"/>
           <p:cNvSpPr>
             <a:spLocks noGrp="1"/>
           </p:cNvSpPr>
           <p:nvPr>
-            <p:ph type="sldNum" sz="quarter" idx="10"/>
+            <p:ph type="sldNum" sz="quarter" idx="5"/>
           </p:nvPr>
         </p:nvSpPr>
         <p:spPr/>
@@ -1489,7 +1747,217 @@
               <a:pPr>
                 <a:defRPr/>
               </a:pPr>
-              <a:t>9</a:t>
+              <a:t>7</a:t>
+            </a:fld>
+            <a:endParaRPr lang="en-US" dirty="0"/>
+          </a:p>
+        </p:txBody>
+      </p:sp>
+    </p:spTree>
+    <p:extLst>
+      <p:ext uri="{BB962C8B-B14F-4D97-AF65-F5344CB8AC3E}">
+        <p14:creationId xmlns:p14="http://schemas.microsoft.com/office/powerpoint/2010/main" val="4130055103"/>
+      </p:ext>
+    </p:extLst>
+  </p:cSld>
+  <p:clrMapOvr>
+    <a:masterClrMapping/>
+  </p:clrMapOvr>
+</p:notes>
+</file>
+
+<file path=ppt/notesSlides/notesSlide4.xml><?xml version="1.0" encoding="utf-8"?>
+<p:notes xmlns:a="http://schemas.openxmlformats.org/drawingml/2006/main" xmlns:r="http://schemas.openxmlformats.org/officeDocument/2006/relationships" xmlns:p="http://schemas.openxmlformats.org/presentationml/2006/main">
+  <p:cSld>
+    <p:spTree>
+      <p:nvGrpSpPr>
+        <p:cNvPr id="1" name=""/>
+        <p:cNvGrpSpPr/>
+        <p:nvPr/>
+      </p:nvGrpSpPr>
+      <p:grpSpPr>
+        <a:xfrm>
+          <a:off x="0" y="0"/>
+          <a:ext cx="0" cy="0"/>
+          <a:chOff x="0" y="0"/>
+          <a:chExt cx="0" cy="0"/>
+        </a:xfrm>
+      </p:grpSpPr>
+      <p:sp>
+        <p:nvSpPr>
+          <p:cNvPr id="2" name="Folienbildplatzhalter 1"/>
+          <p:cNvSpPr>
+            <a:spLocks noGrp="1" noRot="1" noChangeAspect="1"/>
+          </p:cNvSpPr>
+          <p:nvPr>
+            <p:ph type="sldImg"/>
+          </p:nvPr>
+        </p:nvSpPr>
+        <p:spPr/>
+      </p:sp>
+      <p:sp>
+        <p:nvSpPr>
+          <p:cNvPr id="3" name="Notizenplatzhalter 2"/>
+          <p:cNvSpPr>
+            <a:spLocks noGrp="1"/>
+          </p:cNvSpPr>
+          <p:nvPr>
+            <p:ph type="body" idx="1"/>
+          </p:nvPr>
+        </p:nvSpPr>
+        <p:spPr/>
+        <p:txBody>
+          <a:bodyPr/>
+          <a:lstStyle/>
+          <a:p>
+            <a:pPr marL="285750" marR="0" lvl="0" indent="-285750" algn="l" defTabSz="914400" rtl="0" eaLnBrk="0" fontAlgn="base" latinLnBrk="0" hangingPunct="0">
+              <a:lnSpc>
+                <a:spcPct val="100000"/>
+              </a:lnSpc>
+              <a:spcBef>
+                <a:spcPct val="30000"/>
+              </a:spcBef>
+              <a:spcAft>
+                <a:spcPct val="0"/>
+              </a:spcAft>
+              <a:buClr>
+                <a:srgbClr val="800000"/>
+              </a:buClr>
+              <a:buSzTx/>
+              <a:buFont typeface="Wingdings" charset="2"/>
+              <a:buChar char="§"/>
+              <a:tabLst/>
+              <a:defRPr/>
+            </a:pPr>
+            <a:r>
+              <a:rPr lang="en-GB" dirty="0"/>
+              <a:t>TODO add loss values here</a:t>
+            </a:r>
+          </a:p>
+          <a:p>
+            <a:endParaRPr lang="en-US" dirty="0"/>
+          </a:p>
+        </p:txBody>
+      </p:sp>
+      <p:sp>
+        <p:nvSpPr>
+          <p:cNvPr id="4" name="Foliennummernplatzhalter 3"/>
+          <p:cNvSpPr>
+            <a:spLocks noGrp="1"/>
+          </p:cNvSpPr>
+          <p:nvPr>
+            <p:ph type="sldNum" sz="quarter" idx="5"/>
+          </p:nvPr>
+        </p:nvSpPr>
+        <p:spPr/>
+        <p:txBody>
+          <a:bodyPr/>
+          <a:lstStyle/>
+          <a:p>
+            <a:pPr>
+              <a:defRPr/>
+            </a:pPr>
+            <a:fld id="{2D72F1E3-2578-1242-A6A3-72B7E9BB2E1A}" type="slidenum">
+              <a:rPr lang="en-US" smtClean="0"/>
+              <a:pPr>
+                <a:defRPr/>
+              </a:pPr>
+              <a:t>8</a:t>
+            </a:fld>
+            <a:endParaRPr lang="en-US" dirty="0"/>
+          </a:p>
+        </p:txBody>
+      </p:sp>
+    </p:spTree>
+    <p:extLst>
+      <p:ext uri="{BB962C8B-B14F-4D97-AF65-F5344CB8AC3E}">
+        <p14:creationId xmlns:p14="http://schemas.microsoft.com/office/powerpoint/2010/main" val="3648046172"/>
+      </p:ext>
+    </p:extLst>
+  </p:cSld>
+  <p:clrMapOvr>
+    <a:masterClrMapping/>
+  </p:clrMapOvr>
+</p:notes>
+</file>
+
+<file path=ppt/notesSlides/notesSlide5.xml><?xml version="1.0" encoding="utf-8"?>
+<p:notes xmlns:a="http://schemas.openxmlformats.org/drawingml/2006/main" xmlns:r="http://schemas.openxmlformats.org/officeDocument/2006/relationships" xmlns:p="http://schemas.openxmlformats.org/presentationml/2006/main">
+  <p:cSld>
+    <p:spTree>
+      <p:nvGrpSpPr>
+        <p:cNvPr id="1" name=""/>
+        <p:cNvGrpSpPr/>
+        <p:nvPr/>
+      </p:nvGrpSpPr>
+      <p:grpSpPr>
+        <a:xfrm>
+          <a:off x="0" y="0"/>
+          <a:ext cx="0" cy="0"/>
+          <a:chOff x="0" y="0"/>
+          <a:chExt cx="0" cy="0"/>
+        </a:xfrm>
+      </p:grpSpPr>
+      <p:sp>
+        <p:nvSpPr>
+          <p:cNvPr id="2" name="Slide Image Placeholder 1"/>
+          <p:cNvSpPr>
+            <a:spLocks noGrp="1" noRot="1" noChangeAspect="1"/>
+          </p:cNvSpPr>
+          <p:nvPr>
+            <p:ph type="sldImg"/>
+          </p:nvPr>
+        </p:nvSpPr>
+        <p:spPr>
+          <a:xfrm>
+            <a:off x="2752725" y="533400"/>
+            <a:ext cx="4729163" cy="2660650"/>
+          </a:xfrm>
+        </p:spPr>
+      </p:sp>
+      <p:sp>
+        <p:nvSpPr>
+          <p:cNvPr id="3" name="Notes Placeholder 2"/>
+          <p:cNvSpPr>
+            <a:spLocks noGrp="1"/>
+          </p:cNvSpPr>
+          <p:nvPr>
+            <p:ph type="body" idx="1"/>
+          </p:nvPr>
+        </p:nvSpPr>
+        <p:spPr/>
+        <p:txBody>
+          <a:bodyPr/>
+          <a:lstStyle/>
+          <a:p>
+            <a:endParaRPr lang="en-US" baseline="0" dirty="0"/>
+          </a:p>
+        </p:txBody>
+      </p:sp>
+      <p:sp>
+        <p:nvSpPr>
+          <p:cNvPr id="4" name="Slide Number Placeholder 3"/>
+          <p:cNvSpPr>
+            <a:spLocks noGrp="1"/>
+          </p:cNvSpPr>
+          <p:nvPr>
+            <p:ph type="sldNum" sz="quarter" idx="10"/>
+          </p:nvPr>
+        </p:nvSpPr>
+        <p:spPr/>
+        <p:txBody>
+          <a:bodyPr/>
+          <a:lstStyle/>
+          <a:p>
+            <a:pPr>
+              <a:defRPr/>
+            </a:pPr>
+            <a:fld id="{2D72F1E3-2578-1242-A6A3-72B7E9BB2E1A}" type="slidenum">
+              <a:rPr lang="en-US" smtClean="0"/>
+              <a:pPr>
+                <a:defRPr/>
+              </a:pPr>
+              <a:t>12</a:t>
             </a:fld>
             <a:endParaRPr lang="en-US" dirty="0"/>
           </a:p>
@@ -3045,7 +3513,7 @@
               </a14:hiddenEffects>
             </a:ext>
             <a:ext uri="{FAA26D3D-D897-4be2-8F04-BA451C77F1D7}">
-              <ma14:placeholderFlag xmlns:ma14="http://schemas.microsoft.com/office/mac/drawingml/2011/main" xmlns="" val="1"/>
+              <ma14:placeholderFlag xmlns="" xmlns:ma14="http://schemas.microsoft.com/office/mac/drawingml/2011/main" val="1"/>
             </a:ext>
           </a:extLst>
         </p:spPr>
@@ -3119,7 +3587,7 @@
               </a14:hiddenEffects>
             </a:ext>
             <a:ext uri="{FAA26D3D-D897-4be2-8F04-BA451C77F1D7}">
-              <ma14:placeholderFlag xmlns:ma14="http://schemas.microsoft.com/office/mac/drawingml/2011/main" xmlns="" val="1"/>
+              <ma14:placeholderFlag xmlns="" xmlns:ma14="http://schemas.microsoft.com/office/mac/drawingml/2011/main" val="1"/>
             </a:ext>
           </a:extLst>
         </p:spPr>
@@ -3687,6 +4155,292 @@
 </p:sld>
 </file>
 
+<file path=ppt/slides/slide10.xml><?xml version="1.0" encoding="utf-8"?>
+<p:sld xmlns:a="http://schemas.openxmlformats.org/drawingml/2006/main" xmlns:r="http://schemas.openxmlformats.org/officeDocument/2006/relationships" xmlns:p="http://schemas.openxmlformats.org/presentationml/2006/main">
+  <p:cSld>
+    <p:spTree>
+      <p:nvGrpSpPr>
+        <p:cNvPr id="1" name=""/>
+        <p:cNvGrpSpPr/>
+        <p:nvPr/>
+      </p:nvGrpSpPr>
+      <p:grpSpPr>
+        <a:xfrm>
+          <a:off x="0" y="0"/>
+          <a:ext cx="0" cy="0"/>
+          <a:chOff x="0" y="0"/>
+          <a:chExt cx="0" cy="0"/>
+        </a:xfrm>
+      </p:grpSpPr>
+      <p:sp>
+        <p:nvSpPr>
+          <p:cNvPr id="2" name="Title 1">
+            <a:extLst>
+              <a:ext uri="{FF2B5EF4-FFF2-40B4-BE49-F238E27FC236}">
+                <a16:creationId xmlns:a16="http://schemas.microsoft.com/office/drawing/2014/main" id="{2D09D21D-85D3-45EE-901C-55BD06588083}"/>
+              </a:ext>
+            </a:extLst>
+          </p:cNvPr>
+          <p:cNvSpPr>
+            <a:spLocks noGrp="1"/>
+          </p:cNvSpPr>
+          <p:nvPr>
+            <p:ph type="title"/>
+          </p:nvPr>
+        </p:nvSpPr>
+        <p:spPr/>
+        <p:txBody>
+          <a:bodyPr/>
+          <a:lstStyle/>
+          <a:p>
+            <a:r>
+              <a:rPr lang="en-US" dirty="0"/>
+              <a:t>Results/Comparison</a:t>
+            </a:r>
+          </a:p>
+        </p:txBody>
+      </p:sp>
+      <p:sp>
+        <p:nvSpPr>
+          <p:cNvPr id="3" name="Content Placeholder 2">
+            <a:extLst>
+              <a:ext uri="{FF2B5EF4-FFF2-40B4-BE49-F238E27FC236}">
+                <a16:creationId xmlns:a16="http://schemas.microsoft.com/office/drawing/2014/main" id="{CFB73C6E-E25A-4AD9-9620-74058DEEA275}"/>
+              </a:ext>
+            </a:extLst>
+          </p:cNvPr>
+          <p:cNvSpPr>
+            <a:spLocks noGrp="1"/>
+          </p:cNvSpPr>
+          <p:nvPr>
+            <p:ph idx="1"/>
+          </p:nvPr>
+        </p:nvSpPr>
+        <p:spPr/>
+        <p:txBody>
+          <a:bodyPr/>
+          <a:lstStyle/>
+          <a:p>
+            <a:r>
+              <a:rPr lang="en-US" dirty="0"/>
+              <a:t>Final values</a:t>
+            </a:r>
+          </a:p>
+          <a:p>
+            <a:r>
+              <a:rPr lang="en-US" dirty="0"/>
+              <a:t>Graph with history?</a:t>
+            </a:r>
+          </a:p>
+          <a:p>
+            <a:r>
+              <a:rPr lang="en-US" dirty="0"/>
+              <a:t>Training speed difference(look when episode saves were created)!</a:t>
+            </a:r>
+          </a:p>
+          <a:p>
+            <a:r>
+              <a:rPr lang="en-US" dirty="0"/>
+              <a:t>Difference in final images?</a:t>
+            </a:r>
+          </a:p>
+        </p:txBody>
+      </p:sp>
+    </p:spTree>
+    <p:extLst>
+      <p:ext uri="{BB962C8B-B14F-4D97-AF65-F5344CB8AC3E}">
+        <p14:creationId xmlns:p14="http://schemas.microsoft.com/office/powerpoint/2010/main" val="803320101"/>
+      </p:ext>
+    </p:extLst>
+  </p:cSld>
+  <p:clrMapOvr>
+    <a:masterClrMapping/>
+  </p:clrMapOvr>
+</p:sld>
+</file>
+
+<file path=ppt/slides/slide11.xml><?xml version="1.0" encoding="utf-8"?>
+<p:sld xmlns:a="http://schemas.openxmlformats.org/drawingml/2006/main" xmlns:r="http://schemas.openxmlformats.org/officeDocument/2006/relationships" xmlns:p="http://schemas.openxmlformats.org/presentationml/2006/main">
+  <p:cSld>
+    <p:spTree>
+      <p:nvGrpSpPr>
+        <p:cNvPr id="1" name=""/>
+        <p:cNvGrpSpPr/>
+        <p:nvPr/>
+      </p:nvGrpSpPr>
+      <p:grpSpPr>
+        <a:xfrm>
+          <a:off x="0" y="0"/>
+          <a:ext cx="0" cy="0"/>
+          <a:chOff x="0" y="0"/>
+          <a:chExt cx="0" cy="0"/>
+        </a:xfrm>
+      </p:grpSpPr>
+      <p:sp>
+        <p:nvSpPr>
+          <p:cNvPr id="2" name="Titel 1">
+            <a:extLst>
+              <a:ext uri="{FF2B5EF4-FFF2-40B4-BE49-F238E27FC236}">
+                <a16:creationId xmlns:a16="http://schemas.microsoft.com/office/drawing/2014/main" id="{B04B6A19-647C-4D28-A0C4-DC3919B963B2}"/>
+              </a:ext>
+            </a:extLst>
+          </p:cNvPr>
+          <p:cNvSpPr>
+            <a:spLocks noGrp="1"/>
+          </p:cNvSpPr>
+          <p:nvPr>
+            <p:ph type="title"/>
+          </p:nvPr>
+        </p:nvSpPr>
+        <p:spPr>
+          <a:xfrm>
+            <a:off x="381000" y="243543"/>
+            <a:ext cx="8545672" cy="954107"/>
+          </a:xfrm>
+        </p:spPr>
+        <p:txBody>
+          <a:bodyPr/>
+          <a:lstStyle/>
+          <a:p>
+            <a:r>
+              <a:rPr lang="en-US" dirty="0" err="1"/>
+              <a:t>Unaccaunted</a:t>
+            </a:r>
+            <a:r>
+              <a:rPr lang="en-US" dirty="0"/>
+              <a:t> Case of </a:t>
+            </a:r>
+            <a:r>
+              <a:rPr lang="en-US" dirty="0" err="1"/>
+              <a:t>omega_p</a:t>
+            </a:r>
+            <a:r>
+              <a:rPr lang="en-US" dirty="0"/>
+              <a:t> = </a:t>
+            </a:r>
+            <a:r>
+              <a:rPr lang="en-US" dirty="0" err="1"/>
+              <a:t>omega_hat</a:t>
+            </a:r>
+            <a:r>
+              <a:rPr lang="en-US" dirty="0"/>
+              <a:t>??</a:t>
+            </a:r>
+          </a:p>
+        </p:txBody>
+      </p:sp>
+      <p:sp>
+        <p:nvSpPr>
+          <p:cNvPr id="3" name="Inhaltsplatzhalter 2">
+            <a:extLst>
+              <a:ext uri="{FF2B5EF4-FFF2-40B4-BE49-F238E27FC236}">
+                <a16:creationId xmlns:a16="http://schemas.microsoft.com/office/drawing/2014/main" id="{A389FADC-3889-478E-AB32-B9F0461268D2}"/>
+              </a:ext>
+            </a:extLst>
+          </p:cNvPr>
+          <p:cNvSpPr>
+            <a:spLocks noGrp="1"/>
+          </p:cNvSpPr>
+          <p:nvPr>
+            <p:ph idx="1"/>
+          </p:nvPr>
+        </p:nvSpPr>
+        <p:spPr/>
+        <p:txBody>
+          <a:bodyPr/>
+          <a:lstStyle/>
+          <a:p>
+            <a:endParaRPr lang="en-US" dirty="0"/>
+          </a:p>
+          <a:p>
+            <a:endParaRPr lang="en-US" dirty="0"/>
+          </a:p>
+          <a:p>
+            <a:r>
+              <a:rPr lang="en-US" dirty="0"/>
+              <a:t>Would need to first </a:t>
+            </a:r>
+            <a:r>
+              <a:rPr lang="en-US" dirty="0" err="1"/>
+              <a:t>incroduce</a:t>
+            </a:r>
+            <a:r>
+              <a:rPr lang="en-US" dirty="0"/>
+              <a:t> the algorithms and then show how it can happen</a:t>
+            </a:r>
+          </a:p>
+        </p:txBody>
+      </p:sp>
+    </p:spTree>
+    <p:extLst>
+      <p:ext uri="{BB962C8B-B14F-4D97-AF65-F5344CB8AC3E}">
+        <p14:creationId xmlns:p14="http://schemas.microsoft.com/office/powerpoint/2010/main" val="2748774166"/>
+      </p:ext>
+    </p:extLst>
+  </p:cSld>
+  <p:clrMapOvr>
+    <a:masterClrMapping/>
+  </p:clrMapOvr>
+</p:sld>
+</file>
+
+<file path=ppt/slides/slide12.xml><?xml version="1.0" encoding="utf-8"?>
+<p:sld xmlns:a="http://schemas.openxmlformats.org/drawingml/2006/main" xmlns:r="http://schemas.openxmlformats.org/officeDocument/2006/relationships" xmlns:p="http://schemas.openxmlformats.org/presentationml/2006/main">
+  <p:cSld>
+    <p:spTree>
+      <p:nvGrpSpPr>
+        <p:cNvPr id="1" name=""/>
+        <p:cNvGrpSpPr/>
+        <p:nvPr/>
+      </p:nvGrpSpPr>
+      <p:grpSpPr>
+        <a:xfrm>
+          <a:off x="0" y="0"/>
+          <a:ext cx="0" cy="0"/>
+          <a:chOff x="0" y="0"/>
+          <a:chExt cx="0" cy="0"/>
+        </a:xfrm>
+      </p:grpSpPr>
+      <p:sp>
+        <p:nvSpPr>
+          <p:cNvPr id="2" name="Title 1"/>
+          <p:cNvSpPr>
+            <a:spLocks noGrp="1"/>
+          </p:cNvSpPr>
+          <p:nvPr>
+            <p:ph type="title"/>
+          </p:nvPr>
+        </p:nvSpPr>
+        <p:spPr>
+          <a:xfrm>
+            <a:off x="304800" y="2186643"/>
+            <a:ext cx="8534400" cy="523220"/>
+          </a:xfrm>
+        </p:spPr>
+        <p:txBody>
+          <a:bodyPr/>
+          <a:lstStyle/>
+          <a:p>
+            <a:r>
+              <a:rPr lang="en-US" dirty="0"/>
+              <a:t>Thank you for your attention!</a:t>
+            </a:r>
+          </a:p>
+        </p:txBody>
+      </p:sp>
+    </p:spTree>
+    <p:extLst>
+      <p:ext uri="{BB962C8B-B14F-4D97-AF65-F5344CB8AC3E}">
+        <p14:creationId xmlns:p14="http://schemas.microsoft.com/office/powerpoint/2010/main" val="2036475844"/>
+      </p:ext>
+    </p:extLst>
+  </p:cSld>
+  <p:clrMapOvr>
+    <a:masterClrMapping/>
+  </p:clrMapOvr>
+</p:sld>
+</file>
+
 <file path=ppt/slides/slide2.xml><?xml version="1.0" encoding="utf-8"?>
 <p:sld xmlns:a="http://schemas.openxmlformats.org/drawingml/2006/main" xmlns:r="http://schemas.openxmlformats.org/officeDocument/2006/relationships" xmlns:p="http://schemas.openxmlformats.org/presentationml/2006/main">
   <p:cSld>
@@ -4401,43 +5155,22 @@
             <p:ph type="title"/>
           </p:nvPr>
         </p:nvSpPr>
-        <p:spPr/>
+        <p:spPr>
+          <a:xfrm>
+            <a:off x="381000" y="243543"/>
+            <a:ext cx="8545672" cy="523220"/>
+          </a:xfrm>
+        </p:spPr>
         <p:txBody>
-          <a:bodyPr/>
+          <a:bodyPr wrap="square" anchor="t">
+            <a:normAutofit/>
+          </a:bodyPr>
           <a:lstStyle/>
           <a:p>
             <a:r>
               <a:rPr lang="de-DE" dirty="0"/>
               <a:t>Motivation</a:t>
             </a:r>
-            <a:endParaRPr lang="en-GB" dirty="0"/>
-          </a:p>
-        </p:txBody>
-      </p:sp>
-      <p:sp>
-        <p:nvSpPr>
-          <p:cNvPr id="4" name="Content Placeholder 3">
-            <a:extLst>
-              <a:ext uri="{FF2B5EF4-FFF2-40B4-BE49-F238E27FC236}">
-                <a16:creationId xmlns:a16="http://schemas.microsoft.com/office/drawing/2014/main" id="{A8E97774-92E3-4E04-9D90-A32D0CB6D1B1}"/>
-              </a:ext>
-            </a:extLst>
-          </p:cNvPr>
-          <p:cNvSpPr>
-            <a:spLocks noGrp="1"/>
-          </p:cNvSpPr>
-          <p:nvPr>
-            <p:ph idx="1"/>
-          </p:nvPr>
-        </p:nvSpPr>
-        <p:spPr/>
-        <p:txBody>
-          <a:bodyPr/>
-          <a:lstStyle/>
-          <a:p>
-            <a:pPr marL="0" indent="0">
-              <a:buNone/>
-            </a:pPr>
             <a:endParaRPr lang="en-GB" dirty="0"/>
           </a:p>
         </p:txBody>
@@ -4464,12 +5197,13 @@
         </p:blipFill>
         <p:spPr>
           <a:xfrm>
-            <a:off x="1371600" y="1047750"/>
-            <a:ext cx="6546742" cy="3542063"/>
+            <a:off x="996950" y="914400"/>
+            <a:ext cx="7302500" cy="3943350"/>
           </a:xfrm>
           <a:prstGeom prst="rect">
             <a:avLst/>
           </a:prstGeom>
+          <a:noFill/>
         </p:spPr>
       </p:pic>
     </p:spTree>
@@ -4504,10 +5238,10 @@
       </p:grpSpPr>
       <p:sp>
         <p:nvSpPr>
-          <p:cNvPr id="4" name="Title 3">
+          <p:cNvPr id="2" name="Titel 1">
             <a:extLst>
               <a:ext uri="{FF2B5EF4-FFF2-40B4-BE49-F238E27FC236}">
-                <a16:creationId xmlns:a16="http://schemas.microsoft.com/office/drawing/2014/main" id="{30C9BDA0-8F15-4D90-81BA-5E4C7E87598F}"/>
+                <a16:creationId xmlns:a16="http://schemas.microsoft.com/office/drawing/2014/main" id="{AF311FAB-AD3C-4964-9198-8FCBF12C9111}"/>
               </a:ext>
             </a:extLst>
           </p:cNvPr>
@@ -4525,22 +5259,17 @@
           <a:p>
             <a:r>
               <a:rPr lang="en-US" dirty="0"/>
-              <a:t>Our</a:t>
-            </a:r>
-            <a:r>
-              <a:rPr lang="de-DE" dirty="0"/>
-              <a:t> Task</a:t>
-            </a:r>
-            <a:endParaRPr lang="en-GB" dirty="0"/>
+              <a:t>Bounding Box Parametrization</a:t>
+            </a:r>
           </a:p>
         </p:txBody>
       </p:sp>
       <p:sp>
         <p:nvSpPr>
-          <p:cNvPr id="5" name="Content Placeholder 4">
+          <p:cNvPr id="3" name="Inhaltsplatzhalter 2">
             <a:extLst>
               <a:ext uri="{FF2B5EF4-FFF2-40B4-BE49-F238E27FC236}">
-                <a16:creationId xmlns:a16="http://schemas.microsoft.com/office/drawing/2014/main" id="{879BE057-F79C-416A-BC4B-8048CEFEFBAF}"/>
+                <a16:creationId xmlns:a16="http://schemas.microsoft.com/office/drawing/2014/main" id="{19BCFA74-BA43-4AED-8291-33BE8E5C855C}"/>
               </a:ext>
             </a:extLst>
           </p:cNvPr>
@@ -4558,15 +5287,19 @@
           <a:p>
             <a:r>
               <a:rPr lang="en-US" dirty="0"/>
-              <a:t>What is </a:t>
-            </a:r>
-            <a:r>
-              <a:rPr lang="en-US" dirty="0" err="1"/>
-              <a:t>Cabb</a:t>
-            </a:r>
-            <a:r>
-              <a:rPr lang="en-US"/>
-              <a:t>?</a:t>
+              <a:t>Delta omega explained?</a:t>
+            </a:r>
+          </a:p>
+          <a:p>
+            <a:r>
+              <a:rPr lang="en-US" dirty="0"/>
+              <a:t>Why do we even need delta omega?</a:t>
+            </a:r>
+          </a:p>
+          <a:p>
+            <a:r>
+              <a:rPr lang="en-US" dirty="0"/>
+              <a:t>Shows why its not a trivial solution</a:t>
             </a:r>
           </a:p>
         </p:txBody>
@@ -4574,7 +5307,7 @@
     </p:spTree>
     <p:extLst>
       <p:ext uri="{BB962C8B-B14F-4D97-AF65-F5344CB8AC3E}">
-        <p14:creationId xmlns:p14="http://schemas.microsoft.com/office/powerpoint/2010/main" val="1885977225"/>
+        <p14:creationId xmlns:p14="http://schemas.microsoft.com/office/powerpoint/2010/main" val="31551848"/>
       </p:ext>
     </p:extLst>
   </p:cSld>
@@ -4603,10 +5336,10 @@
       </p:grpSpPr>
       <p:sp>
         <p:nvSpPr>
-          <p:cNvPr id="2" name="Title 1">
+          <p:cNvPr id="4" name="Title 3">
             <a:extLst>
               <a:ext uri="{FF2B5EF4-FFF2-40B4-BE49-F238E27FC236}">
-                <a16:creationId xmlns:a16="http://schemas.microsoft.com/office/drawing/2014/main" id="{CADFAC11-05D7-429F-85C1-BB1E40DF7034}"/>
+                <a16:creationId xmlns:a16="http://schemas.microsoft.com/office/drawing/2014/main" id="{30C9BDA0-8F15-4D90-81BA-5E4C7E87598F}"/>
               </a:ext>
             </a:extLst>
           </p:cNvPr>
@@ -4623,35 +5356,31 @@
           <a:lstStyle/>
           <a:p>
             <a:r>
-              <a:rPr lang="en-US" dirty="0"/>
-              <a:t>Visualization</a:t>
+              <a:rPr lang="de-DE" dirty="0" err="1"/>
+              <a:t>Crop</a:t>
             </a:r>
             <a:r>
               <a:rPr lang="de-DE" dirty="0"/>
-              <a:t> </a:t>
-            </a:r>
-            <a:r>
-              <a:rPr lang="en-US" dirty="0"/>
-              <a:t>of</a:t>
+              <a:t>-Aware </a:t>
+            </a:r>
+            <a:r>
+              <a:rPr lang="de-DE" dirty="0" err="1"/>
+              <a:t>Bounding</a:t>
             </a:r>
             <a:r>
               <a:rPr lang="de-DE" dirty="0"/>
-              <a:t> </a:t>
-            </a:r>
-            <a:r>
-              <a:rPr lang="en-US" dirty="0" err="1"/>
-              <a:t>Cabb</a:t>
-            </a:r>
-            <a:endParaRPr lang="en-US" dirty="0"/>
+              <a:t> Boxes</a:t>
+            </a:r>
+            <a:endParaRPr lang="en-GB" dirty="0"/>
           </a:p>
         </p:txBody>
       </p:sp>
       <p:sp>
         <p:nvSpPr>
-          <p:cNvPr id="3" name="Content Placeholder 2">
+          <p:cNvPr id="5" name="Content Placeholder 4">
             <a:extLst>
               <a:ext uri="{FF2B5EF4-FFF2-40B4-BE49-F238E27FC236}">
-                <a16:creationId xmlns:a16="http://schemas.microsoft.com/office/drawing/2014/main" id="{E792780D-FF8B-464B-A133-01C1B809D660}"/>
+                <a16:creationId xmlns:a16="http://schemas.microsoft.com/office/drawing/2014/main" id="{879BE057-F79C-416A-BC4B-8048CEFEFBAF}"/>
               </a:ext>
             </a:extLst>
           </p:cNvPr>
@@ -4662,44 +5391,78 @@
             <p:ph idx="1"/>
           </p:nvPr>
         </p:nvSpPr>
-        <p:spPr/>
+        <p:spPr>
+          <a:xfrm>
+            <a:off x="381000" y="914400"/>
+            <a:ext cx="4708454" cy="3943350"/>
+          </a:xfrm>
+        </p:spPr>
         <p:txBody>
           <a:bodyPr/>
           <a:lstStyle/>
           <a:p>
             <a:r>
-              <a:rPr lang="en-GB" dirty="0"/>
-              <a:t>Target vs </a:t>
-            </a:r>
-            <a:r>
-              <a:rPr lang="en-GB" dirty="0" err="1"/>
-              <a:t>cabb</a:t>
-            </a:r>
-            <a:r>
-              <a:rPr lang="en-GB" dirty="0"/>
-              <a:t> target</a:t>
-            </a:r>
-          </a:p>
-          <a:p>
-            <a:r>
-              <a:rPr lang="en-GB" dirty="0"/>
-              <a:t>Maybe hardcode a prediction that imagines a larger prediction and show how </a:t>
-            </a:r>
-            <a:r>
-              <a:rPr lang="en-GB" dirty="0" err="1"/>
-              <a:t>cabb</a:t>
-            </a:r>
-            <a:r>
-              <a:rPr lang="en-GB" dirty="0"/>
-              <a:t> behaves and what the loss is</a:t>
-            </a:r>
+              <a:rPr lang="en-US" dirty="0"/>
+              <a:t>Network is allowed to hallucinate outside the crop area</a:t>
+            </a:r>
+          </a:p>
+          <a:p>
+            <a:r>
+              <a:rPr lang="en-US" dirty="0"/>
+              <a:t>Can reduce the bias against big objects which are cut</a:t>
+            </a:r>
+          </a:p>
+          <a:p>
+            <a:r>
+              <a:rPr lang="en-US" dirty="0"/>
+              <a:t>Training on crops with fine details can increase performance on small/far objects</a:t>
+            </a:r>
+          </a:p>
+          <a:p>
+            <a:endParaRPr lang="en-US" dirty="0"/>
+          </a:p>
+          <a:p>
+            <a:pPr marL="0" indent="0">
+              <a:buNone/>
+            </a:pPr>
+            <a:endParaRPr lang="en-US" dirty="0"/>
           </a:p>
         </p:txBody>
       </p:sp>
+      <p:pic>
+        <p:nvPicPr>
+          <p:cNvPr id="13" name="Grafik 12">
+            <a:extLst>
+              <a:ext uri="{FF2B5EF4-FFF2-40B4-BE49-F238E27FC236}">
+                <a16:creationId xmlns:a16="http://schemas.microsoft.com/office/drawing/2014/main" id="{FF7A492A-FA54-4B67-8A3B-536D293479E5}"/>
+              </a:ext>
+            </a:extLst>
+          </p:cNvPr>
+          <p:cNvPicPr>
+            <a:picLocks noChangeAspect="1"/>
+          </p:cNvPicPr>
+          <p:nvPr/>
+        </p:nvPicPr>
+        <p:blipFill>
+          <a:blip r:embed="rId3"/>
+          <a:stretch>
+            <a:fillRect/>
+          </a:stretch>
+        </p:blipFill>
+        <p:spPr>
+          <a:xfrm>
+            <a:off x="5089454" y="917155"/>
+            <a:ext cx="3673546" cy="3332025"/>
+          </a:xfrm>
+          <a:prstGeom prst="rect">
+            <a:avLst/>
+          </a:prstGeom>
+        </p:spPr>
+      </p:pic>
     </p:spTree>
     <p:extLst>
       <p:ext uri="{BB962C8B-B14F-4D97-AF65-F5344CB8AC3E}">
-        <p14:creationId xmlns:p14="http://schemas.microsoft.com/office/powerpoint/2010/main" val="2489557210"/>
+        <p14:creationId xmlns:p14="http://schemas.microsoft.com/office/powerpoint/2010/main" val="1885977225"/>
       </p:ext>
     </p:extLst>
   </p:cSld>
@@ -4731,7 +5494,7 @@
           <p:cNvPr id="2" name="Title 1">
             <a:extLst>
               <a:ext uri="{FF2B5EF4-FFF2-40B4-BE49-F238E27FC236}">
-                <a16:creationId xmlns:a16="http://schemas.microsoft.com/office/drawing/2014/main" id="{2D09D21D-85D3-45EE-901C-55BD06588083}"/>
+                <a16:creationId xmlns:a16="http://schemas.microsoft.com/office/drawing/2014/main" id="{CADFAC11-05D7-429F-85C1-BB1E40DF7034}"/>
               </a:ext>
             </a:extLst>
           </p:cNvPr>
@@ -4749,8 +5512,25 @@
           <a:p>
             <a:r>
               <a:rPr lang="en-US" dirty="0"/>
-              <a:t>Results/Comparison</a:t>
-            </a:r>
+              <a:t>Visualization</a:t>
+            </a:r>
+            <a:r>
+              <a:rPr lang="de-DE" dirty="0"/>
+              <a:t> </a:t>
+            </a:r>
+            <a:r>
+              <a:rPr lang="en-US" dirty="0"/>
+              <a:t>of</a:t>
+            </a:r>
+            <a:r>
+              <a:rPr lang="de-DE" dirty="0"/>
+              <a:t> </a:t>
+            </a:r>
+            <a:r>
+              <a:rPr lang="en-US" dirty="0" err="1"/>
+              <a:t>Cabb</a:t>
+            </a:r>
+            <a:endParaRPr lang="en-US" dirty="0"/>
           </a:p>
         </p:txBody>
       </p:sp>
@@ -4759,7 +5539,7 @@
           <p:cNvPr id="3" name="Content Placeholder 2">
             <a:extLst>
               <a:ext uri="{FF2B5EF4-FFF2-40B4-BE49-F238E27FC236}">
-                <a16:creationId xmlns:a16="http://schemas.microsoft.com/office/drawing/2014/main" id="{CFB73C6E-E25A-4AD9-9620-74058DEEA275}"/>
+                <a16:creationId xmlns:a16="http://schemas.microsoft.com/office/drawing/2014/main" id="{E792780D-FF8B-464B-A133-01C1B809D660}"/>
               </a:ext>
             </a:extLst>
           </p:cNvPr>
@@ -4770,34 +5550,165 @@
             <p:ph idx="1"/>
           </p:nvPr>
         </p:nvSpPr>
-        <p:spPr/>
+        <p:spPr>
+          <a:xfrm>
+            <a:off x="381000" y="3648684"/>
+            <a:ext cx="8534400" cy="1209065"/>
+          </a:xfrm>
+        </p:spPr>
         <p:txBody>
           <a:bodyPr/>
           <a:lstStyle/>
           <a:p>
-            <a:r>
-              <a:rPr lang="en-US" dirty="0"/>
-              <a:t>Final values</a:t>
-            </a:r>
-          </a:p>
-          <a:p>
-            <a:r>
-              <a:rPr lang="en-US" dirty="0"/>
-              <a:t>Graph with history?</a:t>
-            </a:r>
-          </a:p>
-          <a:p>
-            <a:r>
-              <a:rPr lang="en-US" dirty="0"/>
-              <a:t>Training speed difference(look when episode saves were created)!</a:t>
-            </a:r>
+            <a:pPr marL="0" indent="0">
+              <a:buNone/>
+            </a:pPr>
+            <a:endParaRPr lang="en-GB" dirty="0"/>
           </a:p>
         </p:txBody>
       </p:sp>
+      <p:pic>
+        <p:nvPicPr>
+          <p:cNvPr id="4" name="Grafik 3" descr="Ein Bild, das Text, draußen, Straße enthält.&#10;&#10;Automatisch generierte Beschreibung">
+            <a:extLst>
+              <a:ext uri="{FF2B5EF4-FFF2-40B4-BE49-F238E27FC236}">
+                <a16:creationId xmlns:a16="http://schemas.microsoft.com/office/drawing/2014/main" id="{019DB30C-1759-4DF1-AE4C-E17C76EE6AB0}"/>
+              </a:ext>
+            </a:extLst>
+          </p:cNvPr>
+          <p:cNvPicPr>
+            <a:picLocks noChangeAspect="1"/>
+          </p:cNvPicPr>
+          <p:nvPr/>
+        </p:nvPicPr>
+        <p:blipFill>
+          <a:blip r:embed="rId3"/>
+          <a:stretch>
+            <a:fillRect/>
+          </a:stretch>
+        </p:blipFill>
+        <p:spPr>
+          <a:xfrm>
+            <a:off x="440857" y="912257"/>
+            <a:ext cx="4093431" cy="2130174"/>
+          </a:xfrm>
+          <a:prstGeom prst="rect">
+            <a:avLst/>
+          </a:prstGeom>
+        </p:spPr>
+      </p:pic>
+      <p:sp>
+        <p:nvSpPr>
+          <p:cNvPr id="5" name="Textfeld 4">
+            <a:extLst>
+              <a:ext uri="{FF2B5EF4-FFF2-40B4-BE49-F238E27FC236}">
+                <a16:creationId xmlns:a16="http://schemas.microsoft.com/office/drawing/2014/main" id="{BA942420-B2DF-4312-9F77-010105064C64}"/>
+              </a:ext>
+            </a:extLst>
+          </p:cNvPr>
+          <p:cNvSpPr txBox="1"/>
+          <p:nvPr/>
+        </p:nvSpPr>
+        <p:spPr>
+          <a:xfrm>
+            <a:off x="436738" y="3187021"/>
+            <a:ext cx="4093431" cy="461665"/>
+          </a:xfrm>
+          <a:prstGeom prst="rect">
+            <a:avLst/>
+          </a:prstGeom>
+          <a:noFill/>
+        </p:spPr>
+        <p:txBody>
+          <a:bodyPr wrap="square" rtlCol="0">
+            <a:spAutoFit/>
+          </a:bodyPr>
+          <a:lstStyle/>
+          <a:p>
+            <a:r>
+              <a:rPr lang="en-US" dirty="0"/>
+              <a:t>Without</a:t>
+            </a:r>
+            <a:r>
+              <a:rPr lang="de-DE" dirty="0"/>
+              <a:t> CABB</a:t>
+            </a:r>
+          </a:p>
+        </p:txBody>
+      </p:sp>
+      <p:sp>
+        <p:nvSpPr>
+          <p:cNvPr id="6" name="Textfeld 5">
+            <a:extLst>
+              <a:ext uri="{FF2B5EF4-FFF2-40B4-BE49-F238E27FC236}">
+                <a16:creationId xmlns:a16="http://schemas.microsoft.com/office/drawing/2014/main" id="{5B6482A4-EF81-4EB4-B206-D70873A4FFB9}"/>
+              </a:ext>
+            </a:extLst>
+          </p:cNvPr>
+          <p:cNvSpPr txBox="1"/>
+          <p:nvPr/>
+        </p:nvSpPr>
+        <p:spPr>
+          <a:xfrm>
+            <a:off x="4657212" y="3187020"/>
+            <a:ext cx="4093431" cy="461665"/>
+          </a:xfrm>
+          <a:prstGeom prst="rect">
+            <a:avLst/>
+          </a:prstGeom>
+          <a:noFill/>
+        </p:spPr>
+        <p:txBody>
+          <a:bodyPr wrap="square" rtlCol="0">
+            <a:spAutoFit/>
+          </a:bodyPr>
+          <a:lstStyle/>
+          <a:p>
+            <a:r>
+              <a:rPr lang="en-US" dirty="0"/>
+              <a:t>With</a:t>
+            </a:r>
+            <a:r>
+              <a:rPr lang="de-DE" dirty="0"/>
+              <a:t> CABB</a:t>
+            </a:r>
+          </a:p>
+        </p:txBody>
+      </p:sp>
+      <p:pic>
+        <p:nvPicPr>
+          <p:cNvPr id="7" name="Grafik 6" descr="Ein Bild, das Text, draußen, Straße enthält.&#10;&#10;Automatisch generierte Beschreibung">
+            <a:extLst>
+              <a:ext uri="{FF2B5EF4-FFF2-40B4-BE49-F238E27FC236}">
+                <a16:creationId xmlns:a16="http://schemas.microsoft.com/office/drawing/2014/main" id="{B359E9AD-B13F-4042-BD52-83B942F326F2}"/>
+              </a:ext>
+            </a:extLst>
+          </p:cNvPr>
+          <p:cNvPicPr>
+            <a:picLocks noChangeAspect="1"/>
+          </p:cNvPicPr>
+          <p:nvPr/>
+        </p:nvPicPr>
+        <p:blipFill>
+          <a:blip r:embed="rId4"/>
+          <a:stretch>
+            <a:fillRect/>
+          </a:stretch>
+        </p:blipFill>
+        <p:spPr>
+          <a:xfrm>
+            <a:off x="4661332" y="914400"/>
+            <a:ext cx="4085193" cy="2125887"/>
+          </a:xfrm>
+          <a:prstGeom prst="rect">
+            <a:avLst/>
+          </a:prstGeom>
+        </p:spPr>
+      </p:pic>
     </p:spTree>
     <p:extLst>
       <p:ext uri="{BB962C8B-B14F-4D97-AF65-F5344CB8AC3E}">
-        <p14:creationId xmlns:p14="http://schemas.microsoft.com/office/powerpoint/2010/main" val="803320101"/>
+        <p14:creationId xmlns:p14="http://schemas.microsoft.com/office/powerpoint/2010/main" val="2489557210"/>
       </p:ext>
     </p:extLst>
   </p:cSld>
@@ -4826,7 +5737,13 @@
       </p:grpSpPr>
       <p:sp>
         <p:nvSpPr>
-          <p:cNvPr id="2" name="Title 1"/>
+          <p:cNvPr id="2" name="Titel 1">
+            <a:extLst>
+              <a:ext uri="{FF2B5EF4-FFF2-40B4-BE49-F238E27FC236}">
+                <a16:creationId xmlns:a16="http://schemas.microsoft.com/office/drawing/2014/main" id="{2DE899C9-ECB8-4209-B44A-D55809197041}"/>
+              </a:ext>
+            </a:extLst>
+          </p:cNvPr>
           <p:cNvSpPr>
             <a:spLocks noGrp="1"/>
           </p:cNvSpPr>
@@ -4834,19 +5751,48 @@
             <p:ph type="title"/>
           </p:nvPr>
         </p:nvSpPr>
-        <p:spPr>
-          <a:xfrm>
-            <a:off x="304800" y="2186643"/>
-            <a:ext cx="8534400" cy="523220"/>
-          </a:xfrm>
-        </p:spPr>
+        <p:spPr/>
         <p:txBody>
           <a:bodyPr/>
           <a:lstStyle/>
           <a:p>
             <a:r>
               <a:rPr lang="en-US" dirty="0"/>
-              <a:t>Thank you for your attention!</a:t>
+              <a:t>Training Setting</a:t>
+            </a:r>
+          </a:p>
+        </p:txBody>
+      </p:sp>
+      <p:sp>
+        <p:nvSpPr>
+          <p:cNvPr id="3" name="Inhaltsplatzhalter 2">
+            <a:extLst>
+              <a:ext uri="{FF2B5EF4-FFF2-40B4-BE49-F238E27FC236}">
+                <a16:creationId xmlns:a16="http://schemas.microsoft.com/office/drawing/2014/main" id="{855BEFD4-C452-40AA-8020-77316D8CF61E}"/>
+              </a:ext>
+            </a:extLst>
+          </p:cNvPr>
+          <p:cNvSpPr>
+            <a:spLocks noGrp="1"/>
+          </p:cNvSpPr>
+          <p:nvPr>
+            <p:ph idx="1"/>
+          </p:nvPr>
+        </p:nvSpPr>
+        <p:spPr/>
+        <p:txBody>
+          <a:bodyPr/>
+          <a:lstStyle/>
+          <a:p>
+            <a:r>
+              <a:rPr lang="en-US" dirty="0"/>
+              <a:t>Image size, Crop size</a:t>
+            </a:r>
+          </a:p>
+          <a:p>
+            <a:r>
+              <a:rPr lang="en-US" dirty="0"/>
+              <a:t>Image per GPU</a:t>
             </a:r>
           </a:p>
         </p:txBody>
@@ -4854,7 +5800,7 @@
     </p:spTree>
     <p:extLst>
       <p:ext uri="{BB962C8B-B14F-4D97-AF65-F5344CB8AC3E}">
-        <p14:creationId xmlns:p14="http://schemas.microsoft.com/office/powerpoint/2010/main" val="2036475844"/>
+        <p14:creationId xmlns:p14="http://schemas.microsoft.com/office/powerpoint/2010/main" val="2836184599"/>
       </p:ext>
     </p:extLst>
   </p:cSld>

--- a/Crop-Aware Panoptic Segmentation.pptx
+++ b/Crop-Aware Panoptic Segmentation.pptx
@@ -5,29 +5,26 @@
     <p:sldMasterId id="2147483653" r:id="rId1"/>
   </p:sldMasterIdLst>
   <p:notesMasterIdLst>
-    <p:notesMasterId r:id="rId14"/>
+    <p:notesMasterId r:id="rId11"/>
   </p:notesMasterIdLst>
   <p:handoutMasterIdLst>
-    <p:handoutMasterId r:id="rId15"/>
+    <p:handoutMasterId r:id="rId12"/>
   </p:handoutMasterIdLst>
   <p:sldIdLst>
     <p:sldId id="607" r:id="rId2"/>
-    <p:sldId id="609" r:id="rId3"/>
-    <p:sldId id="611" r:id="rId4"/>
-    <p:sldId id="610" r:id="rId5"/>
-    <p:sldId id="612" r:id="rId6"/>
-    <p:sldId id="616" r:id="rId7"/>
-    <p:sldId id="613" r:id="rId8"/>
-    <p:sldId id="614" r:id="rId9"/>
-    <p:sldId id="617" r:id="rId10"/>
-    <p:sldId id="615" r:id="rId11"/>
-    <p:sldId id="618" r:id="rId12"/>
-    <p:sldId id="604" r:id="rId13"/>
+    <p:sldId id="612" r:id="rId3"/>
+    <p:sldId id="616" r:id="rId4"/>
+    <p:sldId id="618" r:id="rId5"/>
+    <p:sldId id="613" r:id="rId6"/>
+    <p:sldId id="614" r:id="rId7"/>
+    <p:sldId id="617" r:id="rId8"/>
+    <p:sldId id="615" r:id="rId9"/>
+    <p:sldId id="604" r:id="rId10"/>
   </p:sldIdLst>
   <p:sldSz cx="9144000" cy="5143500" type="screen16x9"/>
   <p:notesSz cx="10234613" cy="7099300"/>
   <p:custDataLst>
-    <p:tags r:id="rId16"/>
+    <p:tags r:id="rId13"/>
   </p:custDataLst>
   <p:defaultTextStyle>
     <a:defPPr>
@@ -190,7 +187,8 @@
 <file path=ppt/revisionInfo.xml><?xml version="1.0" encoding="utf-8"?>
 <p1510:revInfo xmlns:a="http://schemas.openxmlformats.org/drawingml/2006/main" xmlns:r="http://schemas.openxmlformats.org/officeDocument/2006/relationships" xmlns:p1510="http://schemas.microsoft.com/office/powerpoint/2015/10/main">
   <p1510:revLst>
-    <p1510:client id="{E8785D74-9879-42C5-9058-5D91577AAC50}" v="9" dt="2021-07-24T13:18:55.489"/>
+    <p1510:client id="{80991716-2D59-4026-B09E-1447EF58DD18}" v="11" dt="2021-07-25T08:57:12.232"/>
+    <p1510:client id="{E8785D74-9879-42C5-9058-5D91577AAC50}" v="524" dt="2021-07-25T10:43:13.034"/>
   </p1510:revLst>
 </p1510:revInfo>
 </file>
@@ -385,20 +383,57 @@
     </pc:docChg>
   </pc:docChgLst>
   <pc:docChgLst>
-    <pc:chgData name="Dystron Forever" userId="860741af1eec8ecc" providerId="LiveId" clId="{E8785D74-9879-42C5-9058-5D91577AAC50}"/>
-    <pc:docChg chg="custSel addSld delSld modSld">
-      <pc:chgData name="Dystron Forever" userId="860741af1eec8ecc" providerId="LiveId" clId="{E8785D74-9879-42C5-9058-5D91577AAC50}" dt="2021-07-24T13:39:06.374" v="933" actId="20577"/>
+    <pc:chgData name="mahdi naouar" userId="5036e1aaa9c74f04" providerId="LiveId" clId="{80991716-2D59-4026-B09E-1447EF58DD18}"/>
+    <pc:docChg chg="modSld">
+      <pc:chgData name="mahdi naouar" userId="5036e1aaa9c74f04" providerId="LiveId" clId="{80991716-2D59-4026-B09E-1447EF58DD18}" dt="2021-07-25T08:57:12.233" v="10" actId="20577"/>
       <pc:docMkLst>
         <pc:docMk/>
       </pc:docMkLst>
+      <pc:sldChg chg="modNotesTx">
+        <pc:chgData name="mahdi naouar" userId="5036e1aaa9c74f04" providerId="LiveId" clId="{80991716-2D59-4026-B09E-1447EF58DD18}" dt="2021-07-25T08:57:12.233" v="10" actId="20577"/>
+        <pc:sldMkLst>
+          <pc:docMk/>
+          <pc:sldMk cId="463365429" sldId="612"/>
+        </pc:sldMkLst>
+      </pc:sldChg>
+    </pc:docChg>
+  </pc:docChgLst>
+  <pc:docChgLst>
+    <pc:chgData name="Dystron Forever" userId="860741af1eec8ecc" providerId="LiveId" clId="{E8785D74-9879-42C5-9058-5D91577AAC50}"/>
+    <pc:docChg chg="undo redo custSel addSld delSld modSld">
+      <pc:chgData name="Dystron Forever" userId="860741af1eec8ecc" providerId="LiveId" clId="{E8785D74-9879-42C5-9058-5D91577AAC50}" dt="2021-07-25T13:36:23.448" v="2129" actId="20577"/>
+      <pc:docMkLst>
+        <pc:docMk/>
+      </pc:docMkLst>
+      <pc:sldChg chg="del">
+        <pc:chgData name="Dystron Forever" userId="860741af1eec8ecc" providerId="LiveId" clId="{E8785D74-9879-42C5-9058-5D91577AAC50}" dt="2021-07-25T08:43:47.628" v="1207" actId="2696"/>
+        <pc:sldMkLst>
+          <pc:docMk/>
+          <pc:sldMk cId="1520736919" sldId="609"/>
+        </pc:sldMkLst>
+      </pc:sldChg>
+      <pc:sldChg chg="del">
+        <pc:chgData name="Dystron Forever" userId="860741af1eec8ecc" providerId="LiveId" clId="{E8785D74-9879-42C5-9058-5D91577AAC50}" dt="2021-07-25T08:43:52.264" v="1209" actId="2696"/>
+        <pc:sldMkLst>
+          <pc:docMk/>
+          <pc:sldMk cId="1607061220" sldId="610"/>
+        </pc:sldMkLst>
+      </pc:sldChg>
+      <pc:sldChg chg="del">
+        <pc:chgData name="Dystron Forever" userId="860741af1eec8ecc" providerId="LiveId" clId="{E8785D74-9879-42C5-9058-5D91577AAC50}" dt="2021-07-25T08:43:50.435" v="1208" actId="2696"/>
+        <pc:sldMkLst>
+          <pc:docMk/>
+          <pc:sldMk cId="2171095320" sldId="611"/>
+        </pc:sldMkLst>
+      </pc:sldChg>
       <pc:sldChg chg="delSp modSp mod">
-        <pc:chgData name="Dystron Forever" userId="860741af1eec8ecc" providerId="LiveId" clId="{E8785D74-9879-42C5-9058-5D91577AAC50}" dt="2021-07-24T13:22:28.236" v="521" actId="26606"/>
+        <pc:chgData name="Dystron Forever" userId="860741af1eec8ecc" providerId="LiveId" clId="{E8785D74-9879-42C5-9058-5D91577AAC50}" dt="2021-07-25T08:45:20.337" v="1305" actId="20577"/>
         <pc:sldMkLst>
           <pc:docMk/>
           <pc:sldMk cId="463365429" sldId="612"/>
         </pc:sldMkLst>
         <pc:spChg chg="mod">
-          <ac:chgData name="Dystron Forever" userId="860741af1eec8ecc" providerId="LiveId" clId="{E8785D74-9879-42C5-9058-5D91577AAC50}" dt="2021-07-24T13:22:28.236" v="521" actId="26606"/>
+          <ac:chgData name="Dystron Forever" userId="860741af1eec8ecc" providerId="LiveId" clId="{E8785D74-9879-42C5-9058-5D91577AAC50}" dt="2021-07-25T08:45:20.337" v="1305" actId="20577"/>
           <ac:spMkLst>
             <pc:docMk/>
             <pc:sldMk cId="463365429" sldId="612"/>
@@ -423,7 +458,7 @@
         </pc:picChg>
       </pc:sldChg>
       <pc:sldChg chg="addSp delSp modSp mod modNotesTx">
-        <pc:chgData name="Dystron Forever" userId="860741af1eec8ecc" providerId="LiveId" clId="{E8785D74-9879-42C5-9058-5D91577AAC50}" dt="2021-07-24T13:22:13.302" v="520" actId="20577"/>
+        <pc:chgData name="Dystron Forever" userId="860741af1eec8ecc" providerId="LiveId" clId="{E8785D74-9879-42C5-9058-5D91577AAC50}" dt="2021-07-25T13:29:58.143" v="2055" actId="20577"/>
         <pc:sldMkLst>
           <pc:docMk/>
           <pc:sldMk cId="1885977225" sldId="613"/>
@@ -437,7 +472,7 @@
           </ac:spMkLst>
         </pc:spChg>
         <pc:spChg chg="mod">
-          <ac:chgData name="Dystron Forever" userId="860741af1eec8ecc" providerId="LiveId" clId="{E8785D74-9879-42C5-9058-5D91577AAC50}" dt="2021-07-24T13:22:13.302" v="520" actId="20577"/>
+          <ac:chgData name="Dystron Forever" userId="860741af1eec8ecc" providerId="LiveId" clId="{E8785D74-9879-42C5-9058-5D91577AAC50}" dt="2021-07-25T13:29:58.143" v="2055" actId="20577"/>
           <ac:spMkLst>
             <pc:docMk/>
             <pc:sldMk cId="1885977225" sldId="613"/>
@@ -494,7 +529,7 @@
         </pc:picChg>
       </pc:sldChg>
       <pc:sldChg chg="addSp modSp mod modNotesTx">
-        <pc:chgData name="Dystron Forever" userId="860741af1eec8ecc" providerId="LiveId" clId="{E8785D74-9879-42C5-9058-5D91577AAC50}" dt="2021-07-24T13:22:45.134" v="523"/>
+        <pc:chgData name="Dystron Forever" userId="860741af1eec8ecc" providerId="LiveId" clId="{E8785D74-9879-42C5-9058-5D91577AAC50}" dt="2021-07-25T10:42:55.418" v="1772" actId="20577"/>
         <pc:sldMkLst>
           <pc:docMk/>
           <pc:sldMk cId="2489557210" sldId="614"/>
@@ -540,8 +575,8 @@
           </ac:picMkLst>
         </pc:picChg>
       </pc:sldChg>
-      <pc:sldChg chg="modSp mod">
-        <pc:chgData name="Dystron Forever" userId="860741af1eec8ecc" providerId="LiveId" clId="{E8785D74-9879-42C5-9058-5D91577AAC50}" dt="2021-07-24T13:39:06.374" v="933" actId="20577"/>
+      <pc:sldChg chg="modSp mod modNotesTx">
+        <pc:chgData name="Dystron Forever" userId="860741af1eec8ecc" providerId="LiveId" clId="{E8785D74-9879-42C5-9058-5D91577AAC50}" dt="2021-07-25T08:44:39.465" v="1280" actId="20577"/>
         <pc:sldMkLst>
           <pc:docMk/>
           <pc:sldMk cId="803320101" sldId="615"/>
@@ -555,14 +590,14 @@
           </ac:spMkLst>
         </pc:spChg>
       </pc:sldChg>
-      <pc:sldChg chg="modSp new mod">
-        <pc:chgData name="Dystron Forever" userId="860741af1eec8ecc" providerId="LiveId" clId="{E8785D74-9879-42C5-9058-5D91577AAC50}" dt="2021-07-24T13:27:57.769" v="676" actId="20577"/>
+      <pc:sldChg chg="addSp delSp modSp new mod modNotesTx">
+        <pc:chgData name="Dystron Forever" userId="860741af1eec8ecc" providerId="LiveId" clId="{E8785D74-9879-42C5-9058-5D91577AAC50}" dt="2021-07-25T13:27:53.598" v="1979" actId="20577"/>
         <pc:sldMkLst>
           <pc:docMk/>
           <pc:sldMk cId="31551848" sldId="616"/>
         </pc:sldMkLst>
         <pc:spChg chg="mod">
-          <ac:chgData name="Dystron Forever" userId="860741af1eec8ecc" providerId="LiveId" clId="{E8785D74-9879-42C5-9058-5D91577AAC50}" dt="2021-07-24T13:26:24.583" v="552" actId="20577"/>
+          <ac:chgData name="Dystron Forever" userId="860741af1eec8ecc" providerId="LiveId" clId="{E8785D74-9879-42C5-9058-5D91577AAC50}" dt="2021-07-25T08:46:17.701" v="1315" actId="20577"/>
           <ac:spMkLst>
             <pc:docMk/>
             <pc:sldMk cId="31551848" sldId="616"/>
@@ -570,13 +605,21 @@
           </ac:spMkLst>
         </pc:spChg>
         <pc:spChg chg="mod">
-          <ac:chgData name="Dystron Forever" userId="860741af1eec8ecc" providerId="LiveId" clId="{E8785D74-9879-42C5-9058-5D91577AAC50}" dt="2021-07-24T13:27:57.769" v="676" actId="20577"/>
+          <ac:chgData name="Dystron Forever" userId="860741af1eec8ecc" providerId="LiveId" clId="{E8785D74-9879-42C5-9058-5D91577AAC50}" dt="2021-07-25T13:27:47.148" v="1965" actId="20577"/>
           <ac:spMkLst>
             <pc:docMk/>
             <pc:sldMk cId="31551848" sldId="616"/>
             <ac:spMk id="3" creationId="{19BCFA74-BA43-4AED-8291-33BE8E5C855C}"/>
           </ac:spMkLst>
         </pc:spChg>
+        <pc:inkChg chg="add del">
+          <ac:chgData name="Dystron Forever" userId="860741af1eec8ecc" providerId="LiveId" clId="{E8785D74-9879-42C5-9058-5D91577AAC50}" dt="2021-07-25T10:19:37.035" v="1756" actId="478"/>
+          <ac:inkMkLst>
+            <pc:docMk/>
+            <pc:sldMk cId="31551848" sldId="616"/>
+            <ac:inkMk id="4" creationId="{C4AB63C9-138C-4360-A5A3-4FB2EF8C1042}"/>
+          </ac:inkMkLst>
+        </pc:inkChg>
       </pc:sldChg>
       <pc:sldChg chg="modSp new del mod">
         <pc:chgData name="Dystron Forever" userId="860741af1eec8ecc" providerId="LiveId" clId="{E8785D74-9879-42C5-9058-5D91577AAC50}" dt="2021-07-24T13:27:31.952" v="603" actId="2696"/>
@@ -594,7 +637,7 @@
         </pc:spChg>
       </pc:sldChg>
       <pc:sldChg chg="modSp new mod">
-        <pc:chgData name="Dystron Forever" userId="860741af1eec8ecc" providerId="LiveId" clId="{E8785D74-9879-42C5-9058-5D91577AAC50}" dt="2021-07-24T13:37:21.150" v="762" actId="20577"/>
+        <pc:chgData name="Dystron Forever" userId="860741af1eec8ecc" providerId="LiveId" clId="{E8785D74-9879-42C5-9058-5D91577AAC50}" dt="2021-07-25T08:40:07.835" v="1205" actId="207"/>
         <pc:sldMkLst>
           <pc:docMk/>
           <pc:sldMk cId="2836184599" sldId="617"/>
@@ -608,7 +651,7 @@
           </ac:spMkLst>
         </pc:spChg>
         <pc:spChg chg="mod">
-          <ac:chgData name="Dystron Forever" userId="860741af1eec8ecc" providerId="LiveId" clId="{E8785D74-9879-42C5-9058-5D91577AAC50}" dt="2021-07-24T13:37:21.150" v="762" actId="20577"/>
+          <ac:chgData name="Dystron Forever" userId="860741af1eec8ecc" providerId="LiveId" clId="{E8785D74-9879-42C5-9058-5D91577AAC50}" dt="2021-07-25T08:40:07.835" v="1205" actId="207"/>
           <ac:spMkLst>
             <pc:docMk/>
             <pc:sldMk cId="2836184599" sldId="617"/>
@@ -617,7 +660,30 @@
         </pc:spChg>
       </pc:sldChg>
       <pc:sldChg chg="modSp new mod">
-        <pc:chgData name="Dystron Forever" userId="860741af1eec8ecc" providerId="LiveId" clId="{E8785D74-9879-42C5-9058-5D91577AAC50}" dt="2021-07-24T13:38:49.652" v="905" actId="20577"/>
+        <pc:chgData name="Dystron Forever" userId="860741af1eec8ecc" providerId="LiveId" clId="{E8785D74-9879-42C5-9058-5D91577AAC50}" dt="2021-07-25T13:36:23.448" v="2129" actId="20577"/>
+        <pc:sldMkLst>
+          <pc:docMk/>
+          <pc:sldMk cId="2063460671" sldId="618"/>
+        </pc:sldMkLst>
+        <pc:spChg chg="mod">
+          <ac:chgData name="Dystron Forever" userId="860741af1eec8ecc" providerId="LiveId" clId="{E8785D74-9879-42C5-9058-5D91577AAC50}" dt="2021-07-25T13:27:20.276" v="1962" actId="20577"/>
+          <ac:spMkLst>
+            <pc:docMk/>
+            <pc:sldMk cId="2063460671" sldId="618"/>
+            <ac:spMk id="2" creationId="{52FD4665-D7AC-4F86-AFD3-7CE8FE32663B}"/>
+          </ac:spMkLst>
+        </pc:spChg>
+        <pc:spChg chg="mod">
+          <ac:chgData name="Dystron Forever" userId="860741af1eec8ecc" providerId="LiveId" clId="{E8785D74-9879-42C5-9058-5D91577AAC50}" dt="2021-07-25T13:36:23.448" v="2129" actId="20577"/>
+          <ac:spMkLst>
+            <pc:docMk/>
+            <pc:sldMk cId="2063460671" sldId="618"/>
+            <ac:spMk id="3" creationId="{4B0A16A1-1555-48B2-8DEF-4A31A390BD31}"/>
+          </ac:spMkLst>
+        </pc:spChg>
+      </pc:sldChg>
+      <pc:sldChg chg="modSp new del mod">
+        <pc:chgData name="Dystron Forever" userId="860741af1eec8ecc" providerId="LiveId" clId="{E8785D74-9879-42C5-9058-5D91577AAC50}" dt="2021-07-25T08:43:32.362" v="1206" actId="2696"/>
         <pc:sldMkLst>
           <pc:docMk/>
           <pc:sldMk cId="2748774166" sldId="618"/>
@@ -726,7 +792,7 @@
           <a:p>
             <a:fld id="{4E9DBEC1-03D6-8C41-96E3-520E1D7FD629}" type="datetimeFigureOut">
               <a:rPr lang="en-US" smtClean="0"/>
-              <a:t>7/24/2021</a:t>
+              <a:t>7/25/2021</a:t>
             </a:fld>
             <a:endParaRPr lang="en-US"/>
           </a:p>
@@ -909,7 +975,7 @@
             <a:pPr>
               <a:defRPr/>
             </a:pPr>
-            <a:endParaRPr lang="en-US" dirty="0"/>
+            <a:endParaRPr lang="en-US"/>
           </a:p>
         </p:txBody>
       </p:sp>
@@ -988,7 +1054,7 @@
             <a:pPr>
               <a:defRPr/>
             </a:pPr>
-            <a:endParaRPr lang="en-US" dirty="0"/>
+            <a:endParaRPr lang="en-US"/>
           </a:p>
         </p:txBody>
       </p:sp>
@@ -1105,35 +1171,35 @@
           <a:p>
             <a:pPr lvl="0"/>
             <a:r>
-              <a:rPr lang="de-DE" noProof="0" dirty="0"/>
+              <a:rPr lang="de-DE" noProof="0"/>
               <a:t>Klicken Sie, um die Formate des Vorlagentextes zu bearbeiten</a:t>
             </a:r>
           </a:p>
           <a:p>
             <a:pPr lvl="1"/>
             <a:r>
-              <a:rPr lang="de-DE" noProof="0" dirty="0"/>
+              <a:rPr lang="de-DE" noProof="0"/>
               <a:t>Zweite Ebene</a:t>
             </a:r>
           </a:p>
           <a:p>
             <a:pPr lvl="2"/>
             <a:r>
-              <a:rPr lang="de-DE" noProof="0" dirty="0"/>
+              <a:rPr lang="de-DE" noProof="0"/>
               <a:t>Dritte Ebene</a:t>
             </a:r>
           </a:p>
           <a:p>
             <a:pPr lvl="3"/>
             <a:r>
-              <a:rPr lang="de-DE" noProof="0" dirty="0"/>
+              <a:rPr lang="de-DE" noProof="0"/>
               <a:t>Vierte Ebene</a:t>
             </a:r>
           </a:p>
           <a:p>
             <a:pPr lvl="4"/>
             <a:r>
-              <a:rPr lang="de-DE" noProof="0" dirty="0"/>
+              <a:rPr lang="de-DE" noProof="0"/>
               <a:t>Fünfte Ebene</a:t>
             </a:r>
           </a:p>
@@ -1214,7 +1280,7 @@
             <a:pPr>
               <a:defRPr/>
             </a:pPr>
-            <a:endParaRPr lang="en-US" dirty="0"/>
+            <a:endParaRPr lang="en-US"/>
           </a:p>
         </p:txBody>
       </p:sp>
@@ -1300,7 +1366,7 @@
               </a:pPr>
               <a:t>‹Nr.›</a:t>
             </a:fld>
-            <a:endParaRPr lang="en-US" dirty="0"/>
+            <a:endParaRPr lang="en-US"/>
           </a:p>
         </p:txBody>
       </p:sp>
@@ -1489,12 +1555,7 @@
             <p:ph type="sldImg"/>
           </p:nvPr>
         </p:nvSpPr>
-        <p:spPr>
-          <a:xfrm>
-            <a:off x="2516188" y="409575"/>
-            <a:ext cx="5202237" cy="2927350"/>
-          </a:xfrm>
-        </p:spPr>
+        <p:spPr/>
       </p:sp>
       <p:sp>
         <p:nvSpPr>
@@ -1511,7 +1572,33 @@
           <a:bodyPr/>
           <a:lstStyle/>
           <a:p>
-            <a:endParaRPr lang="en-US" dirty="0"/>
+            <a:r>
+              <a:rPr lang="en-US"/>
+              <a:t>What is Panoptic Segmentation?</a:t>
+            </a:r>
+          </a:p>
+          <a:p>
+            <a:r>
+              <a:rPr lang="en-US" err="1"/>
+              <a:t>Whats</a:t>
+            </a:r>
+            <a:r>
+              <a:rPr lang="en-US"/>
+              <a:t> the goal?</a:t>
+            </a:r>
+          </a:p>
+          <a:p>
+            <a:r>
+              <a:rPr lang="en-US" err="1"/>
+              <a:t>Rohits</a:t>
+            </a:r>
+            <a:r>
+              <a:rPr lang="en-US"/>
+              <a:t> Paper</a:t>
+            </a:r>
+          </a:p>
+          <a:p>
+            <a:endParaRPr lang="en-US"/>
           </a:p>
         </p:txBody>
       </p:sp>
@@ -1522,7 +1609,7 @@
             <a:spLocks noGrp="1"/>
           </p:cNvSpPr>
           <p:nvPr>
-            <p:ph type="sldNum" sz="quarter" idx="10"/>
+            <p:ph type="sldNum" sz="quarter" idx="5"/>
           </p:nvPr>
         </p:nvSpPr>
         <p:spPr/>
@@ -1540,14 +1627,14 @@
               </a:pPr>
               <a:t>2</a:t>
             </a:fld>
-            <a:endParaRPr lang="en-US" dirty="0"/>
+            <a:endParaRPr lang="en-US"/>
           </a:p>
         </p:txBody>
       </p:sp>
     </p:spTree>
     <p:extLst>
       <p:ext uri="{BB962C8B-B14F-4D97-AF65-F5344CB8AC3E}">
-        <p14:creationId xmlns:p14="http://schemas.microsoft.com/office/powerpoint/2010/main" val="2550495713"/>
+        <p14:creationId xmlns:p14="http://schemas.microsoft.com/office/powerpoint/2010/main" val="2155267831"/>
       </p:ext>
     </p:extLst>
   </p:cSld>
@@ -1576,7 +1663,7 @@
       </p:grpSpPr>
       <p:sp>
         <p:nvSpPr>
-          <p:cNvPr id="2" name="Slide Image Placeholder 1"/>
+          <p:cNvPr id="2" name="Folienbildplatzhalter 1"/>
           <p:cNvSpPr>
             <a:spLocks noGrp="1" noRot="1" noChangeAspect="1"/>
           </p:cNvSpPr>
@@ -1588,7 +1675,7 @@
       </p:sp>
       <p:sp>
         <p:nvSpPr>
-          <p:cNvPr id="3" name="Notes Placeholder 2"/>
+          <p:cNvPr id="3" name="Notizenplatzhalter 2"/>
           <p:cNvSpPr>
             <a:spLocks noGrp="1"/>
           </p:cNvSpPr>
@@ -1601,29 +1688,32 @@
           <a:bodyPr/>
           <a:lstStyle/>
           <a:p>
+            <a:pPr marL="285750" marR="0" lvl="0" indent="-285750" algn="l" defTabSz="914400" rtl="0" eaLnBrk="0" fontAlgn="base" latinLnBrk="0" hangingPunct="0">
+              <a:lnSpc>
+                <a:spcPct val="100000"/>
+              </a:lnSpc>
+              <a:spcBef>
+                <a:spcPct val="30000"/>
+              </a:spcBef>
+              <a:spcAft>
+                <a:spcPct val="0"/>
+              </a:spcAft>
+              <a:buClr>
+                <a:srgbClr val="800000"/>
+              </a:buClr>
+              <a:buSzTx/>
+              <a:buFont typeface="Wingdings" charset="2"/>
+              <a:buChar char="§"/>
+              <a:tabLst/>
+              <a:defRPr/>
+            </a:pPr>
+            <a:r>
+              <a:rPr lang="en-US" dirty="0" err="1"/>
+              <a:t>Überleitung</a:t>
+            </a:r>
             <a:r>
               <a:rPr lang="en-US" dirty="0"/>
-              <a:t>What is Panoptic Segmentation?</a:t>
-            </a:r>
-          </a:p>
-          <a:p>
-            <a:r>
-              <a:rPr lang="en-US" dirty="0" err="1"/>
-              <a:t>Whats</a:t>
-            </a:r>
-            <a:r>
-              <a:rPr lang="en-US" dirty="0"/>
-              <a:t> the goal?</a:t>
-            </a:r>
-          </a:p>
-          <a:p>
-            <a:r>
-              <a:rPr lang="en-US" dirty="0" err="1"/>
-              <a:t>Rohits</a:t>
-            </a:r>
-            <a:r>
-              <a:rPr lang="en-US" dirty="0"/>
-              <a:t> Paper</a:t>
+              <a:t>: What happens if we train on a crop of the image?</a:t>
             </a:r>
           </a:p>
           <a:p>
@@ -1633,7 +1723,7 @@
       </p:sp>
       <p:sp>
         <p:nvSpPr>
-          <p:cNvPr id="4" name="Slide Number Placeholder 3"/>
+          <p:cNvPr id="4" name="Foliennummernplatzhalter 3"/>
           <p:cNvSpPr>
             <a:spLocks noGrp="1"/>
           </p:cNvSpPr>
@@ -1654,16 +1744,16 @@
               <a:pPr>
                 <a:defRPr/>
               </a:pPr>
-              <a:t>5</a:t>
+              <a:t>3</a:t>
             </a:fld>
-            <a:endParaRPr lang="en-US" dirty="0"/>
+            <a:endParaRPr lang="en-US"/>
           </a:p>
         </p:txBody>
       </p:sp>
     </p:spTree>
     <p:extLst>
       <p:ext uri="{BB962C8B-B14F-4D97-AF65-F5344CB8AC3E}">
-        <p14:creationId xmlns:p14="http://schemas.microsoft.com/office/powerpoint/2010/main" val="2155267831"/>
+        <p14:creationId xmlns:p14="http://schemas.microsoft.com/office/powerpoint/2010/main" val="814261357"/>
       </p:ext>
     </p:extLst>
   </p:cSld>
@@ -1718,8 +1808,8 @@
           <a:lstStyle/>
           <a:p>
             <a:r>
-              <a:rPr lang="en-US" dirty="0"/>
-              <a:t>With CABB is an adapted version is a greater equal in SOLVE O1</a:t>
+              <a:rPr lang="en-US"/>
+              <a:t>Explain cases, maybe also show a O2 version</a:t>
             </a:r>
           </a:p>
         </p:txBody>
@@ -1747,9 +1837,9 @@
               <a:pPr>
                 <a:defRPr/>
               </a:pPr>
-              <a:t>7</a:t>
+              <a:t>5</a:t>
             </a:fld>
-            <a:endParaRPr lang="en-US" dirty="0"/>
+            <a:endParaRPr lang="en-US"/>
           </a:p>
         </p:txBody>
       </p:sp>
@@ -1830,12 +1920,142 @@
               <a:defRPr/>
             </a:pPr>
             <a:r>
-              <a:rPr lang="en-GB" dirty="0"/>
+              <a:rPr lang="en-GB"/>
               <a:t>TODO add loss values here</a:t>
             </a:r>
           </a:p>
           <a:p>
-            <a:endParaRPr lang="en-US" dirty="0"/>
+            <a:pPr marL="285750" marR="0" lvl="0" indent="-285750" algn="l" defTabSz="914400" rtl="0" eaLnBrk="0" fontAlgn="base" latinLnBrk="0" hangingPunct="0">
+              <a:lnSpc>
+                <a:spcPct val="100000"/>
+              </a:lnSpc>
+              <a:spcBef>
+                <a:spcPct val="30000"/>
+              </a:spcBef>
+              <a:spcAft>
+                <a:spcPct val="0"/>
+              </a:spcAft>
+              <a:buClr>
+                <a:srgbClr val="800000"/>
+              </a:buClr>
+              <a:buSzTx/>
+              <a:buFont typeface="Wingdings" charset="2"/>
+              <a:buChar char="§"/>
+              <a:tabLst/>
+              <a:defRPr/>
+            </a:pPr>
+            <a:r>
+              <a:rPr lang="en-US"/>
+              <a:t>With CABB is an adapted version is a greater equal in SOLVE O1</a:t>
+            </a:r>
+          </a:p>
+          <a:p>
+            <a:pPr marL="285750" marR="0" lvl="0" indent="-285750" algn="l" defTabSz="914400" rtl="0" eaLnBrk="0" fontAlgn="base" latinLnBrk="0" hangingPunct="0">
+              <a:lnSpc>
+                <a:spcPct val="100000"/>
+              </a:lnSpc>
+              <a:spcBef>
+                <a:spcPct val="30000"/>
+              </a:spcBef>
+              <a:spcAft>
+                <a:spcPct val="0"/>
+              </a:spcAft>
+              <a:buClr>
+                <a:srgbClr val="800000"/>
+              </a:buClr>
+              <a:buSzTx/>
+              <a:buFont typeface="Wingdings" charset="2"/>
+              <a:buChar char="§"/>
+              <a:tabLst/>
+              <a:defRPr/>
+            </a:pPr>
+            <a:r>
+              <a:rPr lang="en-GB"/>
+              <a:t>Left ground truth is cropped</a:t>
+            </a:r>
+          </a:p>
+          <a:p>
+            <a:pPr marL="285750" marR="0" lvl="0" indent="-285750" algn="l" defTabSz="914400" rtl="0" eaLnBrk="0" fontAlgn="base" latinLnBrk="0" hangingPunct="0">
+              <a:lnSpc>
+                <a:spcPct val="100000"/>
+              </a:lnSpc>
+              <a:spcBef>
+                <a:spcPct val="30000"/>
+              </a:spcBef>
+              <a:spcAft>
+                <a:spcPct val="0"/>
+              </a:spcAft>
+              <a:buClr>
+                <a:srgbClr val="800000"/>
+              </a:buClr>
+              <a:buSzTx/>
+              <a:buFont typeface="Wingdings" charset="2"/>
+              <a:buChar char="§"/>
+              <a:tabLst/>
+              <a:defRPr/>
+            </a:pPr>
+            <a:r>
+              <a:rPr lang="en-GB"/>
+              <a:t>We save the original </a:t>
+            </a:r>
+            <a:r>
+              <a:rPr lang="en-GB" err="1"/>
+              <a:t>gt</a:t>
+            </a:r>
+            <a:endParaRPr lang="en-GB"/>
+          </a:p>
+          <a:p>
+            <a:pPr marL="285750" marR="0" lvl="0" indent="-285750" algn="l" defTabSz="914400" rtl="0" eaLnBrk="0" fontAlgn="base" latinLnBrk="0" hangingPunct="0">
+              <a:lnSpc>
+                <a:spcPct val="100000"/>
+              </a:lnSpc>
+              <a:spcBef>
+                <a:spcPct val="30000"/>
+              </a:spcBef>
+              <a:spcAft>
+                <a:spcPct val="0"/>
+              </a:spcAft>
+              <a:buClr>
+                <a:srgbClr val="800000"/>
+              </a:buClr>
+              <a:buSzTx/>
+              <a:buFont typeface="Wingdings" charset="2"/>
+              <a:buChar char="§"/>
+              <a:tabLst/>
+              <a:defRPr/>
+            </a:pPr>
+            <a:r>
+              <a:rPr lang="en-GB"/>
+              <a:t>Right side we optimize a new target that minimizes loss based on cases</a:t>
+            </a:r>
+          </a:p>
+          <a:p>
+            <a:pPr marL="285750" marR="0" lvl="0" indent="-285750" algn="l" defTabSz="914400" rtl="0" eaLnBrk="0" fontAlgn="base" latinLnBrk="0" hangingPunct="0">
+              <a:lnSpc>
+                <a:spcPct val="100000"/>
+              </a:lnSpc>
+              <a:spcBef>
+                <a:spcPct val="30000"/>
+              </a:spcBef>
+              <a:spcAft>
+                <a:spcPct val="0"/>
+              </a:spcAft>
+              <a:buClr>
+                <a:srgbClr val="800000"/>
+              </a:buClr>
+              <a:buSzTx/>
+              <a:buFont typeface="Wingdings" charset="2"/>
+              <a:buChar char="§"/>
+              <a:tabLst/>
+              <a:defRPr/>
+            </a:pPr>
+            <a:r>
+              <a:rPr lang="en-GB"/>
+              <a:t>Explain colors</a:t>
+            </a:r>
+          </a:p>
+          <a:p>
+            <a:endParaRPr lang="en-US"/>
           </a:p>
         </p:txBody>
       </p:sp>
@@ -1862,9 +2082,9 @@
               <a:pPr>
                 <a:defRPr/>
               </a:pPr>
-              <a:t>8</a:t>
+              <a:t>6</a:t>
             </a:fld>
-            <a:endParaRPr lang="en-US" dirty="0"/>
+            <a:endParaRPr lang="en-US"/>
           </a:p>
         </p:txBody>
       </p:sp>
@@ -1900,7 +2120,7 @@
       </p:grpSpPr>
       <p:sp>
         <p:nvSpPr>
-          <p:cNvPr id="2" name="Slide Image Placeholder 1"/>
+          <p:cNvPr id="2" name="Folienbildplatzhalter 1"/>
           <p:cNvSpPr>
             <a:spLocks noGrp="1" noRot="1" noChangeAspect="1"/>
           </p:cNvSpPr>
@@ -1908,16 +2128,11 @@
             <p:ph type="sldImg"/>
           </p:nvPr>
         </p:nvSpPr>
-        <p:spPr>
-          <a:xfrm>
-            <a:off x="2752725" y="533400"/>
-            <a:ext cx="4729163" cy="2660650"/>
-          </a:xfrm>
-        </p:spPr>
-      </p:sp>
-      <p:sp>
-        <p:nvSpPr>
-          <p:cNvPr id="3" name="Notes Placeholder 2"/>
+        <p:spPr/>
+      </p:sp>
+      <p:sp>
+        <p:nvSpPr>
+          <p:cNvPr id="3" name="Notizenplatzhalter 2"/>
           <p:cNvSpPr>
             <a:spLocks noGrp="1"/>
           </p:cNvSpPr>
@@ -1930,18 +2145,21 @@
           <a:bodyPr/>
           <a:lstStyle/>
           <a:p>
-            <a:endParaRPr lang="en-US" baseline="0" dirty="0"/>
+            <a:r>
+              <a:rPr lang="en-US"/>
+              <a:t>If the results are worse it could be based on the unaccounted case</a:t>
+            </a:r>
           </a:p>
         </p:txBody>
       </p:sp>
       <p:sp>
         <p:nvSpPr>
-          <p:cNvPr id="4" name="Slide Number Placeholder 3"/>
+          <p:cNvPr id="4" name="Foliennummernplatzhalter 3"/>
           <p:cNvSpPr>
             <a:spLocks noGrp="1"/>
           </p:cNvSpPr>
           <p:nvPr>
-            <p:ph type="sldNum" sz="quarter" idx="10"/>
+            <p:ph type="sldNum" sz="quarter" idx="5"/>
           </p:nvPr>
         </p:nvSpPr>
         <p:spPr/>
@@ -1957,9 +2175,104 @@
               <a:pPr>
                 <a:defRPr/>
               </a:pPr>
-              <a:t>12</a:t>
+              <a:t>8</a:t>
             </a:fld>
-            <a:endParaRPr lang="en-US" dirty="0"/>
+            <a:endParaRPr lang="en-US"/>
+          </a:p>
+        </p:txBody>
+      </p:sp>
+    </p:spTree>
+    <p:extLst>
+      <p:ext uri="{BB962C8B-B14F-4D97-AF65-F5344CB8AC3E}">
+        <p14:creationId xmlns:p14="http://schemas.microsoft.com/office/powerpoint/2010/main" val="2369523755"/>
+      </p:ext>
+    </p:extLst>
+  </p:cSld>
+  <p:clrMapOvr>
+    <a:masterClrMapping/>
+  </p:clrMapOvr>
+</p:notes>
+</file>
+
+<file path=ppt/notesSlides/notesSlide6.xml><?xml version="1.0" encoding="utf-8"?>
+<p:notes xmlns:a="http://schemas.openxmlformats.org/drawingml/2006/main" xmlns:r="http://schemas.openxmlformats.org/officeDocument/2006/relationships" xmlns:p="http://schemas.openxmlformats.org/presentationml/2006/main">
+  <p:cSld>
+    <p:spTree>
+      <p:nvGrpSpPr>
+        <p:cNvPr id="1" name=""/>
+        <p:cNvGrpSpPr/>
+        <p:nvPr/>
+      </p:nvGrpSpPr>
+      <p:grpSpPr>
+        <a:xfrm>
+          <a:off x="0" y="0"/>
+          <a:ext cx="0" cy="0"/>
+          <a:chOff x="0" y="0"/>
+          <a:chExt cx="0" cy="0"/>
+        </a:xfrm>
+      </p:grpSpPr>
+      <p:sp>
+        <p:nvSpPr>
+          <p:cNvPr id="2" name="Slide Image Placeholder 1"/>
+          <p:cNvSpPr>
+            <a:spLocks noGrp="1" noRot="1" noChangeAspect="1"/>
+          </p:cNvSpPr>
+          <p:nvPr>
+            <p:ph type="sldImg"/>
+          </p:nvPr>
+        </p:nvSpPr>
+        <p:spPr>
+          <a:xfrm>
+            <a:off x="2752725" y="533400"/>
+            <a:ext cx="4729163" cy="2660650"/>
+          </a:xfrm>
+        </p:spPr>
+      </p:sp>
+      <p:sp>
+        <p:nvSpPr>
+          <p:cNvPr id="3" name="Notes Placeholder 2"/>
+          <p:cNvSpPr>
+            <a:spLocks noGrp="1"/>
+          </p:cNvSpPr>
+          <p:nvPr>
+            <p:ph type="body" idx="1"/>
+          </p:nvPr>
+        </p:nvSpPr>
+        <p:spPr/>
+        <p:txBody>
+          <a:bodyPr/>
+          <a:lstStyle/>
+          <a:p>
+            <a:endParaRPr lang="en-US" baseline="0"/>
+          </a:p>
+        </p:txBody>
+      </p:sp>
+      <p:sp>
+        <p:nvSpPr>
+          <p:cNvPr id="4" name="Slide Number Placeholder 3"/>
+          <p:cNvSpPr>
+            <a:spLocks noGrp="1"/>
+          </p:cNvSpPr>
+          <p:nvPr>
+            <p:ph type="sldNum" sz="quarter" idx="10"/>
+          </p:nvPr>
+        </p:nvSpPr>
+        <p:spPr/>
+        <p:txBody>
+          <a:bodyPr/>
+          <a:lstStyle/>
+          <a:p>
+            <a:pPr>
+              <a:defRPr/>
+            </a:pPr>
+            <a:fld id="{2D72F1E3-2578-1242-A6A3-72B7E9BB2E1A}" type="slidenum">
+              <a:rPr lang="en-US" smtClean="0"/>
+              <a:pPr>
+                <a:defRPr/>
+              </a:pPr>
+              <a:t>9</a:t>
+            </a:fld>
+            <a:endParaRPr lang="en-US"/>
           </a:p>
         </p:txBody>
       </p:sp>
@@ -2047,7 +2360,7 @@
             <a:pPr>
               <a:defRPr/>
             </a:pPr>
-            <a:endParaRPr lang="en-US" dirty="0">
+            <a:endParaRPr lang="en-US">
               <a:cs typeface="+mn-cs"/>
             </a:endParaRPr>
           </a:p>
@@ -2078,7 +2391,7 @@
           </a:lstStyle>
           <a:p>
             <a:r>
-              <a:rPr lang="en-US" dirty="0"/>
+              <a:rPr lang="en-US"/>
               <a:t>Click to edit the title </a:t>
             </a:r>
           </a:p>
@@ -2117,7 +2430,7 @@
               <a:defRPr/>
             </a:pPr>
             <a:r>
-              <a:rPr lang="en-US" b="1" dirty="0">
+              <a:rPr lang="en-US" b="1">
                 <a:solidFill>
                   <a:schemeClr val="folHlink"/>
                 </a:solidFill>
@@ -2518,7 +2831,7 @@
           </a:lstStyle>
           <a:p>
             <a:r>
-              <a:rPr lang="en-US" dirty="0"/>
+              <a:rPr lang="en-US"/>
               <a:t>Thank you for your attention!</a:t>
             </a:r>
           </a:p>
@@ -2570,7 +2883,7 @@
           <a:lstStyle/>
           <a:p>
             <a:r>
-              <a:rPr lang="en-US" dirty="0"/>
+              <a:rPr lang="en-US"/>
               <a:t>Click to edit the title</a:t>
             </a:r>
           </a:p>
@@ -2611,35 +2924,35 @@
           <a:p>
             <a:pPr lvl="0"/>
             <a:r>
-              <a:rPr lang="en-US" dirty="0"/>
+              <a:rPr lang="en-US"/>
               <a:t>Click to edit Master text styles</a:t>
             </a:r>
           </a:p>
           <a:p>
             <a:pPr lvl="1"/>
             <a:r>
-              <a:rPr lang="en-US" dirty="0"/>
+              <a:rPr lang="en-US"/>
               <a:t>Second level</a:t>
             </a:r>
           </a:p>
           <a:p>
             <a:pPr lvl="2"/>
             <a:r>
-              <a:rPr lang="en-US" dirty="0"/>
+              <a:rPr lang="en-US"/>
               <a:t>Third level</a:t>
             </a:r>
           </a:p>
           <a:p>
             <a:pPr lvl="3"/>
             <a:r>
-              <a:rPr lang="en-US" dirty="0"/>
+              <a:rPr lang="en-US"/>
               <a:t>Fourth level</a:t>
             </a:r>
           </a:p>
           <a:p>
             <a:pPr lvl="4"/>
             <a:r>
-              <a:rPr lang="en-US" dirty="0"/>
+              <a:rPr lang="en-US"/>
               <a:t>Fifth level</a:t>
             </a:r>
           </a:p>
@@ -2700,7 +3013,7 @@
           </a:lstStyle>
           <a:p>
             <a:r>
-              <a:rPr lang="en-US" dirty="0"/>
+              <a:rPr lang="en-US"/>
               <a:t>Click to edit the title - this is a 2-line heading</a:t>
             </a:r>
           </a:p>
@@ -2735,35 +3048,35 @@
           <a:p>
             <a:pPr lvl="0"/>
             <a:r>
-              <a:rPr lang="en-US" dirty="0"/>
+              <a:rPr lang="en-US"/>
               <a:t>Click to edit Master text styles</a:t>
             </a:r>
           </a:p>
           <a:p>
             <a:pPr lvl="1"/>
             <a:r>
-              <a:rPr lang="en-US" dirty="0"/>
+              <a:rPr lang="en-US"/>
               <a:t>Second level</a:t>
             </a:r>
           </a:p>
           <a:p>
             <a:pPr lvl="2"/>
             <a:r>
-              <a:rPr lang="en-US" dirty="0"/>
+              <a:rPr lang="en-US"/>
               <a:t>Third level</a:t>
             </a:r>
           </a:p>
           <a:p>
             <a:pPr lvl="3"/>
             <a:r>
-              <a:rPr lang="en-US" dirty="0"/>
+              <a:rPr lang="en-US"/>
               <a:t>Fourth level</a:t>
             </a:r>
           </a:p>
           <a:p>
             <a:pPr lvl="4"/>
             <a:r>
-              <a:rPr lang="en-US" dirty="0"/>
+              <a:rPr lang="en-US"/>
               <a:t>Fifth level</a:t>
             </a:r>
           </a:p>
@@ -2815,7 +3128,7 @@
           <a:lstStyle/>
           <a:p>
             <a:r>
-              <a:rPr lang="en-US" dirty="0"/>
+              <a:rPr lang="en-US"/>
               <a:t>Click to edit the title</a:t>
             </a:r>
           </a:p>
@@ -2876,7 +3189,7 @@
           </a:lstStyle>
           <a:p>
             <a:r>
-              <a:rPr lang="en-US" dirty="0"/>
+              <a:rPr lang="en-US"/>
               <a:t>Click to edit the title - this is a 2-line heading</a:t>
             </a:r>
           </a:p>
@@ -2937,7 +3250,7 @@
           </a:lstStyle>
           <a:p>
             <a:r>
-              <a:rPr lang="en-US" dirty="0"/>
+              <a:rPr lang="en-US"/>
               <a:t>Click to edit the title (centered) </a:t>
             </a:r>
           </a:p>
@@ -3019,7 +3332,7 @@
           <a:lstStyle/>
           <a:p>
             <a:r>
-              <a:rPr lang="en-US" dirty="0"/>
+              <a:rPr lang="en-US"/>
               <a:t>Click to edit Master title style</a:t>
             </a:r>
           </a:p>
@@ -3075,35 +3388,35 @@
           <a:p>
             <a:pPr lvl="0"/>
             <a:r>
-              <a:rPr lang="en-US" dirty="0"/>
+              <a:rPr lang="en-US"/>
               <a:t>Click to edit Master text styles</a:t>
             </a:r>
           </a:p>
           <a:p>
             <a:pPr lvl="1"/>
             <a:r>
-              <a:rPr lang="en-US" dirty="0"/>
+              <a:rPr lang="en-US"/>
               <a:t>Second level</a:t>
             </a:r>
           </a:p>
           <a:p>
             <a:pPr lvl="2"/>
             <a:r>
-              <a:rPr lang="en-US" dirty="0"/>
+              <a:rPr lang="en-US"/>
               <a:t>Third level</a:t>
             </a:r>
           </a:p>
           <a:p>
             <a:pPr lvl="3"/>
             <a:r>
-              <a:rPr lang="en-US" dirty="0"/>
+              <a:rPr lang="en-US"/>
               <a:t>Fourth level</a:t>
             </a:r>
           </a:p>
           <a:p>
             <a:pPr lvl="4"/>
             <a:r>
-              <a:rPr lang="en-US" dirty="0"/>
+              <a:rPr lang="en-US"/>
               <a:t>Fifth level</a:t>
             </a:r>
           </a:p>
@@ -3248,7 +3561,7 @@
           </a:lstStyle>
           <a:p>
             <a:r>
-              <a:rPr lang="en-US" dirty="0"/>
+              <a:rPr lang="en-US"/>
               <a:t>Click to edit the title - this is a 2-line heading</a:t>
             </a:r>
           </a:p>
@@ -3304,35 +3617,35 @@
           <a:p>
             <a:pPr lvl="0"/>
             <a:r>
-              <a:rPr lang="en-US" dirty="0"/>
+              <a:rPr lang="en-US"/>
               <a:t>Click to edit Master text styles</a:t>
             </a:r>
           </a:p>
           <a:p>
             <a:pPr lvl="1"/>
             <a:r>
-              <a:rPr lang="en-US" dirty="0"/>
+              <a:rPr lang="en-US"/>
               <a:t>Second level</a:t>
             </a:r>
           </a:p>
           <a:p>
             <a:pPr lvl="2"/>
             <a:r>
-              <a:rPr lang="en-US" dirty="0"/>
+              <a:rPr lang="en-US"/>
               <a:t>Third level</a:t>
             </a:r>
           </a:p>
           <a:p>
             <a:pPr lvl="3"/>
             <a:r>
-              <a:rPr lang="en-US" dirty="0"/>
+              <a:rPr lang="en-US"/>
               <a:t>Fourth level</a:t>
             </a:r>
           </a:p>
           <a:p>
             <a:pPr lvl="4"/>
             <a:r>
-              <a:rPr lang="en-US" dirty="0"/>
+              <a:rPr lang="en-US"/>
               <a:t>Fifth level</a:t>
             </a:r>
           </a:p>
@@ -3388,35 +3701,35 @@
           <a:p>
             <a:pPr lvl="0"/>
             <a:r>
-              <a:rPr lang="en-US" dirty="0"/>
+              <a:rPr lang="en-US"/>
               <a:t>Click to edit Master text styles</a:t>
             </a:r>
           </a:p>
           <a:p>
             <a:pPr lvl="1"/>
             <a:r>
-              <a:rPr lang="en-US" dirty="0"/>
+              <a:rPr lang="en-US"/>
               <a:t>Second level</a:t>
             </a:r>
           </a:p>
           <a:p>
             <a:pPr lvl="2"/>
             <a:r>
-              <a:rPr lang="en-US" dirty="0"/>
+              <a:rPr lang="en-US"/>
               <a:t>Third level</a:t>
             </a:r>
           </a:p>
           <a:p>
             <a:pPr lvl="3"/>
             <a:r>
-              <a:rPr lang="en-US" dirty="0"/>
+              <a:rPr lang="en-US"/>
               <a:t>Fourth level</a:t>
             </a:r>
           </a:p>
           <a:p>
             <a:pPr lvl="4"/>
             <a:r>
-              <a:rPr lang="en-US" dirty="0"/>
+              <a:rPr lang="en-US"/>
               <a:t>Fifth level</a:t>
             </a:r>
           </a:p>
@@ -3528,7 +3841,7 @@
           <a:p>
             <a:pPr lvl="0"/>
             <a:r>
-              <a:rPr lang="en-US" dirty="0"/>
+              <a:rPr lang="en-US"/>
               <a:t>Click to enter title</a:t>
             </a:r>
           </a:p>
@@ -3601,42 +3914,42 @@
           <a:p>
             <a:pPr lvl="0"/>
             <a:r>
-              <a:rPr lang="de-DE" dirty="0"/>
+              <a:rPr lang="de-DE"/>
               <a:t>Level 1</a:t>
             </a:r>
-            <a:endParaRPr lang="en-US" dirty="0"/>
+            <a:endParaRPr lang="en-US"/>
           </a:p>
           <a:p>
             <a:pPr lvl="1"/>
             <a:r>
-              <a:rPr lang="de-DE" dirty="0"/>
+              <a:rPr lang="de-DE"/>
               <a:t>Level 2</a:t>
             </a:r>
-            <a:endParaRPr lang="en-US" dirty="0"/>
+            <a:endParaRPr lang="en-US"/>
           </a:p>
           <a:p>
             <a:pPr lvl="2"/>
             <a:r>
-              <a:rPr lang="de-DE" dirty="0"/>
+              <a:rPr lang="de-DE"/>
               <a:t>Level 3</a:t>
             </a:r>
-            <a:endParaRPr lang="en-US" dirty="0"/>
+            <a:endParaRPr lang="en-US"/>
           </a:p>
           <a:p>
             <a:pPr lvl="3"/>
             <a:r>
-              <a:rPr lang="de-DE" dirty="0"/>
+              <a:rPr lang="de-DE"/>
               <a:t>Level 4</a:t>
             </a:r>
-            <a:endParaRPr lang="en-US" dirty="0"/>
+            <a:endParaRPr lang="en-US"/>
           </a:p>
           <a:p>
             <a:pPr lvl="4"/>
             <a:r>
-              <a:rPr lang="de-DE" dirty="0"/>
+              <a:rPr lang="de-DE"/>
               <a:t>Level 5</a:t>
             </a:r>
-            <a:endParaRPr lang="en-US" dirty="0"/>
+            <a:endParaRPr lang="en-US"/>
           </a:p>
         </p:txBody>
       </p:sp>
@@ -4114,7 +4427,7 @@
           <a:lstStyle/>
           <a:p>
             <a:r>
-              <a:rPr lang="en-US" dirty="0"/>
+              <a:rPr lang="en-US"/>
               <a:t>Crop-Aware Panoptic Segmentation</a:t>
             </a:r>
           </a:p>
@@ -4136,7 +4449,7 @@
           <a:lstStyle/>
           <a:p>
             <a:r>
-              <a:rPr lang="en-US" dirty="0"/>
+              <a:rPr lang="en-US"/>
               <a:t>Mehdi Naouar, Ben Bausch, Yannick Vogt</a:t>
             </a:r>
           </a:p>
@@ -4146,292 +4459,6 @@
     <p:extLst>
       <p:ext uri="{BB962C8B-B14F-4D97-AF65-F5344CB8AC3E}">
         <p14:creationId xmlns:p14="http://schemas.microsoft.com/office/powerpoint/2010/main" val="326505002"/>
-      </p:ext>
-    </p:extLst>
-  </p:cSld>
-  <p:clrMapOvr>
-    <a:masterClrMapping/>
-  </p:clrMapOvr>
-</p:sld>
-</file>
-
-<file path=ppt/slides/slide10.xml><?xml version="1.0" encoding="utf-8"?>
-<p:sld xmlns:a="http://schemas.openxmlformats.org/drawingml/2006/main" xmlns:r="http://schemas.openxmlformats.org/officeDocument/2006/relationships" xmlns:p="http://schemas.openxmlformats.org/presentationml/2006/main">
-  <p:cSld>
-    <p:spTree>
-      <p:nvGrpSpPr>
-        <p:cNvPr id="1" name=""/>
-        <p:cNvGrpSpPr/>
-        <p:nvPr/>
-      </p:nvGrpSpPr>
-      <p:grpSpPr>
-        <a:xfrm>
-          <a:off x="0" y="0"/>
-          <a:ext cx="0" cy="0"/>
-          <a:chOff x="0" y="0"/>
-          <a:chExt cx="0" cy="0"/>
-        </a:xfrm>
-      </p:grpSpPr>
-      <p:sp>
-        <p:nvSpPr>
-          <p:cNvPr id="2" name="Title 1">
-            <a:extLst>
-              <a:ext uri="{FF2B5EF4-FFF2-40B4-BE49-F238E27FC236}">
-                <a16:creationId xmlns:a16="http://schemas.microsoft.com/office/drawing/2014/main" id="{2D09D21D-85D3-45EE-901C-55BD06588083}"/>
-              </a:ext>
-            </a:extLst>
-          </p:cNvPr>
-          <p:cNvSpPr>
-            <a:spLocks noGrp="1"/>
-          </p:cNvSpPr>
-          <p:nvPr>
-            <p:ph type="title"/>
-          </p:nvPr>
-        </p:nvSpPr>
-        <p:spPr/>
-        <p:txBody>
-          <a:bodyPr/>
-          <a:lstStyle/>
-          <a:p>
-            <a:r>
-              <a:rPr lang="en-US" dirty="0"/>
-              <a:t>Results/Comparison</a:t>
-            </a:r>
-          </a:p>
-        </p:txBody>
-      </p:sp>
-      <p:sp>
-        <p:nvSpPr>
-          <p:cNvPr id="3" name="Content Placeholder 2">
-            <a:extLst>
-              <a:ext uri="{FF2B5EF4-FFF2-40B4-BE49-F238E27FC236}">
-                <a16:creationId xmlns:a16="http://schemas.microsoft.com/office/drawing/2014/main" id="{CFB73C6E-E25A-4AD9-9620-74058DEEA275}"/>
-              </a:ext>
-            </a:extLst>
-          </p:cNvPr>
-          <p:cNvSpPr>
-            <a:spLocks noGrp="1"/>
-          </p:cNvSpPr>
-          <p:nvPr>
-            <p:ph idx="1"/>
-          </p:nvPr>
-        </p:nvSpPr>
-        <p:spPr/>
-        <p:txBody>
-          <a:bodyPr/>
-          <a:lstStyle/>
-          <a:p>
-            <a:r>
-              <a:rPr lang="en-US" dirty="0"/>
-              <a:t>Final values</a:t>
-            </a:r>
-          </a:p>
-          <a:p>
-            <a:r>
-              <a:rPr lang="en-US" dirty="0"/>
-              <a:t>Graph with history?</a:t>
-            </a:r>
-          </a:p>
-          <a:p>
-            <a:r>
-              <a:rPr lang="en-US" dirty="0"/>
-              <a:t>Training speed difference(look when episode saves were created)!</a:t>
-            </a:r>
-          </a:p>
-          <a:p>
-            <a:r>
-              <a:rPr lang="en-US" dirty="0"/>
-              <a:t>Difference in final images?</a:t>
-            </a:r>
-          </a:p>
-        </p:txBody>
-      </p:sp>
-    </p:spTree>
-    <p:extLst>
-      <p:ext uri="{BB962C8B-B14F-4D97-AF65-F5344CB8AC3E}">
-        <p14:creationId xmlns:p14="http://schemas.microsoft.com/office/powerpoint/2010/main" val="803320101"/>
-      </p:ext>
-    </p:extLst>
-  </p:cSld>
-  <p:clrMapOvr>
-    <a:masterClrMapping/>
-  </p:clrMapOvr>
-</p:sld>
-</file>
-
-<file path=ppt/slides/slide11.xml><?xml version="1.0" encoding="utf-8"?>
-<p:sld xmlns:a="http://schemas.openxmlformats.org/drawingml/2006/main" xmlns:r="http://schemas.openxmlformats.org/officeDocument/2006/relationships" xmlns:p="http://schemas.openxmlformats.org/presentationml/2006/main">
-  <p:cSld>
-    <p:spTree>
-      <p:nvGrpSpPr>
-        <p:cNvPr id="1" name=""/>
-        <p:cNvGrpSpPr/>
-        <p:nvPr/>
-      </p:nvGrpSpPr>
-      <p:grpSpPr>
-        <a:xfrm>
-          <a:off x="0" y="0"/>
-          <a:ext cx="0" cy="0"/>
-          <a:chOff x="0" y="0"/>
-          <a:chExt cx="0" cy="0"/>
-        </a:xfrm>
-      </p:grpSpPr>
-      <p:sp>
-        <p:nvSpPr>
-          <p:cNvPr id="2" name="Titel 1">
-            <a:extLst>
-              <a:ext uri="{FF2B5EF4-FFF2-40B4-BE49-F238E27FC236}">
-                <a16:creationId xmlns:a16="http://schemas.microsoft.com/office/drawing/2014/main" id="{B04B6A19-647C-4D28-A0C4-DC3919B963B2}"/>
-              </a:ext>
-            </a:extLst>
-          </p:cNvPr>
-          <p:cNvSpPr>
-            <a:spLocks noGrp="1"/>
-          </p:cNvSpPr>
-          <p:nvPr>
-            <p:ph type="title"/>
-          </p:nvPr>
-        </p:nvSpPr>
-        <p:spPr>
-          <a:xfrm>
-            <a:off x="381000" y="243543"/>
-            <a:ext cx="8545672" cy="954107"/>
-          </a:xfrm>
-        </p:spPr>
-        <p:txBody>
-          <a:bodyPr/>
-          <a:lstStyle/>
-          <a:p>
-            <a:r>
-              <a:rPr lang="en-US" dirty="0" err="1"/>
-              <a:t>Unaccaunted</a:t>
-            </a:r>
-            <a:r>
-              <a:rPr lang="en-US" dirty="0"/>
-              <a:t> Case of </a:t>
-            </a:r>
-            <a:r>
-              <a:rPr lang="en-US" dirty="0" err="1"/>
-              <a:t>omega_p</a:t>
-            </a:r>
-            <a:r>
-              <a:rPr lang="en-US" dirty="0"/>
-              <a:t> = </a:t>
-            </a:r>
-            <a:r>
-              <a:rPr lang="en-US" dirty="0" err="1"/>
-              <a:t>omega_hat</a:t>
-            </a:r>
-            <a:r>
-              <a:rPr lang="en-US" dirty="0"/>
-              <a:t>??</a:t>
-            </a:r>
-          </a:p>
-        </p:txBody>
-      </p:sp>
-      <p:sp>
-        <p:nvSpPr>
-          <p:cNvPr id="3" name="Inhaltsplatzhalter 2">
-            <a:extLst>
-              <a:ext uri="{FF2B5EF4-FFF2-40B4-BE49-F238E27FC236}">
-                <a16:creationId xmlns:a16="http://schemas.microsoft.com/office/drawing/2014/main" id="{A389FADC-3889-478E-AB32-B9F0461268D2}"/>
-              </a:ext>
-            </a:extLst>
-          </p:cNvPr>
-          <p:cNvSpPr>
-            <a:spLocks noGrp="1"/>
-          </p:cNvSpPr>
-          <p:nvPr>
-            <p:ph idx="1"/>
-          </p:nvPr>
-        </p:nvSpPr>
-        <p:spPr/>
-        <p:txBody>
-          <a:bodyPr/>
-          <a:lstStyle/>
-          <a:p>
-            <a:endParaRPr lang="en-US" dirty="0"/>
-          </a:p>
-          <a:p>
-            <a:endParaRPr lang="en-US" dirty="0"/>
-          </a:p>
-          <a:p>
-            <a:r>
-              <a:rPr lang="en-US" dirty="0"/>
-              <a:t>Would need to first </a:t>
-            </a:r>
-            <a:r>
-              <a:rPr lang="en-US" dirty="0" err="1"/>
-              <a:t>incroduce</a:t>
-            </a:r>
-            <a:r>
-              <a:rPr lang="en-US" dirty="0"/>
-              <a:t> the algorithms and then show how it can happen</a:t>
-            </a:r>
-          </a:p>
-        </p:txBody>
-      </p:sp>
-    </p:spTree>
-    <p:extLst>
-      <p:ext uri="{BB962C8B-B14F-4D97-AF65-F5344CB8AC3E}">
-        <p14:creationId xmlns:p14="http://schemas.microsoft.com/office/powerpoint/2010/main" val="2748774166"/>
-      </p:ext>
-    </p:extLst>
-  </p:cSld>
-  <p:clrMapOvr>
-    <a:masterClrMapping/>
-  </p:clrMapOvr>
-</p:sld>
-</file>
-
-<file path=ppt/slides/slide12.xml><?xml version="1.0" encoding="utf-8"?>
-<p:sld xmlns:a="http://schemas.openxmlformats.org/drawingml/2006/main" xmlns:r="http://schemas.openxmlformats.org/officeDocument/2006/relationships" xmlns:p="http://schemas.openxmlformats.org/presentationml/2006/main">
-  <p:cSld>
-    <p:spTree>
-      <p:nvGrpSpPr>
-        <p:cNvPr id="1" name=""/>
-        <p:cNvGrpSpPr/>
-        <p:nvPr/>
-      </p:nvGrpSpPr>
-      <p:grpSpPr>
-        <a:xfrm>
-          <a:off x="0" y="0"/>
-          <a:ext cx="0" cy="0"/>
-          <a:chOff x="0" y="0"/>
-          <a:chExt cx="0" cy="0"/>
-        </a:xfrm>
-      </p:grpSpPr>
-      <p:sp>
-        <p:nvSpPr>
-          <p:cNvPr id="2" name="Title 1"/>
-          <p:cNvSpPr>
-            <a:spLocks noGrp="1"/>
-          </p:cNvSpPr>
-          <p:nvPr>
-            <p:ph type="title"/>
-          </p:nvPr>
-        </p:nvSpPr>
-        <p:spPr>
-          <a:xfrm>
-            <a:off x="304800" y="2186643"/>
-            <a:ext cx="8534400" cy="523220"/>
-          </a:xfrm>
-        </p:spPr>
-        <p:txBody>
-          <a:bodyPr/>
-          <a:lstStyle/>
-          <a:p>
-            <a:r>
-              <a:rPr lang="en-US" dirty="0"/>
-              <a:t>Thank you for your attention!</a:t>
-            </a:r>
-          </a:p>
-        </p:txBody>
-      </p:sp>
-    </p:spTree>
-    <p:extLst>
-      <p:ext uri="{BB962C8B-B14F-4D97-AF65-F5344CB8AC3E}">
-        <p14:creationId xmlns:p14="http://schemas.microsoft.com/office/powerpoint/2010/main" val="2036475844"/>
       </p:ext>
     </p:extLst>
   </p:cSld>
@@ -4460,687 +4487,6 @@
       </p:grpSpPr>
       <p:sp>
         <p:nvSpPr>
-          <p:cNvPr id="2" name="Title 1"/>
-          <p:cNvSpPr>
-            <a:spLocks noGrp="1"/>
-          </p:cNvSpPr>
-          <p:nvPr>
-            <p:ph type="title"/>
-          </p:nvPr>
-        </p:nvSpPr>
-        <p:spPr/>
-        <p:txBody>
-          <a:bodyPr/>
-          <a:lstStyle/>
-          <a:p>
-            <a:r>
-              <a:rPr lang="en-US" dirty="0"/>
-              <a:t>The Most Important Rules</a:t>
-            </a:r>
-          </a:p>
-        </p:txBody>
-      </p:sp>
-      <p:sp>
-        <p:nvSpPr>
-          <p:cNvPr id="3" name="Content Placeholder 2"/>
-          <p:cNvSpPr>
-            <a:spLocks noGrp="1"/>
-          </p:cNvSpPr>
-          <p:nvPr>
-            <p:ph idx="1"/>
-          </p:nvPr>
-        </p:nvSpPr>
-        <p:spPr/>
-        <p:txBody>
-          <a:bodyPr/>
-          <a:lstStyle/>
-          <a:p>
-            <a:r>
-              <a:rPr lang="en-US" dirty="0"/>
-              <a:t>Use only </a:t>
-            </a:r>
-            <a:r>
-              <a:rPr lang="en-US" b="1" dirty="0" err="1"/>
-              <a:t>TeXPoint</a:t>
-            </a:r>
-            <a:r>
-              <a:rPr lang="en-US" dirty="0"/>
-              <a:t> for formulas</a:t>
-            </a:r>
-          </a:p>
-          <a:p>
-            <a:r>
-              <a:rPr lang="en-US" dirty="0"/>
-              <a:t>Set your</a:t>
-            </a:r>
-            <a:r>
-              <a:rPr lang="en-US" b="1" dirty="0"/>
-              <a:t> Language to English (US)</a:t>
-            </a:r>
-          </a:p>
-          <a:p>
-            <a:r>
-              <a:rPr lang="en-US" b="1" dirty="0"/>
-              <a:t>Spell</a:t>
-            </a:r>
-            <a:r>
-              <a:rPr lang="en-US" dirty="0"/>
-              <a:t> your slides (press F7)</a:t>
-            </a:r>
-          </a:p>
-          <a:p>
-            <a:r>
-              <a:rPr lang="en-US" b="1" dirty="0"/>
-              <a:t>Videos</a:t>
-            </a:r>
-            <a:r>
-              <a:rPr lang="en-US" dirty="0"/>
-              <a:t> should be </a:t>
-            </a:r>
-          </a:p>
-          <a:p>
-            <a:pPr lvl="1"/>
-            <a:r>
-              <a:rPr lang="en-US" b="1" dirty="0"/>
-              <a:t>MP4 with H.264 standard settings</a:t>
-            </a:r>
-            <a:r>
-              <a:rPr lang="en-US" dirty="0"/>
-              <a:t> or	</a:t>
-            </a:r>
-          </a:p>
-          <a:p>
-            <a:pPr lvl="1"/>
-            <a:r>
-              <a:rPr lang="en-US" b="1" dirty="0"/>
-              <a:t>MS RLE</a:t>
-            </a:r>
-            <a:r>
-              <a:rPr lang="en-US" dirty="0"/>
-              <a:t> encoding for animations</a:t>
-            </a:r>
-          </a:p>
-          <a:p>
-            <a:r>
-              <a:rPr lang="en-US" dirty="0"/>
-              <a:t>Use </a:t>
-            </a:r>
-            <a:r>
-              <a:rPr lang="en-US" b="1" dirty="0"/>
-              <a:t>MS Office 2010/2011</a:t>
-            </a:r>
-            <a:r>
-              <a:rPr lang="en-US" dirty="0"/>
-              <a:t> and not </a:t>
-            </a:r>
-            <a:r>
-              <a:rPr lang="en-US" dirty="0" err="1"/>
-              <a:t>OpenOffice</a:t>
-            </a:r>
-            <a:r>
-              <a:rPr lang="en-US" dirty="0"/>
-              <a:t> and friends</a:t>
-            </a:r>
-          </a:p>
-        </p:txBody>
-      </p:sp>
-    </p:spTree>
-    <p:extLst>
-      <p:ext uri="{BB962C8B-B14F-4D97-AF65-F5344CB8AC3E}">
-        <p14:creationId xmlns:p14="http://schemas.microsoft.com/office/powerpoint/2010/main" val="1520736919"/>
-      </p:ext>
-    </p:extLst>
-  </p:cSld>
-  <p:clrMapOvr>
-    <a:masterClrMapping/>
-  </p:clrMapOvr>
-</p:sld>
-</file>
-
-<file path=ppt/slides/slide3.xml><?xml version="1.0" encoding="utf-8"?>
-<p:sld xmlns:a="http://schemas.openxmlformats.org/drawingml/2006/main" xmlns:r="http://schemas.openxmlformats.org/officeDocument/2006/relationships" xmlns:p="http://schemas.openxmlformats.org/presentationml/2006/main">
-  <p:cSld>
-    <p:spTree>
-      <p:nvGrpSpPr>
-        <p:cNvPr id="1" name=""/>
-        <p:cNvGrpSpPr/>
-        <p:nvPr/>
-      </p:nvGrpSpPr>
-      <p:grpSpPr>
-        <a:xfrm>
-          <a:off x="0" y="0"/>
-          <a:ext cx="0" cy="0"/>
-          <a:chOff x="0" y="0"/>
-          <a:chExt cx="0" cy="0"/>
-        </a:xfrm>
-      </p:grpSpPr>
-      <p:sp>
-        <p:nvSpPr>
-          <p:cNvPr id="2" name="Title 1"/>
-          <p:cNvSpPr>
-            <a:spLocks noGrp="1"/>
-          </p:cNvSpPr>
-          <p:nvPr>
-            <p:ph type="title"/>
-          </p:nvPr>
-        </p:nvSpPr>
-        <p:spPr/>
-        <p:txBody>
-          <a:bodyPr/>
-          <a:lstStyle/>
-          <a:p>
-            <a:r>
-              <a:rPr lang="en-US"/>
-              <a:t>Other Important Rules</a:t>
-            </a:r>
-            <a:endParaRPr lang="en-US" dirty="0"/>
-          </a:p>
-        </p:txBody>
-      </p:sp>
-      <p:sp>
-        <p:nvSpPr>
-          <p:cNvPr id="3" name="Content Placeholder 2"/>
-          <p:cNvSpPr>
-            <a:spLocks noGrp="1"/>
-          </p:cNvSpPr>
-          <p:nvPr>
-            <p:ph idx="1"/>
-          </p:nvPr>
-        </p:nvSpPr>
-        <p:spPr/>
-        <p:txBody>
-          <a:bodyPr/>
-          <a:lstStyle/>
-          <a:p>
-            <a:r>
-              <a:rPr lang="en-US" dirty="0"/>
-              <a:t>Set </a:t>
-            </a:r>
-            <a:r>
-              <a:rPr lang="en-US" dirty="0" err="1"/>
-              <a:t>TexPoint</a:t>
-            </a:r>
-            <a:r>
-              <a:rPr lang="en-US" dirty="0"/>
-              <a:t> resolution to 600 dpi</a:t>
-            </a:r>
-          </a:p>
-          <a:p>
-            <a:r>
-              <a:rPr lang="en-US" dirty="0"/>
-              <a:t>To include eps images, use the \</a:t>
-            </a:r>
-            <a:r>
-              <a:rPr lang="en-US" dirty="0" err="1"/>
-              <a:t>includegraphics</a:t>
-            </a:r>
-            <a:r>
-              <a:rPr lang="en-US" dirty="0"/>
-              <a:t> command in </a:t>
-            </a:r>
-            <a:r>
-              <a:rPr lang="en-US" dirty="0" err="1"/>
-              <a:t>TeXPoint</a:t>
-            </a:r>
-            <a:r>
-              <a:rPr lang="en-US" dirty="0"/>
-              <a:t> </a:t>
-            </a:r>
-          </a:p>
-          <a:p>
-            <a:r>
-              <a:rPr lang="en-US" dirty="0"/>
-              <a:t>The font is always Verdana</a:t>
-            </a:r>
-          </a:p>
-          <a:p>
-            <a:r>
-              <a:rPr lang="en-US" dirty="0"/>
-              <a:t>Do not use a line spacing below 1</a:t>
-            </a:r>
-          </a:p>
-          <a:p>
-            <a:r>
-              <a:rPr lang="en-US" dirty="0"/>
-              <a:t>Do not use page numbers or other footers on slides </a:t>
-            </a:r>
-          </a:p>
-          <a:p>
-            <a:r>
-              <a:rPr lang="en-US" dirty="0"/>
-              <a:t>Font embedding: Tools-Options-Save- Embed TT fonts-&gt;Embed all chars</a:t>
-            </a:r>
-          </a:p>
-          <a:p>
-            <a:endParaRPr lang="en-US" dirty="0"/>
-          </a:p>
-        </p:txBody>
-      </p:sp>
-    </p:spTree>
-    <p:extLst>
-      <p:ext uri="{BB962C8B-B14F-4D97-AF65-F5344CB8AC3E}">
-        <p14:creationId xmlns:p14="http://schemas.microsoft.com/office/powerpoint/2010/main" val="2171095320"/>
-      </p:ext>
-    </p:extLst>
-  </p:cSld>
-  <p:clrMapOvr>
-    <a:masterClrMapping/>
-  </p:clrMapOvr>
-</p:sld>
-</file>
-
-<file path=ppt/slides/slide4.xml><?xml version="1.0" encoding="utf-8"?>
-<p:sld xmlns:a="http://schemas.openxmlformats.org/drawingml/2006/main" xmlns:r="http://schemas.openxmlformats.org/officeDocument/2006/relationships" xmlns:p="http://schemas.openxmlformats.org/presentationml/2006/main">
-  <p:cSld>
-    <p:spTree>
-      <p:nvGrpSpPr>
-        <p:cNvPr id="1" name=""/>
-        <p:cNvGrpSpPr/>
-        <p:nvPr/>
-      </p:nvGrpSpPr>
-      <p:grpSpPr>
-        <a:xfrm>
-          <a:off x="0" y="0"/>
-          <a:ext cx="0" cy="0"/>
-          <a:chOff x="0" y="0"/>
-          <a:chExt cx="0" cy="0"/>
-        </a:xfrm>
-      </p:grpSpPr>
-      <p:sp>
-        <p:nvSpPr>
-          <p:cNvPr id="2" name="Title 1"/>
-          <p:cNvSpPr>
-            <a:spLocks noGrp="1"/>
-          </p:cNvSpPr>
-          <p:nvPr>
-            <p:ph type="title"/>
-          </p:nvPr>
-        </p:nvSpPr>
-        <p:spPr/>
-        <p:txBody>
-          <a:bodyPr/>
-          <a:lstStyle/>
-          <a:p>
-            <a:r>
-              <a:rPr lang="en-US" dirty="0"/>
-              <a:t>Colors &amp; Shapes</a:t>
-            </a:r>
-          </a:p>
-        </p:txBody>
-      </p:sp>
-      <p:sp>
-        <p:nvSpPr>
-          <p:cNvPr id="3" name="Content Placeholder 2"/>
-          <p:cNvSpPr>
-            <a:spLocks noGrp="1"/>
-          </p:cNvSpPr>
-          <p:nvPr>
-            <p:ph idx="1"/>
-          </p:nvPr>
-        </p:nvSpPr>
-        <p:spPr>
-          <a:xfrm>
-            <a:off x="381000" y="914400"/>
-            <a:ext cx="8534400" cy="1371600"/>
-          </a:xfrm>
-        </p:spPr>
-        <p:txBody>
-          <a:bodyPr/>
-          <a:lstStyle/>
-          <a:p>
-            <a:r>
-              <a:rPr lang="en-US" dirty="0"/>
-              <a:t>Blue has a RGB value of: 51, 102, 153</a:t>
-            </a:r>
-          </a:p>
-          <a:p>
-            <a:r>
-              <a:rPr lang="en-US" dirty="0"/>
-              <a:t>Red has a RGB value: 154, 0, 0</a:t>
-            </a:r>
-          </a:p>
-          <a:p>
-            <a:r>
-              <a:rPr lang="en-US" dirty="0"/>
-              <a:t>Some good example shapes are</a:t>
-            </a:r>
-          </a:p>
-        </p:txBody>
-      </p:sp>
-      <p:sp>
-        <p:nvSpPr>
-          <p:cNvPr id="10" name="AutoShape 4"/>
-          <p:cNvSpPr>
-            <a:spLocks noChangeArrowheads="1"/>
-          </p:cNvSpPr>
-          <p:nvPr/>
-        </p:nvSpPr>
-        <p:spPr bwMode="auto">
-          <a:xfrm>
-            <a:off x="2209800" y="2540026"/>
-            <a:ext cx="502920" cy="419100"/>
-          </a:xfrm>
-          <a:prstGeom prst="rightArrow">
-            <a:avLst>
-              <a:gd name="adj1" fmla="val 50000"/>
-              <a:gd name="adj2" fmla="val 45000"/>
-            </a:avLst>
-          </a:prstGeom>
-          <a:solidFill>
-            <a:schemeClr val="hlink"/>
-          </a:solidFill>
-          <a:ln w="25400">
-            <a:solidFill>
-              <a:schemeClr val="tx1"/>
-            </a:solidFill>
-            <a:miter lim="800000"/>
-            <a:headEnd/>
-            <a:tailEnd/>
-          </a:ln>
-          <a:effectLst/>
-          <a:extLst>
-            <a:ext uri="{AF507438-7753-43E0-B8FC-AC1667EBCBE1}">
-              <a14:hiddenEffects xmlns:a14="http://schemas.microsoft.com/office/drawing/2010/main">
-                <a:effectLst>
-                  <a:outerShdw blurRad="63500" dist="38099" dir="2700000" algn="ctr" rotWithShape="0">
-                    <a:schemeClr val="bg2">
-                      <a:alpha val="74998"/>
-                    </a:schemeClr>
-                  </a:outerShdw>
-                </a:effectLst>
-              </a14:hiddenEffects>
-            </a:ext>
-          </a:extLst>
-        </p:spPr>
-        <p:txBody>
-          <a:bodyPr anchor="ctr">
-            <a:spAutoFit/>
-          </a:bodyPr>
-          <a:lstStyle/>
-          <a:p>
-            <a:endParaRPr lang="en-US"/>
-          </a:p>
-        </p:txBody>
-      </p:sp>
-      <p:sp>
-        <p:nvSpPr>
-          <p:cNvPr id="11" name="Oval 10"/>
-          <p:cNvSpPr>
-            <a:spLocks noChangeArrowheads="1"/>
-          </p:cNvSpPr>
-          <p:nvPr/>
-        </p:nvSpPr>
-        <p:spPr bwMode="auto">
-          <a:xfrm>
-            <a:off x="3352800" y="2543332"/>
-            <a:ext cx="415636" cy="415636"/>
-          </a:xfrm>
-          <a:prstGeom prst="ellipse">
-            <a:avLst/>
-          </a:prstGeom>
-          <a:noFill/>
-          <a:ln w="25400">
-            <a:solidFill>
-              <a:schemeClr val="tx1"/>
-            </a:solidFill>
-            <a:round/>
-            <a:headEnd/>
-            <a:tailEnd/>
-          </a:ln>
-          <a:effectLst/>
-          <a:extLst>
-            <a:ext uri="{909E8E84-426E-40DD-AFC4-6F175D3DCCD1}">
-              <a14:hiddenFill xmlns:a14="http://schemas.microsoft.com/office/drawing/2010/main">
-                <a:solidFill>
-                  <a:schemeClr val="folHlink"/>
-                </a:solidFill>
-              </a14:hiddenFill>
-            </a:ext>
-            <a:ext uri="{AF507438-7753-43E0-B8FC-AC1667EBCBE1}">
-              <a14:hiddenEffects xmlns:a14="http://schemas.microsoft.com/office/drawing/2010/main">
-                <a:effectLst>
-                  <a:outerShdw blurRad="63500" dist="38099" dir="2700000" algn="ctr" rotWithShape="0">
-                    <a:schemeClr val="bg2">
-                      <a:alpha val="74998"/>
-                    </a:schemeClr>
-                  </a:outerShdw>
-                </a:effectLst>
-              </a14:hiddenEffects>
-            </a:ext>
-          </a:extLst>
-        </p:spPr>
-        <p:txBody>
-          <a:bodyPr anchor="ctr">
-            <a:spAutoFit/>
-          </a:bodyPr>
-          <a:lstStyle/>
-          <a:p>
-            <a:endParaRPr lang="en-US"/>
-          </a:p>
-        </p:txBody>
-      </p:sp>
-      <p:sp>
-        <p:nvSpPr>
-          <p:cNvPr id="15" name="AutoShape 6"/>
-          <p:cNvSpPr>
-            <a:spLocks noChangeArrowheads="1"/>
-          </p:cNvSpPr>
-          <p:nvPr/>
-        </p:nvSpPr>
-        <p:spPr bwMode="auto">
-          <a:xfrm>
-            <a:off x="967739" y="2540026"/>
-            <a:ext cx="502920" cy="419100"/>
-          </a:xfrm>
-          <a:prstGeom prst="rightArrow">
-            <a:avLst>
-              <a:gd name="adj1" fmla="val 50000"/>
-              <a:gd name="adj2" fmla="val 45000"/>
-            </a:avLst>
-          </a:prstGeom>
-          <a:solidFill>
-            <a:schemeClr val="folHlink"/>
-          </a:solidFill>
-          <a:ln w="25400">
-            <a:solidFill>
-              <a:schemeClr val="tx1"/>
-            </a:solidFill>
-            <a:miter lim="800000"/>
-            <a:headEnd/>
-            <a:tailEnd/>
-          </a:ln>
-          <a:effectLst/>
-          <a:extLst>
-            <a:ext uri="{AF507438-7753-43E0-B8FC-AC1667EBCBE1}">
-              <a14:hiddenEffects xmlns:a14="http://schemas.microsoft.com/office/drawing/2010/main">
-                <a:effectLst>
-                  <a:outerShdw blurRad="63500" dist="38099" dir="2700000" algn="ctr" rotWithShape="0">
-                    <a:schemeClr val="bg2">
-                      <a:alpha val="74998"/>
-                    </a:schemeClr>
-                  </a:outerShdw>
-                </a:effectLst>
-              </a14:hiddenEffects>
-            </a:ext>
-          </a:extLst>
-        </p:spPr>
-        <p:txBody>
-          <a:bodyPr anchor="ctr">
-            <a:spAutoFit/>
-          </a:bodyPr>
-          <a:lstStyle/>
-          <a:p>
-            <a:endParaRPr lang="en-US"/>
-          </a:p>
-        </p:txBody>
-      </p:sp>
-      <p:cxnSp>
-        <p:nvCxnSpPr>
-          <p:cNvPr id="16" name="Straight Arrow Connector 15"/>
-          <p:cNvCxnSpPr/>
-          <p:nvPr/>
-        </p:nvCxnSpPr>
-        <p:spPr bwMode="auto">
-          <a:xfrm>
-            <a:off x="4369286" y="2787676"/>
-            <a:ext cx="1040914" cy="0"/>
-          </a:xfrm>
-          <a:prstGeom prst="straightConnector1">
-            <a:avLst/>
-          </a:prstGeom>
-          <a:noFill/>
-          <a:ln w="50800" cap="flat" cmpd="sng" algn="ctr">
-            <a:solidFill>
-              <a:srgbClr val="800000"/>
-            </a:solidFill>
-            <a:prstDash val="solid"/>
-            <a:miter lim="800000"/>
-            <a:headEnd type="none" w="med" len="med"/>
-            <a:tailEnd type="triangle" w="med" len="med"/>
-          </a:ln>
-          <a:effectLst/>
-          <a:extLst>
-            <a:ext uri="{909E8E84-426E-40DD-AFC4-6F175D3DCCD1}">
-              <a14:hiddenFill xmlns:a14="http://schemas.microsoft.com/office/drawing/2010/main">
-                <a:solidFill>
-                  <a:schemeClr val="accent1"/>
-                </a:solidFill>
-              </a14:hiddenFill>
-            </a:ext>
-            <a:ext uri="{AF507438-7753-43E0-B8FC-AC1667EBCBE1}">
-              <a14:hiddenEffects xmlns:a14="http://schemas.microsoft.com/office/drawing/2010/main">
-                <a:effectLst>
-                  <a:outerShdw blurRad="63500" dist="35921" dir="2700000" algn="ctr" rotWithShape="0">
-                    <a:schemeClr val="bg2"/>
-                  </a:outerShdw>
-                </a:effectLst>
-              </a14:hiddenEffects>
-            </a:ext>
-          </a:extLst>
-        </p:spPr>
-      </p:cxnSp>
-      <p:cxnSp>
-        <p:nvCxnSpPr>
-          <p:cNvPr id="17" name="Straight Arrow Connector 16"/>
-          <p:cNvCxnSpPr/>
-          <p:nvPr/>
-        </p:nvCxnSpPr>
-        <p:spPr bwMode="auto">
-          <a:xfrm>
-            <a:off x="5969486" y="2787676"/>
-            <a:ext cx="1040914" cy="0"/>
-          </a:xfrm>
-          <a:prstGeom prst="straightConnector1">
-            <a:avLst/>
-          </a:prstGeom>
-          <a:noFill/>
-          <a:ln w="50800" cap="flat" cmpd="sng" algn="ctr">
-            <a:solidFill>
-              <a:srgbClr val="336699"/>
-            </a:solidFill>
-            <a:prstDash val="solid"/>
-            <a:miter lim="800000"/>
-            <a:headEnd type="none" w="med" len="med"/>
-            <a:tailEnd type="triangle" w="med" len="med"/>
-          </a:ln>
-          <a:effectLst/>
-          <a:extLst>
-            <a:ext uri="{909E8E84-426E-40DD-AFC4-6F175D3DCCD1}">
-              <a14:hiddenFill xmlns:a14="http://schemas.microsoft.com/office/drawing/2010/main">
-                <a:solidFill>
-                  <a:schemeClr val="accent1"/>
-                </a:solidFill>
-              </a14:hiddenFill>
-            </a:ext>
-            <a:ext uri="{AF507438-7753-43E0-B8FC-AC1667EBCBE1}">
-              <a14:hiddenEffects xmlns:a14="http://schemas.microsoft.com/office/drawing/2010/main">
-                <a:effectLst>
-                  <a:outerShdw blurRad="63500" dist="35921" dir="2700000" algn="ctr" rotWithShape="0">
-                    <a:schemeClr val="bg2"/>
-                  </a:outerShdw>
-                </a:effectLst>
-              </a14:hiddenEffects>
-            </a:ext>
-          </a:extLst>
-        </p:spPr>
-      </p:cxnSp>
-      <p:cxnSp>
-        <p:nvCxnSpPr>
-          <p:cNvPr id="18" name="Straight Arrow Connector 17"/>
-          <p:cNvCxnSpPr/>
-          <p:nvPr/>
-        </p:nvCxnSpPr>
-        <p:spPr bwMode="auto">
-          <a:xfrm>
-            <a:off x="7645886" y="2787676"/>
-            <a:ext cx="1040914" cy="0"/>
-          </a:xfrm>
-          <a:prstGeom prst="straightConnector1">
-            <a:avLst/>
-          </a:prstGeom>
-          <a:noFill/>
-          <a:ln w="50800" cap="flat" cmpd="sng" algn="ctr">
-            <a:solidFill>
-              <a:schemeClr val="tx1"/>
-            </a:solidFill>
-            <a:prstDash val="solid"/>
-            <a:miter lim="800000"/>
-            <a:headEnd type="none" w="med" len="med"/>
-            <a:tailEnd type="triangle" w="med" len="med"/>
-          </a:ln>
-          <a:effectLst/>
-          <a:extLst>
-            <a:ext uri="{909E8E84-426E-40DD-AFC4-6F175D3DCCD1}">
-              <a14:hiddenFill xmlns:a14="http://schemas.microsoft.com/office/drawing/2010/main">
-                <a:solidFill>
-                  <a:schemeClr val="accent1"/>
-                </a:solidFill>
-              </a14:hiddenFill>
-            </a:ext>
-            <a:ext uri="{AF507438-7753-43E0-B8FC-AC1667EBCBE1}">
-              <a14:hiddenEffects xmlns:a14="http://schemas.microsoft.com/office/drawing/2010/main">
-                <a:effectLst>
-                  <a:outerShdw blurRad="63500" dist="35921" dir="2700000" algn="ctr" rotWithShape="0">
-                    <a:schemeClr val="bg2"/>
-                  </a:outerShdw>
-                </a:effectLst>
-              </a14:hiddenEffects>
-            </a:ext>
-          </a:extLst>
-        </p:spPr>
-      </p:cxnSp>
-    </p:spTree>
-    <p:extLst>
-      <p:ext uri="{BB962C8B-B14F-4D97-AF65-F5344CB8AC3E}">
-        <p14:creationId xmlns:p14="http://schemas.microsoft.com/office/powerpoint/2010/main" val="1607061220"/>
-      </p:ext>
-    </p:extLst>
-  </p:cSld>
-  <p:clrMapOvr>
-    <a:masterClrMapping/>
-  </p:clrMapOvr>
-</p:sld>
-</file>
-
-<file path=ppt/slides/slide5.xml><?xml version="1.0" encoding="utf-8"?>
-<p:sld xmlns:a="http://schemas.openxmlformats.org/drawingml/2006/main" xmlns:r="http://schemas.openxmlformats.org/officeDocument/2006/relationships" xmlns:p="http://schemas.openxmlformats.org/presentationml/2006/main">
-  <p:cSld>
-    <p:spTree>
-      <p:nvGrpSpPr>
-        <p:cNvPr id="1" name=""/>
-        <p:cNvGrpSpPr/>
-        <p:nvPr/>
-      </p:nvGrpSpPr>
-      <p:grpSpPr>
-        <a:xfrm>
-          <a:off x="0" y="0"/>
-          <a:ext cx="0" cy="0"/>
-          <a:chOff x="0" y="0"/>
-          <a:chExt cx="0" cy="0"/>
-        </a:xfrm>
-      </p:grpSpPr>
-      <p:sp>
-        <p:nvSpPr>
           <p:cNvPr id="3" name="Title 2">
             <a:extLst>
               <a:ext uri="{FF2B5EF4-FFF2-40B4-BE49-F238E27FC236}">
@@ -5168,10 +4514,14 @@
           <a:lstStyle/>
           <a:p>
             <a:r>
-              <a:rPr lang="de-DE" dirty="0"/>
-              <a:t>Motivation</a:t>
-            </a:r>
-            <a:endParaRPr lang="en-GB" dirty="0"/>
+              <a:rPr lang="de-DE" err="1"/>
+              <a:t>Panoptic</a:t>
+            </a:r>
+            <a:r>
+              <a:rPr lang="de-DE"/>
+              <a:t> Segmentation</a:t>
+            </a:r>
+            <a:endParaRPr lang="en-GB"/>
           </a:p>
         </p:txBody>
       </p:sp>
@@ -5219,7 +4569,7 @@
 </p:sld>
 </file>
 
-<file path=ppt/slides/slide6.xml><?xml version="1.0" encoding="utf-8"?>
+<file path=ppt/slides/slide3.xml><?xml version="1.0" encoding="utf-8"?>
 <p:sld xmlns:a="http://schemas.openxmlformats.org/drawingml/2006/main" xmlns:r="http://schemas.openxmlformats.org/officeDocument/2006/relationships" xmlns:p="http://schemas.openxmlformats.org/presentationml/2006/main">
   <p:cSld>
     <p:spTree>
@@ -5258,8 +4608,8 @@
           <a:lstStyle/>
           <a:p>
             <a:r>
-              <a:rPr lang="en-US" dirty="0"/>
-              <a:t>Bounding Box Parametrization</a:t>
+              <a:rPr lang="en-US"/>
+              <a:t>Bounding Box Prediction</a:t>
             </a:r>
           </a:p>
         </p:txBody>
@@ -5287,19 +4637,25 @@
           <a:p>
             <a:r>
               <a:rPr lang="en-US" dirty="0"/>
-              <a:t>Delta omega explained?</a:t>
+              <a:t>Fully Connected Layer</a:t>
             </a:r>
           </a:p>
           <a:p>
             <a:r>
               <a:rPr lang="en-US" dirty="0"/>
-              <a:t>Why do we even need delta omega?</a:t>
+              <a:t>Region Proposal Network proposes so called anchor boxes (expressed as center width height)</a:t>
             </a:r>
           </a:p>
           <a:p>
             <a:r>
               <a:rPr lang="en-US" dirty="0"/>
-              <a:t>Shows why its not a trivial solution</a:t>
+              <a:t>Bounding Box prediction regresses what change needs to be applied to the anchor in order to fit the ground truth Bounding Box</a:t>
+            </a:r>
+          </a:p>
+          <a:p>
+            <a:r>
+              <a:rPr lang="en-US" dirty="0"/>
+              <a:t>SmoothL1Loss on the four predicted box parameters</a:t>
             </a:r>
           </a:p>
         </p:txBody>
@@ -5317,7 +4673,7 @@
 </p:sld>
 </file>
 
-<file path=ppt/slides/slide7.xml><?xml version="1.0" encoding="utf-8"?>
+<file path=ppt/slides/slide4.xml><?xml version="1.0" encoding="utf-8"?>
 <p:sld xmlns:a="http://schemas.openxmlformats.org/drawingml/2006/main" xmlns:r="http://schemas.openxmlformats.org/officeDocument/2006/relationships" xmlns:p="http://schemas.openxmlformats.org/presentationml/2006/main">
   <p:cSld>
     <p:spTree>
@@ -5336,6 +4692,137 @@
       </p:grpSpPr>
       <p:sp>
         <p:nvSpPr>
+          <p:cNvPr id="2" name="Titel 1">
+            <a:extLst>
+              <a:ext uri="{FF2B5EF4-FFF2-40B4-BE49-F238E27FC236}">
+                <a16:creationId xmlns:a16="http://schemas.microsoft.com/office/drawing/2014/main" id="{52FD4665-D7AC-4F86-AFD3-7CE8FE32663B}"/>
+              </a:ext>
+            </a:extLst>
+          </p:cNvPr>
+          <p:cNvSpPr>
+            <a:spLocks noGrp="1"/>
+          </p:cNvSpPr>
+          <p:nvPr>
+            <p:ph type="title"/>
+          </p:nvPr>
+        </p:nvSpPr>
+        <p:spPr/>
+        <p:txBody>
+          <a:bodyPr/>
+          <a:lstStyle/>
+          <a:p>
+            <a:r>
+              <a:rPr lang="en-US" dirty="0"/>
+              <a:t>Crop Based Training</a:t>
+            </a:r>
+          </a:p>
+        </p:txBody>
+      </p:sp>
+      <p:sp>
+        <p:nvSpPr>
+          <p:cNvPr id="3" name="Inhaltsplatzhalter 2">
+            <a:extLst>
+              <a:ext uri="{FF2B5EF4-FFF2-40B4-BE49-F238E27FC236}">
+                <a16:creationId xmlns:a16="http://schemas.microsoft.com/office/drawing/2014/main" id="{4B0A16A1-1555-48B2-8DEF-4A31A390BD31}"/>
+              </a:ext>
+            </a:extLst>
+          </p:cNvPr>
+          <p:cNvSpPr>
+            <a:spLocks noGrp="1"/>
+          </p:cNvSpPr>
+          <p:nvPr>
+            <p:ph idx="1"/>
+          </p:nvPr>
+        </p:nvSpPr>
+        <p:spPr/>
+        <p:txBody>
+          <a:bodyPr/>
+          <a:lstStyle/>
+          <a:p>
+            <a:r>
+              <a:rPr lang="en-US" dirty="0">
+                <a:solidFill>
+                  <a:srgbClr val="FF0000"/>
+                </a:solidFill>
+              </a:rPr>
+              <a:t>Add here what happens to the </a:t>
+            </a:r>
+            <a:r>
+              <a:rPr lang="en-US" dirty="0" err="1">
+                <a:solidFill>
+                  <a:srgbClr val="FF0000"/>
+                </a:solidFill>
+              </a:rPr>
+              <a:t>gt</a:t>
+            </a:r>
+            <a:r>
+              <a:rPr lang="en-US" dirty="0">
+                <a:solidFill>
+                  <a:srgbClr val="FF0000"/>
+                </a:solidFill>
+              </a:rPr>
+              <a:t> if we crop</a:t>
+            </a:r>
+          </a:p>
+          <a:p>
+            <a:r>
+              <a:rPr lang="en-US" dirty="0"/>
+              <a:t>Lower memory burden allowing training of </a:t>
+            </a:r>
+            <a:r>
+              <a:rPr lang="en-US"/>
+              <a:t>larger networks </a:t>
+            </a:r>
+            <a:r>
+              <a:rPr lang="en-US" dirty="0"/>
+              <a:t>or </a:t>
+            </a:r>
+            <a:r>
+              <a:rPr lang="en-US"/>
+              <a:t>higher batch size</a:t>
+            </a:r>
+            <a:endParaRPr lang="en-US" dirty="0"/>
+          </a:p>
+          <a:p>
+            <a:r>
+              <a:rPr lang="en-US" dirty="0"/>
+              <a:t>Training on crops with fine details can increase performance on small/far objects</a:t>
+            </a:r>
+          </a:p>
+        </p:txBody>
+      </p:sp>
+    </p:spTree>
+    <p:extLst>
+      <p:ext uri="{BB962C8B-B14F-4D97-AF65-F5344CB8AC3E}">
+        <p14:creationId xmlns:p14="http://schemas.microsoft.com/office/powerpoint/2010/main" val="2063460671"/>
+      </p:ext>
+    </p:extLst>
+  </p:cSld>
+  <p:clrMapOvr>
+    <a:masterClrMapping/>
+  </p:clrMapOvr>
+</p:sld>
+</file>
+
+<file path=ppt/slides/slide5.xml><?xml version="1.0" encoding="utf-8"?>
+<p:sld xmlns:a="http://schemas.openxmlformats.org/drawingml/2006/main" xmlns:r="http://schemas.openxmlformats.org/officeDocument/2006/relationships" xmlns:p="http://schemas.openxmlformats.org/presentationml/2006/main">
+  <p:cSld>
+    <p:spTree>
+      <p:nvGrpSpPr>
+        <p:cNvPr id="1" name=""/>
+        <p:cNvGrpSpPr/>
+        <p:nvPr/>
+      </p:nvGrpSpPr>
+      <p:grpSpPr>
+        <a:xfrm>
+          <a:off x="0" y="0"/>
+          <a:ext cx="0" cy="0"/>
+          <a:chOff x="0" y="0"/>
+          <a:chExt cx="0" cy="0"/>
+        </a:xfrm>
+      </p:grpSpPr>
+      <p:sp>
+        <p:nvSpPr>
           <p:cNvPr id="4" name="Title 3">
             <a:extLst>
               <a:ext uri="{FF2B5EF4-FFF2-40B4-BE49-F238E27FC236}">
@@ -5356,22 +4843,22 @@
           <a:lstStyle/>
           <a:p>
             <a:r>
-              <a:rPr lang="de-DE" dirty="0" err="1"/>
+              <a:rPr lang="de-DE" err="1"/>
               <a:t>Crop</a:t>
             </a:r>
             <a:r>
-              <a:rPr lang="de-DE" dirty="0"/>
+              <a:rPr lang="de-DE"/>
               <a:t>-Aware </a:t>
             </a:r>
             <a:r>
-              <a:rPr lang="de-DE" dirty="0" err="1"/>
+              <a:rPr lang="de-DE" err="1"/>
               <a:t>Bounding</a:t>
             </a:r>
             <a:r>
-              <a:rPr lang="de-DE" dirty="0"/>
+              <a:rPr lang="de-DE"/>
               <a:t> Boxes</a:t>
             </a:r>
-            <a:endParaRPr lang="en-GB" dirty="0"/>
+            <a:endParaRPr lang="en-GB"/>
           </a:p>
         </p:txBody>
       </p:sp>
@@ -5403,19 +4890,13 @@
           <a:p>
             <a:r>
               <a:rPr lang="en-US" dirty="0"/>
-              <a:t>Network is allowed to hallucinate outside the crop area</a:t>
+              <a:t>Network is allowed to “hallucinate”</a:t>
             </a:r>
           </a:p>
           <a:p>
             <a:r>
               <a:rPr lang="en-US" dirty="0"/>
-              <a:t>Can reduce the bias against big objects which are cut</a:t>
-            </a:r>
-          </a:p>
-          <a:p>
-            <a:r>
-              <a:rPr lang="en-US" dirty="0"/>
-              <a:t>Training on crops with fine details can increase performance on small/far objects</a:t>
+              <a:t>Can improve performance on objects which were cropped in training</a:t>
             </a:r>
           </a:p>
           <a:p>
@@ -5472,7 +4953,7 @@
 </p:sld>
 </file>
 
-<file path=ppt/slides/slide8.xml><?xml version="1.0" encoding="utf-8"?>
+<file path=ppt/slides/slide6.xml><?xml version="1.0" encoding="utf-8"?>
 <p:sld xmlns:a="http://schemas.openxmlformats.org/drawingml/2006/main" xmlns:r="http://schemas.openxmlformats.org/officeDocument/2006/relationships" xmlns:p="http://schemas.openxmlformats.org/presentationml/2006/main">
   <p:cSld>
     <p:spTree>
@@ -5511,26 +4992,26 @@
           <a:lstStyle/>
           <a:p>
             <a:r>
-              <a:rPr lang="en-US" dirty="0"/>
+              <a:rPr lang="en-US"/>
               <a:t>Visualization</a:t>
             </a:r>
             <a:r>
-              <a:rPr lang="de-DE" dirty="0"/>
+              <a:rPr lang="de-DE"/>
               <a:t> </a:t>
             </a:r>
             <a:r>
-              <a:rPr lang="en-US" dirty="0"/>
+              <a:rPr lang="en-US"/>
               <a:t>of</a:t>
             </a:r>
             <a:r>
-              <a:rPr lang="de-DE" dirty="0"/>
+              <a:rPr lang="de-DE"/>
               <a:t> </a:t>
             </a:r>
             <a:r>
-              <a:rPr lang="en-US" dirty="0" err="1"/>
+              <a:rPr lang="en-US" err="1"/>
               <a:t>Cabb</a:t>
             </a:r>
-            <a:endParaRPr lang="en-US" dirty="0"/>
+            <a:endParaRPr lang="en-US"/>
           </a:p>
         </p:txBody>
       </p:sp>
@@ -5563,7 +5044,7 @@
             <a:pPr marL="0" indent="0">
               <a:buNone/>
             </a:pPr>
-            <a:endParaRPr lang="en-GB" dirty="0"/>
+            <a:endParaRPr lang="en-GB"/>
           </a:p>
         </p:txBody>
       </p:sp>
@@ -5626,11 +5107,11 @@
           <a:lstStyle/>
           <a:p>
             <a:r>
-              <a:rPr lang="en-US" dirty="0"/>
+              <a:rPr lang="en-US"/>
               <a:t>Without</a:t>
             </a:r>
             <a:r>
-              <a:rPr lang="de-DE" dirty="0"/>
+              <a:rPr lang="de-DE"/>
               <a:t> CABB</a:t>
             </a:r>
           </a:p>
@@ -5665,11 +5146,11 @@
           <a:lstStyle/>
           <a:p>
             <a:r>
-              <a:rPr lang="en-US" dirty="0"/>
+              <a:rPr lang="en-US"/>
               <a:t>With</a:t>
             </a:r>
             <a:r>
-              <a:rPr lang="de-DE" dirty="0"/>
+              <a:rPr lang="de-DE"/>
               <a:t> CABB</a:t>
             </a:r>
           </a:p>
@@ -5718,6 +5199,223 @@
 </p:sld>
 </file>
 
+<file path=ppt/slides/slide7.xml><?xml version="1.0" encoding="utf-8"?>
+<p:sld xmlns:a="http://schemas.openxmlformats.org/drawingml/2006/main" xmlns:r="http://schemas.openxmlformats.org/officeDocument/2006/relationships" xmlns:p="http://schemas.openxmlformats.org/presentationml/2006/main">
+  <p:cSld>
+    <p:spTree>
+      <p:nvGrpSpPr>
+        <p:cNvPr id="1" name=""/>
+        <p:cNvGrpSpPr/>
+        <p:nvPr/>
+      </p:nvGrpSpPr>
+      <p:grpSpPr>
+        <a:xfrm>
+          <a:off x="0" y="0"/>
+          <a:ext cx="0" cy="0"/>
+          <a:chOff x="0" y="0"/>
+          <a:chExt cx="0" cy="0"/>
+        </a:xfrm>
+      </p:grpSpPr>
+      <p:sp>
+        <p:nvSpPr>
+          <p:cNvPr id="2" name="Titel 1">
+            <a:extLst>
+              <a:ext uri="{FF2B5EF4-FFF2-40B4-BE49-F238E27FC236}">
+                <a16:creationId xmlns:a16="http://schemas.microsoft.com/office/drawing/2014/main" id="{2DE899C9-ECB8-4209-B44A-D55809197041}"/>
+              </a:ext>
+            </a:extLst>
+          </p:cNvPr>
+          <p:cNvSpPr>
+            <a:spLocks noGrp="1"/>
+          </p:cNvSpPr>
+          <p:nvPr>
+            <p:ph type="title"/>
+          </p:nvPr>
+        </p:nvSpPr>
+        <p:spPr/>
+        <p:txBody>
+          <a:bodyPr/>
+          <a:lstStyle/>
+          <a:p>
+            <a:r>
+              <a:rPr lang="en-US"/>
+              <a:t>Training Setting</a:t>
+            </a:r>
+          </a:p>
+        </p:txBody>
+      </p:sp>
+      <p:sp>
+        <p:nvSpPr>
+          <p:cNvPr id="3" name="Inhaltsplatzhalter 2">
+            <a:extLst>
+              <a:ext uri="{FF2B5EF4-FFF2-40B4-BE49-F238E27FC236}">
+                <a16:creationId xmlns:a16="http://schemas.microsoft.com/office/drawing/2014/main" id="{855BEFD4-C452-40AA-8020-77316D8CF61E}"/>
+              </a:ext>
+            </a:extLst>
+          </p:cNvPr>
+          <p:cNvSpPr>
+            <a:spLocks noGrp="1"/>
+          </p:cNvSpPr>
+          <p:nvPr>
+            <p:ph idx="1"/>
+          </p:nvPr>
+        </p:nvSpPr>
+        <p:spPr/>
+        <p:txBody>
+          <a:bodyPr/>
+          <a:lstStyle/>
+          <a:p>
+            <a:r>
+              <a:rPr lang="en-US"/>
+              <a:t>1024*512 Image size, 512*256 Crop size</a:t>
+            </a:r>
+          </a:p>
+          <a:p>
+            <a:r>
+              <a:rPr lang="en-US"/>
+              <a:t>8 Image per GPU</a:t>
+            </a:r>
+          </a:p>
+          <a:p>
+            <a:r>
+              <a:rPr lang="en-US"/>
+              <a:t>100 epochs of training with </a:t>
+            </a:r>
+            <a:r>
+              <a:rPr lang="en-US">
+                <a:solidFill>
+                  <a:srgbClr val="FF0000"/>
+                </a:solidFill>
+              </a:rPr>
+              <a:t>TODO check </a:t>
+            </a:r>
+            <a:r>
+              <a:rPr lang="en-US" sz="1800" b="0" i="0" u="none" strike="noStrike" baseline="0">
+                <a:latin typeface="NimbusRomNo9L-Regu"/>
+              </a:rPr>
+              <a:t>2975 training images</a:t>
+            </a:r>
+            <a:endParaRPr lang="en-US"/>
+          </a:p>
+        </p:txBody>
+      </p:sp>
+    </p:spTree>
+    <p:extLst>
+      <p:ext uri="{BB962C8B-B14F-4D97-AF65-F5344CB8AC3E}">
+        <p14:creationId xmlns:p14="http://schemas.microsoft.com/office/powerpoint/2010/main" val="2836184599"/>
+      </p:ext>
+    </p:extLst>
+  </p:cSld>
+  <p:clrMapOvr>
+    <a:masterClrMapping/>
+  </p:clrMapOvr>
+</p:sld>
+</file>
+
+<file path=ppt/slides/slide8.xml><?xml version="1.0" encoding="utf-8"?>
+<p:sld xmlns:a="http://schemas.openxmlformats.org/drawingml/2006/main" xmlns:r="http://schemas.openxmlformats.org/officeDocument/2006/relationships" xmlns:p="http://schemas.openxmlformats.org/presentationml/2006/main">
+  <p:cSld>
+    <p:spTree>
+      <p:nvGrpSpPr>
+        <p:cNvPr id="1" name=""/>
+        <p:cNvGrpSpPr/>
+        <p:nvPr/>
+      </p:nvGrpSpPr>
+      <p:grpSpPr>
+        <a:xfrm>
+          <a:off x="0" y="0"/>
+          <a:ext cx="0" cy="0"/>
+          <a:chOff x="0" y="0"/>
+          <a:chExt cx="0" cy="0"/>
+        </a:xfrm>
+      </p:grpSpPr>
+      <p:sp>
+        <p:nvSpPr>
+          <p:cNvPr id="2" name="Title 1">
+            <a:extLst>
+              <a:ext uri="{FF2B5EF4-FFF2-40B4-BE49-F238E27FC236}">
+                <a16:creationId xmlns:a16="http://schemas.microsoft.com/office/drawing/2014/main" id="{2D09D21D-85D3-45EE-901C-55BD06588083}"/>
+              </a:ext>
+            </a:extLst>
+          </p:cNvPr>
+          <p:cNvSpPr>
+            <a:spLocks noGrp="1"/>
+          </p:cNvSpPr>
+          <p:nvPr>
+            <p:ph type="title"/>
+          </p:nvPr>
+        </p:nvSpPr>
+        <p:spPr/>
+        <p:txBody>
+          <a:bodyPr/>
+          <a:lstStyle/>
+          <a:p>
+            <a:r>
+              <a:rPr lang="en-US"/>
+              <a:t>Results/Comparison</a:t>
+            </a:r>
+          </a:p>
+        </p:txBody>
+      </p:sp>
+      <p:sp>
+        <p:nvSpPr>
+          <p:cNvPr id="3" name="Content Placeholder 2">
+            <a:extLst>
+              <a:ext uri="{FF2B5EF4-FFF2-40B4-BE49-F238E27FC236}">
+                <a16:creationId xmlns:a16="http://schemas.microsoft.com/office/drawing/2014/main" id="{CFB73C6E-E25A-4AD9-9620-74058DEEA275}"/>
+              </a:ext>
+            </a:extLst>
+          </p:cNvPr>
+          <p:cNvSpPr>
+            <a:spLocks noGrp="1"/>
+          </p:cNvSpPr>
+          <p:nvPr>
+            <p:ph idx="1"/>
+          </p:nvPr>
+        </p:nvSpPr>
+        <p:spPr/>
+        <p:txBody>
+          <a:bodyPr/>
+          <a:lstStyle/>
+          <a:p>
+            <a:r>
+              <a:rPr lang="en-US"/>
+              <a:t>Final values</a:t>
+            </a:r>
+          </a:p>
+          <a:p>
+            <a:r>
+              <a:rPr lang="en-US"/>
+              <a:t>Graph with history?</a:t>
+            </a:r>
+          </a:p>
+          <a:p>
+            <a:r>
+              <a:rPr lang="en-US"/>
+              <a:t>Training speed difference(look when episode saves were created)!</a:t>
+            </a:r>
+          </a:p>
+          <a:p>
+            <a:r>
+              <a:rPr lang="en-US"/>
+              <a:t>Difference in final images?</a:t>
+            </a:r>
+          </a:p>
+        </p:txBody>
+      </p:sp>
+    </p:spTree>
+    <p:extLst>
+      <p:ext uri="{BB962C8B-B14F-4D97-AF65-F5344CB8AC3E}">
+        <p14:creationId xmlns:p14="http://schemas.microsoft.com/office/powerpoint/2010/main" val="803320101"/>
+      </p:ext>
+    </p:extLst>
+  </p:cSld>
+  <p:clrMapOvr>
+    <a:masterClrMapping/>
+  </p:clrMapOvr>
+</p:sld>
+</file>
+
 <file path=ppt/slides/slide9.xml><?xml version="1.0" encoding="utf-8"?>
 <p:sld xmlns:a="http://schemas.openxmlformats.org/drawingml/2006/main" xmlns:r="http://schemas.openxmlformats.org/officeDocument/2006/relationships" xmlns:p="http://schemas.openxmlformats.org/presentationml/2006/main">
   <p:cSld>
@@ -5737,13 +5435,7 @@
       </p:grpSpPr>
       <p:sp>
         <p:nvSpPr>
-          <p:cNvPr id="2" name="Titel 1">
-            <a:extLst>
-              <a:ext uri="{FF2B5EF4-FFF2-40B4-BE49-F238E27FC236}">
-                <a16:creationId xmlns:a16="http://schemas.microsoft.com/office/drawing/2014/main" id="{2DE899C9-ECB8-4209-B44A-D55809197041}"/>
-              </a:ext>
-            </a:extLst>
-          </p:cNvPr>
+          <p:cNvPr id="2" name="Title 1"/>
           <p:cNvSpPr>
             <a:spLocks noGrp="1"/>
           </p:cNvSpPr>
@@ -5751,48 +5443,19 @@
             <p:ph type="title"/>
           </p:nvPr>
         </p:nvSpPr>
-        <p:spPr/>
+        <p:spPr>
+          <a:xfrm>
+            <a:off x="304800" y="2186643"/>
+            <a:ext cx="8534400" cy="523220"/>
+          </a:xfrm>
+        </p:spPr>
         <p:txBody>
           <a:bodyPr/>
           <a:lstStyle/>
           <a:p>
             <a:r>
-              <a:rPr lang="en-US" dirty="0"/>
-              <a:t>Training Setting</a:t>
-            </a:r>
-          </a:p>
-        </p:txBody>
-      </p:sp>
-      <p:sp>
-        <p:nvSpPr>
-          <p:cNvPr id="3" name="Inhaltsplatzhalter 2">
-            <a:extLst>
-              <a:ext uri="{FF2B5EF4-FFF2-40B4-BE49-F238E27FC236}">
-                <a16:creationId xmlns:a16="http://schemas.microsoft.com/office/drawing/2014/main" id="{855BEFD4-C452-40AA-8020-77316D8CF61E}"/>
-              </a:ext>
-            </a:extLst>
-          </p:cNvPr>
-          <p:cNvSpPr>
-            <a:spLocks noGrp="1"/>
-          </p:cNvSpPr>
-          <p:nvPr>
-            <p:ph idx="1"/>
-          </p:nvPr>
-        </p:nvSpPr>
-        <p:spPr/>
-        <p:txBody>
-          <a:bodyPr/>
-          <a:lstStyle/>
-          <a:p>
-            <a:r>
-              <a:rPr lang="en-US" dirty="0"/>
-              <a:t>Image size, Crop size</a:t>
-            </a:r>
-          </a:p>
-          <a:p>
-            <a:r>
-              <a:rPr lang="en-US" dirty="0"/>
-              <a:t>Image per GPU</a:t>
+              <a:rPr lang="en-US"/>
+              <a:t>Thank you for your attention!</a:t>
             </a:r>
           </a:p>
         </p:txBody>
@@ -5800,7 +5463,7 @@
     </p:spTree>
     <p:extLst>
       <p:ext uri="{BB962C8B-B14F-4D97-AF65-F5344CB8AC3E}">
-        <p14:creationId xmlns:p14="http://schemas.microsoft.com/office/powerpoint/2010/main" val="2836184599"/>
+        <p14:creationId xmlns:p14="http://schemas.microsoft.com/office/powerpoint/2010/main" val="2036475844"/>
       </p:ext>
     </p:extLst>
   </p:cSld>

--- a/Crop-Aware Panoptic Segmentation.pptx
+++ b/Crop-Aware Panoptic Segmentation.pptx
@@ -5,10 +5,10 @@
     <p:sldMasterId id="2147483653" r:id="rId1"/>
   </p:sldMasterIdLst>
   <p:notesMasterIdLst>
-    <p:notesMasterId r:id="rId11"/>
+    <p:notesMasterId r:id="rId12"/>
   </p:notesMasterIdLst>
   <p:handoutMasterIdLst>
-    <p:handoutMasterId r:id="rId12"/>
+    <p:handoutMasterId r:id="rId13"/>
   </p:handoutMasterIdLst>
   <p:sldIdLst>
     <p:sldId id="607" r:id="rId2"/>
@@ -19,12 +19,13 @@
     <p:sldId id="614" r:id="rId7"/>
     <p:sldId id="617" r:id="rId8"/>
     <p:sldId id="615" r:id="rId9"/>
-    <p:sldId id="604" r:id="rId10"/>
+    <p:sldId id="619" r:id="rId10"/>
+    <p:sldId id="604" r:id="rId11"/>
   </p:sldIdLst>
   <p:sldSz cx="9144000" cy="5143500" type="screen16x9"/>
   <p:notesSz cx="10234613" cy="7099300"/>
   <p:custDataLst>
-    <p:tags r:id="rId13"/>
+    <p:tags r:id="rId14"/>
   </p:custDataLst>
   <p:defaultTextStyle>
     <a:defPPr>
@@ -187,7 +188,7 @@
 <file path=ppt/revisionInfo.xml><?xml version="1.0" encoding="utf-8"?>
 <p1510:revInfo xmlns:a="http://schemas.openxmlformats.org/drawingml/2006/main" xmlns:r="http://schemas.openxmlformats.org/officeDocument/2006/relationships" xmlns:p1510="http://schemas.microsoft.com/office/powerpoint/2015/10/main">
   <p1510:revLst>
-    <p1510:client id="{80991716-2D59-4026-B09E-1447EF58DD18}" v="11" dt="2021-07-25T08:57:12.232"/>
+    <p1510:client id="{2CD5F5D6-88A3-4631-A66A-40A03704DD16}" v="5" dt="2021-07-26T10:38:08.515"/>
     <p1510:client id="{E8785D74-9879-42C5-9058-5D91577AAC50}" v="524" dt="2021-07-25T10:43:13.034"/>
   </p1510:revLst>
 </p1510:revInfo>
@@ -197,8 +198,8 @@
 <pc:chgInfo xmlns:a="http://schemas.openxmlformats.org/drawingml/2006/main" xmlns:r="http://schemas.openxmlformats.org/officeDocument/2006/relationships" xmlns:ac="http://schemas.microsoft.com/office/drawing/2013/main/command" xmlns:pc="http://schemas.microsoft.com/office/powerpoint/2013/main/command">
   <pc:docChgLst>
     <pc:chgData name="Yannick Vogt" userId="860741af1eec8ecc" providerId="LiveId" clId="{2CD5F5D6-88A3-4631-A66A-40A03704DD16}"/>
-    <pc:docChg chg="custSel addSld modSld sldOrd modMainMaster">
-      <pc:chgData name="Yannick Vogt" userId="860741af1eec8ecc" providerId="LiveId" clId="{2CD5F5D6-88A3-4631-A66A-40A03704DD16}" dt="2021-07-23T09:18:37.192" v="523" actId="5793"/>
+    <pc:docChg chg="undo custSel addSld modSld sldOrd modMainMaster">
+      <pc:chgData name="Yannick Vogt" userId="860741af1eec8ecc" providerId="LiveId" clId="{2CD5F5D6-88A3-4631-A66A-40A03704DD16}" dt="2021-07-26T10:39:51.049" v="1164" actId="1076"/>
       <pc:docMkLst>
         <pc:docMk/>
       </pc:docMkLst>
@@ -271,8 +272,8 @@
           </ac:picMkLst>
         </pc:picChg>
       </pc:sldChg>
-      <pc:sldChg chg="addSp delSp modSp new mod chgLayout">
-        <pc:chgData name="Yannick Vogt" userId="860741af1eec8ecc" providerId="LiveId" clId="{2CD5F5D6-88A3-4631-A66A-40A03704DD16}" dt="2021-07-23T08:15:56.316" v="232" actId="790"/>
+      <pc:sldChg chg="addSp delSp modSp new mod chgLayout modNotesTx">
+        <pc:chgData name="Yannick Vogt" userId="860741af1eec8ecc" providerId="LiveId" clId="{2CD5F5D6-88A3-4631-A66A-40A03704DD16}" dt="2021-07-26T08:49:33.713" v="618" actId="20577"/>
         <pc:sldMkLst>
           <pc:docMk/>
           <pc:sldMk cId="1885977225" sldId="613"/>
@@ -311,7 +312,7 @@
         </pc:spChg>
       </pc:sldChg>
       <pc:sldChg chg="modSp new mod">
-        <pc:chgData name="Yannick Vogt" userId="860741af1eec8ecc" providerId="LiveId" clId="{2CD5F5D6-88A3-4631-A66A-40A03704DD16}" dt="2021-07-23T08:17:41.449" v="396" actId="20577"/>
+        <pc:chgData name="Yannick Vogt" userId="860741af1eec8ecc" providerId="LiveId" clId="{2CD5F5D6-88A3-4631-A66A-40A03704DD16}" dt="2021-07-26T10:01:37.454" v="992" actId="207"/>
         <pc:sldMkLst>
           <pc:docMk/>
           <pc:sldMk cId="2489557210" sldId="614"/>
@@ -325,7 +326,7 @@
           </ac:spMkLst>
         </pc:spChg>
         <pc:spChg chg="mod">
-          <ac:chgData name="Yannick Vogt" userId="860741af1eec8ecc" providerId="LiveId" clId="{2CD5F5D6-88A3-4631-A66A-40A03704DD16}" dt="2021-07-23T08:17:41.449" v="396" actId="20577"/>
+          <ac:chgData name="Yannick Vogt" userId="860741af1eec8ecc" providerId="LiveId" clId="{2CD5F5D6-88A3-4631-A66A-40A03704DD16}" dt="2021-07-26T10:01:37.454" v="992" actId="207"/>
           <ac:spMkLst>
             <pc:docMk/>
             <pc:sldMk cId="2489557210" sldId="614"/>
@@ -333,14 +334,14 @@
           </ac:spMkLst>
         </pc:spChg>
       </pc:sldChg>
-      <pc:sldChg chg="modSp new mod">
-        <pc:chgData name="Yannick Vogt" userId="860741af1eec8ecc" providerId="LiveId" clId="{2CD5F5D6-88A3-4631-A66A-40A03704DD16}" dt="2021-07-23T08:18:44.141" v="514" actId="20577"/>
+      <pc:sldChg chg="addSp modSp new mod modNotesTx">
+        <pc:chgData name="Yannick Vogt" userId="860741af1eec8ecc" providerId="LiveId" clId="{2CD5F5D6-88A3-4631-A66A-40A03704DD16}" dt="2021-07-26T09:57:26.445" v="900" actId="20577"/>
         <pc:sldMkLst>
           <pc:docMk/>
           <pc:sldMk cId="803320101" sldId="615"/>
         </pc:sldMkLst>
         <pc:spChg chg="mod">
-          <ac:chgData name="Yannick Vogt" userId="860741af1eec8ecc" providerId="LiveId" clId="{2CD5F5D6-88A3-4631-A66A-40A03704DD16}" dt="2021-07-23T08:18:03.103" v="415" actId="20577"/>
+          <ac:chgData name="Yannick Vogt" userId="860741af1eec8ecc" providerId="LiveId" clId="{2CD5F5D6-88A3-4631-A66A-40A03704DD16}" dt="2021-07-26T09:57:18.521" v="897" actId="20577"/>
           <ac:spMkLst>
             <pc:docMk/>
             <pc:sldMk cId="803320101" sldId="615"/>
@@ -348,13 +349,83 @@
           </ac:spMkLst>
         </pc:spChg>
         <pc:spChg chg="mod">
-          <ac:chgData name="Yannick Vogt" userId="860741af1eec8ecc" providerId="LiveId" clId="{2CD5F5D6-88A3-4631-A66A-40A03704DD16}" dt="2021-07-23T08:18:44.141" v="514" actId="20577"/>
+          <ac:chgData name="Yannick Vogt" userId="860741af1eec8ecc" providerId="LiveId" clId="{2CD5F5D6-88A3-4631-A66A-40A03704DD16}" dt="2021-07-26T09:57:26.445" v="900" actId="20577"/>
           <ac:spMkLst>
             <pc:docMk/>
             <pc:sldMk cId="803320101" sldId="615"/>
             <ac:spMk id="3" creationId="{CFB73C6E-E25A-4AD9-9620-74058DEEA275}"/>
           </ac:spMkLst>
         </pc:spChg>
+        <pc:picChg chg="add mod">
+          <ac:chgData name="Yannick Vogt" userId="860741af1eec8ecc" providerId="LiveId" clId="{2CD5F5D6-88A3-4631-A66A-40A03704DD16}" dt="2021-07-26T09:39:27.968" v="715" actId="1076"/>
+          <ac:picMkLst>
+            <pc:docMk/>
+            <pc:sldMk cId="803320101" sldId="615"/>
+            <ac:picMk id="5" creationId="{38275DBB-6F88-4CFE-B61C-28C8F930DCE4}"/>
+          </ac:picMkLst>
+        </pc:picChg>
+        <pc:picChg chg="add mod">
+          <ac:chgData name="Yannick Vogt" userId="860741af1eec8ecc" providerId="LiveId" clId="{2CD5F5D6-88A3-4631-A66A-40A03704DD16}" dt="2021-07-26T09:40:12.817" v="722" actId="14100"/>
+          <ac:picMkLst>
+            <pc:docMk/>
+            <pc:sldMk cId="803320101" sldId="615"/>
+            <ac:picMk id="7" creationId="{99CD42C8-0441-44C1-AB6E-75402FFBC4FB}"/>
+          </ac:picMkLst>
+        </pc:picChg>
+      </pc:sldChg>
+      <pc:sldChg chg="modSp mod">
+        <pc:chgData name="Yannick Vogt" userId="860741af1eec8ecc" providerId="LiveId" clId="{2CD5F5D6-88A3-4631-A66A-40A03704DD16}" dt="2021-07-26T10:33:41.305" v="994" actId="255"/>
+        <pc:sldMkLst>
+          <pc:docMk/>
+          <pc:sldMk cId="2836184599" sldId="617"/>
+        </pc:sldMkLst>
+        <pc:spChg chg="mod">
+          <ac:chgData name="Yannick Vogt" userId="860741af1eec8ecc" providerId="LiveId" clId="{2CD5F5D6-88A3-4631-A66A-40A03704DD16}" dt="2021-07-26T10:33:41.305" v="994" actId="255"/>
+          <ac:spMkLst>
+            <pc:docMk/>
+            <pc:sldMk cId="2836184599" sldId="617"/>
+            <ac:spMk id="3" creationId="{855BEFD4-C452-40AA-8020-77316D8CF61E}"/>
+          </ac:spMkLst>
+        </pc:spChg>
+      </pc:sldChg>
+      <pc:sldChg chg="addSp modSp new mod">
+        <pc:chgData name="Yannick Vogt" userId="860741af1eec8ecc" providerId="LiveId" clId="{2CD5F5D6-88A3-4631-A66A-40A03704DD16}" dt="2021-07-26T10:39:51.049" v="1164" actId="1076"/>
+        <pc:sldMkLst>
+          <pc:docMk/>
+          <pc:sldMk cId="2484015150" sldId="619"/>
+        </pc:sldMkLst>
+        <pc:spChg chg="mod">
+          <ac:chgData name="Yannick Vogt" userId="860741af1eec8ecc" providerId="LiveId" clId="{2CD5F5D6-88A3-4631-A66A-40A03704DD16}" dt="2021-07-26T09:57:33.009" v="916" actId="20577"/>
+          <ac:spMkLst>
+            <pc:docMk/>
+            <pc:sldMk cId="2484015150" sldId="619"/>
+            <ac:spMk id="2" creationId="{2FCE780E-3FF4-421C-964C-B75E1A39EFF2}"/>
+          </ac:spMkLst>
+        </pc:spChg>
+        <pc:spChg chg="mod">
+          <ac:chgData name="Yannick Vogt" userId="860741af1eec8ecc" providerId="LiveId" clId="{2CD5F5D6-88A3-4631-A66A-40A03704DD16}" dt="2021-07-26T10:39:40.635" v="1162" actId="20577"/>
+          <ac:spMkLst>
+            <pc:docMk/>
+            <pc:sldMk cId="2484015150" sldId="619"/>
+            <ac:spMk id="3" creationId="{D3E3E94D-EF3A-4FD9-ADD1-D1042230A624}"/>
+          </ac:spMkLst>
+        </pc:spChg>
+        <pc:graphicFrameChg chg="add mod modGraphic">
+          <ac:chgData name="Yannick Vogt" userId="860741af1eec8ecc" providerId="LiveId" clId="{2CD5F5D6-88A3-4631-A66A-40A03704DD16}" dt="2021-07-26T10:39:51.049" v="1164" actId="1076"/>
+          <ac:graphicFrameMkLst>
+            <pc:docMk/>
+            <pc:sldMk cId="2484015150" sldId="619"/>
+            <ac:graphicFrameMk id="4" creationId="{20FEEC53-DE56-42DB-8905-F6057BC6BC0D}"/>
+          </ac:graphicFrameMkLst>
+        </pc:graphicFrameChg>
+        <pc:graphicFrameChg chg="add mod modGraphic">
+          <ac:chgData name="Yannick Vogt" userId="860741af1eec8ecc" providerId="LiveId" clId="{2CD5F5D6-88A3-4631-A66A-40A03704DD16}" dt="2021-07-26T10:39:46.093" v="1163" actId="1076"/>
+          <ac:graphicFrameMkLst>
+            <pc:docMk/>
+            <pc:sldMk cId="2484015150" sldId="619"/>
+            <ac:graphicFrameMk id="5" creationId="{3D061807-5988-4D6D-8313-9213B56228B6}"/>
+          </ac:graphicFrameMkLst>
+        </pc:graphicFrameChg>
       </pc:sldChg>
       <pc:sldMasterChg chg="modSldLayout">
         <pc:chgData name="Yannick Vogt" userId="860741af1eec8ecc" providerId="LiveId" clId="{2CD5F5D6-88A3-4631-A66A-40A03704DD16}" dt="2021-07-23T08:06:29.750" v="0" actId="478"/>
@@ -792,7 +863,7 @@
           <a:p>
             <a:fld id="{4E9DBEC1-03D6-8C41-96E3-520E1D7FD629}" type="datetimeFigureOut">
               <a:rPr lang="en-US" smtClean="0"/>
-              <a:t>7/25/2021</a:t>
+              <a:t>7/26/2021</a:t>
             </a:fld>
             <a:endParaRPr lang="en-US"/>
           </a:p>
@@ -858,7 +929,7 @@
           <a:p>
             <a:fld id="{1FAA035C-FB08-0242-AF90-D9F53D6B6D73}" type="slidenum">
               <a:rPr lang="en-US" smtClean="0"/>
-              <a:t>‹Nr.›</a:t>
+              <a:t>‹#›</a:t>
             </a:fld>
             <a:endParaRPr lang="en-US"/>
           </a:p>
@@ -953,7 +1024,7 @@
               </a14:hiddenEffects>
             </a:ext>
             <a:ext uri="{FAA26D3D-D897-4be2-8F04-BA451C77F1D7}">
-              <ma14:placeholderFlag xmlns="" xmlns:ma14="http://schemas.microsoft.com/office/mac/drawingml/2011/main" val="1"/>
+              <ma14:placeholderFlag xmlns:ma14="http://schemas.microsoft.com/office/mac/drawingml/2011/main" xmlns="" val="1"/>
             </a:ext>
           </a:extLst>
         </p:spPr>
@@ -1032,7 +1103,7 @@
               </a14:hiddenEffects>
             </a:ext>
             <a:ext uri="{FAA26D3D-D897-4be2-8F04-BA451C77F1D7}">
-              <ma14:placeholderFlag xmlns="" xmlns:ma14="http://schemas.microsoft.com/office/mac/drawingml/2011/main" val="1"/>
+              <ma14:placeholderFlag xmlns:ma14="http://schemas.microsoft.com/office/mac/drawingml/2011/main" xmlns="" val="1"/>
             </a:ext>
           </a:extLst>
         </p:spPr>
@@ -1157,7 +1228,7 @@
               </a14:hiddenEffects>
             </a:ext>
             <a:ext uri="{FAA26D3D-D897-4be2-8F04-BA451C77F1D7}">
-              <ma14:placeholderFlag xmlns="" xmlns:ma14="http://schemas.microsoft.com/office/mac/drawingml/2011/main" val="1"/>
+              <ma14:placeholderFlag xmlns:ma14="http://schemas.microsoft.com/office/mac/drawingml/2011/main" xmlns="" val="1"/>
             </a:ext>
           </a:extLst>
         </p:spPr>
@@ -1258,7 +1329,7 @@
               </a14:hiddenEffects>
             </a:ext>
             <a:ext uri="{FAA26D3D-D897-4be2-8F04-BA451C77F1D7}">
-              <ma14:placeholderFlag xmlns="" xmlns:ma14="http://schemas.microsoft.com/office/mac/drawingml/2011/main" val="1"/>
+              <ma14:placeholderFlag xmlns:ma14="http://schemas.microsoft.com/office/mac/drawingml/2011/main" xmlns="" val="1"/>
             </a:ext>
           </a:extLst>
         </p:spPr>
@@ -1337,7 +1408,7 @@
               </a14:hiddenEffects>
             </a:ext>
             <a:ext uri="{FAA26D3D-D897-4be2-8F04-BA451C77F1D7}">
-              <ma14:placeholderFlag xmlns="" xmlns:ma14="http://schemas.microsoft.com/office/mac/drawingml/2011/main" val="1"/>
+              <ma14:placeholderFlag xmlns:ma14="http://schemas.microsoft.com/office/mac/drawingml/2011/main" xmlns="" val="1"/>
             </a:ext>
           </a:extLst>
         </p:spPr>
@@ -1364,7 +1435,7 @@
               <a:pPr>
                 <a:defRPr/>
               </a:pPr>
-              <a:t>‹Nr.›</a:t>
+              <a:t>‹#›</a:t>
             </a:fld>
             <a:endParaRPr lang="en-US"/>
           </a:p>
@@ -1808,9 +1879,18 @@
           <a:lstStyle/>
           <a:p>
             <a:r>
-              <a:rPr lang="en-US"/>
+              <a:rPr lang="en-US" dirty="0"/>
               <a:t>Explain cases, maybe also show a O2 version</a:t>
             </a:r>
+          </a:p>
+          <a:p>
+            <a:r>
+              <a:rPr lang="en-US" dirty="0"/>
+              <a:t>only outside can be modified</a:t>
+            </a:r>
+          </a:p>
+          <a:p>
+            <a:endParaRPr lang="en-US" dirty="0"/>
           </a:p>
         </p:txBody>
       </p:sp>
@@ -2146,8 +2226,20 @@
           <a:lstStyle/>
           <a:p>
             <a:r>
-              <a:rPr lang="en-US"/>
-              <a:t>If the results are worse it could be based on the unaccounted case</a:t>
+              <a:rPr lang="en-US" dirty="0"/>
+              <a:t>Loss is lower (as we expected, perhaps we would need to weight this loss higher)</a:t>
+            </a:r>
+          </a:p>
+          <a:p>
+            <a:r>
+              <a:rPr lang="en-US" dirty="0"/>
+              <a:t>Loss has spikes, perhaps based on missing case</a:t>
+            </a:r>
+          </a:p>
+          <a:p>
+            <a:r>
+              <a:rPr lang="en-US" dirty="0"/>
+              <a:t>Test on 500 images</a:t>
             </a:r>
           </a:p>
         </p:txBody>
@@ -2195,6 +2287,96 @@
 </file>
 
 <file path=ppt/notesSlides/notesSlide6.xml><?xml version="1.0" encoding="utf-8"?>
+<p:notes xmlns:a="http://schemas.openxmlformats.org/drawingml/2006/main" xmlns:r="http://schemas.openxmlformats.org/officeDocument/2006/relationships" xmlns:p="http://schemas.openxmlformats.org/presentationml/2006/main">
+  <p:cSld>
+    <p:spTree>
+      <p:nvGrpSpPr>
+        <p:cNvPr id="1" name=""/>
+        <p:cNvGrpSpPr/>
+        <p:nvPr/>
+      </p:nvGrpSpPr>
+      <p:grpSpPr>
+        <a:xfrm>
+          <a:off x="0" y="0"/>
+          <a:ext cx="0" cy="0"/>
+          <a:chOff x="0" y="0"/>
+          <a:chExt cx="0" cy="0"/>
+        </a:xfrm>
+      </p:grpSpPr>
+      <p:sp>
+        <p:nvSpPr>
+          <p:cNvPr id="2" name="Slide Image Placeholder 1"/>
+          <p:cNvSpPr>
+            <a:spLocks noGrp="1" noRot="1" noChangeAspect="1"/>
+          </p:cNvSpPr>
+          <p:nvPr>
+            <p:ph type="sldImg"/>
+          </p:nvPr>
+        </p:nvSpPr>
+        <p:spPr/>
+      </p:sp>
+      <p:sp>
+        <p:nvSpPr>
+          <p:cNvPr id="3" name="Notes Placeholder 2"/>
+          <p:cNvSpPr>
+            <a:spLocks noGrp="1"/>
+          </p:cNvSpPr>
+          <p:nvPr>
+            <p:ph type="body" idx="1"/>
+          </p:nvPr>
+        </p:nvSpPr>
+        <p:spPr/>
+        <p:txBody>
+          <a:bodyPr/>
+          <a:lstStyle/>
+          <a:p>
+            <a:endParaRPr lang="en-US"/>
+          </a:p>
+        </p:txBody>
+      </p:sp>
+      <p:sp>
+        <p:nvSpPr>
+          <p:cNvPr id="4" name="Slide Number Placeholder 3"/>
+          <p:cNvSpPr>
+            <a:spLocks noGrp="1"/>
+          </p:cNvSpPr>
+          <p:nvPr>
+            <p:ph type="sldNum" sz="quarter" idx="5"/>
+          </p:nvPr>
+        </p:nvSpPr>
+        <p:spPr/>
+        <p:txBody>
+          <a:bodyPr/>
+          <a:lstStyle/>
+          <a:p>
+            <a:pPr>
+              <a:defRPr/>
+            </a:pPr>
+            <a:fld id="{2D72F1E3-2578-1242-A6A3-72B7E9BB2E1A}" type="slidenum">
+              <a:rPr lang="en-US" smtClean="0"/>
+              <a:pPr>
+                <a:defRPr/>
+              </a:pPr>
+              <a:t>9</a:t>
+            </a:fld>
+            <a:endParaRPr lang="en-US"/>
+          </a:p>
+        </p:txBody>
+      </p:sp>
+    </p:spTree>
+    <p:extLst>
+      <p:ext uri="{BB962C8B-B14F-4D97-AF65-F5344CB8AC3E}">
+        <p14:creationId xmlns:p14="http://schemas.microsoft.com/office/powerpoint/2010/main" val="1996437492"/>
+      </p:ext>
+    </p:extLst>
+  </p:cSld>
+  <p:clrMapOvr>
+    <a:masterClrMapping/>
+  </p:clrMapOvr>
+</p:notes>
+</file>
+
+<file path=ppt/notesSlides/notesSlide7.xml><?xml version="1.0" encoding="utf-8"?>
 <p:notes xmlns:a="http://schemas.openxmlformats.org/drawingml/2006/main" xmlns:r="http://schemas.openxmlformats.org/officeDocument/2006/relationships" xmlns:p="http://schemas.openxmlformats.org/presentationml/2006/main">
   <p:cSld>
     <p:spTree>
@@ -2270,7 +2452,7 @@
               <a:pPr>
                 <a:defRPr/>
               </a:pPr>
-              <a:t>9</a:t>
+              <a:t>10</a:t>
             </a:fld>
             <a:endParaRPr lang="en-US"/>
           </a:p>
@@ -3826,7 +4008,7 @@
               </a14:hiddenEffects>
             </a:ext>
             <a:ext uri="{FAA26D3D-D897-4be2-8F04-BA451C77F1D7}">
-              <ma14:placeholderFlag xmlns="" xmlns:ma14="http://schemas.microsoft.com/office/mac/drawingml/2011/main" val="1"/>
+              <ma14:placeholderFlag xmlns:ma14="http://schemas.microsoft.com/office/mac/drawingml/2011/main" xmlns="" val="1"/>
             </a:ext>
           </a:extLst>
         </p:spPr>
@@ -3900,7 +4082,7 @@
               </a14:hiddenEffects>
             </a:ext>
             <a:ext uri="{FAA26D3D-D897-4be2-8F04-BA451C77F1D7}">
-              <ma14:placeholderFlag xmlns="" xmlns:ma14="http://schemas.microsoft.com/office/mac/drawingml/2011/main" val="1"/>
+              <ma14:placeholderFlag xmlns:ma14="http://schemas.microsoft.com/office/mac/drawingml/2011/main" xmlns="" val="1"/>
             </a:ext>
           </a:extLst>
         </p:spPr>
@@ -4468,6 +4650,63 @@
 </p:sld>
 </file>
 
+<file path=ppt/slides/slide10.xml><?xml version="1.0" encoding="utf-8"?>
+<p:sld xmlns:a="http://schemas.openxmlformats.org/drawingml/2006/main" xmlns:r="http://schemas.openxmlformats.org/officeDocument/2006/relationships" xmlns:p="http://schemas.openxmlformats.org/presentationml/2006/main">
+  <p:cSld>
+    <p:spTree>
+      <p:nvGrpSpPr>
+        <p:cNvPr id="1" name=""/>
+        <p:cNvGrpSpPr/>
+        <p:nvPr/>
+      </p:nvGrpSpPr>
+      <p:grpSpPr>
+        <a:xfrm>
+          <a:off x="0" y="0"/>
+          <a:ext cx="0" cy="0"/>
+          <a:chOff x="0" y="0"/>
+          <a:chExt cx="0" cy="0"/>
+        </a:xfrm>
+      </p:grpSpPr>
+      <p:sp>
+        <p:nvSpPr>
+          <p:cNvPr id="2" name="Title 1"/>
+          <p:cNvSpPr>
+            <a:spLocks noGrp="1"/>
+          </p:cNvSpPr>
+          <p:nvPr>
+            <p:ph type="title"/>
+          </p:nvPr>
+        </p:nvSpPr>
+        <p:spPr>
+          <a:xfrm>
+            <a:off x="304800" y="2186643"/>
+            <a:ext cx="8534400" cy="523220"/>
+          </a:xfrm>
+        </p:spPr>
+        <p:txBody>
+          <a:bodyPr/>
+          <a:lstStyle/>
+          <a:p>
+            <a:r>
+              <a:rPr lang="en-US"/>
+              <a:t>Thank you for your attention!</a:t>
+            </a:r>
+          </a:p>
+        </p:txBody>
+      </p:sp>
+    </p:spTree>
+    <p:extLst>
+      <p:ext uri="{BB962C8B-B14F-4D97-AF65-F5344CB8AC3E}">
+        <p14:creationId xmlns:p14="http://schemas.microsoft.com/office/powerpoint/2010/main" val="2036475844"/>
+      </p:ext>
+    </p:extLst>
+  </p:cSld>
+  <p:clrMapOvr>
+    <a:masterClrMapping/>
+  </p:clrMapOvr>
+</p:sld>
+</file>
+
 <file path=ppt/slides/slide2.xml><?xml version="1.0" encoding="utf-8"?>
 <p:sld xmlns:a="http://schemas.openxmlformats.org/drawingml/2006/main" xmlns:r="http://schemas.openxmlformats.org/officeDocument/2006/relationships" xmlns:p="http://schemas.openxmlformats.org/presentationml/2006/main">
   <p:cSld>
@@ -5044,7 +5283,65 @@
             <a:pPr marL="0" indent="0">
               <a:buNone/>
             </a:pPr>
-            <a:endParaRPr lang="en-GB"/>
+            <a:r>
+              <a:rPr lang="en-GB" dirty="0">
+                <a:solidFill>
+                  <a:srgbClr val="002060"/>
+                </a:solidFill>
+              </a:rPr>
+              <a:t>Ground Truth</a:t>
+            </a:r>
+            <a:r>
+              <a:rPr lang="en-GB" dirty="0"/>
+              <a:t>, </a:t>
+            </a:r>
+            <a:r>
+              <a:rPr lang="en-GB" dirty="0">
+                <a:solidFill>
+                  <a:srgbClr val="00B050"/>
+                </a:solidFill>
+              </a:rPr>
+              <a:t>Prediction</a:t>
+            </a:r>
+            <a:r>
+              <a:rPr lang="en-GB" dirty="0"/>
+              <a:t>, </a:t>
+            </a:r>
+            <a:r>
+              <a:rPr lang="en-GB" dirty="0">
+                <a:solidFill>
+                  <a:schemeClr val="tx2">
+                    <a:lumMod val="40000"/>
+                    <a:lumOff val="60000"/>
+                  </a:schemeClr>
+                </a:solidFill>
+              </a:rPr>
+              <a:t>Crop Area</a:t>
+            </a:r>
+            <a:r>
+              <a:rPr lang="en-GB" dirty="0"/>
+              <a:t>, </a:t>
+            </a:r>
+            <a:r>
+              <a:rPr lang="en-GB" dirty="0">
+                <a:solidFill>
+                  <a:srgbClr val="FF0000"/>
+                </a:solidFill>
+              </a:rPr>
+              <a:t>Anchor Box</a:t>
+            </a:r>
+            <a:r>
+              <a:rPr lang="en-GB" dirty="0"/>
+              <a:t>, </a:t>
+            </a:r>
+            <a:r>
+              <a:rPr lang="en-GB" dirty="0">
+                <a:solidFill>
+                  <a:srgbClr val="E8DD00"/>
+                </a:solidFill>
+              </a:rPr>
+              <a:t>CABB Target</a:t>
+            </a:r>
           </a:p>
         </p:txBody>
       </p:sp>
@@ -5266,36 +5563,26 @@
           <a:lstStyle/>
           <a:p>
             <a:r>
-              <a:rPr lang="en-US"/>
+              <a:rPr lang="en-US" dirty="0"/>
               <a:t>1024*512 Image size, 512*256 Crop size</a:t>
             </a:r>
           </a:p>
           <a:p>
             <a:r>
-              <a:rPr lang="en-US"/>
-              <a:t>8 Image per GPU</a:t>
-            </a:r>
-          </a:p>
-          <a:p>
-            <a:r>
-              <a:rPr lang="en-US"/>
+              <a:rPr lang="en-US" dirty="0"/>
+              <a:t>8 Image per Batch on a single GPU</a:t>
+            </a:r>
+          </a:p>
+          <a:p>
+            <a:r>
+              <a:rPr lang="en-US" dirty="0"/>
               <a:t>100 epochs of training with </a:t>
             </a:r>
             <a:r>
-              <a:rPr lang="en-US">
-                <a:solidFill>
-                  <a:srgbClr val="FF0000"/>
-                </a:solidFill>
-              </a:rPr>
-              <a:t>TODO check </a:t>
-            </a:r>
-            <a:r>
-              <a:rPr lang="en-US" sz="1800" b="0" i="0" u="none" strike="noStrike" baseline="0">
-                <a:latin typeface="NimbusRomNo9L-Regu"/>
-              </a:rPr>
+              <a:rPr lang="en-US" b="0" i="0" u="none" strike="noStrike" baseline="0" dirty="0"/>
               <a:t>2975 training images</a:t>
             </a:r>
-            <a:endParaRPr lang="en-US"/>
+            <a:endParaRPr lang="en-US" dirty="0"/>
           </a:p>
         </p:txBody>
       </p:sp>
@@ -5351,8 +5638,8 @@
           <a:lstStyle/>
           <a:p>
             <a:r>
-              <a:rPr lang="en-US"/>
-              <a:t>Results/Comparison</a:t>
+              <a:rPr lang="en-US" dirty="0"/>
+              <a:t>Training Results</a:t>
             </a:r>
           </a:p>
         </p:txBody>
@@ -5373,36 +5660,83 @@
             <p:ph idx="1"/>
           </p:nvPr>
         </p:nvSpPr>
-        <p:spPr/>
+        <p:spPr>
+          <a:xfrm>
+            <a:off x="381000" y="3234378"/>
+            <a:ext cx="8534400" cy="1623372"/>
+          </a:xfrm>
+        </p:spPr>
         <p:txBody>
           <a:bodyPr/>
           <a:lstStyle/>
           <a:p>
             <a:r>
-              <a:rPr lang="en-US"/>
-              <a:t>Final values</a:t>
-            </a:r>
-          </a:p>
-          <a:p>
-            <a:r>
-              <a:rPr lang="en-US"/>
-              <a:t>Graph with history?</a:t>
-            </a:r>
-          </a:p>
-          <a:p>
-            <a:r>
-              <a:rPr lang="en-US"/>
-              <a:t>Training speed difference(look when episode saves were created)!</a:t>
-            </a:r>
-          </a:p>
-          <a:p>
-            <a:r>
-              <a:rPr lang="en-US"/>
-              <a:t>Difference in final images?</a:t>
+              <a:rPr lang="en-US" dirty="0"/>
+              <a:t>39.5h for baseline vs 20.5h for the baseline</a:t>
             </a:r>
           </a:p>
         </p:txBody>
       </p:sp>
+      <p:pic>
+        <p:nvPicPr>
+          <p:cNvPr id="5" name="Picture 4" descr="Chart, line chart&#10;&#10;Description automatically generated">
+            <a:extLst>
+              <a:ext uri="{FF2B5EF4-FFF2-40B4-BE49-F238E27FC236}">
+                <a16:creationId xmlns:a16="http://schemas.microsoft.com/office/drawing/2014/main" id="{38275DBB-6F88-4CFE-B61C-28C8F930DCE4}"/>
+              </a:ext>
+            </a:extLst>
+          </p:cNvPr>
+          <p:cNvPicPr>
+            <a:picLocks noChangeAspect="1"/>
+          </p:cNvPicPr>
+          <p:nvPr/>
+        </p:nvPicPr>
+        <p:blipFill>
+          <a:blip r:embed="rId3"/>
+          <a:stretch>
+            <a:fillRect/>
+          </a:stretch>
+        </p:blipFill>
+        <p:spPr>
+          <a:xfrm>
+            <a:off x="381000" y="766763"/>
+            <a:ext cx="3290154" cy="2467615"/>
+          </a:xfrm>
+          <a:prstGeom prst="rect">
+            <a:avLst/>
+          </a:prstGeom>
+        </p:spPr>
+      </p:pic>
+      <p:pic>
+        <p:nvPicPr>
+          <p:cNvPr id="7" name="Picture 6" descr="Chart&#10;&#10;Description automatically generated">
+            <a:extLst>
+              <a:ext uri="{FF2B5EF4-FFF2-40B4-BE49-F238E27FC236}">
+                <a16:creationId xmlns:a16="http://schemas.microsoft.com/office/drawing/2014/main" id="{99CD42C8-0441-44C1-AB6E-75402FFBC4FB}"/>
+              </a:ext>
+            </a:extLst>
+          </p:cNvPr>
+          <p:cNvPicPr>
+            <a:picLocks noChangeAspect="1"/>
+          </p:cNvPicPr>
+          <p:nvPr/>
+        </p:nvPicPr>
+        <p:blipFill>
+          <a:blip r:embed="rId4"/>
+          <a:stretch>
+            <a:fillRect/>
+          </a:stretch>
+        </p:blipFill>
+        <p:spPr>
+          <a:xfrm>
+            <a:off x="4334934" y="766763"/>
+            <a:ext cx="3290153" cy="2467614"/>
+          </a:xfrm>
+          <a:prstGeom prst="rect">
+            <a:avLst/>
+          </a:prstGeom>
+        </p:spPr>
+      </p:pic>
     </p:spTree>
     <p:extLst>
       <p:ext uri="{BB962C8B-B14F-4D97-AF65-F5344CB8AC3E}">
@@ -5435,7 +5769,13 @@
       </p:grpSpPr>
       <p:sp>
         <p:nvSpPr>
-          <p:cNvPr id="2" name="Title 1"/>
+          <p:cNvPr id="2" name="Title 1">
+            <a:extLst>
+              <a:ext uri="{FF2B5EF4-FFF2-40B4-BE49-F238E27FC236}">
+                <a16:creationId xmlns:a16="http://schemas.microsoft.com/office/drawing/2014/main" id="{2FCE780E-3FF4-421C-964C-B75E1A39EFF2}"/>
+              </a:ext>
+            </a:extLst>
+          </p:cNvPr>
           <p:cNvSpPr>
             <a:spLocks noGrp="1"/>
           </p:cNvSpPr>
@@ -5443,27 +5783,770 @@
             <p:ph type="title"/>
           </p:nvPr>
         </p:nvSpPr>
-        <p:spPr>
-          <a:xfrm>
-            <a:off x="304800" y="2186643"/>
-            <a:ext cx="8534400" cy="523220"/>
-          </a:xfrm>
-        </p:spPr>
+        <p:spPr/>
         <p:txBody>
           <a:bodyPr/>
           <a:lstStyle/>
           <a:p>
             <a:r>
-              <a:rPr lang="en-US"/>
-              <a:t>Thank you for your attention!</a:t>
+              <a:rPr lang="en-US" dirty="0"/>
+              <a:t>Test Results</a:t>
             </a:r>
           </a:p>
         </p:txBody>
       </p:sp>
+      <p:sp>
+        <p:nvSpPr>
+          <p:cNvPr id="3" name="Content Placeholder 2">
+            <a:extLst>
+              <a:ext uri="{FF2B5EF4-FFF2-40B4-BE49-F238E27FC236}">
+                <a16:creationId xmlns:a16="http://schemas.microsoft.com/office/drawing/2014/main" id="{D3E3E94D-EF3A-4FD9-ADD1-D1042230A624}"/>
+              </a:ext>
+            </a:extLst>
+          </p:cNvPr>
+          <p:cNvSpPr>
+            <a:spLocks noGrp="1"/>
+          </p:cNvSpPr>
+          <p:nvPr>
+            <p:ph idx="1"/>
+          </p:nvPr>
+        </p:nvSpPr>
+        <p:spPr/>
+        <p:txBody>
+          <a:bodyPr/>
+          <a:lstStyle/>
+          <a:p>
+            <a:r>
+              <a:rPr lang="en-GB" b="0" i="0" dirty="0">
+                <a:effectLst/>
+              </a:rPr>
+              <a:t>Test on 500 images</a:t>
+            </a:r>
+          </a:p>
+        </p:txBody>
+      </p:sp>
+      <p:graphicFrame>
+        <p:nvGraphicFramePr>
+          <p:cNvPr id="4" name="Table 4">
+            <a:extLst>
+              <a:ext uri="{FF2B5EF4-FFF2-40B4-BE49-F238E27FC236}">
+                <a16:creationId xmlns:a16="http://schemas.microsoft.com/office/drawing/2014/main" id="{20FEEC53-DE56-42DB-8905-F6057BC6BC0D}"/>
+              </a:ext>
+            </a:extLst>
+          </p:cNvPr>
+          <p:cNvGraphicFramePr>
+            <a:graphicFrameLocks noGrp="1"/>
+          </p:cNvGraphicFramePr>
+          <p:nvPr>
+            <p:extLst>
+              <p:ext uri="{D42A27DB-BD31-4B8C-83A1-F6EECF244321}">
+                <p14:modId xmlns:p14="http://schemas.microsoft.com/office/powerpoint/2010/main" val="2640384179"/>
+              </p:ext>
+            </p:extLst>
+          </p:nvPr>
+        </p:nvGraphicFramePr>
+        <p:xfrm>
+          <a:off x="381000" y="3131913"/>
+          <a:ext cx="6096000" cy="1483360"/>
+        </p:xfrm>
+        <a:graphic>
+          <a:graphicData uri="http://schemas.openxmlformats.org/drawingml/2006/table">
+            <a:tbl>
+              <a:tblPr firstRow="1" bandRow="1">
+                <a:tableStyleId>{073A0DAA-6AF3-43AB-8588-CEC1D06C72B9}</a:tableStyleId>
+              </a:tblPr>
+              <a:tblGrid>
+                <a:gridCol w="1219200">
+                  <a:extLst>
+                    <a:ext uri="{9D8B030D-6E8A-4147-A177-3AD203B41FA5}">
+                      <a16:colId xmlns:a16="http://schemas.microsoft.com/office/drawing/2014/main" val="1684866995"/>
+                    </a:ext>
+                  </a:extLst>
+                </a:gridCol>
+                <a:gridCol w="1219200">
+                  <a:extLst>
+                    <a:ext uri="{9D8B030D-6E8A-4147-A177-3AD203B41FA5}">
+                      <a16:colId xmlns:a16="http://schemas.microsoft.com/office/drawing/2014/main" val="2067841876"/>
+                    </a:ext>
+                  </a:extLst>
+                </a:gridCol>
+                <a:gridCol w="1219200">
+                  <a:extLst>
+                    <a:ext uri="{9D8B030D-6E8A-4147-A177-3AD203B41FA5}">
+                      <a16:colId xmlns:a16="http://schemas.microsoft.com/office/drawing/2014/main" val="1625009658"/>
+                    </a:ext>
+                  </a:extLst>
+                </a:gridCol>
+                <a:gridCol w="1219200">
+                  <a:extLst>
+                    <a:ext uri="{9D8B030D-6E8A-4147-A177-3AD203B41FA5}">
+                      <a16:colId xmlns:a16="http://schemas.microsoft.com/office/drawing/2014/main" val="3473858980"/>
+                    </a:ext>
+                  </a:extLst>
+                </a:gridCol>
+                <a:gridCol w="1219200">
+                  <a:extLst>
+                    <a:ext uri="{9D8B030D-6E8A-4147-A177-3AD203B41FA5}">
+                      <a16:colId xmlns:a16="http://schemas.microsoft.com/office/drawing/2014/main" val="4081848785"/>
+                    </a:ext>
+                  </a:extLst>
+                </a:gridCol>
+              </a:tblGrid>
+              <a:tr h="370840">
+                <a:tc>
+                  <a:txBody>
+                    <a:bodyPr/>
+                    <a:lstStyle/>
+                    <a:p>
+                      <a:r>
+                        <a:rPr lang="en-US" dirty="0"/>
+                        <a:t>CABB</a:t>
+                      </a:r>
+                    </a:p>
+                  </a:txBody>
+                  <a:tcPr/>
+                </a:tc>
+                <a:tc>
+                  <a:txBody>
+                    <a:bodyPr/>
+                    <a:lstStyle/>
+                    <a:p>
+                      <a:r>
+                        <a:rPr lang="en-US" dirty="0"/>
+                        <a:t>PQ</a:t>
+                      </a:r>
+                    </a:p>
+                  </a:txBody>
+                  <a:tcPr/>
+                </a:tc>
+                <a:tc>
+                  <a:txBody>
+                    <a:bodyPr/>
+                    <a:lstStyle/>
+                    <a:p>
+                      <a:r>
+                        <a:rPr lang="en-US" dirty="0"/>
+                        <a:t>SQ</a:t>
+                      </a:r>
+                    </a:p>
+                  </a:txBody>
+                  <a:tcPr/>
+                </a:tc>
+                <a:tc>
+                  <a:txBody>
+                    <a:bodyPr/>
+                    <a:lstStyle/>
+                    <a:p>
+                      <a:r>
+                        <a:rPr lang="en-US" dirty="0"/>
+                        <a:t>RQ</a:t>
+                      </a:r>
+                    </a:p>
+                  </a:txBody>
+                  <a:tcPr/>
+                </a:tc>
+                <a:tc>
+                  <a:txBody>
+                    <a:bodyPr/>
+                    <a:lstStyle/>
+                    <a:p>
+                      <a:r>
+                        <a:rPr lang="en-US" dirty="0"/>
+                        <a:t>N</a:t>
+                      </a:r>
+                    </a:p>
+                  </a:txBody>
+                  <a:tcPr/>
+                </a:tc>
+                <a:extLst>
+                  <a:ext uri="{0D108BD9-81ED-4DB2-BD59-A6C34878D82A}">
+                    <a16:rowId xmlns:a16="http://schemas.microsoft.com/office/drawing/2014/main" val="4165284127"/>
+                  </a:ext>
+                </a:extLst>
+              </a:tr>
+              <a:tr h="370840">
+                <a:tc>
+                  <a:txBody>
+                    <a:bodyPr/>
+                    <a:lstStyle/>
+                    <a:p>
+                      <a:r>
+                        <a:rPr lang="en-US" dirty="0"/>
+                        <a:t>All</a:t>
+                      </a:r>
+                    </a:p>
+                  </a:txBody>
+                  <a:tcPr/>
+                </a:tc>
+                <a:tc>
+                  <a:txBody>
+                    <a:bodyPr/>
+                    <a:lstStyle/>
+                    <a:p>
+                      <a:r>
+                        <a:rPr lang="en-US" dirty="0"/>
+                        <a:t>46.1</a:t>
+                      </a:r>
+                    </a:p>
+                  </a:txBody>
+                  <a:tcPr/>
+                </a:tc>
+                <a:tc>
+                  <a:txBody>
+                    <a:bodyPr/>
+                    <a:lstStyle/>
+                    <a:p>
+                      <a:r>
+                        <a:rPr lang="en-US" dirty="0"/>
+                        <a:t>74.9</a:t>
+                      </a:r>
+                    </a:p>
+                  </a:txBody>
+                  <a:tcPr/>
+                </a:tc>
+                <a:tc>
+                  <a:txBody>
+                    <a:bodyPr/>
+                    <a:lstStyle/>
+                    <a:p>
+                      <a:r>
+                        <a:rPr lang="en-US" dirty="0"/>
+                        <a:t>59.2</a:t>
+                      </a:r>
+                    </a:p>
+                  </a:txBody>
+                  <a:tcPr/>
+                </a:tc>
+                <a:tc>
+                  <a:txBody>
+                    <a:bodyPr/>
+                    <a:lstStyle/>
+                    <a:p>
+                      <a:r>
+                        <a:rPr lang="en-US" dirty="0"/>
+                        <a:t>19</a:t>
+                      </a:r>
+                    </a:p>
+                  </a:txBody>
+                  <a:tcPr/>
+                </a:tc>
+                <a:extLst>
+                  <a:ext uri="{0D108BD9-81ED-4DB2-BD59-A6C34878D82A}">
+                    <a16:rowId xmlns:a16="http://schemas.microsoft.com/office/drawing/2014/main" val="3156846157"/>
+                  </a:ext>
+                </a:extLst>
+              </a:tr>
+              <a:tr h="370840">
+                <a:tc>
+                  <a:txBody>
+                    <a:bodyPr/>
+                    <a:lstStyle/>
+                    <a:p>
+                      <a:r>
+                        <a:rPr lang="en-US" dirty="0"/>
+                        <a:t>Things</a:t>
+                      </a:r>
+                    </a:p>
+                  </a:txBody>
+                  <a:tcPr/>
+                </a:tc>
+                <a:tc>
+                  <a:txBody>
+                    <a:bodyPr/>
+                    <a:lstStyle/>
+                    <a:p>
+                      <a:r>
+                        <a:rPr lang="en-US" dirty="0"/>
+                        <a:t>38.2</a:t>
+                      </a:r>
+                    </a:p>
+                  </a:txBody>
+                  <a:tcPr/>
+                </a:tc>
+                <a:tc>
+                  <a:txBody>
+                    <a:bodyPr/>
+                    <a:lstStyle/>
+                    <a:p>
+                      <a:r>
+                        <a:rPr lang="en-US" dirty="0"/>
+                        <a:t>72.7</a:t>
+                      </a:r>
+                    </a:p>
+                  </a:txBody>
+                  <a:tcPr/>
+                </a:tc>
+                <a:tc>
+                  <a:txBody>
+                    <a:bodyPr/>
+                    <a:lstStyle/>
+                    <a:p>
+                      <a:r>
+                        <a:rPr lang="en-US" dirty="0"/>
+                        <a:t>52.1</a:t>
+                      </a:r>
+                    </a:p>
+                  </a:txBody>
+                  <a:tcPr/>
+                </a:tc>
+                <a:tc>
+                  <a:txBody>
+                    <a:bodyPr/>
+                    <a:lstStyle/>
+                    <a:p>
+                      <a:r>
+                        <a:rPr lang="en-US" dirty="0"/>
+                        <a:t>8</a:t>
+                      </a:r>
+                    </a:p>
+                  </a:txBody>
+                  <a:tcPr/>
+                </a:tc>
+                <a:extLst>
+                  <a:ext uri="{0D108BD9-81ED-4DB2-BD59-A6C34878D82A}">
+                    <a16:rowId xmlns:a16="http://schemas.microsoft.com/office/drawing/2014/main" val="669646875"/>
+                  </a:ext>
+                </a:extLst>
+              </a:tr>
+              <a:tr h="370840">
+                <a:tc>
+                  <a:txBody>
+                    <a:bodyPr/>
+                    <a:lstStyle/>
+                    <a:p>
+                      <a:r>
+                        <a:rPr lang="en-US" dirty="0"/>
+                        <a:t>Stuff</a:t>
+                      </a:r>
+                    </a:p>
+                  </a:txBody>
+                  <a:tcPr/>
+                </a:tc>
+                <a:tc>
+                  <a:txBody>
+                    <a:bodyPr/>
+                    <a:lstStyle/>
+                    <a:p>
+                      <a:r>
+                        <a:rPr lang="en-US" dirty="0"/>
+                        <a:t>51.9</a:t>
+                      </a:r>
+                    </a:p>
+                  </a:txBody>
+                  <a:tcPr/>
+                </a:tc>
+                <a:tc>
+                  <a:txBody>
+                    <a:bodyPr/>
+                    <a:lstStyle/>
+                    <a:p>
+                      <a:r>
+                        <a:rPr lang="en-US" dirty="0"/>
+                        <a:t>76.5</a:t>
+                      </a:r>
+                    </a:p>
+                  </a:txBody>
+                  <a:tcPr/>
+                </a:tc>
+                <a:tc>
+                  <a:txBody>
+                    <a:bodyPr/>
+                    <a:lstStyle/>
+                    <a:p>
+                      <a:r>
+                        <a:rPr lang="en-US" dirty="0"/>
+                        <a:t>64.4</a:t>
+                      </a:r>
+                    </a:p>
+                  </a:txBody>
+                  <a:tcPr/>
+                </a:tc>
+                <a:tc>
+                  <a:txBody>
+                    <a:bodyPr/>
+                    <a:lstStyle/>
+                    <a:p>
+                      <a:r>
+                        <a:rPr lang="en-US" dirty="0"/>
+                        <a:t>11</a:t>
+                      </a:r>
+                    </a:p>
+                  </a:txBody>
+                  <a:tcPr/>
+                </a:tc>
+                <a:extLst>
+                  <a:ext uri="{0D108BD9-81ED-4DB2-BD59-A6C34878D82A}">
+                    <a16:rowId xmlns:a16="http://schemas.microsoft.com/office/drawing/2014/main" val="3198361951"/>
+                  </a:ext>
+                </a:extLst>
+              </a:tr>
+            </a:tbl>
+          </a:graphicData>
+        </a:graphic>
+      </p:graphicFrame>
+      <p:graphicFrame>
+        <p:nvGraphicFramePr>
+          <p:cNvPr id="5" name="Table 4">
+            <a:extLst>
+              <a:ext uri="{FF2B5EF4-FFF2-40B4-BE49-F238E27FC236}">
+                <a16:creationId xmlns:a16="http://schemas.microsoft.com/office/drawing/2014/main" id="{3D061807-5988-4D6D-8313-9213B56228B6}"/>
+              </a:ext>
+            </a:extLst>
+          </p:cNvPr>
+          <p:cNvGraphicFramePr>
+            <a:graphicFrameLocks noGrp="1"/>
+          </p:cNvGraphicFramePr>
+          <p:nvPr>
+            <p:extLst>
+              <p:ext uri="{D42A27DB-BD31-4B8C-83A1-F6EECF244321}">
+                <p14:modId xmlns:p14="http://schemas.microsoft.com/office/powerpoint/2010/main" val="517737343"/>
+              </p:ext>
+            </p:extLst>
+          </p:nvPr>
+        </p:nvGraphicFramePr>
+        <p:xfrm>
+          <a:off x="381000" y="1402715"/>
+          <a:ext cx="6096000" cy="1483360"/>
+        </p:xfrm>
+        <a:graphic>
+          <a:graphicData uri="http://schemas.openxmlformats.org/drawingml/2006/table">
+            <a:tbl>
+              <a:tblPr firstRow="1" bandRow="1">
+                <a:tableStyleId>{073A0DAA-6AF3-43AB-8588-CEC1D06C72B9}</a:tableStyleId>
+              </a:tblPr>
+              <a:tblGrid>
+                <a:gridCol w="1219200">
+                  <a:extLst>
+                    <a:ext uri="{9D8B030D-6E8A-4147-A177-3AD203B41FA5}">
+                      <a16:colId xmlns:a16="http://schemas.microsoft.com/office/drawing/2014/main" val="226888260"/>
+                    </a:ext>
+                  </a:extLst>
+                </a:gridCol>
+                <a:gridCol w="1219200">
+                  <a:extLst>
+                    <a:ext uri="{9D8B030D-6E8A-4147-A177-3AD203B41FA5}">
+                      <a16:colId xmlns:a16="http://schemas.microsoft.com/office/drawing/2014/main" val="1184917158"/>
+                    </a:ext>
+                  </a:extLst>
+                </a:gridCol>
+                <a:gridCol w="1219200">
+                  <a:extLst>
+                    <a:ext uri="{9D8B030D-6E8A-4147-A177-3AD203B41FA5}">
+                      <a16:colId xmlns:a16="http://schemas.microsoft.com/office/drawing/2014/main" val="1517788863"/>
+                    </a:ext>
+                  </a:extLst>
+                </a:gridCol>
+                <a:gridCol w="1219200">
+                  <a:extLst>
+                    <a:ext uri="{9D8B030D-6E8A-4147-A177-3AD203B41FA5}">
+                      <a16:colId xmlns:a16="http://schemas.microsoft.com/office/drawing/2014/main" val="4192114258"/>
+                    </a:ext>
+                  </a:extLst>
+                </a:gridCol>
+                <a:gridCol w="1219200">
+                  <a:extLst>
+                    <a:ext uri="{9D8B030D-6E8A-4147-A177-3AD203B41FA5}">
+                      <a16:colId xmlns:a16="http://schemas.microsoft.com/office/drawing/2014/main" val="1311030990"/>
+                    </a:ext>
+                  </a:extLst>
+                </a:gridCol>
+              </a:tblGrid>
+              <a:tr h="370840">
+                <a:tc>
+                  <a:txBody>
+                    <a:bodyPr/>
+                    <a:lstStyle/>
+                    <a:p>
+                      <a:r>
+                        <a:rPr lang="en-US" dirty="0"/>
+                        <a:t>Base</a:t>
+                      </a:r>
+                    </a:p>
+                  </a:txBody>
+                  <a:tcPr/>
+                </a:tc>
+                <a:tc>
+                  <a:txBody>
+                    <a:bodyPr/>
+                    <a:lstStyle/>
+                    <a:p>
+                      <a:r>
+                        <a:rPr lang="en-US" dirty="0"/>
+                        <a:t>PQ</a:t>
+                      </a:r>
+                    </a:p>
+                  </a:txBody>
+                  <a:tcPr/>
+                </a:tc>
+                <a:tc>
+                  <a:txBody>
+                    <a:bodyPr/>
+                    <a:lstStyle/>
+                    <a:p>
+                      <a:r>
+                        <a:rPr lang="en-US" dirty="0"/>
+                        <a:t>SQ</a:t>
+                      </a:r>
+                    </a:p>
+                  </a:txBody>
+                  <a:tcPr/>
+                </a:tc>
+                <a:tc>
+                  <a:txBody>
+                    <a:bodyPr/>
+                    <a:lstStyle/>
+                    <a:p>
+                      <a:r>
+                        <a:rPr lang="en-US" dirty="0"/>
+                        <a:t>RQ</a:t>
+                      </a:r>
+                    </a:p>
+                  </a:txBody>
+                  <a:tcPr/>
+                </a:tc>
+                <a:tc>
+                  <a:txBody>
+                    <a:bodyPr/>
+                    <a:lstStyle/>
+                    <a:p>
+                      <a:r>
+                        <a:rPr lang="en-US" dirty="0"/>
+                        <a:t>N</a:t>
+                      </a:r>
+                    </a:p>
+                  </a:txBody>
+                  <a:tcPr/>
+                </a:tc>
+                <a:extLst>
+                  <a:ext uri="{0D108BD9-81ED-4DB2-BD59-A6C34878D82A}">
+                    <a16:rowId xmlns:a16="http://schemas.microsoft.com/office/drawing/2014/main" val="2845265572"/>
+                  </a:ext>
+                </a:extLst>
+              </a:tr>
+              <a:tr h="370840">
+                <a:tc>
+                  <a:txBody>
+                    <a:bodyPr/>
+                    <a:lstStyle/>
+                    <a:p>
+                      <a:r>
+                        <a:rPr lang="en-US" dirty="0"/>
+                        <a:t>All</a:t>
+                      </a:r>
+                    </a:p>
+                  </a:txBody>
+                  <a:tcPr/>
+                </a:tc>
+                <a:tc>
+                  <a:txBody>
+                    <a:bodyPr/>
+                    <a:lstStyle/>
+                    <a:p>
+                      <a:r>
+                        <a:rPr lang="en-US" dirty="0"/>
+                        <a:t>47.6</a:t>
+                      </a:r>
+                    </a:p>
+                  </a:txBody>
+                  <a:tcPr/>
+                </a:tc>
+                <a:tc>
+                  <a:txBody>
+                    <a:bodyPr/>
+                    <a:lstStyle/>
+                    <a:p>
+                      <a:r>
+                        <a:rPr lang="en-US" dirty="0"/>
+                        <a:t>75.5</a:t>
+                      </a:r>
+                    </a:p>
+                  </a:txBody>
+                  <a:tcPr/>
+                </a:tc>
+                <a:tc>
+                  <a:txBody>
+                    <a:bodyPr/>
+                    <a:lstStyle/>
+                    <a:p>
+                      <a:r>
+                        <a:rPr lang="en-US" dirty="0"/>
+                        <a:t>60.9</a:t>
+                      </a:r>
+                    </a:p>
+                  </a:txBody>
+                  <a:tcPr/>
+                </a:tc>
+                <a:tc>
+                  <a:txBody>
+                    <a:bodyPr/>
+                    <a:lstStyle/>
+                    <a:p>
+                      <a:r>
+                        <a:rPr lang="en-US" dirty="0"/>
+                        <a:t>19</a:t>
+                      </a:r>
+                    </a:p>
+                  </a:txBody>
+                  <a:tcPr/>
+                </a:tc>
+                <a:extLst>
+                  <a:ext uri="{0D108BD9-81ED-4DB2-BD59-A6C34878D82A}">
+                    <a16:rowId xmlns:a16="http://schemas.microsoft.com/office/drawing/2014/main" val="1663649541"/>
+                  </a:ext>
+                </a:extLst>
+              </a:tr>
+              <a:tr h="370840">
+                <a:tc>
+                  <a:txBody>
+                    <a:bodyPr/>
+                    <a:lstStyle/>
+                    <a:p>
+                      <a:r>
+                        <a:rPr lang="en-US" dirty="0"/>
+                        <a:t>Things</a:t>
+                      </a:r>
+                    </a:p>
+                  </a:txBody>
+                  <a:tcPr/>
+                </a:tc>
+                <a:tc>
+                  <a:txBody>
+                    <a:bodyPr/>
+                    <a:lstStyle/>
+                    <a:p>
+                      <a:r>
+                        <a:rPr lang="en-US" dirty="0"/>
+                        <a:t>42.0</a:t>
+                      </a:r>
+                    </a:p>
+                  </a:txBody>
+                  <a:tcPr/>
+                </a:tc>
+                <a:tc>
+                  <a:txBody>
+                    <a:bodyPr/>
+                    <a:lstStyle/>
+                    <a:p>
+                      <a:r>
+                        <a:rPr lang="en-US" dirty="0"/>
+                        <a:t>75.1</a:t>
+                      </a:r>
+                    </a:p>
+                  </a:txBody>
+                  <a:tcPr/>
+                </a:tc>
+                <a:tc>
+                  <a:txBody>
+                    <a:bodyPr/>
+                    <a:lstStyle/>
+                    <a:p>
+                      <a:r>
+                        <a:rPr lang="en-US" dirty="0"/>
+                        <a:t>55.8</a:t>
+                      </a:r>
+                    </a:p>
+                  </a:txBody>
+                  <a:tcPr/>
+                </a:tc>
+                <a:tc>
+                  <a:txBody>
+                    <a:bodyPr/>
+                    <a:lstStyle/>
+                    <a:p>
+                      <a:r>
+                        <a:rPr lang="en-US" dirty="0"/>
+                        <a:t>8</a:t>
+                      </a:r>
+                    </a:p>
+                  </a:txBody>
+                  <a:tcPr/>
+                </a:tc>
+                <a:extLst>
+                  <a:ext uri="{0D108BD9-81ED-4DB2-BD59-A6C34878D82A}">
+                    <a16:rowId xmlns:a16="http://schemas.microsoft.com/office/drawing/2014/main" val="1431258004"/>
+                  </a:ext>
+                </a:extLst>
+              </a:tr>
+              <a:tr h="370840">
+                <a:tc>
+                  <a:txBody>
+                    <a:bodyPr/>
+                    <a:lstStyle/>
+                    <a:p>
+                      <a:r>
+                        <a:rPr lang="en-US" dirty="0"/>
+                        <a:t>Stuff</a:t>
+                      </a:r>
+                    </a:p>
+                  </a:txBody>
+                  <a:tcPr/>
+                </a:tc>
+                <a:tc>
+                  <a:txBody>
+                    <a:bodyPr/>
+                    <a:lstStyle/>
+                    <a:p>
+                      <a:r>
+                        <a:rPr lang="en-US" dirty="0"/>
+                        <a:t>51.7</a:t>
+                      </a:r>
+                    </a:p>
+                  </a:txBody>
+                  <a:tcPr/>
+                </a:tc>
+                <a:tc>
+                  <a:txBody>
+                    <a:bodyPr/>
+                    <a:lstStyle/>
+                    <a:p>
+                      <a:r>
+                        <a:rPr lang="en-US" dirty="0"/>
+                        <a:t>75.8</a:t>
+                      </a:r>
+                    </a:p>
+                  </a:txBody>
+                  <a:tcPr/>
+                </a:tc>
+                <a:tc>
+                  <a:txBody>
+                    <a:bodyPr/>
+                    <a:lstStyle/>
+                    <a:p>
+                      <a:r>
+                        <a:rPr lang="en-US" dirty="0"/>
+                        <a:t>64.5</a:t>
+                      </a:r>
+                    </a:p>
+                  </a:txBody>
+                  <a:tcPr/>
+                </a:tc>
+                <a:tc>
+                  <a:txBody>
+                    <a:bodyPr/>
+                    <a:lstStyle/>
+                    <a:p>
+                      <a:r>
+                        <a:rPr lang="en-US" dirty="0"/>
+                        <a:t>11</a:t>
+                      </a:r>
+                    </a:p>
+                  </a:txBody>
+                  <a:tcPr/>
+                </a:tc>
+                <a:extLst>
+                  <a:ext uri="{0D108BD9-81ED-4DB2-BD59-A6C34878D82A}">
+                    <a16:rowId xmlns:a16="http://schemas.microsoft.com/office/drawing/2014/main" val="4178107573"/>
+                  </a:ext>
+                </a:extLst>
+              </a:tr>
+            </a:tbl>
+          </a:graphicData>
+        </a:graphic>
+      </p:graphicFrame>
     </p:spTree>
     <p:extLst>
       <p:ext uri="{BB962C8B-B14F-4D97-AF65-F5344CB8AC3E}">
-        <p14:creationId xmlns:p14="http://schemas.microsoft.com/office/powerpoint/2010/main" val="2036475844"/>
+        <p14:creationId xmlns:p14="http://schemas.microsoft.com/office/powerpoint/2010/main" val="2484015150"/>
       </p:ext>
     </p:extLst>
   </p:cSld>

--- a/Crop-Aware Panoptic Segmentation.pptx
+++ b/Crop-Aware Panoptic Segmentation.pptx
@@ -5,27 +5,30 @@
     <p:sldMasterId id="2147483653" r:id="rId1"/>
   </p:sldMasterIdLst>
   <p:notesMasterIdLst>
-    <p:notesMasterId r:id="rId12"/>
+    <p:notesMasterId r:id="rId15"/>
   </p:notesMasterIdLst>
   <p:handoutMasterIdLst>
-    <p:handoutMasterId r:id="rId13"/>
+    <p:handoutMasterId r:id="rId16"/>
   </p:handoutMasterIdLst>
   <p:sldIdLst>
     <p:sldId id="607" r:id="rId2"/>
     <p:sldId id="612" r:id="rId3"/>
     <p:sldId id="616" r:id="rId4"/>
-    <p:sldId id="618" r:id="rId5"/>
-    <p:sldId id="613" r:id="rId6"/>
-    <p:sldId id="614" r:id="rId7"/>
-    <p:sldId id="617" r:id="rId8"/>
-    <p:sldId id="615" r:id="rId9"/>
-    <p:sldId id="619" r:id="rId10"/>
-    <p:sldId id="604" r:id="rId11"/>
+    <p:sldId id="623" r:id="rId5"/>
+    <p:sldId id="621" r:id="rId6"/>
+    <p:sldId id="618" r:id="rId7"/>
+    <p:sldId id="613" r:id="rId8"/>
+    <p:sldId id="614" r:id="rId9"/>
+    <p:sldId id="617" r:id="rId10"/>
+    <p:sldId id="615" r:id="rId11"/>
+    <p:sldId id="619" r:id="rId12"/>
+    <p:sldId id="622" r:id="rId13"/>
+    <p:sldId id="604" r:id="rId14"/>
   </p:sldIdLst>
   <p:sldSz cx="9144000" cy="5143500" type="screen16x9"/>
   <p:notesSz cx="10234613" cy="7099300"/>
   <p:custDataLst>
-    <p:tags r:id="rId14"/>
+    <p:tags r:id="rId17"/>
   </p:custDataLst>
   <p:defaultTextStyle>
     <a:defPPr>
@@ -188,8 +191,7 @@
 <file path=ppt/revisionInfo.xml><?xml version="1.0" encoding="utf-8"?>
 <p1510:revInfo xmlns:a="http://schemas.openxmlformats.org/drawingml/2006/main" xmlns:r="http://schemas.openxmlformats.org/officeDocument/2006/relationships" xmlns:p1510="http://schemas.microsoft.com/office/powerpoint/2015/10/main">
   <p1510:revLst>
-    <p1510:client id="{2CD5F5D6-88A3-4631-A66A-40A03704DD16}" v="5" dt="2021-07-26T10:38:08.515"/>
-    <p1510:client id="{E8785D74-9879-42C5-9058-5D91577AAC50}" v="524" dt="2021-07-25T10:43:13.034"/>
+    <p1510:client id="{2CD5F5D6-88A3-4631-A66A-40A03704DD16}" v="975" dt="2021-07-27T11:18:55.687"/>
   </p1510:revLst>
 </p1510:revInfo>
 </file>
@@ -198,8 +200,8 @@
 <pc:chgInfo xmlns:a="http://schemas.openxmlformats.org/drawingml/2006/main" xmlns:r="http://schemas.openxmlformats.org/officeDocument/2006/relationships" xmlns:ac="http://schemas.microsoft.com/office/drawing/2013/main/command" xmlns:pc="http://schemas.microsoft.com/office/powerpoint/2013/main/command">
   <pc:docChgLst>
     <pc:chgData name="Yannick Vogt" userId="860741af1eec8ecc" providerId="LiveId" clId="{2CD5F5D6-88A3-4631-A66A-40A03704DD16}"/>
-    <pc:docChg chg="undo custSel addSld modSld sldOrd modMainMaster">
-      <pc:chgData name="Yannick Vogt" userId="860741af1eec8ecc" providerId="LiveId" clId="{2CD5F5D6-88A3-4631-A66A-40A03704DD16}" dt="2021-07-26T10:39:51.049" v="1164" actId="1076"/>
+    <pc:docChg chg="undo custSel addSld delSld modSld sldOrd modMainMaster">
+      <pc:chgData name="Yannick Vogt" userId="860741af1eec8ecc" providerId="LiveId" clId="{2CD5F5D6-88A3-4631-A66A-40A03704DD16}" dt="2021-07-27T11:18:55.687" v="2178" actId="20577"/>
       <pc:docMkLst>
         <pc:docMk/>
       </pc:docMkLst>
@@ -234,7 +236,7 @@
         </pc:spChg>
       </pc:sldChg>
       <pc:sldChg chg="addSp delSp modSp new mod modClrScheme chgLayout modNotesTx">
-        <pc:chgData name="Yannick Vogt" userId="860741af1eec8ecc" providerId="LiveId" clId="{2CD5F5D6-88A3-4631-A66A-40A03704DD16}" dt="2021-07-23T09:18:37.192" v="523" actId="5793"/>
+        <pc:chgData name="Yannick Vogt" userId="860741af1eec8ecc" providerId="LiveId" clId="{2CD5F5D6-88A3-4631-A66A-40A03704DD16}" dt="2021-07-27T10:46:27.360" v="1997" actId="1076"/>
         <pc:sldMkLst>
           <pc:docMk/>
           <pc:sldMk cId="463365429" sldId="612"/>
@@ -247,8 +249,16 @@
             <ac:spMk id="2" creationId="{82C8A731-9C09-4F6F-8BA6-959B87D01B3F}"/>
           </ac:spMkLst>
         </pc:spChg>
+        <pc:spChg chg="add mod">
+          <ac:chgData name="Yannick Vogt" userId="860741af1eec8ecc" providerId="LiveId" clId="{2CD5F5D6-88A3-4631-A66A-40A03704DD16}" dt="2021-07-27T10:46:27.360" v="1997" actId="1076"/>
+          <ac:spMkLst>
+            <pc:docMk/>
+            <pc:sldMk cId="463365429" sldId="612"/>
+            <ac:spMk id="2" creationId="{885181ED-5984-458E-BC30-752761E626DC}"/>
+          </ac:spMkLst>
+        </pc:spChg>
         <pc:spChg chg="add mod ord">
-          <ac:chgData name="Yannick Vogt" userId="860741af1eec8ecc" providerId="LiveId" clId="{2CD5F5D6-88A3-4631-A66A-40A03704DD16}" dt="2021-07-23T08:09:02.077" v="73" actId="20577"/>
+          <ac:chgData name="Yannick Vogt" userId="860741af1eec8ecc" providerId="LiveId" clId="{2CD5F5D6-88A3-4631-A66A-40A03704DD16}" dt="2021-07-26T15:10:52.359" v="1403" actId="20577"/>
           <ac:spMkLst>
             <pc:docMk/>
             <pc:sldMk cId="463365429" sldId="612"/>
@@ -273,7 +283,7 @@
         </pc:picChg>
       </pc:sldChg>
       <pc:sldChg chg="addSp delSp modSp new mod chgLayout modNotesTx">
-        <pc:chgData name="Yannick Vogt" userId="860741af1eec8ecc" providerId="LiveId" clId="{2CD5F5D6-88A3-4631-A66A-40A03704DD16}" dt="2021-07-26T08:49:33.713" v="618" actId="20577"/>
+        <pc:chgData name="Yannick Vogt" userId="860741af1eec8ecc" providerId="LiveId" clId="{2CD5F5D6-88A3-4631-A66A-40A03704DD16}" dt="2021-07-27T11:17:43.943" v="2177" actId="20577"/>
         <pc:sldMkLst>
           <pc:docMk/>
           <pc:sldMk cId="1885977225" sldId="613"/>
@@ -295,7 +305,7 @@
           </ac:spMkLst>
         </pc:spChg>
         <pc:spChg chg="add mod ord">
-          <ac:chgData name="Yannick Vogt" userId="860741af1eec8ecc" providerId="LiveId" clId="{2CD5F5D6-88A3-4631-A66A-40A03704DD16}" dt="2021-07-23T08:12:19.841" v="227" actId="790"/>
+          <ac:chgData name="Yannick Vogt" userId="860741af1eec8ecc" providerId="LiveId" clId="{2CD5F5D6-88A3-4631-A66A-40A03704DD16}" dt="2021-07-27T10:45:20.238" v="1987" actId="20577"/>
           <ac:spMkLst>
             <pc:docMk/>
             <pc:sldMk cId="1885977225" sldId="613"/>
@@ -310,15 +320,23 @@
             <ac:spMk id="5" creationId="{879BE057-F79C-416A-BC4B-8048CEFEFBAF}"/>
           </ac:spMkLst>
         </pc:spChg>
+        <pc:spChg chg="add mod">
+          <ac:chgData name="Yannick Vogt" userId="860741af1eec8ecc" providerId="LiveId" clId="{2CD5F5D6-88A3-4631-A66A-40A03704DD16}" dt="2021-07-27T10:46:48.668" v="2001" actId="1076"/>
+          <ac:spMkLst>
+            <pc:docMk/>
+            <pc:sldMk cId="1885977225" sldId="613"/>
+            <ac:spMk id="6" creationId="{9D891844-5065-408D-B341-C2456DBD3B7A}"/>
+          </ac:spMkLst>
+        </pc:spChg>
       </pc:sldChg>
-      <pc:sldChg chg="modSp new mod">
-        <pc:chgData name="Yannick Vogt" userId="860741af1eec8ecc" providerId="LiveId" clId="{2CD5F5D6-88A3-4631-A66A-40A03704DD16}" dt="2021-07-26T10:01:37.454" v="992" actId="207"/>
+      <pc:sldChg chg="addSp delSp modSp new mod">
+        <pc:chgData name="Yannick Vogt" userId="860741af1eec8ecc" providerId="LiveId" clId="{2CD5F5D6-88A3-4631-A66A-40A03704DD16}" dt="2021-07-27T10:45:09.720" v="1980" actId="20577"/>
         <pc:sldMkLst>
           <pc:docMk/>
           <pc:sldMk cId="2489557210" sldId="614"/>
         </pc:sldMkLst>
         <pc:spChg chg="mod">
-          <ac:chgData name="Yannick Vogt" userId="860741af1eec8ecc" providerId="LiveId" clId="{2CD5F5D6-88A3-4631-A66A-40A03704DD16}" dt="2021-07-23T08:11:49.117" v="222" actId="790"/>
+          <ac:chgData name="Yannick Vogt" userId="860741af1eec8ecc" providerId="LiveId" clId="{2CD5F5D6-88A3-4631-A66A-40A03704DD16}" dt="2021-07-27T10:45:09.720" v="1980" actId="20577"/>
           <ac:spMkLst>
             <pc:docMk/>
             <pc:sldMk cId="2489557210" sldId="614"/>
@@ -333,9 +351,41 @@
             <ac:spMk id="3" creationId="{E792780D-FF8B-464B-A133-01C1B809D660}"/>
           </ac:spMkLst>
         </pc:spChg>
+        <pc:picChg chg="add del">
+          <ac:chgData name="Yannick Vogt" userId="860741af1eec8ecc" providerId="LiveId" clId="{2CD5F5D6-88A3-4631-A66A-40A03704DD16}" dt="2021-07-26T13:44:25.850" v="1195" actId="478"/>
+          <ac:picMkLst>
+            <pc:docMk/>
+            <pc:sldMk cId="2489557210" sldId="614"/>
+            <ac:picMk id="4" creationId="{019DB30C-1759-4DF1-AE4C-E17C76EE6AB0}"/>
+          </ac:picMkLst>
+        </pc:picChg>
+        <pc:picChg chg="add del">
+          <ac:chgData name="Yannick Vogt" userId="860741af1eec8ecc" providerId="LiveId" clId="{2CD5F5D6-88A3-4631-A66A-40A03704DD16}" dt="2021-07-26T13:44:25.561" v="1194" actId="478"/>
+          <ac:picMkLst>
+            <pc:docMk/>
+            <pc:sldMk cId="2489557210" sldId="614"/>
+            <ac:picMk id="7" creationId="{B359E9AD-B13F-4042-BD52-83B942F326F2}"/>
+          </ac:picMkLst>
+        </pc:picChg>
+        <pc:picChg chg="add del mod">
+          <ac:chgData name="Yannick Vogt" userId="860741af1eec8ecc" providerId="LiveId" clId="{2CD5F5D6-88A3-4631-A66A-40A03704DD16}" dt="2021-07-26T13:44:25.286" v="1193"/>
+          <ac:picMkLst>
+            <pc:docMk/>
+            <pc:sldMk cId="2489557210" sldId="614"/>
+            <ac:picMk id="9" creationId="{5B0CF624-3509-47C4-BCCA-DA2072F18CA7}"/>
+          </ac:picMkLst>
+        </pc:picChg>
+        <pc:picChg chg="add del mod">
+          <ac:chgData name="Yannick Vogt" userId="860741af1eec8ecc" providerId="LiveId" clId="{2CD5F5D6-88A3-4631-A66A-40A03704DD16}" dt="2021-07-26T13:44:24.785" v="1191"/>
+          <ac:picMkLst>
+            <pc:docMk/>
+            <pc:sldMk cId="2489557210" sldId="614"/>
+            <ac:picMk id="11" creationId="{E2E331A7-A3D2-4D95-8806-0CA21EE1FF86}"/>
+          </ac:picMkLst>
+        </pc:picChg>
       </pc:sldChg>
       <pc:sldChg chg="addSp modSp new mod modNotesTx">
-        <pc:chgData name="Yannick Vogt" userId="860741af1eec8ecc" providerId="LiveId" clId="{2CD5F5D6-88A3-4631-A66A-40A03704DD16}" dt="2021-07-26T09:57:26.445" v="900" actId="20577"/>
+        <pc:chgData name="Yannick Vogt" userId="860741af1eec8ecc" providerId="LiveId" clId="{2CD5F5D6-88A3-4631-A66A-40A03704DD16}" dt="2021-07-27T11:18:55.687" v="2178" actId="20577"/>
         <pc:sldMkLst>
           <pc:docMk/>
           <pc:sldMk cId="803320101" sldId="615"/>
@@ -349,7 +399,7 @@
           </ac:spMkLst>
         </pc:spChg>
         <pc:spChg chg="mod">
-          <ac:chgData name="Yannick Vogt" userId="860741af1eec8ecc" providerId="LiveId" clId="{2CD5F5D6-88A3-4631-A66A-40A03704DD16}" dt="2021-07-26T09:57:26.445" v="900" actId="20577"/>
+          <ac:chgData name="Yannick Vogt" userId="860741af1eec8ecc" providerId="LiveId" clId="{2CD5F5D6-88A3-4631-A66A-40A03704DD16}" dt="2021-07-26T15:28:22.924" v="1416" actId="20577"/>
           <ac:spMkLst>
             <pc:docMk/>
             <pc:sldMk cId="803320101" sldId="615"/>
@@ -373,6 +423,37 @@
           </ac:picMkLst>
         </pc:picChg>
       </pc:sldChg>
+      <pc:sldChg chg="addSp delSp modSp mod modNotesTx">
+        <pc:chgData name="Yannick Vogt" userId="860741af1eec8ecc" providerId="LiveId" clId="{2CD5F5D6-88A3-4631-A66A-40A03704DD16}" dt="2021-07-27T11:17:24.463" v="2176" actId="5793"/>
+        <pc:sldMkLst>
+          <pc:docMk/>
+          <pc:sldMk cId="31551848" sldId="616"/>
+        </pc:sldMkLst>
+        <pc:spChg chg="mod">
+          <ac:chgData name="Yannick Vogt" userId="860741af1eec8ecc" providerId="LiveId" clId="{2CD5F5D6-88A3-4631-A66A-40A03704DD16}" dt="2021-07-27T11:17:10.812" v="2174" actId="20577"/>
+          <ac:spMkLst>
+            <pc:docMk/>
+            <pc:sldMk cId="31551848" sldId="616"/>
+            <ac:spMk id="3" creationId="{19BCFA74-BA43-4AED-8291-33BE8E5C855C}"/>
+          </ac:spMkLst>
+        </pc:spChg>
+        <pc:picChg chg="add del mod">
+          <ac:chgData name="Yannick Vogt" userId="860741af1eec8ecc" providerId="LiveId" clId="{2CD5F5D6-88A3-4631-A66A-40A03704DD16}" dt="2021-07-27T10:23:54.331" v="1545" actId="1076"/>
+          <ac:picMkLst>
+            <pc:docMk/>
+            <pc:sldMk cId="31551848" sldId="616"/>
+            <ac:picMk id="5" creationId="{51E3ADDF-8CE5-4612-AEA6-AAC11CF9A924}"/>
+          </ac:picMkLst>
+        </pc:picChg>
+        <pc:picChg chg="add mod">
+          <ac:chgData name="Yannick Vogt" userId="860741af1eec8ecc" providerId="LiveId" clId="{2CD5F5D6-88A3-4631-A66A-40A03704DD16}" dt="2021-07-27T10:23:48.515" v="1544" actId="1076"/>
+          <ac:picMkLst>
+            <pc:docMk/>
+            <pc:sldMk cId="31551848" sldId="616"/>
+            <ac:picMk id="7" creationId="{26AE5743-9AED-4985-A78C-D664BA43733E}"/>
+          </ac:picMkLst>
+        </pc:picChg>
+      </pc:sldChg>
       <pc:sldChg chg="modSp mod">
         <pc:chgData name="Yannick Vogt" userId="860741af1eec8ecc" providerId="LiveId" clId="{2CD5F5D6-88A3-4631-A66A-40A03704DD16}" dt="2021-07-26T10:33:41.305" v="994" actId="255"/>
         <pc:sldMkLst>
@@ -388,8 +469,31 @@
           </ac:spMkLst>
         </pc:spChg>
       </pc:sldChg>
-      <pc:sldChg chg="addSp modSp new mod">
-        <pc:chgData name="Yannick Vogt" userId="860741af1eec8ecc" providerId="LiveId" clId="{2CD5F5D6-88A3-4631-A66A-40A03704DD16}" dt="2021-07-26T10:39:51.049" v="1164" actId="1076"/>
+      <pc:sldChg chg="addSp modSp mod">
+        <pc:chgData name="Yannick Vogt" userId="860741af1eec8ecc" providerId="LiveId" clId="{2CD5F5D6-88A3-4631-A66A-40A03704DD16}" dt="2021-07-27T10:44:50.832" v="1976" actId="20577"/>
+        <pc:sldMkLst>
+          <pc:docMk/>
+          <pc:sldMk cId="2063460671" sldId="618"/>
+        </pc:sldMkLst>
+        <pc:spChg chg="mod">
+          <ac:chgData name="Yannick Vogt" userId="860741af1eec8ecc" providerId="LiveId" clId="{2CD5F5D6-88A3-4631-A66A-40A03704DD16}" dt="2021-07-27T10:44:50.832" v="1976" actId="20577"/>
+          <ac:spMkLst>
+            <pc:docMk/>
+            <pc:sldMk cId="2063460671" sldId="618"/>
+            <ac:spMk id="3" creationId="{4B0A16A1-1555-48B2-8DEF-4A31A390BD31}"/>
+          </ac:spMkLst>
+        </pc:spChg>
+        <pc:picChg chg="add mod">
+          <ac:chgData name="Yannick Vogt" userId="860741af1eec8ecc" providerId="LiveId" clId="{2CD5F5D6-88A3-4631-A66A-40A03704DD16}" dt="2021-07-26T13:44:26.471" v="1196" actId="1076"/>
+          <ac:picMkLst>
+            <pc:docMk/>
+            <pc:sldMk cId="2063460671" sldId="618"/>
+            <ac:picMk id="5" creationId="{6674ECC0-6DAB-477C-8C7A-F47B0F4102F4}"/>
+          </ac:picMkLst>
+        </pc:picChg>
+      </pc:sldChg>
+      <pc:sldChg chg="addSp modSp new mod modNotesTx">
+        <pc:chgData name="Yannick Vogt" userId="860741af1eec8ecc" providerId="LiveId" clId="{2CD5F5D6-88A3-4631-A66A-40A03704DD16}" dt="2021-07-27T11:01:37.481" v="2158" actId="20577"/>
         <pc:sldMkLst>
           <pc:docMk/>
           <pc:sldMk cId="2484015150" sldId="619"/>
@@ -403,7 +507,7 @@
           </ac:spMkLst>
         </pc:spChg>
         <pc:spChg chg="mod">
-          <ac:chgData name="Yannick Vogt" userId="860741af1eec8ecc" providerId="LiveId" clId="{2CD5F5D6-88A3-4631-A66A-40A03704DD16}" dt="2021-07-26T10:39:40.635" v="1162" actId="20577"/>
+          <ac:chgData name="Yannick Vogt" userId="860741af1eec8ecc" providerId="LiveId" clId="{2CD5F5D6-88A3-4631-A66A-40A03704DD16}" dt="2021-07-27T11:01:21.081" v="2157" actId="20577"/>
           <ac:spMkLst>
             <pc:docMk/>
             <pc:sldMk cId="2484015150" sldId="619"/>
@@ -411,7 +515,7 @@
           </ac:spMkLst>
         </pc:spChg>
         <pc:graphicFrameChg chg="add mod modGraphic">
-          <ac:chgData name="Yannick Vogt" userId="860741af1eec8ecc" providerId="LiveId" clId="{2CD5F5D6-88A3-4631-A66A-40A03704DD16}" dt="2021-07-26T10:39:51.049" v="1164" actId="1076"/>
+          <ac:chgData name="Yannick Vogt" userId="860741af1eec8ecc" providerId="LiveId" clId="{2CD5F5D6-88A3-4631-A66A-40A03704DD16}" dt="2021-07-26T13:50:58.611" v="1401" actId="1076"/>
           <ac:graphicFrameMkLst>
             <pc:docMk/>
             <pc:sldMk cId="2484015150" sldId="619"/>
@@ -419,13 +523,199 @@
           </ac:graphicFrameMkLst>
         </pc:graphicFrameChg>
         <pc:graphicFrameChg chg="add mod modGraphic">
-          <ac:chgData name="Yannick Vogt" userId="860741af1eec8ecc" providerId="LiveId" clId="{2CD5F5D6-88A3-4631-A66A-40A03704DD16}" dt="2021-07-26T10:39:46.093" v="1163" actId="1076"/>
+          <ac:chgData name="Yannick Vogt" userId="860741af1eec8ecc" providerId="LiveId" clId="{2CD5F5D6-88A3-4631-A66A-40A03704DD16}" dt="2021-07-26T13:50:54.799" v="1400" actId="1076"/>
           <ac:graphicFrameMkLst>
             <pc:docMk/>
             <pc:sldMk cId="2484015150" sldId="619"/>
             <ac:graphicFrameMk id="5" creationId="{3D061807-5988-4D6D-8313-9213B56228B6}"/>
           </ac:graphicFrameMkLst>
         </pc:graphicFrameChg>
+      </pc:sldChg>
+      <pc:sldChg chg="addSp delSp modSp new add del mod ord modNotesTx">
+        <pc:chgData name="Yannick Vogt" userId="860741af1eec8ecc" providerId="LiveId" clId="{2CD5F5D6-88A3-4631-A66A-40A03704DD16}" dt="2021-07-27T11:01:54.218" v="2159" actId="2696"/>
+        <pc:sldMkLst>
+          <pc:docMk/>
+          <pc:sldMk cId="117973814" sldId="620"/>
+        </pc:sldMkLst>
+        <pc:spChg chg="mod">
+          <ac:chgData name="Yannick Vogt" userId="860741af1eec8ecc" providerId="LiveId" clId="{2CD5F5D6-88A3-4631-A66A-40A03704DD16}" dt="2021-07-26T13:45:23.863" v="1215" actId="20577"/>
+          <ac:spMkLst>
+            <pc:docMk/>
+            <pc:sldMk cId="117973814" sldId="620"/>
+            <ac:spMk id="2" creationId="{1DDB5C18-0561-459A-8DA4-6D1440866315}"/>
+          </ac:spMkLst>
+        </pc:spChg>
+        <pc:spChg chg="add del mod">
+          <ac:chgData name="Yannick Vogt" userId="860741af1eec8ecc" providerId="LiveId" clId="{2CD5F5D6-88A3-4631-A66A-40A03704DD16}" dt="2021-07-26T13:47:14.193" v="1382" actId="20577"/>
+          <ac:spMkLst>
+            <pc:docMk/>
+            <pc:sldMk cId="117973814" sldId="620"/>
+            <ac:spMk id="3" creationId="{F6C5A038-2027-4E6A-9F3C-5AF74F2CC943}"/>
+          </ac:spMkLst>
+        </pc:spChg>
+        <pc:picChg chg="add del mod">
+          <ac:chgData name="Yannick Vogt" userId="860741af1eec8ecc" providerId="LiveId" clId="{2CD5F5D6-88A3-4631-A66A-40A03704DD16}" dt="2021-07-26T13:46:02.800" v="1236"/>
+          <ac:picMkLst>
+            <pc:docMk/>
+            <pc:sldMk cId="117973814" sldId="620"/>
+            <ac:picMk id="5" creationId="{68E85CE3-3EFC-4561-97FD-E8DB0C64186F}"/>
+          </ac:picMkLst>
+        </pc:picChg>
+        <pc:picChg chg="add del mod">
+          <ac:chgData name="Yannick Vogt" userId="860741af1eec8ecc" providerId="LiveId" clId="{2CD5F5D6-88A3-4631-A66A-40A03704DD16}" dt="2021-07-26T13:46:07.007" v="1238"/>
+          <ac:picMkLst>
+            <pc:docMk/>
+            <pc:sldMk cId="117973814" sldId="620"/>
+            <ac:picMk id="7" creationId="{A27375C0-F5C6-44F5-8DED-D4F9EF7CE72C}"/>
+          </ac:picMkLst>
+        </pc:picChg>
+        <pc:picChg chg="add del mod">
+          <ac:chgData name="Yannick Vogt" userId="860741af1eec8ecc" providerId="LiveId" clId="{2CD5F5D6-88A3-4631-A66A-40A03704DD16}" dt="2021-07-26T13:49:50.801" v="1396" actId="478"/>
+          <ac:picMkLst>
+            <pc:docMk/>
+            <pc:sldMk cId="117973814" sldId="620"/>
+            <ac:picMk id="9" creationId="{E030BD6E-61D0-4544-982C-70DEF7A5B15C}"/>
+          </ac:picMkLst>
+        </pc:picChg>
+      </pc:sldChg>
+      <pc:sldChg chg="addSp delSp modSp new add del">
+        <pc:chgData name="Yannick Vogt" userId="860741af1eec8ecc" providerId="LiveId" clId="{2CD5F5D6-88A3-4631-A66A-40A03704DD16}" dt="2021-07-26T13:49:58.185" v="1399" actId="680"/>
+        <pc:sldMkLst>
+          <pc:docMk/>
+          <pc:sldMk cId="1201571088" sldId="621"/>
+        </pc:sldMkLst>
+        <pc:spChg chg="add del">
+          <ac:chgData name="Yannick Vogt" userId="860741af1eec8ecc" providerId="LiveId" clId="{2CD5F5D6-88A3-4631-A66A-40A03704DD16}" dt="2021-07-26T13:49:50.371" v="1395"/>
+          <ac:spMkLst>
+            <pc:docMk/>
+            <pc:sldMk cId="1201571088" sldId="621"/>
+            <ac:spMk id="3" creationId="{6D5B5D0B-C455-4DC9-95A3-7FB366188BBD}"/>
+          </ac:spMkLst>
+        </pc:spChg>
+        <pc:picChg chg="add del mod">
+          <ac:chgData name="Yannick Vogt" userId="860741af1eec8ecc" providerId="LiveId" clId="{2CD5F5D6-88A3-4631-A66A-40A03704DD16}" dt="2021-07-26T13:49:50.371" v="1395"/>
+          <ac:picMkLst>
+            <pc:docMk/>
+            <pc:sldMk cId="1201571088" sldId="621"/>
+            <ac:picMk id="5" creationId="{CD64EC99-349B-4719-B20A-2A98E75EF8E2}"/>
+          </ac:picMkLst>
+        </pc:picChg>
+      </pc:sldChg>
+      <pc:sldChg chg="modSp new mod">
+        <pc:chgData name="Yannick Vogt" userId="860741af1eec8ecc" providerId="LiveId" clId="{2CD5F5D6-88A3-4631-A66A-40A03704DD16}" dt="2021-07-27T10:38:34.770" v="1721" actId="20577"/>
+        <pc:sldMkLst>
+          <pc:docMk/>
+          <pc:sldMk cId="4006269697" sldId="621"/>
+        </pc:sldMkLst>
+        <pc:spChg chg="mod">
+          <ac:chgData name="Yannick Vogt" userId="860741af1eec8ecc" providerId="LiveId" clId="{2CD5F5D6-88A3-4631-A66A-40A03704DD16}" dt="2021-07-27T10:34:15.443" v="1546" actId="20577"/>
+          <ac:spMkLst>
+            <pc:docMk/>
+            <pc:sldMk cId="4006269697" sldId="621"/>
+            <ac:spMk id="2" creationId="{96FABF28-DFAB-4B25-90E1-A2CC59DF6362}"/>
+          </ac:spMkLst>
+        </pc:spChg>
+        <pc:spChg chg="mod">
+          <ac:chgData name="Yannick Vogt" userId="860741af1eec8ecc" providerId="LiveId" clId="{2CD5F5D6-88A3-4631-A66A-40A03704DD16}" dt="2021-07-27T10:38:34.770" v="1721" actId="20577"/>
+          <ac:spMkLst>
+            <pc:docMk/>
+            <pc:sldMk cId="4006269697" sldId="621"/>
+            <ac:spMk id="3" creationId="{978A609B-83B8-481D-BDA5-AC635AF61E77}"/>
+          </ac:spMkLst>
+        </pc:spChg>
+      </pc:sldChg>
+      <pc:sldChg chg="addSp delSp modSp new mod">
+        <pc:chgData name="Yannick Vogt" userId="860741af1eec8ecc" providerId="LiveId" clId="{2CD5F5D6-88A3-4631-A66A-40A03704DD16}" dt="2021-07-27T10:55:12.088" v="2066" actId="20577"/>
+        <pc:sldMkLst>
+          <pc:docMk/>
+          <pc:sldMk cId="1681506860" sldId="622"/>
+        </pc:sldMkLst>
+        <pc:spChg chg="mod">
+          <ac:chgData name="Yannick Vogt" userId="860741af1eec8ecc" providerId="LiveId" clId="{2CD5F5D6-88A3-4631-A66A-40A03704DD16}" dt="2021-07-27T10:46:59.888" v="2009" actId="20577"/>
+          <ac:spMkLst>
+            <pc:docMk/>
+            <pc:sldMk cId="1681506860" sldId="622"/>
+            <ac:spMk id="2" creationId="{BA7A478D-5802-4000-A81A-A3229F288CDD}"/>
+          </ac:spMkLst>
+        </pc:spChg>
+        <pc:spChg chg="add del mod">
+          <ac:chgData name="Yannick Vogt" userId="860741af1eec8ecc" providerId="LiveId" clId="{2CD5F5D6-88A3-4631-A66A-40A03704DD16}" dt="2021-07-27T10:55:12.088" v="2066" actId="20577"/>
+          <ac:spMkLst>
+            <pc:docMk/>
+            <pc:sldMk cId="1681506860" sldId="622"/>
+            <ac:spMk id="3" creationId="{6E59949B-9E3E-4ABB-9F9B-50A53988FBAC}"/>
+          </ac:spMkLst>
+        </pc:spChg>
+        <pc:spChg chg="add del mod">
+          <ac:chgData name="Yannick Vogt" userId="860741af1eec8ecc" providerId="LiveId" clId="{2CD5F5D6-88A3-4631-A66A-40A03704DD16}" dt="2021-07-27T10:47:03.480" v="2012"/>
+          <ac:spMkLst>
+            <pc:docMk/>
+            <pc:sldMk cId="1681506860" sldId="622"/>
+            <ac:spMk id="4" creationId="{1092E956-3F8C-40D2-8CE9-AD6BF259306D}"/>
+          </ac:spMkLst>
+        </pc:spChg>
+      </pc:sldChg>
+      <pc:sldChg chg="modSp new del mod">
+        <pc:chgData name="Yannick Vogt" userId="860741af1eec8ecc" providerId="LiveId" clId="{2CD5F5D6-88A3-4631-A66A-40A03704DD16}" dt="2021-07-27T10:42:24.773" v="1941" actId="2696"/>
+        <pc:sldMkLst>
+          <pc:docMk/>
+          <pc:sldMk cId="2077188153" sldId="622"/>
+        </pc:sldMkLst>
+        <pc:spChg chg="mod">
+          <ac:chgData name="Yannick Vogt" userId="860741af1eec8ecc" providerId="LiveId" clId="{2CD5F5D6-88A3-4631-A66A-40A03704DD16}" dt="2021-07-27T10:39:19.770" v="1767" actId="20577"/>
+          <ac:spMkLst>
+            <pc:docMk/>
+            <pc:sldMk cId="2077188153" sldId="622"/>
+            <ac:spMk id="2" creationId="{DD72EABF-F8EF-4B4C-95A7-C1B011C19C7A}"/>
+          </ac:spMkLst>
+        </pc:spChg>
+        <pc:spChg chg="mod">
+          <ac:chgData name="Yannick Vogt" userId="860741af1eec8ecc" providerId="LiveId" clId="{2CD5F5D6-88A3-4631-A66A-40A03704DD16}" dt="2021-07-27T10:40:09.510" v="1828" actId="20577"/>
+          <ac:spMkLst>
+            <pc:docMk/>
+            <pc:sldMk cId="2077188153" sldId="622"/>
+            <ac:spMk id="3" creationId="{F3D6C648-C185-4995-B530-72F7A16745E8}"/>
+          </ac:spMkLst>
+        </pc:spChg>
+      </pc:sldChg>
+      <pc:sldChg chg="addSp delSp modSp new mod">
+        <pc:chgData name="Yannick Vogt" userId="860741af1eec8ecc" providerId="LiveId" clId="{2CD5F5D6-88A3-4631-A66A-40A03704DD16}" dt="2021-07-27T11:15:01.685" v="2170" actId="1076"/>
+        <pc:sldMkLst>
+          <pc:docMk/>
+          <pc:sldMk cId="4156694282" sldId="623"/>
+        </pc:sldMkLst>
+        <pc:spChg chg="mod">
+          <ac:chgData name="Yannick Vogt" userId="860741af1eec8ecc" providerId="LiveId" clId="{2CD5F5D6-88A3-4631-A66A-40A03704DD16}" dt="2021-07-27T10:59:56.990" v="2112" actId="20577"/>
+          <ac:spMkLst>
+            <pc:docMk/>
+            <pc:sldMk cId="4156694282" sldId="623"/>
+            <ac:spMk id="2" creationId="{E95E90A7-470B-4D07-ABDA-3C0B287BBE62}"/>
+          </ac:spMkLst>
+        </pc:spChg>
+        <pc:spChg chg="del">
+          <ac:chgData name="Yannick Vogt" userId="860741af1eec8ecc" providerId="LiveId" clId="{2CD5F5D6-88A3-4631-A66A-40A03704DD16}" dt="2021-07-27T11:14:22.113" v="2160"/>
+          <ac:spMkLst>
+            <pc:docMk/>
+            <pc:sldMk cId="4156694282" sldId="623"/>
+            <ac:spMk id="3" creationId="{AB2FE945-4BDD-4B24-89AC-7725834111D7}"/>
+          </ac:spMkLst>
+        </pc:spChg>
+        <pc:spChg chg="add mod">
+          <ac:chgData name="Yannick Vogt" userId="860741af1eec8ecc" providerId="LiveId" clId="{2CD5F5D6-88A3-4631-A66A-40A03704DD16}" dt="2021-07-27T11:14:56.593" v="2169" actId="207"/>
+          <ac:spMkLst>
+            <pc:docMk/>
+            <pc:sldMk cId="4156694282" sldId="623"/>
+            <ac:spMk id="6" creationId="{ECBC7A07-DC5F-47D9-8B03-0B72897F6FC7}"/>
+          </ac:spMkLst>
+        </pc:spChg>
+        <pc:picChg chg="add mod">
+          <ac:chgData name="Yannick Vogt" userId="860741af1eec8ecc" providerId="LiveId" clId="{2CD5F5D6-88A3-4631-A66A-40A03704DD16}" dt="2021-07-27T11:15:01.685" v="2170" actId="1076"/>
+          <ac:picMkLst>
+            <pc:docMk/>
+            <pc:sldMk cId="4156694282" sldId="623"/>
+            <ac:picMk id="5" creationId="{8C29D1E0-87E2-4351-824A-27D4DCFAABF2}"/>
+          </ac:picMkLst>
+        </pc:picChg>
       </pc:sldChg>
       <pc:sldMasterChg chg="modSldLayout">
         <pc:chgData name="Yannick Vogt" userId="860741af1eec8ecc" providerId="LiveId" clId="{2CD5F5D6-88A3-4631-A66A-40A03704DD16}" dt="2021-07-23T08:06:29.750" v="0" actId="478"/>
@@ -863,7 +1153,7 @@
           <a:p>
             <a:fld id="{4E9DBEC1-03D6-8C41-96E3-520E1D7FD629}" type="datetimeFigureOut">
               <a:rPr lang="en-US" smtClean="0"/>
-              <a:t>7/26/2021</a:t>
+              <a:t>7/27/2021</a:t>
             </a:fld>
             <a:endParaRPr lang="en-US"/>
           </a:p>
@@ -1759,35 +2049,9 @@
           <a:bodyPr/>
           <a:lstStyle/>
           <a:p>
-            <a:pPr marL="285750" marR="0" lvl="0" indent="-285750" algn="l" defTabSz="914400" rtl="0" eaLnBrk="0" fontAlgn="base" latinLnBrk="0" hangingPunct="0">
-              <a:lnSpc>
-                <a:spcPct val="100000"/>
-              </a:lnSpc>
-              <a:spcBef>
-                <a:spcPct val="30000"/>
-              </a:spcBef>
-              <a:spcAft>
-                <a:spcPct val="0"/>
-              </a:spcAft>
-              <a:buClr>
-                <a:srgbClr val="800000"/>
-              </a:buClr>
-              <a:buSzTx/>
-              <a:buFont typeface="Wingdings" charset="2"/>
-              <a:buChar char="§"/>
-              <a:tabLst/>
-              <a:defRPr/>
+            <a:pPr marL="0" indent="0">
+              <a:buNone/>
             </a:pPr>
-            <a:r>
-              <a:rPr lang="en-US" dirty="0" err="1"/>
-              <a:t>Überleitung</a:t>
-            </a:r>
-            <a:r>
-              <a:rPr lang="en-US" dirty="0"/>
-              <a:t>: What happens if we train on a crop of the image?</a:t>
-            </a:r>
-          </a:p>
-          <a:p>
             <a:endParaRPr lang="en-US" dirty="0"/>
           </a:p>
         </p:txBody>
@@ -1880,7 +2144,7 @@
           <a:p>
             <a:r>
               <a:rPr lang="en-US" dirty="0"/>
-              <a:t>Explain cases, maybe also show a O2 version</a:t>
+              <a:t>Explain cases</a:t>
             </a:r>
           </a:p>
           <a:p>
@@ -1917,7 +2181,7 @@
               <a:pPr>
                 <a:defRPr/>
               </a:pPr>
-              <a:t>5</a:t>
+              <a:t>7</a:t>
             </a:fld>
             <a:endParaRPr lang="en-US"/>
           </a:p>
@@ -2162,7 +2426,7 @@
               <a:pPr>
                 <a:defRPr/>
               </a:pPr>
-              <a:t>6</a:t>
+              <a:t>8</a:t>
             </a:fld>
             <a:endParaRPr lang="en-US"/>
           </a:p>
@@ -2225,22 +2489,7 @@
           <a:bodyPr/>
           <a:lstStyle/>
           <a:p>
-            <a:r>
-              <a:rPr lang="en-US" dirty="0"/>
-              <a:t>Loss is lower (as we expected, perhaps we would need to weight this loss higher)</a:t>
-            </a:r>
-          </a:p>
-          <a:p>
-            <a:r>
-              <a:rPr lang="en-US" dirty="0"/>
-              <a:t>Loss has spikes, perhaps based on missing case</a:t>
-            </a:r>
-          </a:p>
-          <a:p>
-            <a:r>
-              <a:rPr lang="en-US" dirty="0"/>
-              <a:t>Test on 500 images</a:t>
-            </a:r>
+            <a:endParaRPr lang="en-US" dirty="0"/>
           </a:p>
         </p:txBody>
       </p:sp>
@@ -2267,7 +2516,7 @@
               <a:pPr>
                 <a:defRPr/>
               </a:pPr>
-              <a:t>8</a:t>
+              <a:t>10</a:t>
             </a:fld>
             <a:endParaRPr lang="en-US"/>
           </a:p>
@@ -2357,7 +2606,7 @@
               <a:pPr>
                 <a:defRPr/>
               </a:pPr>
-              <a:t>9</a:t>
+              <a:t>11</a:t>
             </a:fld>
             <a:endParaRPr lang="en-US"/>
           </a:p>
@@ -2452,7 +2701,7 @@
               <a:pPr>
                 <a:defRPr/>
               </a:pPr>
-              <a:t>10</a:t>
+              <a:t>13</a:t>
             </a:fld>
             <a:endParaRPr lang="en-US"/>
           </a:p>
@@ -4669,955 +4918,6 @@
       </p:grpSpPr>
       <p:sp>
         <p:nvSpPr>
-          <p:cNvPr id="2" name="Title 1"/>
-          <p:cNvSpPr>
-            <a:spLocks noGrp="1"/>
-          </p:cNvSpPr>
-          <p:nvPr>
-            <p:ph type="title"/>
-          </p:nvPr>
-        </p:nvSpPr>
-        <p:spPr>
-          <a:xfrm>
-            <a:off x="304800" y="2186643"/>
-            <a:ext cx="8534400" cy="523220"/>
-          </a:xfrm>
-        </p:spPr>
-        <p:txBody>
-          <a:bodyPr/>
-          <a:lstStyle/>
-          <a:p>
-            <a:r>
-              <a:rPr lang="en-US"/>
-              <a:t>Thank you for your attention!</a:t>
-            </a:r>
-          </a:p>
-        </p:txBody>
-      </p:sp>
-    </p:spTree>
-    <p:extLst>
-      <p:ext uri="{BB962C8B-B14F-4D97-AF65-F5344CB8AC3E}">
-        <p14:creationId xmlns:p14="http://schemas.microsoft.com/office/powerpoint/2010/main" val="2036475844"/>
-      </p:ext>
-    </p:extLst>
-  </p:cSld>
-  <p:clrMapOvr>
-    <a:masterClrMapping/>
-  </p:clrMapOvr>
-</p:sld>
-</file>
-
-<file path=ppt/slides/slide2.xml><?xml version="1.0" encoding="utf-8"?>
-<p:sld xmlns:a="http://schemas.openxmlformats.org/drawingml/2006/main" xmlns:r="http://schemas.openxmlformats.org/officeDocument/2006/relationships" xmlns:p="http://schemas.openxmlformats.org/presentationml/2006/main">
-  <p:cSld>
-    <p:spTree>
-      <p:nvGrpSpPr>
-        <p:cNvPr id="1" name=""/>
-        <p:cNvGrpSpPr/>
-        <p:nvPr/>
-      </p:nvGrpSpPr>
-      <p:grpSpPr>
-        <a:xfrm>
-          <a:off x="0" y="0"/>
-          <a:ext cx="0" cy="0"/>
-          <a:chOff x="0" y="0"/>
-          <a:chExt cx="0" cy="0"/>
-        </a:xfrm>
-      </p:grpSpPr>
-      <p:sp>
-        <p:nvSpPr>
-          <p:cNvPr id="3" name="Title 2">
-            <a:extLst>
-              <a:ext uri="{FF2B5EF4-FFF2-40B4-BE49-F238E27FC236}">
-                <a16:creationId xmlns:a16="http://schemas.microsoft.com/office/drawing/2014/main" id="{43404B09-8B2E-41C7-ACDC-FEC028CD3BA8}"/>
-              </a:ext>
-            </a:extLst>
-          </p:cNvPr>
-          <p:cNvSpPr>
-            <a:spLocks noGrp="1"/>
-          </p:cNvSpPr>
-          <p:nvPr>
-            <p:ph type="title"/>
-          </p:nvPr>
-        </p:nvSpPr>
-        <p:spPr>
-          <a:xfrm>
-            <a:off x="381000" y="243543"/>
-            <a:ext cx="8545672" cy="523220"/>
-          </a:xfrm>
-        </p:spPr>
-        <p:txBody>
-          <a:bodyPr wrap="square" anchor="t">
-            <a:normAutofit/>
-          </a:bodyPr>
-          <a:lstStyle/>
-          <a:p>
-            <a:r>
-              <a:rPr lang="de-DE" err="1"/>
-              <a:t>Panoptic</a:t>
-            </a:r>
-            <a:r>
-              <a:rPr lang="de-DE"/>
-              <a:t> Segmentation</a:t>
-            </a:r>
-            <a:endParaRPr lang="en-GB"/>
-          </a:p>
-        </p:txBody>
-      </p:sp>
-      <p:pic>
-        <p:nvPicPr>
-          <p:cNvPr id="5" name="Picture 4">
-            <a:extLst>
-              <a:ext uri="{FF2B5EF4-FFF2-40B4-BE49-F238E27FC236}">
-                <a16:creationId xmlns:a16="http://schemas.microsoft.com/office/drawing/2014/main" id="{46FA50DC-05C6-4C28-837C-9B3C178EACF3}"/>
-              </a:ext>
-            </a:extLst>
-          </p:cNvPr>
-          <p:cNvPicPr>
-            <a:picLocks noChangeAspect="1"/>
-          </p:cNvPicPr>
-          <p:nvPr/>
-        </p:nvPicPr>
-        <p:blipFill>
-          <a:blip r:embed="rId3"/>
-          <a:stretch>
-            <a:fillRect/>
-          </a:stretch>
-        </p:blipFill>
-        <p:spPr>
-          <a:xfrm>
-            <a:off x="996950" y="914400"/>
-            <a:ext cx="7302500" cy="3943350"/>
-          </a:xfrm>
-          <a:prstGeom prst="rect">
-            <a:avLst/>
-          </a:prstGeom>
-          <a:noFill/>
-        </p:spPr>
-      </p:pic>
-    </p:spTree>
-    <p:extLst>
-      <p:ext uri="{BB962C8B-B14F-4D97-AF65-F5344CB8AC3E}">
-        <p14:creationId xmlns:p14="http://schemas.microsoft.com/office/powerpoint/2010/main" val="463365429"/>
-      </p:ext>
-    </p:extLst>
-  </p:cSld>
-  <p:clrMapOvr>
-    <a:masterClrMapping/>
-  </p:clrMapOvr>
-</p:sld>
-</file>
-
-<file path=ppt/slides/slide3.xml><?xml version="1.0" encoding="utf-8"?>
-<p:sld xmlns:a="http://schemas.openxmlformats.org/drawingml/2006/main" xmlns:r="http://schemas.openxmlformats.org/officeDocument/2006/relationships" xmlns:p="http://schemas.openxmlformats.org/presentationml/2006/main">
-  <p:cSld>
-    <p:spTree>
-      <p:nvGrpSpPr>
-        <p:cNvPr id="1" name=""/>
-        <p:cNvGrpSpPr/>
-        <p:nvPr/>
-      </p:nvGrpSpPr>
-      <p:grpSpPr>
-        <a:xfrm>
-          <a:off x="0" y="0"/>
-          <a:ext cx="0" cy="0"/>
-          <a:chOff x="0" y="0"/>
-          <a:chExt cx="0" cy="0"/>
-        </a:xfrm>
-      </p:grpSpPr>
-      <p:sp>
-        <p:nvSpPr>
-          <p:cNvPr id="2" name="Titel 1">
-            <a:extLst>
-              <a:ext uri="{FF2B5EF4-FFF2-40B4-BE49-F238E27FC236}">
-                <a16:creationId xmlns:a16="http://schemas.microsoft.com/office/drawing/2014/main" id="{AF311FAB-AD3C-4964-9198-8FCBF12C9111}"/>
-              </a:ext>
-            </a:extLst>
-          </p:cNvPr>
-          <p:cNvSpPr>
-            <a:spLocks noGrp="1"/>
-          </p:cNvSpPr>
-          <p:nvPr>
-            <p:ph type="title"/>
-          </p:nvPr>
-        </p:nvSpPr>
-        <p:spPr/>
-        <p:txBody>
-          <a:bodyPr/>
-          <a:lstStyle/>
-          <a:p>
-            <a:r>
-              <a:rPr lang="en-US"/>
-              <a:t>Bounding Box Prediction</a:t>
-            </a:r>
-          </a:p>
-        </p:txBody>
-      </p:sp>
-      <p:sp>
-        <p:nvSpPr>
-          <p:cNvPr id="3" name="Inhaltsplatzhalter 2">
-            <a:extLst>
-              <a:ext uri="{FF2B5EF4-FFF2-40B4-BE49-F238E27FC236}">
-                <a16:creationId xmlns:a16="http://schemas.microsoft.com/office/drawing/2014/main" id="{19BCFA74-BA43-4AED-8291-33BE8E5C855C}"/>
-              </a:ext>
-            </a:extLst>
-          </p:cNvPr>
-          <p:cNvSpPr>
-            <a:spLocks noGrp="1"/>
-          </p:cNvSpPr>
-          <p:nvPr>
-            <p:ph idx="1"/>
-          </p:nvPr>
-        </p:nvSpPr>
-        <p:spPr/>
-        <p:txBody>
-          <a:bodyPr/>
-          <a:lstStyle/>
-          <a:p>
-            <a:r>
-              <a:rPr lang="en-US" dirty="0"/>
-              <a:t>Fully Connected Layer</a:t>
-            </a:r>
-          </a:p>
-          <a:p>
-            <a:r>
-              <a:rPr lang="en-US" dirty="0"/>
-              <a:t>Region Proposal Network proposes so called anchor boxes (expressed as center width height)</a:t>
-            </a:r>
-          </a:p>
-          <a:p>
-            <a:r>
-              <a:rPr lang="en-US" dirty="0"/>
-              <a:t>Bounding Box prediction regresses what change needs to be applied to the anchor in order to fit the ground truth Bounding Box</a:t>
-            </a:r>
-          </a:p>
-          <a:p>
-            <a:r>
-              <a:rPr lang="en-US" dirty="0"/>
-              <a:t>SmoothL1Loss on the four predicted box parameters</a:t>
-            </a:r>
-          </a:p>
-        </p:txBody>
-      </p:sp>
-    </p:spTree>
-    <p:extLst>
-      <p:ext uri="{BB962C8B-B14F-4D97-AF65-F5344CB8AC3E}">
-        <p14:creationId xmlns:p14="http://schemas.microsoft.com/office/powerpoint/2010/main" val="31551848"/>
-      </p:ext>
-    </p:extLst>
-  </p:cSld>
-  <p:clrMapOvr>
-    <a:masterClrMapping/>
-  </p:clrMapOvr>
-</p:sld>
-</file>
-
-<file path=ppt/slides/slide4.xml><?xml version="1.0" encoding="utf-8"?>
-<p:sld xmlns:a="http://schemas.openxmlformats.org/drawingml/2006/main" xmlns:r="http://schemas.openxmlformats.org/officeDocument/2006/relationships" xmlns:p="http://schemas.openxmlformats.org/presentationml/2006/main">
-  <p:cSld>
-    <p:spTree>
-      <p:nvGrpSpPr>
-        <p:cNvPr id="1" name=""/>
-        <p:cNvGrpSpPr/>
-        <p:nvPr/>
-      </p:nvGrpSpPr>
-      <p:grpSpPr>
-        <a:xfrm>
-          <a:off x="0" y="0"/>
-          <a:ext cx="0" cy="0"/>
-          <a:chOff x="0" y="0"/>
-          <a:chExt cx="0" cy="0"/>
-        </a:xfrm>
-      </p:grpSpPr>
-      <p:sp>
-        <p:nvSpPr>
-          <p:cNvPr id="2" name="Titel 1">
-            <a:extLst>
-              <a:ext uri="{FF2B5EF4-FFF2-40B4-BE49-F238E27FC236}">
-                <a16:creationId xmlns:a16="http://schemas.microsoft.com/office/drawing/2014/main" id="{52FD4665-D7AC-4F86-AFD3-7CE8FE32663B}"/>
-              </a:ext>
-            </a:extLst>
-          </p:cNvPr>
-          <p:cNvSpPr>
-            <a:spLocks noGrp="1"/>
-          </p:cNvSpPr>
-          <p:nvPr>
-            <p:ph type="title"/>
-          </p:nvPr>
-        </p:nvSpPr>
-        <p:spPr/>
-        <p:txBody>
-          <a:bodyPr/>
-          <a:lstStyle/>
-          <a:p>
-            <a:r>
-              <a:rPr lang="en-US" dirty="0"/>
-              <a:t>Crop Based Training</a:t>
-            </a:r>
-          </a:p>
-        </p:txBody>
-      </p:sp>
-      <p:sp>
-        <p:nvSpPr>
-          <p:cNvPr id="3" name="Inhaltsplatzhalter 2">
-            <a:extLst>
-              <a:ext uri="{FF2B5EF4-FFF2-40B4-BE49-F238E27FC236}">
-                <a16:creationId xmlns:a16="http://schemas.microsoft.com/office/drawing/2014/main" id="{4B0A16A1-1555-48B2-8DEF-4A31A390BD31}"/>
-              </a:ext>
-            </a:extLst>
-          </p:cNvPr>
-          <p:cNvSpPr>
-            <a:spLocks noGrp="1"/>
-          </p:cNvSpPr>
-          <p:nvPr>
-            <p:ph idx="1"/>
-          </p:nvPr>
-        </p:nvSpPr>
-        <p:spPr/>
-        <p:txBody>
-          <a:bodyPr/>
-          <a:lstStyle/>
-          <a:p>
-            <a:r>
-              <a:rPr lang="en-US" dirty="0">
-                <a:solidFill>
-                  <a:srgbClr val="FF0000"/>
-                </a:solidFill>
-              </a:rPr>
-              <a:t>Add here what happens to the </a:t>
-            </a:r>
-            <a:r>
-              <a:rPr lang="en-US" dirty="0" err="1">
-                <a:solidFill>
-                  <a:srgbClr val="FF0000"/>
-                </a:solidFill>
-              </a:rPr>
-              <a:t>gt</a:t>
-            </a:r>
-            <a:r>
-              <a:rPr lang="en-US" dirty="0">
-                <a:solidFill>
-                  <a:srgbClr val="FF0000"/>
-                </a:solidFill>
-              </a:rPr>
-              <a:t> if we crop</a:t>
-            </a:r>
-          </a:p>
-          <a:p>
-            <a:r>
-              <a:rPr lang="en-US" dirty="0"/>
-              <a:t>Lower memory burden allowing training of </a:t>
-            </a:r>
-            <a:r>
-              <a:rPr lang="en-US"/>
-              <a:t>larger networks </a:t>
-            </a:r>
-            <a:r>
-              <a:rPr lang="en-US" dirty="0"/>
-              <a:t>or </a:t>
-            </a:r>
-            <a:r>
-              <a:rPr lang="en-US"/>
-              <a:t>higher batch size</a:t>
-            </a:r>
-            <a:endParaRPr lang="en-US" dirty="0"/>
-          </a:p>
-          <a:p>
-            <a:r>
-              <a:rPr lang="en-US" dirty="0"/>
-              <a:t>Training on crops with fine details can increase performance on small/far objects</a:t>
-            </a:r>
-          </a:p>
-        </p:txBody>
-      </p:sp>
-    </p:spTree>
-    <p:extLst>
-      <p:ext uri="{BB962C8B-B14F-4D97-AF65-F5344CB8AC3E}">
-        <p14:creationId xmlns:p14="http://schemas.microsoft.com/office/powerpoint/2010/main" val="2063460671"/>
-      </p:ext>
-    </p:extLst>
-  </p:cSld>
-  <p:clrMapOvr>
-    <a:masterClrMapping/>
-  </p:clrMapOvr>
-</p:sld>
-</file>
-
-<file path=ppt/slides/slide5.xml><?xml version="1.0" encoding="utf-8"?>
-<p:sld xmlns:a="http://schemas.openxmlformats.org/drawingml/2006/main" xmlns:r="http://schemas.openxmlformats.org/officeDocument/2006/relationships" xmlns:p="http://schemas.openxmlformats.org/presentationml/2006/main">
-  <p:cSld>
-    <p:spTree>
-      <p:nvGrpSpPr>
-        <p:cNvPr id="1" name=""/>
-        <p:cNvGrpSpPr/>
-        <p:nvPr/>
-      </p:nvGrpSpPr>
-      <p:grpSpPr>
-        <a:xfrm>
-          <a:off x="0" y="0"/>
-          <a:ext cx="0" cy="0"/>
-          <a:chOff x="0" y="0"/>
-          <a:chExt cx="0" cy="0"/>
-        </a:xfrm>
-      </p:grpSpPr>
-      <p:sp>
-        <p:nvSpPr>
-          <p:cNvPr id="4" name="Title 3">
-            <a:extLst>
-              <a:ext uri="{FF2B5EF4-FFF2-40B4-BE49-F238E27FC236}">
-                <a16:creationId xmlns:a16="http://schemas.microsoft.com/office/drawing/2014/main" id="{30C9BDA0-8F15-4D90-81BA-5E4C7E87598F}"/>
-              </a:ext>
-            </a:extLst>
-          </p:cNvPr>
-          <p:cNvSpPr>
-            <a:spLocks noGrp="1"/>
-          </p:cNvSpPr>
-          <p:nvPr>
-            <p:ph type="title"/>
-          </p:nvPr>
-        </p:nvSpPr>
-        <p:spPr/>
-        <p:txBody>
-          <a:bodyPr/>
-          <a:lstStyle/>
-          <a:p>
-            <a:r>
-              <a:rPr lang="de-DE" err="1"/>
-              <a:t>Crop</a:t>
-            </a:r>
-            <a:r>
-              <a:rPr lang="de-DE"/>
-              <a:t>-Aware </a:t>
-            </a:r>
-            <a:r>
-              <a:rPr lang="de-DE" err="1"/>
-              <a:t>Bounding</a:t>
-            </a:r>
-            <a:r>
-              <a:rPr lang="de-DE"/>
-              <a:t> Boxes</a:t>
-            </a:r>
-            <a:endParaRPr lang="en-GB"/>
-          </a:p>
-        </p:txBody>
-      </p:sp>
-      <p:sp>
-        <p:nvSpPr>
-          <p:cNvPr id="5" name="Content Placeholder 4">
-            <a:extLst>
-              <a:ext uri="{FF2B5EF4-FFF2-40B4-BE49-F238E27FC236}">
-                <a16:creationId xmlns:a16="http://schemas.microsoft.com/office/drawing/2014/main" id="{879BE057-F79C-416A-BC4B-8048CEFEFBAF}"/>
-              </a:ext>
-            </a:extLst>
-          </p:cNvPr>
-          <p:cNvSpPr>
-            <a:spLocks noGrp="1"/>
-          </p:cNvSpPr>
-          <p:nvPr>
-            <p:ph idx="1"/>
-          </p:nvPr>
-        </p:nvSpPr>
-        <p:spPr>
-          <a:xfrm>
-            <a:off x="381000" y="914400"/>
-            <a:ext cx="4708454" cy="3943350"/>
-          </a:xfrm>
-        </p:spPr>
-        <p:txBody>
-          <a:bodyPr/>
-          <a:lstStyle/>
-          <a:p>
-            <a:r>
-              <a:rPr lang="en-US" dirty="0"/>
-              <a:t>Network is allowed to “hallucinate”</a:t>
-            </a:r>
-          </a:p>
-          <a:p>
-            <a:r>
-              <a:rPr lang="en-US" dirty="0"/>
-              <a:t>Can improve performance on objects which were cropped in training</a:t>
-            </a:r>
-          </a:p>
-          <a:p>
-            <a:endParaRPr lang="en-US" dirty="0"/>
-          </a:p>
-          <a:p>
-            <a:pPr marL="0" indent="0">
-              <a:buNone/>
-            </a:pPr>
-            <a:endParaRPr lang="en-US" dirty="0"/>
-          </a:p>
-        </p:txBody>
-      </p:sp>
-      <p:pic>
-        <p:nvPicPr>
-          <p:cNvPr id="13" name="Grafik 12">
-            <a:extLst>
-              <a:ext uri="{FF2B5EF4-FFF2-40B4-BE49-F238E27FC236}">
-                <a16:creationId xmlns:a16="http://schemas.microsoft.com/office/drawing/2014/main" id="{FF7A492A-FA54-4B67-8A3B-536D293479E5}"/>
-              </a:ext>
-            </a:extLst>
-          </p:cNvPr>
-          <p:cNvPicPr>
-            <a:picLocks noChangeAspect="1"/>
-          </p:cNvPicPr>
-          <p:nvPr/>
-        </p:nvPicPr>
-        <p:blipFill>
-          <a:blip r:embed="rId3"/>
-          <a:stretch>
-            <a:fillRect/>
-          </a:stretch>
-        </p:blipFill>
-        <p:spPr>
-          <a:xfrm>
-            <a:off x="5089454" y="917155"/>
-            <a:ext cx="3673546" cy="3332025"/>
-          </a:xfrm>
-          <a:prstGeom prst="rect">
-            <a:avLst/>
-          </a:prstGeom>
-        </p:spPr>
-      </p:pic>
-    </p:spTree>
-    <p:extLst>
-      <p:ext uri="{BB962C8B-B14F-4D97-AF65-F5344CB8AC3E}">
-        <p14:creationId xmlns:p14="http://schemas.microsoft.com/office/powerpoint/2010/main" val="1885977225"/>
-      </p:ext>
-    </p:extLst>
-  </p:cSld>
-  <p:clrMapOvr>
-    <a:masterClrMapping/>
-  </p:clrMapOvr>
-</p:sld>
-</file>
-
-<file path=ppt/slides/slide6.xml><?xml version="1.0" encoding="utf-8"?>
-<p:sld xmlns:a="http://schemas.openxmlformats.org/drawingml/2006/main" xmlns:r="http://schemas.openxmlformats.org/officeDocument/2006/relationships" xmlns:p="http://schemas.openxmlformats.org/presentationml/2006/main">
-  <p:cSld>
-    <p:spTree>
-      <p:nvGrpSpPr>
-        <p:cNvPr id="1" name=""/>
-        <p:cNvGrpSpPr/>
-        <p:nvPr/>
-      </p:nvGrpSpPr>
-      <p:grpSpPr>
-        <a:xfrm>
-          <a:off x="0" y="0"/>
-          <a:ext cx="0" cy="0"/>
-          <a:chOff x="0" y="0"/>
-          <a:chExt cx="0" cy="0"/>
-        </a:xfrm>
-      </p:grpSpPr>
-      <p:sp>
-        <p:nvSpPr>
-          <p:cNvPr id="2" name="Title 1">
-            <a:extLst>
-              <a:ext uri="{FF2B5EF4-FFF2-40B4-BE49-F238E27FC236}">
-                <a16:creationId xmlns:a16="http://schemas.microsoft.com/office/drawing/2014/main" id="{CADFAC11-05D7-429F-85C1-BB1E40DF7034}"/>
-              </a:ext>
-            </a:extLst>
-          </p:cNvPr>
-          <p:cNvSpPr>
-            <a:spLocks noGrp="1"/>
-          </p:cNvSpPr>
-          <p:nvPr>
-            <p:ph type="title"/>
-          </p:nvPr>
-        </p:nvSpPr>
-        <p:spPr/>
-        <p:txBody>
-          <a:bodyPr/>
-          <a:lstStyle/>
-          <a:p>
-            <a:r>
-              <a:rPr lang="en-US"/>
-              <a:t>Visualization</a:t>
-            </a:r>
-            <a:r>
-              <a:rPr lang="de-DE"/>
-              <a:t> </a:t>
-            </a:r>
-            <a:r>
-              <a:rPr lang="en-US"/>
-              <a:t>of</a:t>
-            </a:r>
-            <a:r>
-              <a:rPr lang="de-DE"/>
-              <a:t> </a:t>
-            </a:r>
-            <a:r>
-              <a:rPr lang="en-US" err="1"/>
-              <a:t>Cabb</a:t>
-            </a:r>
-            <a:endParaRPr lang="en-US"/>
-          </a:p>
-        </p:txBody>
-      </p:sp>
-      <p:sp>
-        <p:nvSpPr>
-          <p:cNvPr id="3" name="Content Placeholder 2">
-            <a:extLst>
-              <a:ext uri="{FF2B5EF4-FFF2-40B4-BE49-F238E27FC236}">
-                <a16:creationId xmlns:a16="http://schemas.microsoft.com/office/drawing/2014/main" id="{E792780D-FF8B-464B-A133-01C1B809D660}"/>
-              </a:ext>
-            </a:extLst>
-          </p:cNvPr>
-          <p:cNvSpPr>
-            <a:spLocks noGrp="1"/>
-          </p:cNvSpPr>
-          <p:nvPr>
-            <p:ph idx="1"/>
-          </p:nvPr>
-        </p:nvSpPr>
-        <p:spPr>
-          <a:xfrm>
-            <a:off x="381000" y="3648684"/>
-            <a:ext cx="8534400" cy="1209065"/>
-          </a:xfrm>
-        </p:spPr>
-        <p:txBody>
-          <a:bodyPr/>
-          <a:lstStyle/>
-          <a:p>
-            <a:pPr marL="0" indent="0">
-              <a:buNone/>
-            </a:pPr>
-            <a:r>
-              <a:rPr lang="en-GB" dirty="0">
-                <a:solidFill>
-                  <a:srgbClr val="002060"/>
-                </a:solidFill>
-              </a:rPr>
-              <a:t>Ground Truth</a:t>
-            </a:r>
-            <a:r>
-              <a:rPr lang="en-GB" dirty="0"/>
-              <a:t>, </a:t>
-            </a:r>
-            <a:r>
-              <a:rPr lang="en-GB" dirty="0">
-                <a:solidFill>
-                  <a:srgbClr val="00B050"/>
-                </a:solidFill>
-              </a:rPr>
-              <a:t>Prediction</a:t>
-            </a:r>
-            <a:r>
-              <a:rPr lang="en-GB" dirty="0"/>
-              <a:t>, </a:t>
-            </a:r>
-            <a:r>
-              <a:rPr lang="en-GB" dirty="0">
-                <a:solidFill>
-                  <a:schemeClr val="tx2">
-                    <a:lumMod val="40000"/>
-                    <a:lumOff val="60000"/>
-                  </a:schemeClr>
-                </a:solidFill>
-              </a:rPr>
-              <a:t>Crop Area</a:t>
-            </a:r>
-            <a:r>
-              <a:rPr lang="en-GB" dirty="0"/>
-              <a:t>, </a:t>
-            </a:r>
-            <a:r>
-              <a:rPr lang="en-GB" dirty="0">
-                <a:solidFill>
-                  <a:srgbClr val="FF0000"/>
-                </a:solidFill>
-              </a:rPr>
-              <a:t>Anchor Box</a:t>
-            </a:r>
-            <a:r>
-              <a:rPr lang="en-GB" dirty="0"/>
-              <a:t>, </a:t>
-            </a:r>
-            <a:r>
-              <a:rPr lang="en-GB" dirty="0">
-                <a:solidFill>
-                  <a:srgbClr val="E8DD00"/>
-                </a:solidFill>
-              </a:rPr>
-              <a:t>CABB Target</a:t>
-            </a:r>
-          </a:p>
-        </p:txBody>
-      </p:sp>
-      <p:pic>
-        <p:nvPicPr>
-          <p:cNvPr id="4" name="Grafik 3" descr="Ein Bild, das Text, draußen, Straße enthält.&#10;&#10;Automatisch generierte Beschreibung">
-            <a:extLst>
-              <a:ext uri="{FF2B5EF4-FFF2-40B4-BE49-F238E27FC236}">
-                <a16:creationId xmlns:a16="http://schemas.microsoft.com/office/drawing/2014/main" id="{019DB30C-1759-4DF1-AE4C-E17C76EE6AB0}"/>
-              </a:ext>
-            </a:extLst>
-          </p:cNvPr>
-          <p:cNvPicPr>
-            <a:picLocks noChangeAspect="1"/>
-          </p:cNvPicPr>
-          <p:nvPr/>
-        </p:nvPicPr>
-        <p:blipFill>
-          <a:blip r:embed="rId3"/>
-          <a:stretch>
-            <a:fillRect/>
-          </a:stretch>
-        </p:blipFill>
-        <p:spPr>
-          <a:xfrm>
-            <a:off x="440857" y="912257"/>
-            <a:ext cx="4093431" cy="2130174"/>
-          </a:xfrm>
-          <a:prstGeom prst="rect">
-            <a:avLst/>
-          </a:prstGeom>
-        </p:spPr>
-      </p:pic>
-      <p:sp>
-        <p:nvSpPr>
-          <p:cNvPr id="5" name="Textfeld 4">
-            <a:extLst>
-              <a:ext uri="{FF2B5EF4-FFF2-40B4-BE49-F238E27FC236}">
-                <a16:creationId xmlns:a16="http://schemas.microsoft.com/office/drawing/2014/main" id="{BA942420-B2DF-4312-9F77-010105064C64}"/>
-              </a:ext>
-            </a:extLst>
-          </p:cNvPr>
-          <p:cNvSpPr txBox="1"/>
-          <p:nvPr/>
-        </p:nvSpPr>
-        <p:spPr>
-          <a:xfrm>
-            <a:off x="436738" y="3187021"/>
-            <a:ext cx="4093431" cy="461665"/>
-          </a:xfrm>
-          <a:prstGeom prst="rect">
-            <a:avLst/>
-          </a:prstGeom>
-          <a:noFill/>
-        </p:spPr>
-        <p:txBody>
-          <a:bodyPr wrap="square" rtlCol="0">
-            <a:spAutoFit/>
-          </a:bodyPr>
-          <a:lstStyle/>
-          <a:p>
-            <a:r>
-              <a:rPr lang="en-US"/>
-              <a:t>Without</a:t>
-            </a:r>
-            <a:r>
-              <a:rPr lang="de-DE"/>
-              <a:t> CABB</a:t>
-            </a:r>
-          </a:p>
-        </p:txBody>
-      </p:sp>
-      <p:sp>
-        <p:nvSpPr>
-          <p:cNvPr id="6" name="Textfeld 5">
-            <a:extLst>
-              <a:ext uri="{FF2B5EF4-FFF2-40B4-BE49-F238E27FC236}">
-                <a16:creationId xmlns:a16="http://schemas.microsoft.com/office/drawing/2014/main" id="{5B6482A4-EF81-4EB4-B206-D70873A4FFB9}"/>
-              </a:ext>
-            </a:extLst>
-          </p:cNvPr>
-          <p:cNvSpPr txBox="1"/>
-          <p:nvPr/>
-        </p:nvSpPr>
-        <p:spPr>
-          <a:xfrm>
-            <a:off x="4657212" y="3187020"/>
-            <a:ext cx="4093431" cy="461665"/>
-          </a:xfrm>
-          <a:prstGeom prst="rect">
-            <a:avLst/>
-          </a:prstGeom>
-          <a:noFill/>
-        </p:spPr>
-        <p:txBody>
-          <a:bodyPr wrap="square" rtlCol="0">
-            <a:spAutoFit/>
-          </a:bodyPr>
-          <a:lstStyle/>
-          <a:p>
-            <a:r>
-              <a:rPr lang="en-US"/>
-              <a:t>With</a:t>
-            </a:r>
-            <a:r>
-              <a:rPr lang="de-DE"/>
-              <a:t> CABB</a:t>
-            </a:r>
-          </a:p>
-        </p:txBody>
-      </p:sp>
-      <p:pic>
-        <p:nvPicPr>
-          <p:cNvPr id="7" name="Grafik 6" descr="Ein Bild, das Text, draußen, Straße enthält.&#10;&#10;Automatisch generierte Beschreibung">
-            <a:extLst>
-              <a:ext uri="{FF2B5EF4-FFF2-40B4-BE49-F238E27FC236}">
-                <a16:creationId xmlns:a16="http://schemas.microsoft.com/office/drawing/2014/main" id="{B359E9AD-B13F-4042-BD52-83B942F326F2}"/>
-              </a:ext>
-            </a:extLst>
-          </p:cNvPr>
-          <p:cNvPicPr>
-            <a:picLocks noChangeAspect="1"/>
-          </p:cNvPicPr>
-          <p:nvPr/>
-        </p:nvPicPr>
-        <p:blipFill>
-          <a:blip r:embed="rId4"/>
-          <a:stretch>
-            <a:fillRect/>
-          </a:stretch>
-        </p:blipFill>
-        <p:spPr>
-          <a:xfrm>
-            <a:off x="4661332" y="914400"/>
-            <a:ext cx="4085193" cy="2125887"/>
-          </a:xfrm>
-          <a:prstGeom prst="rect">
-            <a:avLst/>
-          </a:prstGeom>
-        </p:spPr>
-      </p:pic>
-    </p:spTree>
-    <p:extLst>
-      <p:ext uri="{BB962C8B-B14F-4D97-AF65-F5344CB8AC3E}">
-        <p14:creationId xmlns:p14="http://schemas.microsoft.com/office/powerpoint/2010/main" val="2489557210"/>
-      </p:ext>
-    </p:extLst>
-  </p:cSld>
-  <p:clrMapOvr>
-    <a:masterClrMapping/>
-  </p:clrMapOvr>
-</p:sld>
-</file>
-
-<file path=ppt/slides/slide7.xml><?xml version="1.0" encoding="utf-8"?>
-<p:sld xmlns:a="http://schemas.openxmlformats.org/drawingml/2006/main" xmlns:r="http://schemas.openxmlformats.org/officeDocument/2006/relationships" xmlns:p="http://schemas.openxmlformats.org/presentationml/2006/main">
-  <p:cSld>
-    <p:spTree>
-      <p:nvGrpSpPr>
-        <p:cNvPr id="1" name=""/>
-        <p:cNvGrpSpPr/>
-        <p:nvPr/>
-      </p:nvGrpSpPr>
-      <p:grpSpPr>
-        <a:xfrm>
-          <a:off x="0" y="0"/>
-          <a:ext cx="0" cy="0"/>
-          <a:chOff x="0" y="0"/>
-          <a:chExt cx="0" cy="0"/>
-        </a:xfrm>
-      </p:grpSpPr>
-      <p:sp>
-        <p:nvSpPr>
-          <p:cNvPr id="2" name="Titel 1">
-            <a:extLst>
-              <a:ext uri="{FF2B5EF4-FFF2-40B4-BE49-F238E27FC236}">
-                <a16:creationId xmlns:a16="http://schemas.microsoft.com/office/drawing/2014/main" id="{2DE899C9-ECB8-4209-B44A-D55809197041}"/>
-              </a:ext>
-            </a:extLst>
-          </p:cNvPr>
-          <p:cNvSpPr>
-            <a:spLocks noGrp="1"/>
-          </p:cNvSpPr>
-          <p:nvPr>
-            <p:ph type="title"/>
-          </p:nvPr>
-        </p:nvSpPr>
-        <p:spPr/>
-        <p:txBody>
-          <a:bodyPr/>
-          <a:lstStyle/>
-          <a:p>
-            <a:r>
-              <a:rPr lang="en-US"/>
-              <a:t>Training Setting</a:t>
-            </a:r>
-          </a:p>
-        </p:txBody>
-      </p:sp>
-      <p:sp>
-        <p:nvSpPr>
-          <p:cNvPr id="3" name="Inhaltsplatzhalter 2">
-            <a:extLst>
-              <a:ext uri="{FF2B5EF4-FFF2-40B4-BE49-F238E27FC236}">
-                <a16:creationId xmlns:a16="http://schemas.microsoft.com/office/drawing/2014/main" id="{855BEFD4-C452-40AA-8020-77316D8CF61E}"/>
-              </a:ext>
-            </a:extLst>
-          </p:cNvPr>
-          <p:cNvSpPr>
-            <a:spLocks noGrp="1"/>
-          </p:cNvSpPr>
-          <p:nvPr>
-            <p:ph idx="1"/>
-          </p:nvPr>
-        </p:nvSpPr>
-        <p:spPr/>
-        <p:txBody>
-          <a:bodyPr/>
-          <a:lstStyle/>
-          <a:p>
-            <a:r>
-              <a:rPr lang="en-US" dirty="0"/>
-              <a:t>1024*512 Image size, 512*256 Crop size</a:t>
-            </a:r>
-          </a:p>
-          <a:p>
-            <a:r>
-              <a:rPr lang="en-US" dirty="0"/>
-              <a:t>8 Image per Batch on a single GPU</a:t>
-            </a:r>
-          </a:p>
-          <a:p>
-            <a:r>
-              <a:rPr lang="en-US" dirty="0"/>
-              <a:t>100 epochs of training with </a:t>
-            </a:r>
-            <a:r>
-              <a:rPr lang="en-US" b="0" i="0" u="none" strike="noStrike" baseline="0" dirty="0"/>
-              <a:t>2975 training images</a:t>
-            </a:r>
-            <a:endParaRPr lang="en-US" dirty="0"/>
-          </a:p>
-        </p:txBody>
-      </p:sp>
-    </p:spTree>
-    <p:extLst>
-      <p:ext uri="{BB962C8B-B14F-4D97-AF65-F5344CB8AC3E}">
-        <p14:creationId xmlns:p14="http://schemas.microsoft.com/office/powerpoint/2010/main" val="2836184599"/>
-      </p:ext>
-    </p:extLst>
-  </p:cSld>
-  <p:clrMapOvr>
-    <a:masterClrMapping/>
-  </p:clrMapOvr>
-</p:sld>
-</file>
-
-<file path=ppt/slides/slide8.xml><?xml version="1.0" encoding="utf-8"?>
-<p:sld xmlns:a="http://schemas.openxmlformats.org/drawingml/2006/main" xmlns:r="http://schemas.openxmlformats.org/officeDocument/2006/relationships" xmlns:p="http://schemas.openxmlformats.org/presentationml/2006/main">
-  <p:cSld>
-    <p:spTree>
-      <p:nvGrpSpPr>
-        <p:cNvPr id="1" name=""/>
-        <p:cNvGrpSpPr/>
-        <p:nvPr/>
-      </p:nvGrpSpPr>
-      <p:grpSpPr>
-        <a:xfrm>
-          <a:off x="0" y="0"/>
-          <a:ext cx="0" cy="0"/>
-          <a:chOff x="0" y="0"/>
-          <a:chExt cx="0" cy="0"/>
-        </a:xfrm>
-      </p:grpSpPr>
-      <p:sp>
-        <p:nvSpPr>
           <p:cNvPr id="2" name="Title 1">
             <a:extLst>
               <a:ext uri="{FF2B5EF4-FFF2-40B4-BE49-F238E27FC236}">
@@ -5638,7 +4938,7 @@
           <a:lstStyle/>
           <a:p>
             <a:r>
-              <a:rPr lang="en-US" dirty="0"/>
+              <a:rPr lang="en-US"/>
               <a:t>Training Results</a:t>
             </a:r>
           </a:p>
@@ -5671,8 +4971,8 @@
           <a:lstStyle/>
           <a:p>
             <a:r>
-              <a:rPr lang="en-US" dirty="0"/>
-              <a:t>39.5h for baseline vs 20.5h for the baseline</a:t>
+              <a:rPr lang="en-US"/>
+              <a:t>39.5h for baseline vs 20.75h for the baseline</a:t>
             </a:r>
           </a:p>
         </p:txBody>
@@ -5750,7 +5050,7 @@
 </p:sld>
 </file>
 
-<file path=ppt/slides/slide9.xml><?xml version="1.0" encoding="utf-8"?>
+<file path=ppt/slides/slide11.xml><?xml version="1.0" encoding="utf-8"?>
 <p:sld xmlns:a="http://schemas.openxmlformats.org/drawingml/2006/main" xmlns:r="http://schemas.openxmlformats.org/officeDocument/2006/relationships" xmlns:p="http://schemas.openxmlformats.org/presentationml/2006/main">
   <p:cSld>
     <p:spTree>
@@ -5789,7 +5089,7 @@
           <a:lstStyle/>
           <a:p>
             <a:r>
-              <a:rPr lang="en-US" dirty="0"/>
+              <a:rPr lang="en-US"/>
               <a:t>Test Results</a:t>
             </a:r>
           </a:p>
@@ -5817,10 +5117,10 @@
           <a:lstStyle/>
           <a:p>
             <a:r>
-              <a:rPr lang="en-GB" b="0" i="0" dirty="0">
+              <a:rPr lang="en-GB" b="0" i="0">
                 <a:effectLst/>
               </a:rPr>
-              <a:t>Test on 500 images</a:t>
+              <a:t>Test models at epoch 100 on 500 full-sized images</a:t>
             </a:r>
           </a:p>
         </p:txBody>
@@ -5840,13 +5140,13 @@
           <p:nvPr>
             <p:extLst>
               <p:ext uri="{D42A27DB-BD31-4B8C-83A1-F6EECF244321}">
-                <p14:modId xmlns:p14="http://schemas.microsoft.com/office/powerpoint/2010/main" val="2640384179"/>
+                <p14:modId xmlns:p14="http://schemas.microsoft.com/office/powerpoint/2010/main" val="2538361091"/>
               </p:ext>
             </p:extLst>
           </p:nvPr>
         </p:nvGraphicFramePr>
         <p:xfrm>
-          <a:off x="381000" y="3131913"/>
+          <a:off x="1524000" y="3130232"/>
           <a:ext cx="6096000" cy="1483360"/>
         </p:xfrm>
         <a:graphic>
@@ -5912,7 +5212,7 @@
                     <a:lstStyle/>
                     <a:p>
                       <a:r>
-                        <a:rPr lang="en-US" dirty="0"/>
+                        <a:rPr lang="en-US"/>
                         <a:t>PQ</a:t>
                       </a:r>
                     </a:p>
@@ -5925,7 +5225,7 @@
                     <a:lstStyle/>
                     <a:p>
                       <a:r>
-                        <a:rPr lang="en-US" dirty="0"/>
+                        <a:rPr lang="en-US"/>
                         <a:t>SQ</a:t>
                       </a:r>
                     </a:p>
@@ -5938,7 +5238,7 @@
                     <a:lstStyle/>
                     <a:p>
                       <a:r>
-                        <a:rPr lang="en-US" dirty="0"/>
+                        <a:rPr lang="en-US"/>
                         <a:t>RQ</a:t>
                       </a:r>
                     </a:p>
@@ -5951,7 +5251,7 @@
                     <a:lstStyle/>
                     <a:p>
                       <a:r>
-                        <a:rPr lang="en-US" dirty="0"/>
+                        <a:rPr lang="en-US"/>
                         <a:t>N</a:t>
                       </a:r>
                     </a:p>
@@ -5971,7 +5271,7 @@
                     <a:lstStyle/>
                     <a:p>
                       <a:r>
-                        <a:rPr lang="en-US" dirty="0"/>
+                        <a:rPr lang="en-US"/>
                         <a:t>All</a:t>
                       </a:r>
                     </a:p>
@@ -5984,7 +5284,7 @@
                     <a:lstStyle/>
                     <a:p>
                       <a:r>
-                        <a:rPr lang="en-US" dirty="0"/>
+                        <a:rPr lang="en-US"/>
                         <a:t>46.1</a:t>
                       </a:r>
                     </a:p>
@@ -5997,7 +5297,7 @@
                     <a:lstStyle/>
                     <a:p>
                       <a:r>
-                        <a:rPr lang="en-US" dirty="0"/>
+                        <a:rPr lang="en-US"/>
                         <a:t>74.9</a:t>
                       </a:r>
                     </a:p>
@@ -6010,7 +5310,7 @@
                     <a:lstStyle/>
                     <a:p>
                       <a:r>
-                        <a:rPr lang="en-US" dirty="0"/>
+                        <a:rPr lang="en-US"/>
                         <a:t>59.2</a:t>
                       </a:r>
                     </a:p>
@@ -6023,7 +5323,7 @@
                     <a:lstStyle/>
                     <a:p>
                       <a:r>
-                        <a:rPr lang="en-US" dirty="0"/>
+                        <a:rPr lang="en-US"/>
                         <a:t>19</a:t>
                       </a:r>
                     </a:p>
@@ -6043,7 +5343,7 @@
                     <a:lstStyle/>
                     <a:p>
                       <a:r>
-                        <a:rPr lang="en-US" dirty="0"/>
+                        <a:rPr lang="en-US"/>
                         <a:t>Things</a:t>
                       </a:r>
                     </a:p>
@@ -6056,7 +5356,7 @@
                     <a:lstStyle/>
                     <a:p>
                       <a:r>
-                        <a:rPr lang="en-US" dirty="0"/>
+                        <a:rPr lang="en-US"/>
                         <a:t>38.2</a:t>
                       </a:r>
                     </a:p>
@@ -6069,7 +5369,7 @@
                     <a:lstStyle/>
                     <a:p>
                       <a:r>
-                        <a:rPr lang="en-US" dirty="0"/>
+                        <a:rPr lang="en-US"/>
                         <a:t>72.7</a:t>
                       </a:r>
                     </a:p>
@@ -6082,7 +5382,7 @@
                     <a:lstStyle/>
                     <a:p>
                       <a:r>
-                        <a:rPr lang="en-US" dirty="0"/>
+                        <a:rPr lang="en-US"/>
                         <a:t>52.1</a:t>
                       </a:r>
                     </a:p>
@@ -6095,7 +5395,7 @@
                     <a:lstStyle/>
                     <a:p>
                       <a:r>
-                        <a:rPr lang="en-US" dirty="0"/>
+                        <a:rPr lang="en-US"/>
                         <a:t>8</a:t>
                       </a:r>
                     </a:p>
@@ -6115,7 +5415,7 @@
                     <a:lstStyle/>
                     <a:p>
                       <a:r>
-                        <a:rPr lang="en-US" dirty="0"/>
+                        <a:rPr lang="en-US"/>
                         <a:t>Stuff</a:t>
                       </a:r>
                     </a:p>
@@ -6128,7 +5428,7 @@
                     <a:lstStyle/>
                     <a:p>
                       <a:r>
-                        <a:rPr lang="en-US" dirty="0"/>
+                        <a:rPr lang="en-US"/>
                         <a:t>51.9</a:t>
                       </a:r>
                     </a:p>
@@ -6141,7 +5441,7 @@
                     <a:lstStyle/>
                     <a:p>
                       <a:r>
-                        <a:rPr lang="en-US" dirty="0"/>
+                        <a:rPr lang="en-US"/>
                         <a:t>76.5</a:t>
                       </a:r>
                     </a:p>
@@ -6154,7 +5454,7 @@
                     <a:lstStyle/>
                     <a:p>
                       <a:r>
-                        <a:rPr lang="en-US" dirty="0"/>
+                        <a:rPr lang="en-US"/>
                         <a:t>64.4</a:t>
                       </a:r>
                     </a:p>
@@ -6199,13 +5499,13 @@
           <p:nvPr>
             <p:extLst>
               <p:ext uri="{D42A27DB-BD31-4B8C-83A1-F6EECF244321}">
-                <p14:modId xmlns:p14="http://schemas.microsoft.com/office/powerpoint/2010/main" val="517737343"/>
+                <p14:modId xmlns:p14="http://schemas.microsoft.com/office/powerpoint/2010/main" val="3627895658"/>
               </p:ext>
             </p:extLst>
           </p:nvPr>
         </p:nvGraphicFramePr>
         <p:xfrm>
-          <a:off x="381000" y="1402715"/>
+          <a:off x="1524000" y="1402715"/>
           <a:ext cx="6096000" cy="1483360"/>
         </p:xfrm>
         <a:graphic>
@@ -6258,7 +5558,7 @@
                     <a:lstStyle/>
                     <a:p>
                       <a:r>
-                        <a:rPr lang="en-US" dirty="0"/>
+                        <a:rPr lang="en-US"/>
                         <a:t>Base</a:t>
                       </a:r>
                     </a:p>
@@ -6271,7 +5571,7 @@
                     <a:lstStyle/>
                     <a:p>
                       <a:r>
-                        <a:rPr lang="en-US" dirty="0"/>
+                        <a:rPr lang="en-US"/>
                         <a:t>PQ</a:t>
                       </a:r>
                     </a:p>
@@ -6284,7 +5584,7 @@
                     <a:lstStyle/>
                     <a:p>
                       <a:r>
-                        <a:rPr lang="en-US" dirty="0"/>
+                        <a:rPr lang="en-US"/>
                         <a:t>SQ</a:t>
                       </a:r>
                     </a:p>
@@ -6297,7 +5597,7 @@
                     <a:lstStyle/>
                     <a:p>
                       <a:r>
-                        <a:rPr lang="en-US" dirty="0"/>
+                        <a:rPr lang="en-US"/>
                         <a:t>RQ</a:t>
                       </a:r>
                     </a:p>
@@ -6310,7 +5610,7 @@
                     <a:lstStyle/>
                     <a:p>
                       <a:r>
-                        <a:rPr lang="en-US" dirty="0"/>
+                        <a:rPr lang="en-US"/>
                         <a:t>N</a:t>
                       </a:r>
                     </a:p>
@@ -6330,7 +5630,7 @@
                     <a:lstStyle/>
                     <a:p>
                       <a:r>
-                        <a:rPr lang="en-US" dirty="0"/>
+                        <a:rPr lang="en-US"/>
                         <a:t>All</a:t>
                       </a:r>
                     </a:p>
@@ -6343,7 +5643,7 @@
                     <a:lstStyle/>
                     <a:p>
                       <a:r>
-                        <a:rPr lang="en-US" dirty="0"/>
+                        <a:rPr lang="en-US"/>
                         <a:t>47.6</a:t>
                       </a:r>
                     </a:p>
@@ -6356,7 +5656,7 @@
                     <a:lstStyle/>
                     <a:p>
                       <a:r>
-                        <a:rPr lang="en-US" dirty="0"/>
+                        <a:rPr lang="en-US"/>
                         <a:t>75.5</a:t>
                       </a:r>
                     </a:p>
@@ -6369,7 +5669,7 @@
                     <a:lstStyle/>
                     <a:p>
                       <a:r>
-                        <a:rPr lang="en-US" dirty="0"/>
+                        <a:rPr lang="en-US"/>
                         <a:t>60.9</a:t>
                       </a:r>
                     </a:p>
@@ -6382,7 +5682,7 @@
                     <a:lstStyle/>
                     <a:p>
                       <a:r>
-                        <a:rPr lang="en-US" dirty="0"/>
+                        <a:rPr lang="en-US"/>
                         <a:t>19</a:t>
                       </a:r>
                     </a:p>
@@ -6402,7 +5702,7 @@
                     <a:lstStyle/>
                     <a:p>
                       <a:r>
-                        <a:rPr lang="en-US" dirty="0"/>
+                        <a:rPr lang="en-US"/>
                         <a:t>Things</a:t>
                       </a:r>
                     </a:p>
@@ -6415,7 +5715,7 @@
                     <a:lstStyle/>
                     <a:p>
                       <a:r>
-                        <a:rPr lang="en-US" dirty="0"/>
+                        <a:rPr lang="en-US"/>
                         <a:t>42.0</a:t>
                       </a:r>
                     </a:p>
@@ -6428,7 +5728,7 @@
                     <a:lstStyle/>
                     <a:p>
                       <a:r>
-                        <a:rPr lang="en-US" dirty="0"/>
+                        <a:rPr lang="en-US"/>
                         <a:t>75.1</a:t>
                       </a:r>
                     </a:p>
@@ -6441,7 +5741,7 @@
                     <a:lstStyle/>
                     <a:p>
                       <a:r>
-                        <a:rPr lang="en-US" dirty="0"/>
+                        <a:rPr lang="en-US"/>
                         <a:t>55.8</a:t>
                       </a:r>
                     </a:p>
@@ -6454,7 +5754,7 @@
                     <a:lstStyle/>
                     <a:p>
                       <a:r>
-                        <a:rPr lang="en-US" dirty="0"/>
+                        <a:rPr lang="en-US"/>
                         <a:t>8</a:t>
                       </a:r>
                     </a:p>
@@ -6474,7 +5774,7 @@
                     <a:lstStyle/>
                     <a:p>
                       <a:r>
-                        <a:rPr lang="en-US" dirty="0"/>
+                        <a:rPr lang="en-US"/>
                         <a:t>Stuff</a:t>
                       </a:r>
                     </a:p>
@@ -6487,7 +5787,7 @@
                     <a:lstStyle/>
                     <a:p>
                       <a:r>
-                        <a:rPr lang="en-US" dirty="0"/>
+                        <a:rPr lang="en-US"/>
                         <a:t>51.7</a:t>
                       </a:r>
                     </a:p>
@@ -6500,7 +5800,7 @@
                     <a:lstStyle/>
                     <a:p>
                       <a:r>
-                        <a:rPr lang="en-US" dirty="0"/>
+                        <a:rPr lang="en-US"/>
                         <a:t>75.8</a:t>
                       </a:r>
                     </a:p>
@@ -6513,7 +5813,7 @@
                     <a:lstStyle/>
                     <a:p>
                       <a:r>
-                        <a:rPr lang="en-US" dirty="0"/>
+                        <a:rPr lang="en-US"/>
                         <a:t>64.5</a:t>
                       </a:r>
                     </a:p>
@@ -6526,7 +5826,7 @@
                     <a:lstStyle/>
                     <a:p>
                       <a:r>
-                        <a:rPr lang="en-US" dirty="0"/>
+                        <a:rPr lang="en-US"/>
                         <a:t>11</a:t>
                       </a:r>
                     </a:p>
@@ -6547,6 +5847,1812 @@
     <p:extLst>
       <p:ext uri="{BB962C8B-B14F-4D97-AF65-F5344CB8AC3E}">
         <p14:creationId xmlns:p14="http://schemas.microsoft.com/office/powerpoint/2010/main" val="2484015150"/>
+      </p:ext>
+    </p:extLst>
+  </p:cSld>
+  <p:clrMapOvr>
+    <a:masterClrMapping/>
+  </p:clrMapOvr>
+</p:sld>
+</file>
+
+<file path=ppt/slides/slide12.xml><?xml version="1.0" encoding="utf-8"?>
+<p:sld xmlns:a="http://schemas.openxmlformats.org/drawingml/2006/main" xmlns:r="http://schemas.openxmlformats.org/officeDocument/2006/relationships" xmlns:p="http://schemas.openxmlformats.org/presentationml/2006/main">
+  <p:cSld>
+    <p:spTree>
+      <p:nvGrpSpPr>
+        <p:cNvPr id="1" name=""/>
+        <p:cNvGrpSpPr/>
+        <p:nvPr/>
+      </p:nvGrpSpPr>
+      <p:grpSpPr>
+        <a:xfrm>
+          <a:off x="0" y="0"/>
+          <a:ext cx="0" cy="0"/>
+          <a:chOff x="0" y="0"/>
+          <a:chExt cx="0" cy="0"/>
+        </a:xfrm>
+      </p:grpSpPr>
+      <p:sp>
+        <p:nvSpPr>
+          <p:cNvPr id="2" name="Title 1">
+            <a:extLst>
+              <a:ext uri="{FF2B5EF4-FFF2-40B4-BE49-F238E27FC236}">
+                <a16:creationId xmlns:a16="http://schemas.microsoft.com/office/drawing/2014/main" id="{BA7A478D-5802-4000-A81A-A3229F288CDD}"/>
+              </a:ext>
+            </a:extLst>
+          </p:cNvPr>
+          <p:cNvSpPr>
+            <a:spLocks noGrp="1"/>
+          </p:cNvSpPr>
+          <p:nvPr>
+            <p:ph type="title"/>
+          </p:nvPr>
+        </p:nvSpPr>
+        <p:spPr/>
+        <p:txBody>
+          <a:bodyPr/>
+          <a:lstStyle/>
+          <a:p>
+            <a:r>
+              <a:rPr lang="en-US"/>
+              <a:t>Sources</a:t>
+            </a:r>
+          </a:p>
+        </p:txBody>
+      </p:sp>
+      <p:sp>
+        <p:nvSpPr>
+          <p:cNvPr id="3" name="Content Placeholder 2">
+            <a:extLst>
+              <a:ext uri="{FF2B5EF4-FFF2-40B4-BE49-F238E27FC236}">
+                <a16:creationId xmlns:a16="http://schemas.microsoft.com/office/drawing/2014/main" id="{6E59949B-9E3E-4ABB-9F9B-50A53988FBAC}"/>
+              </a:ext>
+            </a:extLst>
+          </p:cNvPr>
+          <p:cNvSpPr>
+            <a:spLocks noGrp="1"/>
+          </p:cNvSpPr>
+          <p:nvPr>
+            <p:ph idx="1"/>
+          </p:nvPr>
+        </p:nvSpPr>
+        <p:spPr/>
+        <p:txBody>
+          <a:bodyPr/>
+          <a:lstStyle/>
+          <a:p>
+            <a:r>
+              <a:rPr lang="en-US">
+                <a:solidFill>
+                  <a:schemeClr val="accent5">
+                    <a:lumMod val="65000"/>
+                  </a:schemeClr>
+                </a:solidFill>
+              </a:rPr>
+              <a:t>[1]</a:t>
+            </a:r>
+            <a:r>
+              <a:rPr lang="en-GB" b="1">
+                <a:solidFill>
+                  <a:schemeClr val="accent5">
+                    <a:lumMod val="65000"/>
+                  </a:schemeClr>
+                </a:solidFill>
+              </a:rPr>
+              <a:t> </a:t>
+            </a:r>
+            <a:r>
+              <a:rPr lang="en-GB">
+                <a:solidFill>
+                  <a:schemeClr val="accent5">
+                    <a:lumMod val="65000"/>
+                  </a:schemeClr>
+                </a:solidFill>
+              </a:rPr>
+              <a:t>Rohit Mohan, Abhinav </a:t>
+            </a:r>
+            <a:r>
+              <a:rPr lang="en-GB" err="1">
+                <a:solidFill>
+                  <a:schemeClr val="accent5">
+                    <a:lumMod val="65000"/>
+                  </a:schemeClr>
+                </a:solidFill>
+              </a:rPr>
+              <a:t>Valada</a:t>
+            </a:r>
+            <a:r>
+              <a:rPr lang="en-GB" b="1">
+                <a:solidFill>
+                  <a:schemeClr val="accent5">
+                    <a:lumMod val="65000"/>
+                  </a:schemeClr>
+                </a:solidFill>
+              </a:rPr>
+              <a:t>. </a:t>
+            </a:r>
+            <a:r>
+              <a:rPr lang="en-GB" b="1" err="1">
+                <a:solidFill>
+                  <a:schemeClr val="accent5">
+                    <a:lumMod val="65000"/>
+                  </a:schemeClr>
+                </a:solidFill>
+              </a:rPr>
+              <a:t>EfficientPS</a:t>
+            </a:r>
+            <a:r>
+              <a:rPr lang="en-GB" b="1">
+                <a:solidFill>
+                  <a:schemeClr val="accent5">
+                    <a:lumMod val="65000"/>
+                  </a:schemeClr>
+                </a:solidFill>
+              </a:rPr>
+              <a:t>: Efficient Panoptic Segmentation. </a:t>
+            </a:r>
+            <a:r>
+              <a:rPr lang="en-GB">
+                <a:solidFill>
+                  <a:schemeClr val="accent5">
+                    <a:lumMod val="65000"/>
+                  </a:schemeClr>
+                </a:solidFill>
+              </a:rPr>
+              <a:t>arXiv:2004.02307v3, 2021</a:t>
+            </a:r>
+            <a:endParaRPr lang="en-US">
+              <a:solidFill>
+                <a:schemeClr val="accent5">
+                  <a:lumMod val="65000"/>
+                </a:schemeClr>
+              </a:solidFill>
+            </a:endParaRPr>
+          </a:p>
+          <a:p>
+            <a:r>
+              <a:rPr lang="en-US">
+                <a:solidFill>
+                  <a:schemeClr val="accent5">
+                    <a:lumMod val="65000"/>
+                  </a:schemeClr>
+                </a:solidFill>
+              </a:rPr>
+              <a:t>[2]</a:t>
+            </a:r>
+            <a:r>
+              <a:rPr lang="it-IT">
+                <a:solidFill>
+                  <a:schemeClr val="accent5">
+                    <a:lumMod val="65000"/>
+                  </a:schemeClr>
+                </a:solidFill>
+              </a:rPr>
+              <a:t> Lorenzo Porzi, Samuel Rota Bulò, Peter </a:t>
+            </a:r>
+            <a:r>
+              <a:rPr lang="it-IT" err="1">
+                <a:solidFill>
+                  <a:schemeClr val="accent5">
+                    <a:lumMod val="65000"/>
+                  </a:schemeClr>
+                </a:solidFill>
+              </a:rPr>
+              <a:t>Kontschieder</a:t>
+            </a:r>
+            <a:r>
+              <a:rPr lang="it-IT">
+                <a:solidFill>
+                  <a:schemeClr val="accent5">
+                    <a:lumMod val="65000"/>
+                  </a:schemeClr>
+                </a:solidFill>
+              </a:rPr>
+              <a:t>. </a:t>
+            </a:r>
+            <a:r>
+              <a:rPr lang="en-GB" b="1">
+                <a:solidFill>
+                  <a:schemeClr val="accent5">
+                    <a:lumMod val="65000"/>
+                  </a:schemeClr>
+                </a:solidFill>
+              </a:rPr>
+              <a:t>Improving Panoptic Segmentation at All Scales. </a:t>
+            </a:r>
+            <a:r>
+              <a:rPr lang="en-GB">
+                <a:solidFill>
+                  <a:schemeClr val="accent5">
+                    <a:lumMod val="65000"/>
+                  </a:schemeClr>
+                </a:solidFill>
+              </a:rPr>
+              <a:t>arXiv:2012.07717v2, 2021</a:t>
+            </a:r>
+            <a:endParaRPr lang="en-GB" b="1">
+              <a:solidFill>
+                <a:schemeClr val="accent5">
+                  <a:lumMod val="65000"/>
+                </a:schemeClr>
+              </a:solidFill>
+            </a:endParaRPr>
+          </a:p>
+          <a:p>
+            <a:endParaRPr lang="en-US">
+              <a:solidFill>
+                <a:schemeClr val="accent5">
+                  <a:lumMod val="65000"/>
+                </a:schemeClr>
+              </a:solidFill>
+            </a:endParaRPr>
+          </a:p>
+        </p:txBody>
+      </p:sp>
+    </p:spTree>
+    <p:extLst>
+      <p:ext uri="{BB962C8B-B14F-4D97-AF65-F5344CB8AC3E}">
+        <p14:creationId xmlns:p14="http://schemas.microsoft.com/office/powerpoint/2010/main" val="1681506860"/>
+      </p:ext>
+    </p:extLst>
+  </p:cSld>
+  <p:clrMapOvr>
+    <a:masterClrMapping/>
+  </p:clrMapOvr>
+</p:sld>
+</file>
+
+<file path=ppt/slides/slide13.xml><?xml version="1.0" encoding="utf-8"?>
+<p:sld xmlns:a="http://schemas.openxmlformats.org/drawingml/2006/main" xmlns:r="http://schemas.openxmlformats.org/officeDocument/2006/relationships" xmlns:p="http://schemas.openxmlformats.org/presentationml/2006/main">
+  <p:cSld>
+    <p:spTree>
+      <p:nvGrpSpPr>
+        <p:cNvPr id="1" name=""/>
+        <p:cNvGrpSpPr/>
+        <p:nvPr/>
+      </p:nvGrpSpPr>
+      <p:grpSpPr>
+        <a:xfrm>
+          <a:off x="0" y="0"/>
+          <a:ext cx="0" cy="0"/>
+          <a:chOff x="0" y="0"/>
+          <a:chExt cx="0" cy="0"/>
+        </a:xfrm>
+      </p:grpSpPr>
+      <p:sp>
+        <p:nvSpPr>
+          <p:cNvPr id="2" name="Title 1"/>
+          <p:cNvSpPr>
+            <a:spLocks noGrp="1"/>
+          </p:cNvSpPr>
+          <p:nvPr>
+            <p:ph type="title"/>
+          </p:nvPr>
+        </p:nvSpPr>
+        <p:spPr>
+          <a:xfrm>
+            <a:off x="304800" y="2186643"/>
+            <a:ext cx="8534400" cy="523220"/>
+          </a:xfrm>
+        </p:spPr>
+        <p:txBody>
+          <a:bodyPr/>
+          <a:lstStyle/>
+          <a:p>
+            <a:r>
+              <a:rPr lang="en-US"/>
+              <a:t>Thank you for your attention!</a:t>
+            </a:r>
+          </a:p>
+        </p:txBody>
+      </p:sp>
+    </p:spTree>
+    <p:extLst>
+      <p:ext uri="{BB962C8B-B14F-4D97-AF65-F5344CB8AC3E}">
+        <p14:creationId xmlns:p14="http://schemas.microsoft.com/office/powerpoint/2010/main" val="2036475844"/>
+      </p:ext>
+    </p:extLst>
+  </p:cSld>
+  <p:clrMapOvr>
+    <a:masterClrMapping/>
+  </p:clrMapOvr>
+</p:sld>
+</file>
+
+<file path=ppt/slides/slide2.xml><?xml version="1.0" encoding="utf-8"?>
+<p:sld xmlns:a="http://schemas.openxmlformats.org/drawingml/2006/main" xmlns:r="http://schemas.openxmlformats.org/officeDocument/2006/relationships" xmlns:p="http://schemas.openxmlformats.org/presentationml/2006/main">
+  <p:cSld>
+    <p:spTree>
+      <p:nvGrpSpPr>
+        <p:cNvPr id="1" name=""/>
+        <p:cNvGrpSpPr/>
+        <p:nvPr/>
+      </p:nvGrpSpPr>
+      <p:grpSpPr>
+        <a:xfrm>
+          <a:off x="0" y="0"/>
+          <a:ext cx="0" cy="0"/>
+          <a:chOff x="0" y="0"/>
+          <a:chExt cx="0" cy="0"/>
+        </a:xfrm>
+      </p:grpSpPr>
+      <p:sp>
+        <p:nvSpPr>
+          <p:cNvPr id="3" name="Title 2">
+            <a:extLst>
+              <a:ext uri="{FF2B5EF4-FFF2-40B4-BE49-F238E27FC236}">
+                <a16:creationId xmlns:a16="http://schemas.microsoft.com/office/drawing/2014/main" id="{43404B09-8B2E-41C7-ACDC-FEC028CD3BA8}"/>
+              </a:ext>
+            </a:extLst>
+          </p:cNvPr>
+          <p:cNvSpPr>
+            <a:spLocks noGrp="1"/>
+          </p:cNvSpPr>
+          <p:nvPr>
+            <p:ph type="title"/>
+          </p:nvPr>
+        </p:nvSpPr>
+        <p:spPr>
+          <a:xfrm>
+            <a:off x="381000" y="243543"/>
+            <a:ext cx="8545672" cy="523220"/>
+          </a:xfrm>
+        </p:spPr>
+        <p:txBody>
+          <a:bodyPr wrap="square" anchor="t">
+            <a:normAutofit/>
+          </a:bodyPr>
+          <a:lstStyle/>
+          <a:p>
+            <a:r>
+              <a:rPr lang="de-DE" err="1"/>
+              <a:t>Panoptic</a:t>
+            </a:r>
+            <a:r>
+              <a:rPr lang="de-DE"/>
+              <a:t> Segmentation</a:t>
+            </a:r>
+            <a:endParaRPr lang="en-GB"/>
+          </a:p>
+        </p:txBody>
+      </p:sp>
+      <p:pic>
+        <p:nvPicPr>
+          <p:cNvPr id="5" name="Picture 4">
+            <a:extLst>
+              <a:ext uri="{FF2B5EF4-FFF2-40B4-BE49-F238E27FC236}">
+                <a16:creationId xmlns:a16="http://schemas.microsoft.com/office/drawing/2014/main" id="{46FA50DC-05C6-4C28-837C-9B3C178EACF3}"/>
+              </a:ext>
+            </a:extLst>
+          </p:cNvPr>
+          <p:cNvPicPr>
+            <a:picLocks noChangeAspect="1"/>
+          </p:cNvPicPr>
+          <p:nvPr/>
+        </p:nvPicPr>
+        <p:blipFill>
+          <a:blip r:embed="rId3"/>
+          <a:stretch>
+            <a:fillRect/>
+          </a:stretch>
+        </p:blipFill>
+        <p:spPr>
+          <a:xfrm>
+            <a:off x="996950" y="914400"/>
+            <a:ext cx="7302500" cy="3943350"/>
+          </a:xfrm>
+          <a:prstGeom prst="rect">
+            <a:avLst/>
+          </a:prstGeom>
+          <a:noFill/>
+        </p:spPr>
+      </p:pic>
+      <p:sp>
+        <p:nvSpPr>
+          <p:cNvPr id="2" name="TextBox 1">
+            <a:extLst>
+              <a:ext uri="{FF2B5EF4-FFF2-40B4-BE49-F238E27FC236}">
+                <a16:creationId xmlns:a16="http://schemas.microsoft.com/office/drawing/2014/main" id="{885181ED-5984-458E-BC30-752761E626DC}"/>
+              </a:ext>
+            </a:extLst>
+          </p:cNvPr>
+          <p:cNvSpPr txBox="1"/>
+          <p:nvPr/>
+        </p:nvSpPr>
+        <p:spPr>
+          <a:xfrm>
+            <a:off x="7748121" y="4697610"/>
+            <a:ext cx="551329" cy="307777"/>
+          </a:xfrm>
+          <a:prstGeom prst="rect">
+            <a:avLst/>
+          </a:prstGeom>
+          <a:noFill/>
+        </p:spPr>
+        <p:txBody>
+          <a:bodyPr wrap="square" rtlCol="0">
+            <a:spAutoFit/>
+          </a:bodyPr>
+          <a:lstStyle/>
+          <a:p>
+            <a:pPr algn="r"/>
+            <a:r>
+              <a:rPr lang="en-US" sz="1400">
+                <a:solidFill>
+                  <a:schemeClr val="accent5">
+                    <a:lumMod val="65000"/>
+                  </a:schemeClr>
+                </a:solidFill>
+              </a:rPr>
+              <a:t>[1]</a:t>
+            </a:r>
+          </a:p>
+        </p:txBody>
+      </p:sp>
+    </p:spTree>
+    <p:extLst>
+      <p:ext uri="{BB962C8B-B14F-4D97-AF65-F5344CB8AC3E}">
+        <p14:creationId xmlns:p14="http://schemas.microsoft.com/office/powerpoint/2010/main" val="463365429"/>
+      </p:ext>
+    </p:extLst>
+  </p:cSld>
+  <p:clrMapOvr>
+    <a:masterClrMapping/>
+  </p:clrMapOvr>
+</p:sld>
+</file>
+
+<file path=ppt/slides/slide3.xml><?xml version="1.0" encoding="utf-8"?>
+<p:sld xmlns:a="http://schemas.openxmlformats.org/drawingml/2006/main" xmlns:r="http://schemas.openxmlformats.org/officeDocument/2006/relationships" xmlns:p="http://schemas.openxmlformats.org/presentationml/2006/main">
+  <p:cSld>
+    <p:spTree>
+      <p:nvGrpSpPr>
+        <p:cNvPr id="1" name=""/>
+        <p:cNvGrpSpPr/>
+        <p:nvPr/>
+      </p:nvGrpSpPr>
+      <p:grpSpPr>
+        <a:xfrm>
+          <a:off x="0" y="0"/>
+          <a:ext cx="0" cy="0"/>
+          <a:chOff x="0" y="0"/>
+          <a:chExt cx="0" cy="0"/>
+        </a:xfrm>
+      </p:grpSpPr>
+      <p:sp>
+        <p:nvSpPr>
+          <p:cNvPr id="2" name="Titel 1">
+            <a:extLst>
+              <a:ext uri="{FF2B5EF4-FFF2-40B4-BE49-F238E27FC236}">
+                <a16:creationId xmlns:a16="http://schemas.microsoft.com/office/drawing/2014/main" id="{AF311FAB-AD3C-4964-9198-8FCBF12C9111}"/>
+              </a:ext>
+            </a:extLst>
+          </p:cNvPr>
+          <p:cNvSpPr>
+            <a:spLocks noGrp="1"/>
+          </p:cNvSpPr>
+          <p:nvPr>
+            <p:ph type="title"/>
+          </p:nvPr>
+        </p:nvSpPr>
+        <p:spPr/>
+        <p:txBody>
+          <a:bodyPr/>
+          <a:lstStyle/>
+          <a:p>
+            <a:r>
+              <a:rPr lang="en-US"/>
+              <a:t>Bounding Box Prediction</a:t>
+            </a:r>
+          </a:p>
+        </p:txBody>
+      </p:sp>
+      <p:sp>
+        <p:nvSpPr>
+          <p:cNvPr id="3" name="Inhaltsplatzhalter 2">
+            <a:extLst>
+              <a:ext uri="{FF2B5EF4-FFF2-40B4-BE49-F238E27FC236}">
+                <a16:creationId xmlns:a16="http://schemas.microsoft.com/office/drawing/2014/main" id="{19BCFA74-BA43-4AED-8291-33BE8E5C855C}"/>
+              </a:ext>
+            </a:extLst>
+          </p:cNvPr>
+          <p:cNvSpPr>
+            <a:spLocks noGrp="1"/>
+          </p:cNvSpPr>
+          <p:nvPr>
+            <p:ph idx="1"/>
+          </p:nvPr>
+        </p:nvSpPr>
+        <p:spPr/>
+        <p:txBody>
+          <a:bodyPr/>
+          <a:lstStyle/>
+          <a:p>
+            <a:r>
+              <a:rPr lang="en-US" dirty="0"/>
+              <a:t>Region Proposal Network proposes anchor boxes</a:t>
+            </a:r>
+          </a:p>
+          <a:p>
+            <a:r>
+              <a:rPr lang="en-US" dirty="0"/>
+              <a:t>Fully Connect Layer regresses transformations applied to the anchor to fit the ground truth Bounding Box</a:t>
+            </a:r>
+          </a:p>
+          <a:p>
+            <a:r>
+              <a:rPr lang="en-US" dirty="0"/>
+              <a:t>Smooth-L1 Loss</a:t>
+            </a:r>
+          </a:p>
+          <a:p>
+            <a:endParaRPr lang="en-US" dirty="0"/>
+          </a:p>
+        </p:txBody>
+      </p:sp>
+      <p:pic>
+        <p:nvPicPr>
+          <p:cNvPr id="5" name="Picture 4">
+            <a:extLst>
+              <a:ext uri="{FF2B5EF4-FFF2-40B4-BE49-F238E27FC236}">
+                <a16:creationId xmlns:a16="http://schemas.microsoft.com/office/drawing/2014/main" id="{51E3ADDF-8CE5-4612-AEA6-AAC11CF9A924}"/>
+              </a:ext>
+            </a:extLst>
+          </p:cNvPr>
+          <p:cNvPicPr>
+            <a:picLocks noChangeAspect="1"/>
+          </p:cNvPicPr>
+          <p:nvPr/>
+        </p:nvPicPr>
+        <p:blipFill>
+          <a:blip r:embed="rId3"/>
+          <a:stretch>
+            <a:fillRect/>
+          </a:stretch>
+        </p:blipFill>
+        <p:spPr>
+          <a:xfrm>
+            <a:off x="829282" y="3371918"/>
+            <a:ext cx="3343742" cy="828791"/>
+          </a:xfrm>
+          <a:prstGeom prst="rect">
+            <a:avLst/>
+          </a:prstGeom>
+        </p:spPr>
+      </p:pic>
+      <p:pic>
+        <p:nvPicPr>
+          <p:cNvPr id="7" name="Picture 6">
+            <a:extLst>
+              <a:ext uri="{FF2B5EF4-FFF2-40B4-BE49-F238E27FC236}">
+                <a16:creationId xmlns:a16="http://schemas.microsoft.com/office/drawing/2014/main" id="{26AE5743-9AED-4985-A78C-D664BA43733E}"/>
+              </a:ext>
+            </a:extLst>
+          </p:cNvPr>
+          <p:cNvPicPr>
+            <a:picLocks noChangeAspect="1"/>
+          </p:cNvPicPr>
+          <p:nvPr/>
+        </p:nvPicPr>
+        <p:blipFill>
+          <a:blip r:embed="rId4"/>
+          <a:stretch>
+            <a:fillRect/>
+          </a:stretch>
+        </p:blipFill>
+        <p:spPr>
+          <a:xfrm>
+            <a:off x="734442" y="2886075"/>
+            <a:ext cx="5496692" cy="485843"/>
+          </a:xfrm>
+          <a:prstGeom prst="rect">
+            <a:avLst/>
+          </a:prstGeom>
+        </p:spPr>
+      </p:pic>
+    </p:spTree>
+    <p:extLst>
+      <p:ext uri="{BB962C8B-B14F-4D97-AF65-F5344CB8AC3E}">
+        <p14:creationId xmlns:p14="http://schemas.microsoft.com/office/powerpoint/2010/main" val="31551848"/>
+      </p:ext>
+    </p:extLst>
+  </p:cSld>
+  <p:clrMapOvr>
+    <a:masterClrMapping/>
+  </p:clrMapOvr>
+</p:sld>
+</file>
+
+<file path=ppt/slides/slide4.xml><?xml version="1.0" encoding="utf-8"?>
+<p:sld xmlns:a="http://schemas.openxmlformats.org/drawingml/2006/main" xmlns:r="http://schemas.openxmlformats.org/officeDocument/2006/relationships" xmlns:p="http://schemas.openxmlformats.org/presentationml/2006/main">
+  <p:cSld>
+    <p:spTree>
+      <p:nvGrpSpPr>
+        <p:cNvPr id="1" name=""/>
+        <p:cNvGrpSpPr/>
+        <p:nvPr/>
+      </p:nvGrpSpPr>
+      <p:grpSpPr>
+        <a:xfrm>
+          <a:off x="0" y="0"/>
+          <a:ext cx="0" cy="0"/>
+          <a:chOff x="0" y="0"/>
+          <a:chExt cx="0" cy="0"/>
+        </a:xfrm>
+      </p:grpSpPr>
+      <p:sp>
+        <p:nvSpPr>
+          <p:cNvPr id="2" name="Title 1">
+            <a:extLst>
+              <a:ext uri="{FF2B5EF4-FFF2-40B4-BE49-F238E27FC236}">
+                <a16:creationId xmlns:a16="http://schemas.microsoft.com/office/drawing/2014/main" id="{E95E90A7-470B-4D07-ABDA-3C0B287BBE62}"/>
+              </a:ext>
+            </a:extLst>
+          </p:cNvPr>
+          <p:cNvSpPr>
+            <a:spLocks noGrp="1"/>
+          </p:cNvSpPr>
+          <p:nvPr>
+            <p:ph type="title"/>
+          </p:nvPr>
+        </p:nvSpPr>
+        <p:spPr/>
+        <p:txBody>
+          <a:bodyPr/>
+          <a:lstStyle/>
+          <a:p>
+            <a:r>
+              <a:rPr lang="en-US"/>
+              <a:t>Bounding Box Example</a:t>
+            </a:r>
+          </a:p>
+        </p:txBody>
+      </p:sp>
+      <p:pic>
+        <p:nvPicPr>
+          <p:cNvPr id="5" name="Content Placeholder 4" descr="A picture containing text, outdoor, way, road&#10;&#10;Description automatically generated">
+            <a:extLst>
+              <a:ext uri="{FF2B5EF4-FFF2-40B4-BE49-F238E27FC236}">
+                <a16:creationId xmlns:a16="http://schemas.microsoft.com/office/drawing/2014/main" id="{8C29D1E0-87E2-4351-824A-27D4DCFAABF2}"/>
+              </a:ext>
+            </a:extLst>
+          </p:cNvPr>
+          <p:cNvPicPr>
+            <a:picLocks noGrp="1" noChangeAspect="1"/>
+          </p:cNvPicPr>
+          <p:nvPr>
+            <p:ph idx="1"/>
+          </p:nvPr>
+        </p:nvPicPr>
+        <p:blipFill>
+          <a:blip r:embed="rId2"/>
+          <a:stretch>
+            <a:fillRect/>
+          </a:stretch>
+        </p:blipFill>
+        <p:spPr>
+          <a:xfrm>
+            <a:off x="2217415" y="982425"/>
+            <a:ext cx="4709169" cy="2450597"/>
+          </a:xfrm>
+        </p:spPr>
+      </p:pic>
+      <p:sp>
+        <p:nvSpPr>
+          <p:cNvPr id="6" name="Content Placeholder 2">
+            <a:extLst>
+              <a:ext uri="{FF2B5EF4-FFF2-40B4-BE49-F238E27FC236}">
+                <a16:creationId xmlns:a16="http://schemas.microsoft.com/office/drawing/2014/main" id="{ECBC7A07-DC5F-47D9-8B03-0B72897F6FC7}"/>
+              </a:ext>
+            </a:extLst>
+          </p:cNvPr>
+          <p:cNvSpPr txBox="1">
+            <a:spLocks/>
+          </p:cNvSpPr>
+          <p:nvPr/>
+        </p:nvSpPr>
+        <p:spPr bwMode="auto">
+          <a:xfrm>
+            <a:off x="381000" y="3648684"/>
+            <a:ext cx="8534400" cy="1209065"/>
+          </a:xfrm>
+          <a:prstGeom prst="rect">
+            <a:avLst/>
+          </a:prstGeom>
+          <a:noFill/>
+          <a:ln>
+            <a:noFill/>
+          </a:ln>
+          <a:effectLst/>
+          <a:extLst>
+            <a:ext uri="{909E8E84-426E-40DD-AFC4-6F175D3DCCD1}">
+              <a14:hiddenFill xmlns:a14="http://schemas.microsoft.com/office/drawing/2010/main">
+                <a:solidFill>
+                  <a:schemeClr val="accent1"/>
+                </a:solidFill>
+              </a14:hiddenFill>
+            </a:ext>
+            <a:ext uri="{91240B29-F687-4F45-9708-019B960494DF}">
+              <a14:hiddenLine xmlns:a14="http://schemas.microsoft.com/office/drawing/2010/main" w="9525">
+                <a:solidFill>
+                  <a:schemeClr val="tx1"/>
+                </a:solidFill>
+                <a:miter lim="800000"/>
+                <a:headEnd/>
+                <a:tailEnd/>
+              </a14:hiddenLine>
+            </a:ext>
+            <a:ext uri="{AF507438-7753-43E0-B8FC-AC1667EBCBE1}">
+              <a14:hiddenEffects xmlns:a14="http://schemas.microsoft.com/office/drawing/2010/main">
+                <a:effectLst>
+                  <a:outerShdw blurRad="63500" dist="38099" dir="2700000" algn="ctr" rotWithShape="0">
+                    <a:schemeClr val="bg2">
+                      <a:alpha val="74998"/>
+                    </a:schemeClr>
+                  </a:outerShdw>
+                </a:effectLst>
+              </a14:hiddenEffects>
+            </a:ext>
+            <a:ext uri="{FAA26D3D-D897-4be2-8F04-BA451C77F1D7}">
+              <ma14:placeholderFlag xmlns:ma14="http://schemas.microsoft.com/office/mac/drawingml/2011/main" xmlns="" val="1"/>
+            </a:ext>
+          </a:extLst>
+        </p:spPr>
+        <p:txBody>
+          <a:bodyPr vert="horz" wrap="square" lIns="91440" tIns="45720" rIns="91440" bIns="45720" numCol="1" anchor="t" anchorCtr="0" compatLnSpc="1">
+            <a:prstTxWarp prst="textNoShape">
+              <a:avLst/>
+            </a:prstTxWarp>
+          </a:bodyPr>
+          <a:lstStyle>
+            <a:lvl1pPr marL="342900" indent="-342900" algn="l" rtl="0" eaLnBrk="0" fontAlgn="base" hangingPunct="0">
+              <a:spcBef>
+                <a:spcPct val="20000"/>
+              </a:spcBef>
+              <a:spcAft>
+                <a:spcPct val="0"/>
+              </a:spcAft>
+              <a:buClr>
+                <a:schemeClr val="folHlink"/>
+              </a:buClr>
+              <a:buFont typeface="Wingdings" charset="0"/>
+              <a:buChar char="§"/>
+              <a:defRPr sz="2400">
+                <a:solidFill>
+                  <a:schemeClr val="tx1"/>
+                </a:solidFill>
+                <a:latin typeface="+mn-lt"/>
+                <a:ea typeface="+mn-ea"/>
+                <a:cs typeface="ＭＳ Ｐゴシック" charset="0"/>
+              </a:defRPr>
+            </a:lvl1pPr>
+            <a:lvl2pPr marL="742950" indent="-285750" algn="l" rtl="0" eaLnBrk="0" fontAlgn="base" hangingPunct="0">
+              <a:spcBef>
+                <a:spcPct val="20000"/>
+              </a:spcBef>
+              <a:spcAft>
+                <a:spcPct val="0"/>
+              </a:spcAft>
+              <a:buClr>
+                <a:schemeClr val="folHlink"/>
+              </a:buClr>
+              <a:buFont typeface="Wingdings" charset="0"/>
+              <a:buChar char="§"/>
+              <a:defRPr sz="2100">
+                <a:solidFill>
+                  <a:schemeClr val="tx1"/>
+                </a:solidFill>
+                <a:latin typeface="+mn-lt"/>
+                <a:ea typeface="+mn-ea"/>
+              </a:defRPr>
+            </a:lvl2pPr>
+            <a:lvl3pPr marL="1143000" indent="-228600" algn="l" rtl="0" eaLnBrk="0" fontAlgn="base" hangingPunct="0">
+              <a:spcBef>
+                <a:spcPct val="20000"/>
+              </a:spcBef>
+              <a:spcAft>
+                <a:spcPct val="0"/>
+              </a:spcAft>
+              <a:buClr>
+                <a:schemeClr val="folHlink"/>
+              </a:buClr>
+              <a:buFont typeface="Wingdings" charset="0"/>
+              <a:buChar char="§"/>
+              <a:defRPr sz="2000">
+                <a:solidFill>
+                  <a:schemeClr val="tx1"/>
+                </a:solidFill>
+                <a:latin typeface="+mn-lt"/>
+                <a:ea typeface="+mn-ea"/>
+              </a:defRPr>
+            </a:lvl3pPr>
+            <a:lvl4pPr marL="1600200" indent="-228600" algn="l" rtl="0" eaLnBrk="0" fontAlgn="base" hangingPunct="0">
+              <a:spcBef>
+                <a:spcPct val="20000"/>
+              </a:spcBef>
+              <a:spcAft>
+                <a:spcPct val="0"/>
+              </a:spcAft>
+              <a:buClr>
+                <a:schemeClr val="folHlink"/>
+              </a:buClr>
+              <a:buFont typeface="Wingdings" charset="0"/>
+              <a:buChar char="§"/>
+              <a:defRPr sz="2400">
+                <a:solidFill>
+                  <a:schemeClr val="tx1"/>
+                </a:solidFill>
+                <a:latin typeface="+mn-lt"/>
+                <a:ea typeface="+mn-ea"/>
+              </a:defRPr>
+            </a:lvl4pPr>
+            <a:lvl5pPr marL="2057400" indent="-228600" algn="l" rtl="0" eaLnBrk="0" fontAlgn="base" hangingPunct="0">
+              <a:spcBef>
+                <a:spcPct val="20000"/>
+              </a:spcBef>
+              <a:spcAft>
+                <a:spcPct val="0"/>
+              </a:spcAft>
+              <a:buClr>
+                <a:schemeClr val="folHlink"/>
+              </a:buClr>
+              <a:buFont typeface="Wingdings" charset="0"/>
+              <a:buChar char="§"/>
+              <a:defRPr sz="2400">
+                <a:solidFill>
+                  <a:schemeClr val="tx1"/>
+                </a:solidFill>
+                <a:latin typeface="+mn-lt"/>
+                <a:ea typeface="+mn-ea"/>
+              </a:defRPr>
+            </a:lvl5pPr>
+            <a:lvl6pPr marL="2514600" indent="-228600" algn="l" rtl="0" fontAlgn="base">
+              <a:spcBef>
+                <a:spcPct val="20000"/>
+              </a:spcBef>
+              <a:spcAft>
+                <a:spcPct val="0"/>
+              </a:spcAft>
+              <a:buClr>
+                <a:schemeClr val="folHlink"/>
+              </a:buClr>
+              <a:buFont typeface="Wingdings" charset="0"/>
+              <a:buChar char="§"/>
+              <a:defRPr sz="2000">
+                <a:solidFill>
+                  <a:schemeClr val="tx1"/>
+                </a:solidFill>
+                <a:latin typeface="+mn-lt"/>
+                <a:ea typeface="+mn-ea"/>
+              </a:defRPr>
+            </a:lvl6pPr>
+            <a:lvl7pPr marL="2971800" indent="-228600" algn="l" rtl="0" fontAlgn="base">
+              <a:spcBef>
+                <a:spcPct val="20000"/>
+              </a:spcBef>
+              <a:spcAft>
+                <a:spcPct val="0"/>
+              </a:spcAft>
+              <a:buClr>
+                <a:schemeClr val="folHlink"/>
+              </a:buClr>
+              <a:buFont typeface="Wingdings" charset="0"/>
+              <a:buChar char="§"/>
+              <a:defRPr sz="2000">
+                <a:solidFill>
+                  <a:schemeClr val="tx1"/>
+                </a:solidFill>
+                <a:latin typeface="+mn-lt"/>
+                <a:ea typeface="+mn-ea"/>
+              </a:defRPr>
+            </a:lvl7pPr>
+            <a:lvl8pPr marL="3429000" indent="-228600" algn="l" rtl="0" fontAlgn="base">
+              <a:spcBef>
+                <a:spcPct val="20000"/>
+              </a:spcBef>
+              <a:spcAft>
+                <a:spcPct val="0"/>
+              </a:spcAft>
+              <a:buClr>
+                <a:schemeClr val="folHlink"/>
+              </a:buClr>
+              <a:buFont typeface="Wingdings" charset="0"/>
+              <a:buChar char="§"/>
+              <a:defRPr sz="2000">
+                <a:solidFill>
+                  <a:schemeClr val="tx1"/>
+                </a:solidFill>
+                <a:latin typeface="+mn-lt"/>
+                <a:ea typeface="+mn-ea"/>
+              </a:defRPr>
+            </a:lvl8pPr>
+            <a:lvl9pPr marL="3886200" indent="-228600" algn="l" rtl="0" fontAlgn="base">
+              <a:spcBef>
+                <a:spcPct val="20000"/>
+              </a:spcBef>
+              <a:spcAft>
+                <a:spcPct val="0"/>
+              </a:spcAft>
+              <a:buClr>
+                <a:schemeClr val="folHlink"/>
+              </a:buClr>
+              <a:buFont typeface="Wingdings" charset="0"/>
+              <a:buChar char="§"/>
+              <a:defRPr sz="2000">
+                <a:solidFill>
+                  <a:schemeClr val="tx1"/>
+                </a:solidFill>
+                <a:latin typeface="+mn-lt"/>
+                <a:ea typeface="+mn-ea"/>
+              </a:defRPr>
+            </a:lvl9pPr>
+          </a:lstStyle>
+          <a:p>
+            <a:pPr marL="0" indent="0">
+              <a:buFont typeface="Wingdings" charset="0"/>
+              <a:buNone/>
+            </a:pPr>
+            <a:r>
+              <a:rPr lang="en-GB" kern="0" dirty="0">
+                <a:solidFill>
+                  <a:srgbClr val="002060"/>
+                </a:solidFill>
+              </a:rPr>
+              <a:t>Ground Truth</a:t>
+            </a:r>
+            <a:r>
+              <a:rPr lang="en-GB" kern="0" dirty="0"/>
+              <a:t>, </a:t>
+            </a:r>
+            <a:r>
+              <a:rPr lang="en-GB" kern="0" dirty="0">
+                <a:solidFill>
+                  <a:srgbClr val="FF0000"/>
+                </a:solidFill>
+              </a:rPr>
+              <a:t>Anchor Box</a:t>
+            </a:r>
+            <a:endParaRPr lang="en-GB" kern="0" dirty="0">
+              <a:solidFill>
+                <a:srgbClr val="E8DD00"/>
+              </a:solidFill>
+            </a:endParaRPr>
+          </a:p>
+        </p:txBody>
+      </p:sp>
+    </p:spTree>
+    <p:extLst>
+      <p:ext uri="{BB962C8B-B14F-4D97-AF65-F5344CB8AC3E}">
+        <p14:creationId xmlns:p14="http://schemas.microsoft.com/office/powerpoint/2010/main" val="4156694282"/>
+      </p:ext>
+    </p:extLst>
+  </p:cSld>
+  <p:clrMapOvr>
+    <a:masterClrMapping/>
+  </p:clrMapOvr>
+</p:sld>
+</file>
+
+<file path=ppt/slides/slide5.xml><?xml version="1.0" encoding="utf-8"?>
+<p:sld xmlns:a="http://schemas.openxmlformats.org/drawingml/2006/main" xmlns:r="http://schemas.openxmlformats.org/officeDocument/2006/relationships" xmlns:p="http://schemas.openxmlformats.org/presentationml/2006/main">
+  <p:cSld>
+    <p:spTree>
+      <p:nvGrpSpPr>
+        <p:cNvPr id="1" name=""/>
+        <p:cNvGrpSpPr/>
+        <p:nvPr/>
+      </p:nvGrpSpPr>
+      <p:grpSpPr>
+        <a:xfrm>
+          <a:off x="0" y="0"/>
+          <a:ext cx="0" cy="0"/>
+          <a:chOff x="0" y="0"/>
+          <a:chExt cx="0" cy="0"/>
+        </a:xfrm>
+      </p:grpSpPr>
+      <p:sp>
+        <p:nvSpPr>
+          <p:cNvPr id="2" name="Title 1">
+            <a:extLst>
+              <a:ext uri="{FF2B5EF4-FFF2-40B4-BE49-F238E27FC236}">
+                <a16:creationId xmlns:a16="http://schemas.microsoft.com/office/drawing/2014/main" id="{96FABF28-DFAB-4B25-90E1-A2CC59DF6362}"/>
+              </a:ext>
+            </a:extLst>
+          </p:cNvPr>
+          <p:cNvSpPr>
+            <a:spLocks noGrp="1"/>
+          </p:cNvSpPr>
+          <p:nvPr>
+            <p:ph type="title"/>
+          </p:nvPr>
+        </p:nvSpPr>
+        <p:spPr/>
+        <p:txBody>
+          <a:bodyPr/>
+          <a:lstStyle/>
+          <a:p>
+            <a:r>
+              <a:rPr lang="en-US"/>
+              <a:t>Motivation</a:t>
+            </a:r>
+          </a:p>
+        </p:txBody>
+      </p:sp>
+      <p:sp>
+        <p:nvSpPr>
+          <p:cNvPr id="3" name="Content Placeholder 2">
+            <a:extLst>
+              <a:ext uri="{FF2B5EF4-FFF2-40B4-BE49-F238E27FC236}">
+                <a16:creationId xmlns:a16="http://schemas.microsoft.com/office/drawing/2014/main" id="{978A609B-83B8-481D-BDA5-AC635AF61E77}"/>
+              </a:ext>
+            </a:extLst>
+          </p:cNvPr>
+          <p:cNvSpPr>
+            <a:spLocks noGrp="1"/>
+          </p:cNvSpPr>
+          <p:nvPr>
+            <p:ph idx="1"/>
+          </p:nvPr>
+        </p:nvSpPr>
+        <p:spPr/>
+        <p:txBody>
+          <a:bodyPr/>
+          <a:lstStyle/>
+          <a:p>
+            <a:r>
+              <a:rPr lang="en-US"/>
+              <a:t>Full-size images consume too much memory</a:t>
+            </a:r>
+          </a:p>
+          <a:p>
+            <a:r>
+              <a:rPr lang="en-US"/>
+              <a:t>Resized images can’t represent fine structures</a:t>
+            </a:r>
+          </a:p>
+          <a:p>
+            <a:r>
+              <a:rPr lang="en-US"/>
+              <a:t>Idea: Train on crops</a:t>
+            </a:r>
+          </a:p>
+        </p:txBody>
+      </p:sp>
+    </p:spTree>
+    <p:extLst>
+      <p:ext uri="{BB962C8B-B14F-4D97-AF65-F5344CB8AC3E}">
+        <p14:creationId xmlns:p14="http://schemas.microsoft.com/office/powerpoint/2010/main" val="4006269697"/>
+      </p:ext>
+    </p:extLst>
+  </p:cSld>
+  <p:clrMapOvr>
+    <a:masterClrMapping/>
+  </p:clrMapOvr>
+</p:sld>
+</file>
+
+<file path=ppt/slides/slide6.xml><?xml version="1.0" encoding="utf-8"?>
+<p:sld xmlns:a="http://schemas.openxmlformats.org/drawingml/2006/main" xmlns:r="http://schemas.openxmlformats.org/officeDocument/2006/relationships" xmlns:p="http://schemas.openxmlformats.org/presentationml/2006/main">
+  <p:cSld>
+    <p:spTree>
+      <p:nvGrpSpPr>
+        <p:cNvPr id="1" name=""/>
+        <p:cNvGrpSpPr/>
+        <p:nvPr/>
+      </p:nvGrpSpPr>
+      <p:grpSpPr>
+        <a:xfrm>
+          <a:off x="0" y="0"/>
+          <a:ext cx="0" cy="0"/>
+          <a:chOff x="0" y="0"/>
+          <a:chExt cx="0" cy="0"/>
+        </a:xfrm>
+      </p:grpSpPr>
+      <p:sp>
+        <p:nvSpPr>
+          <p:cNvPr id="2" name="Titel 1">
+            <a:extLst>
+              <a:ext uri="{FF2B5EF4-FFF2-40B4-BE49-F238E27FC236}">
+                <a16:creationId xmlns:a16="http://schemas.microsoft.com/office/drawing/2014/main" id="{52FD4665-D7AC-4F86-AFD3-7CE8FE32663B}"/>
+              </a:ext>
+            </a:extLst>
+          </p:cNvPr>
+          <p:cNvSpPr>
+            <a:spLocks noGrp="1"/>
+          </p:cNvSpPr>
+          <p:nvPr>
+            <p:ph type="title"/>
+          </p:nvPr>
+        </p:nvSpPr>
+        <p:spPr/>
+        <p:txBody>
+          <a:bodyPr/>
+          <a:lstStyle/>
+          <a:p>
+            <a:r>
+              <a:rPr lang="en-US"/>
+              <a:t>Crop Based Training</a:t>
+            </a:r>
+          </a:p>
+        </p:txBody>
+      </p:sp>
+      <p:sp>
+        <p:nvSpPr>
+          <p:cNvPr id="3" name="Inhaltsplatzhalter 2">
+            <a:extLst>
+              <a:ext uri="{FF2B5EF4-FFF2-40B4-BE49-F238E27FC236}">
+                <a16:creationId xmlns:a16="http://schemas.microsoft.com/office/drawing/2014/main" id="{4B0A16A1-1555-48B2-8DEF-4A31A390BD31}"/>
+              </a:ext>
+            </a:extLst>
+          </p:cNvPr>
+          <p:cNvSpPr>
+            <a:spLocks noGrp="1"/>
+          </p:cNvSpPr>
+          <p:nvPr>
+            <p:ph idx="1"/>
+          </p:nvPr>
+        </p:nvSpPr>
+        <p:spPr>
+          <a:xfrm>
+            <a:off x="381000" y="914400"/>
+            <a:ext cx="3836503" cy="3943350"/>
+          </a:xfrm>
+        </p:spPr>
+        <p:txBody>
+          <a:bodyPr/>
+          <a:lstStyle/>
+          <a:p>
+            <a:r>
+              <a:rPr lang="en-US"/>
+              <a:t>Allows training of larger networks or higher batch size</a:t>
+            </a:r>
+          </a:p>
+          <a:p>
+            <a:r>
+              <a:rPr lang="en-US"/>
+              <a:t>Fine structures can be preserved</a:t>
+            </a:r>
+          </a:p>
+          <a:p>
+            <a:r>
+              <a:rPr lang="en-US"/>
+              <a:t>Large objects might be truncated</a:t>
+            </a:r>
+          </a:p>
+        </p:txBody>
+      </p:sp>
+      <p:pic>
+        <p:nvPicPr>
+          <p:cNvPr id="5" name="Picture 4" descr="A police car parked on the side of a road&#10;&#10;Description automatically generated with low confidence">
+            <a:extLst>
+              <a:ext uri="{FF2B5EF4-FFF2-40B4-BE49-F238E27FC236}">
+                <a16:creationId xmlns:a16="http://schemas.microsoft.com/office/drawing/2014/main" id="{6674ECC0-6DAB-477C-8C7A-F47B0F4102F4}"/>
+              </a:ext>
+            </a:extLst>
+          </p:cNvPr>
+          <p:cNvPicPr>
+            <a:picLocks noChangeAspect="1"/>
+          </p:cNvPicPr>
+          <p:nvPr/>
+        </p:nvPicPr>
+        <p:blipFill>
+          <a:blip r:embed="rId2"/>
+          <a:stretch>
+            <a:fillRect/>
+          </a:stretch>
+        </p:blipFill>
+        <p:spPr>
+          <a:xfrm>
+            <a:off x="4217503" y="766763"/>
+            <a:ext cx="4709169" cy="2450597"/>
+          </a:xfrm>
+          <a:prstGeom prst="rect">
+            <a:avLst/>
+          </a:prstGeom>
+        </p:spPr>
+      </p:pic>
+    </p:spTree>
+    <p:extLst>
+      <p:ext uri="{BB962C8B-B14F-4D97-AF65-F5344CB8AC3E}">
+        <p14:creationId xmlns:p14="http://schemas.microsoft.com/office/powerpoint/2010/main" val="2063460671"/>
+      </p:ext>
+    </p:extLst>
+  </p:cSld>
+  <p:clrMapOvr>
+    <a:masterClrMapping/>
+  </p:clrMapOvr>
+</p:sld>
+</file>
+
+<file path=ppt/slides/slide7.xml><?xml version="1.0" encoding="utf-8"?>
+<p:sld xmlns:a="http://schemas.openxmlformats.org/drawingml/2006/main" xmlns:r="http://schemas.openxmlformats.org/officeDocument/2006/relationships" xmlns:p="http://schemas.openxmlformats.org/presentationml/2006/main">
+  <p:cSld>
+    <p:spTree>
+      <p:nvGrpSpPr>
+        <p:cNvPr id="1" name=""/>
+        <p:cNvGrpSpPr/>
+        <p:nvPr/>
+      </p:nvGrpSpPr>
+      <p:grpSpPr>
+        <a:xfrm>
+          <a:off x="0" y="0"/>
+          <a:ext cx="0" cy="0"/>
+          <a:chOff x="0" y="0"/>
+          <a:chExt cx="0" cy="0"/>
+        </a:xfrm>
+      </p:grpSpPr>
+      <p:sp>
+        <p:nvSpPr>
+          <p:cNvPr id="4" name="Title 3">
+            <a:extLst>
+              <a:ext uri="{FF2B5EF4-FFF2-40B4-BE49-F238E27FC236}">
+                <a16:creationId xmlns:a16="http://schemas.microsoft.com/office/drawing/2014/main" id="{30C9BDA0-8F15-4D90-81BA-5E4C7E87598F}"/>
+              </a:ext>
+            </a:extLst>
+          </p:cNvPr>
+          <p:cNvSpPr>
+            <a:spLocks noGrp="1"/>
+          </p:cNvSpPr>
+          <p:nvPr>
+            <p:ph type="title"/>
+          </p:nvPr>
+        </p:nvSpPr>
+        <p:spPr/>
+        <p:txBody>
+          <a:bodyPr/>
+          <a:lstStyle/>
+          <a:p>
+            <a:r>
+              <a:rPr lang="de-DE" err="1"/>
+              <a:t>Crop</a:t>
+            </a:r>
+            <a:r>
+              <a:rPr lang="de-DE"/>
+              <a:t>-Aware </a:t>
+            </a:r>
+            <a:r>
+              <a:rPr lang="de-DE" err="1"/>
+              <a:t>Bounding</a:t>
+            </a:r>
+            <a:r>
+              <a:rPr lang="de-DE"/>
+              <a:t> Boxes (CABB)</a:t>
+            </a:r>
+            <a:endParaRPr lang="en-GB"/>
+          </a:p>
+        </p:txBody>
+      </p:sp>
+      <p:sp>
+        <p:nvSpPr>
+          <p:cNvPr id="5" name="Content Placeholder 4">
+            <a:extLst>
+              <a:ext uri="{FF2B5EF4-FFF2-40B4-BE49-F238E27FC236}">
+                <a16:creationId xmlns:a16="http://schemas.microsoft.com/office/drawing/2014/main" id="{879BE057-F79C-416A-BC4B-8048CEFEFBAF}"/>
+              </a:ext>
+            </a:extLst>
+          </p:cNvPr>
+          <p:cNvSpPr>
+            <a:spLocks noGrp="1"/>
+          </p:cNvSpPr>
+          <p:nvPr>
+            <p:ph idx="1"/>
+          </p:nvPr>
+        </p:nvSpPr>
+        <p:spPr>
+          <a:xfrm>
+            <a:off x="381000" y="914400"/>
+            <a:ext cx="4708454" cy="3943350"/>
+          </a:xfrm>
+        </p:spPr>
+        <p:txBody>
+          <a:bodyPr/>
+          <a:lstStyle/>
+          <a:p>
+            <a:r>
+              <a:rPr lang="en-US" dirty="0"/>
+              <a:t>Network is allowed to “hallucinate”</a:t>
+            </a:r>
+          </a:p>
+          <a:p>
+            <a:r>
+              <a:rPr lang="en-US" dirty="0"/>
+              <a:t>Can improve performance on objects which were cropped in training</a:t>
+            </a:r>
+          </a:p>
+          <a:p>
+            <a:endParaRPr lang="en-US" dirty="0"/>
+          </a:p>
+          <a:p>
+            <a:pPr marL="0" indent="0">
+              <a:buNone/>
+            </a:pPr>
+            <a:endParaRPr lang="en-US" dirty="0"/>
+          </a:p>
+        </p:txBody>
+      </p:sp>
+      <p:pic>
+        <p:nvPicPr>
+          <p:cNvPr id="13" name="Grafik 12">
+            <a:extLst>
+              <a:ext uri="{FF2B5EF4-FFF2-40B4-BE49-F238E27FC236}">
+                <a16:creationId xmlns:a16="http://schemas.microsoft.com/office/drawing/2014/main" id="{FF7A492A-FA54-4B67-8A3B-536D293479E5}"/>
+              </a:ext>
+            </a:extLst>
+          </p:cNvPr>
+          <p:cNvPicPr>
+            <a:picLocks noChangeAspect="1"/>
+          </p:cNvPicPr>
+          <p:nvPr/>
+        </p:nvPicPr>
+        <p:blipFill>
+          <a:blip r:embed="rId3"/>
+          <a:stretch>
+            <a:fillRect/>
+          </a:stretch>
+        </p:blipFill>
+        <p:spPr>
+          <a:xfrm>
+            <a:off x="5089454" y="917155"/>
+            <a:ext cx="3673546" cy="3332025"/>
+          </a:xfrm>
+          <a:prstGeom prst="rect">
+            <a:avLst/>
+          </a:prstGeom>
+        </p:spPr>
+      </p:pic>
+      <p:sp>
+        <p:nvSpPr>
+          <p:cNvPr id="6" name="TextBox 5">
+            <a:extLst>
+              <a:ext uri="{FF2B5EF4-FFF2-40B4-BE49-F238E27FC236}">
+                <a16:creationId xmlns:a16="http://schemas.microsoft.com/office/drawing/2014/main" id="{9D891844-5065-408D-B341-C2456DBD3B7A}"/>
+              </a:ext>
+            </a:extLst>
+          </p:cNvPr>
+          <p:cNvSpPr txBox="1"/>
+          <p:nvPr/>
+        </p:nvSpPr>
+        <p:spPr>
+          <a:xfrm>
+            <a:off x="8211671" y="4249180"/>
+            <a:ext cx="551329" cy="307777"/>
+          </a:xfrm>
+          <a:prstGeom prst="rect">
+            <a:avLst/>
+          </a:prstGeom>
+          <a:noFill/>
+        </p:spPr>
+        <p:txBody>
+          <a:bodyPr wrap="square" rtlCol="0">
+            <a:spAutoFit/>
+          </a:bodyPr>
+          <a:lstStyle/>
+          <a:p>
+            <a:pPr algn="r"/>
+            <a:r>
+              <a:rPr lang="en-US" sz="1400">
+                <a:solidFill>
+                  <a:schemeClr val="accent5">
+                    <a:lumMod val="65000"/>
+                  </a:schemeClr>
+                </a:solidFill>
+              </a:rPr>
+              <a:t>[2]</a:t>
+            </a:r>
+          </a:p>
+        </p:txBody>
+      </p:sp>
+    </p:spTree>
+    <p:extLst>
+      <p:ext uri="{BB962C8B-B14F-4D97-AF65-F5344CB8AC3E}">
+        <p14:creationId xmlns:p14="http://schemas.microsoft.com/office/powerpoint/2010/main" val="1885977225"/>
+      </p:ext>
+    </p:extLst>
+  </p:cSld>
+  <p:clrMapOvr>
+    <a:masterClrMapping/>
+  </p:clrMapOvr>
+</p:sld>
+</file>
+
+<file path=ppt/slides/slide8.xml><?xml version="1.0" encoding="utf-8"?>
+<p:sld xmlns:a="http://schemas.openxmlformats.org/drawingml/2006/main" xmlns:r="http://schemas.openxmlformats.org/officeDocument/2006/relationships" xmlns:p="http://schemas.openxmlformats.org/presentationml/2006/main">
+  <p:cSld>
+    <p:spTree>
+      <p:nvGrpSpPr>
+        <p:cNvPr id="1" name=""/>
+        <p:cNvGrpSpPr/>
+        <p:nvPr/>
+      </p:nvGrpSpPr>
+      <p:grpSpPr>
+        <a:xfrm>
+          <a:off x="0" y="0"/>
+          <a:ext cx="0" cy="0"/>
+          <a:chOff x="0" y="0"/>
+          <a:chExt cx="0" cy="0"/>
+        </a:xfrm>
+      </p:grpSpPr>
+      <p:sp>
+        <p:nvSpPr>
+          <p:cNvPr id="2" name="Title 1">
+            <a:extLst>
+              <a:ext uri="{FF2B5EF4-FFF2-40B4-BE49-F238E27FC236}">
+                <a16:creationId xmlns:a16="http://schemas.microsoft.com/office/drawing/2014/main" id="{CADFAC11-05D7-429F-85C1-BB1E40DF7034}"/>
+              </a:ext>
+            </a:extLst>
+          </p:cNvPr>
+          <p:cNvSpPr>
+            <a:spLocks noGrp="1"/>
+          </p:cNvSpPr>
+          <p:nvPr>
+            <p:ph type="title"/>
+          </p:nvPr>
+        </p:nvSpPr>
+        <p:spPr/>
+        <p:txBody>
+          <a:bodyPr/>
+          <a:lstStyle/>
+          <a:p>
+            <a:r>
+              <a:rPr lang="en-US"/>
+              <a:t>Visualization</a:t>
+            </a:r>
+            <a:r>
+              <a:rPr lang="de-DE"/>
+              <a:t> </a:t>
+            </a:r>
+            <a:r>
+              <a:rPr lang="en-US"/>
+              <a:t>of</a:t>
+            </a:r>
+            <a:r>
+              <a:rPr lang="de-DE"/>
+              <a:t> </a:t>
+            </a:r>
+            <a:r>
+              <a:rPr lang="en-US"/>
+              <a:t>CABB</a:t>
+            </a:r>
+          </a:p>
+        </p:txBody>
+      </p:sp>
+      <p:sp>
+        <p:nvSpPr>
+          <p:cNvPr id="3" name="Content Placeholder 2">
+            <a:extLst>
+              <a:ext uri="{FF2B5EF4-FFF2-40B4-BE49-F238E27FC236}">
+                <a16:creationId xmlns:a16="http://schemas.microsoft.com/office/drawing/2014/main" id="{E792780D-FF8B-464B-A133-01C1B809D660}"/>
+              </a:ext>
+            </a:extLst>
+          </p:cNvPr>
+          <p:cNvSpPr>
+            <a:spLocks noGrp="1"/>
+          </p:cNvSpPr>
+          <p:nvPr>
+            <p:ph idx="1"/>
+          </p:nvPr>
+        </p:nvSpPr>
+        <p:spPr>
+          <a:xfrm>
+            <a:off x="381000" y="3648684"/>
+            <a:ext cx="8534400" cy="1209065"/>
+          </a:xfrm>
+        </p:spPr>
+        <p:txBody>
+          <a:bodyPr/>
+          <a:lstStyle/>
+          <a:p>
+            <a:pPr marL="0" indent="0">
+              <a:buNone/>
+            </a:pPr>
+            <a:r>
+              <a:rPr lang="en-GB" dirty="0">
+                <a:solidFill>
+                  <a:srgbClr val="002060"/>
+                </a:solidFill>
+              </a:rPr>
+              <a:t>Ground Truth</a:t>
+            </a:r>
+            <a:r>
+              <a:rPr lang="en-GB" dirty="0"/>
+              <a:t>, </a:t>
+            </a:r>
+            <a:r>
+              <a:rPr lang="en-GB" dirty="0">
+                <a:solidFill>
+                  <a:srgbClr val="00B050"/>
+                </a:solidFill>
+              </a:rPr>
+              <a:t>Prediction</a:t>
+            </a:r>
+            <a:r>
+              <a:rPr lang="en-GB" dirty="0"/>
+              <a:t>, </a:t>
+            </a:r>
+            <a:r>
+              <a:rPr lang="en-GB" dirty="0">
+                <a:solidFill>
+                  <a:schemeClr val="tx2">
+                    <a:lumMod val="40000"/>
+                    <a:lumOff val="60000"/>
+                  </a:schemeClr>
+                </a:solidFill>
+              </a:rPr>
+              <a:t>Crop Area</a:t>
+            </a:r>
+            <a:r>
+              <a:rPr lang="en-GB" dirty="0"/>
+              <a:t>, </a:t>
+            </a:r>
+            <a:r>
+              <a:rPr lang="en-GB" dirty="0">
+                <a:solidFill>
+                  <a:srgbClr val="FF0000"/>
+                </a:solidFill>
+              </a:rPr>
+              <a:t>Anchor Box</a:t>
+            </a:r>
+            <a:r>
+              <a:rPr lang="en-GB" dirty="0"/>
+              <a:t>, </a:t>
+            </a:r>
+            <a:r>
+              <a:rPr lang="en-GB" dirty="0">
+                <a:solidFill>
+                  <a:srgbClr val="E8DD00"/>
+                </a:solidFill>
+              </a:rPr>
+              <a:t>CABB Target</a:t>
+            </a:r>
+          </a:p>
+        </p:txBody>
+      </p:sp>
+      <p:pic>
+        <p:nvPicPr>
+          <p:cNvPr id="4" name="Grafik 3" descr="Ein Bild, das Text, draußen, Straße enthält.&#10;&#10;Automatisch generierte Beschreibung">
+            <a:extLst>
+              <a:ext uri="{FF2B5EF4-FFF2-40B4-BE49-F238E27FC236}">
+                <a16:creationId xmlns:a16="http://schemas.microsoft.com/office/drawing/2014/main" id="{019DB30C-1759-4DF1-AE4C-E17C76EE6AB0}"/>
+              </a:ext>
+            </a:extLst>
+          </p:cNvPr>
+          <p:cNvPicPr>
+            <a:picLocks noChangeAspect="1"/>
+          </p:cNvPicPr>
+          <p:nvPr/>
+        </p:nvPicPr>
+        <p:blipFill>
+          <a:blip r:embed="rId3"/>
+          <a:stretch>
+            <a:fillRect/>
+          </a:stretch>
+        </p:blipFill>
+        <p:spPr>
+          <a:xfrm>
+            <a:off x="440857" y="912257"/>
+            <a:ext cx="4093431" cy="2130174"/>
+          </a:xfrm>
+          <a:prstGeom prst="rect">
+            <a:avLst/>
+          </a:prstGeom>
+        </p:spPr>
+      </p:pic>
+      <p:sp>
+        <p:nvSpPr>
+          <p:cNvPr id="5" name="Textfeld 4">
+            <a:extLst>
+              <a:ext uri="{FF2B5EF4-FFF2-40B4-BE49-F238E27FC236}">
+                <a16:creationId xmlns:a16="http://schemas.microsoft.com/office/drawing/2014/main" id="{BA942420-B2DF-4312-9F77-010105064C64}"/>
+              </a:ext>
+            </a:extLst>
+          </p:cNvPr>
+          <p:cNvSpPr txBox="1"/>
+          <p:nvPr/>
+        </p:nvSpPr>
+        <p:spPr>
+          <a:xfrm>
+            <a:off x="436738" y="3187021"/>
+            <a:ext cx="4093431" cy="461665"/>
+          </a:xfrm>
+          <a:prstGeom prst="rect">
+            <a:avLst/>
+          </a:prstGeom>
+          <a:noFill/>
+        </p:spPr>
+        <p:txBody>
+          <a:bodyPr wrap="square" rtlCol="0">
+            <a:spAutoFit/>
+          </a:bodyPr>
+          <a:lstStyle/>
+          <a:p>
+            <a:r>
+              <a:rPr lang="en-US"/>
+              <a:t>Without</a:t>
+            </a:r>
+            <a:r>
+              <a:rPr lang="de-DE"/>
+              <a:t> CABB</a:t>
+            </a:r>
+          </a:p>
+        </p:txBody>
+      </p:sp>
+      <p:sp>
+        <p:nvSpPr>
+          <p:cNvPr id="6" name="Textfeld 5">
+            <a:extLst>
+              <a:ext uri="{FF2B5EF4-FFF2-40B4-BE49-F238E27FC236}">
+                <a16:creationId xmlns:a16="http://schemas.microsoft.com/office/drawing/2014/main" id="{5B6482A4-EF81-4EB4-B206-D70873A4FFB9}"/>
+              </a:ext>
+            </a:extLst>
+          </p:cNvPr>
+          <p:cNvSpPr txBox="1"/>
+          <p:nvPr/>
+        </p:nvSpPr>
+        <p:spPr>
+          <a:xfrm>
+            <a:off x="4657212" y="3187020"/>
+            <a:ext cx="4093431" cy="461665"/>
+          </a:xfrm>
+          <a:prstGeom prst="rect">
+            <a:avLst/>
+          </a:prstGeom>
+          <a:noFill/>
+        </p:spPr>
+        <p:txBody>
+          <a:bodyPr wrap="square" rtlCol="0">
+            <a:spAutoFit/>
+          </a:bodyPr>
+          <a:lstStyle/>
+          <a:p>
+            <a:r>
+              <a:rPr lang="en-US"/>
+              <a:t>With</a:t>
+            </a:r>
+            <a:r>
+              <a:rPr lang="de-DE"/>
+              <a:t> CABB</a:t>
+            </a:r>
+          </a:p>
+        </p:txBody>
+      </p:sp>
+      <p:pic>
+        <p:nvPicPr>
+          <p:cNvPr id="7" name="Grafik 6" descr="Ein Bild, das Text, draußen, Straße enthält.&#10;&#10;Automatisch generierte Beschreibung">
+            <a:extLst>
+              <a:ext uri="{FF2B5EF4-FFF2-40B4-BE49-F238E27FC236}">
+                <a16:creationId xmlns:a16="http://schemas.microsoft.com/office/drawing/2014/main" id="{B359E9AD-B13F-4042-BD52-83B942F326F2}"/>
+              </a:ext>
+            </a:extLst>
+          </p:cNvPr>
+          <p:cNvPicPr>
+            <a:picLocks noChangeAspect="1"/>
+          </p:cNvPicPr>
+          <p:nvPr/>
+        </p:nvPicPr>
+        <p:blipFill>
+          <a:blip r:embed="rId4"/>
+          <a:stretch>
+            <a:fillRect/>
+          </a:stretch>
+        </p:blipFill>
+        <p:spPr>
+          <a:xfrm>
+            <a:off x="4661332" y="914400"/>
+            <a:ext cx="4085193" cy="2125887"/>
+          </a:xfrm>
+          <a:prstGeom prst="rect">
+            <a:avLst/>
+          </a:prstGeom>
+        </p:spPr>
+      </p:pic>
+    </p:spTree>
+    <p:extLst>
+      <p:ext uri="{BB962C8B-B14F-4D97-AF65-F5344CB8AC3E}">
+        <p14:creationId xmlns:p14="http://schemas.microsoft.com/office/powerpoint/2010/main" val="2489557210"/>
+      </p:ext>
+    </p:extLst>
+  </p:cSld>
+  <p:clrMapOvr>
+    <a:masterClrMapping/>
+  </p:clrMapOvr>
+</p:sld>
+</file>
+
+<file path=ppt/slides/slide9.xml><?xml version="1.0" encoding="utf-8"?>
+<p:sld xmlns:a="http://schemas.openxmlformats.org/drawingml/2006/main" xmlns:r="http://schemas.openxmlformats.org/officeDocument/2006/relationships" xmlns:p="http://schemas.openxmlformats.org/presentationml/2006/main">
+  <p:cSld>
+    <p:spTree>
+      <p:nvGrpSpPr>
+        <p:cNvPr id="1" name=""/>
+        <p:cNvGrpSpPr/>
+        <p:nvPr/>
+      </p:nvGrpSpPr>
+      <p:grpSpPr>
+        <a:xfrm>
+          <a:off x="0" y="0"/>
+          <a:ext cx="0" cy="0"/>
+          <a:chOff x="0" y="0"/>
+          <a:chExt cx="0" cy="0"/>
+        </a:xfrm>
+      </p:grpSpPr>
+      <p:sp>
+        <p:nvSpPr>
+          <p:cNvPr id="2" name="Titel 1">
+            <a:extLst>
+              <a:ext uri="{FF2B5EF4-FFF2-40B4-BE49-F238E27FC236}">
+                <a16:creationId xmlns:a16="http://schemas.microsoft.com/office/drawing/2014/main" id="{2DE899C9-ECB8-4209-B44A-D55809197041}"/>
+              </a:ext>
+            </a:extLst>
+          </p:cNvPr>
+          <p:cNvSpPr>
+            <a:spLocks noGrp="1"/>
+          </p:cNvSpPr>
+          <p:nvPr>
+            <p:ph type="title"/>
+          </p:nvPr>
+        </p:nvSpPr>
+        <p:spPr/>
+        <p:txBody>
+          <a:bodyPr/>
+          <a:lstStyle/>
+          <a:p>
+            <a:r>
+              <a:rPr lang="en-US"/>
+              <a:t>Training Setting</a:t>
+            </a:r>
+          </a:p>
+        </p:txBody>
+      </p:sp>
+      <p:sp>
+        <p:nvSpPr>
+          <p:cNvPr id="3" name="Inhaltsplatzhalter 2">
+            <a:extLst>
+              <a:ext uri="{FF2B5EF4-FFF2-40B4-BE49-F238E27FC236}">
+                <a16:creationId xmlns:a16="http://schemas.microsoft.com/office/drawing/2014/main" id="{855BEFD4-C452-40AA-8020-77316D8CF61E}"/>
+              </a:ext>
+            </a:extLst>
+          </p:cNvPr>
+          <p:cNvSpPr>
+            <a:spLocks noGrp="1"/>
+          </p:cNvSpPr>
+          <p:nvPr>
+            <p:ph idx="1"/>
+          </p:nvPr>
+        </p:nvSpPr>
+        <p:spPr/>
+        <p:txBody>
+          <a:bodyPr/>
+          <a:lstStyle/>
+          <a:p>
+            <a:r>
+              <a:rPr lang="en-US"/>
+              <a:t>1024*512 Image size, 512*256 Crop size</a:t>
+            </a:r>
+          </a:p>
+          <a:p>
+            <a:r>
+              <a:rPr lang="en-US"/>
+              <a:t>8 Image per Batch on a single GPU</a:t>
+            </a:r>
+          </a:p>
+          <a:p>
+            <a:r>
+              <a:rPr lang="en-US"/>
+              <a:t>100 epochs of training with </a:t>
+            </a:r>
+            <a:r>
+              <a:rPr lang="en-US" b="0" i="0" u="none" strike="noStrike" baseline="0"/>
+              <a:t>2975 training images</a:t>
+            </a:r>
+            <a:endParaRPr lang="en-US"/>
+          </a:p>
+        </p:txBody>
+      </p:sp>
+    </p:spTree>
+    <p:extLst>
+      <p:ext uri="{BB962C8B-B14F-4D97-AF65-F5344CB8AC3E}">
+        <p14:creationId xmlns:p14="http://schemas.microsoft.com/office/powerpoint/2010/main" val="2836184599"/>
       </p:ext>
     </p:extLst>
   </p:cSld>

--- a/Crop-Aware Panoptic Segmentation.pptx
+++ b/Crop-Aware Panoptic Segmentation.pptx
@@ -5,10 +5,10 @@
     <p:sldMasterId id="2147483653" r:id="rId1"/>
   </p:sldMasterIdLst>
   <p:notesMasterIdLst>
-    <p:notesMasterId r:id="rId15"/>
+    <p:notesMasterId r:id="rId17"/>
   </p:notesMasterIdLst>
   <p:handoutMasterIdLst>
-    <p:handoutMasterId r:id="rId16"/>
+    <p:handoutMasterId r:id="rId18"/>
   </p:handoutMasterIdLst>
   <p:sldIdLst>
     <p:sldId id="607" r:id="rId2"/>
@@ -19,16 +19,18 @@
     <p:sldId id="618" r:id="rId7"/>
     <p:sldId id="613" r:id="rId8"/>
     <p:sldId id="614" r:id="rId9"/>
-    <p:sldId id="617" r:id="rId10"/>
-    <p:sldId id="615" r:id="rId11"/>
-    <p:sldId id="619" r:id="rId12"/>
-    <p:sldId id="622" r:id="rId13"/>
-    <p:sldId id="604" r:id="rId14"/>
+    <p:sldId id="625" r:id="rId10"/>
+    <p:sldId id="617" r:id="rId11"/>
+    <p:sldId id="615" r:id="rId12"/>
+    <p:sldId id="619" r:id="rId13"/>
+    <p:sldId id="624" r:id="rId14"/>
+    <p:sldId id="622" r:id="rId15"/>
+    <p:sldId id="604" r:id="rId16"/>
   </p:sldIdLst>
   <p:sldSz cx="9144000" cy="5143500" type="screen16x9"/>
   <p:notesSz cx="10234613" cy="7099300"/>
   <p:custDataLst>
-    <p:tags r:id="rId17"/>
+    <p:tags r:id="rId19"/>
   </p:custDataLst>
   <p:defaultTextStyle>
     <a:defPPr>
@@ -201,7 +203,7 @@
   <pc:docChgLst>
     <pc:chgData name="Yannick Vogt" userId="860741af1eec8ecc" providerId="LiveId" clId="{2CD5F5D6-88A3-4631-A66A-40A03704DD16}"/>
     <pc:docChg chg="undo custSel addSld delSld modSld sldOrd modMainMaster">
-      <pc:chgData name="Yannick Vogt" userId="860741af1eec8ecc" providerId="LiveId" clId="{2CD5F5D6-88A3-4631-A66A-40A03704DD16}" dt="2021-07-27T11:18:55.687" v="2178" actId="20577"/>
+      <pc:chgData name="Yannick Vogt" userId="860741af1eec8ecc" providerId="LiveId" clId="{2CD5F5D6-88A3-4631-A66A-40A03704DD16}" dt="2021-07-29T08:29:32.828" v="2456"/>
       <pc:docMkLst>
         <pc:docMk/>
       </pc:docMkLst>
@@ -455,13 +457,13 @@
         </pc:picChg>
       </pc:sldChg>
       <pc:sldChg chg="modSp mod">
-        <pc:chgData name="Yannick Vogt" userId="860741af1eec8ecc" providerId="LiveId" clId="{2CD5F5D6-88A3-4631-A66A-40A03704DD16}" dt="2021-07-26T10:33:41.305" v="994" actId="255"/>
+        <pc:chgData name="Yannick Vogt" userId="860741af1eec8ecc" providerId="LiveId" clId="{2CD5F5D6-88A3-4631-A66A-40A03704DD16}" dt="2021-07-29T08:29:26.152" v="2447" actId="6549"/>
         <pc:sldMkLst>
           <pc:docMk/>
           <pc:sldMk cId="2836184599" sldId="617"/>
         </pc:sldMkLst>
         <pc:spChg chg="mod">
-          <ac:chgData name="Yannick Vogt" userId="860741af1eec8ecc" providerId="LiveId" clId="{2CD5F5D6-88A3-4631-A66A-40A03704DD16}" dt="2021-07-26T10:33:41.305" v="994" actId="255"/>
+          <ac:chgData name="Yannick Vogt" userId="860741af1eec8ecc" providerId="LiveId" clId="{2CD5F5D6-88A3-4631-A66A-40A03704DD16}" dt="2021-07-29T08:29:26.152" v="2447" actId="6549"/>
           <ac:spMkLst>
             <pc:docMk/>
             <pc:sldMk cId="2836184599" sldId="617"/>
@@ -493,13 +495,13 @@
         </pc:picChg>
       </pc:sldChg>
       <pc:sldChg chg="addSp modSp new mod modNotesTx">
-        <pc:chgData name="Yannick Vogt" userId="860741af1eec8ecc" providerId="LiveId" clId="{2CD5F5D6-88A3-4631-A66A-40A03704DD16}" dt="2021-07-27T11:01:37.481" v="2158" actId="20577"/>
+        <pc:chgData name="Yannick Vogt" userId="860741af1eec8ecc" providerId="LiveId" clId="{2CD5F5D6-88A3-4631-A66A-40A03704DD16}" dt="2021-07-29T08:23:43.886" v="2250" actId="1076"/>
         <pc:sldMkLst>
           <pc:docMk/>
           <pc:sldMk cId="2484015150" sldId="619"/>
         </pc:sldMkLst>
         <pc:spChg chg="mod">
-          <ac:chgData name="Yannick Vogt" userId="860741af1eec8ecc" providerId="LiveId" clId="{2CD5F5D6-88A3-4631-A66A-40A03704DD16}" dt="2021-07-26T09:57:33.009" v="916" actId="20577"/>
+          <ac:chgData name="Yannick Vogt" userId="860741af1eec8ecc" providerId="LiveId" clId="{2CD5F5D6-88A3-4631-A66A-40A03704DD16}" dt="2021-07-29T08:23:23.080" v="2240" actId="20577"/>
           <ac:spMkLst>
             <pc:docMk/>
             <pc:sldMk cId="2484015150" sldId="619"/>
@@ -507,7 +509,7 @@
           </ac:spMkLst>
         </pc:spChg>
         <pc:spChg chg="mod">
-          <ac:chgData name="Yannick Vogt" userId="860741af1eec8ecc" providerId="LiveId" clId="{2CD5F5D6-88A3-4631-A66A-40A03704DD16}" dt="2021-07-27T11:01:21.081" v="2157" actId="20577"/>
+          <ac:chgData name="Yannick Vogt" userId="860741af1eec8ecc" providerId="LiveId" clId="{2CD5F5D6-88A3-4631-A66A-40A03704DD16}" dt="2021-07-29T08:23:31.172" v="2248" actId="20577"/>
           <ac:spMkLst>
             <pc:docMk/>
             <pc:sldMk cId="2484015150" sldId="619"/>
@@ -515,7 +517,7 @@
           </ac:spMkLst>
         </pc:spChg>
         <pc:graphicFrameChg chg="add mod modGraphic">
-          <ac:chgData name="Yannick Vogt" userId="860741af1eec8ecc" providerId="LiveId" clId="{2CD5F5D6-88A3-4631-A66A-40A03704DD16}" dt="2021-07-26T13:50:58.611" v="1401" actId="1076"/>
+          <ac:chgData name="Yannick Vogt" userId="860741af1eec8ecc" providerId="LiveId" clId="{2CD5F5D6-88A3-4631-A66A-40A03704DD16}" dt="2021-07-29T08:23:39.881" v="2249" actId="1076"/>
           <ac:graphicFrameMkLst>
             <pc:docMk/>
             <pc:sldMk cId="2484015150" sldId="619"/>
@@ -523,7 +525,7 @@
           </ac:graphicFrameMkLst>
         </pc:graphicFrameChg>
         <pc:graphicFrameChg chg="add mod modGraphic">
-          <ac:chgData name="Yannick Vogt" userId="860741af1eec8ecc" providerId="LiveId" clId="{2CD5F5D6-88A3-4631-A66A-40A03704DD16}" dt="2021-07-26T13:50:54.799" v="1400" actId="1076"/>
+          <ac:chgData name="Yannick Vogt" userId="860741af1eec8ecc" providerId="LiveId" clId="{2CD5F5D6-88A3-4631-A66A-40A03704DD16}" dt="2021-07-29T08:23:43.886" v="2250" actId="1076"/>
           <ac:graphicFrameMkLst>
             <pc:docMk/>
             <pc:sldMk cId="2484015150" sldId="619"/>
@@ -625,13 +627,13 @@
         </pc:spChg>
       </pc:sldChg>
       <pc:sldChg chg="addSp delSp modSp new mod">
-        <pc:chgData name="Yannick Vogt" userId="860741af1eec8ecc" providerId="LiveId" clId="{2CD5F5D6-88A3-4631-A66A-40A03704DD16}" dt="2021-07-27T10:55:12.088" v="2066" actId="20577"/>
+        <pc:chgData name="Yannick Vogt" userId="860741af1eec8ecc" providerId="LiveId" clId="{2CD5F5D6-88A3-4631-A66A-40A03704DD16}" dt="2021-07-29T08:23:00.495" v="2215" actId="20577"/>
         <pc:sldMkLst>
           <pc:docMk/>
           <pc:sldMk cId="1681506860" sldId="622"/>
         </pc:sldMkLst>
         <pc:spChg chg="mod">
-          <ac:chgData name="Yannick Vogt" userId="860741af1eec8ecc" providerId="LiveId" clId="{2CD5F5D6-88A3-4631-A66A-40A03704DD16}" dt="2021-07-27T10:46:59.888" v="2009" actId="20577"/>
+          <ac:chgData name="Yannick Vogt" userId="860741af1eec8ecc" providerId="LiveId" clId="{2CD5F5D6-88A3-4631-A66A-40A03704DD16}" dt="2021-07-29T08:23:00.495" v="2215" actId="20577"/>
           <ac:spMkLst>
             <pc:docMk/>
             <pc:sldMk cId="1681506860" sldId="622"/>
@@ -716,6 +718,59 @@
             <ac:picMk id="5" creationId="{8C29D1E0-87E2-4351-824A-27D4DCFAABF2}"/>
           </ac:picMkLst>
         </pc:picChg>
+      </pc:sldChg>
+      <pc:sldChg chg="modSp new mod">
+        <pc:chgData name="Yannick Vogt" userId="860741af1eec8ecc" providerId="LiveId" clId="{2CD5F5D6-88A3-4631-A66A-40A03704DD16}" dt="2021-07-29T08:23:11.054" v="2230" actId="20577"/>
+        <pc:sldMkLst>
+          <pc:docMk/>
+          <pc:sldMk cId="3101039968" sldId="624"/>
+        </pc:sldMkLst>
+        <pc:spChg chg="mod">
+          <ac:chgData name="Yannick Vogt" userId="860741af1eec8ecc" providerId="LiveId" clId="{2CD5F5D6-88A3-4631-A66A-40A03704DD16}" dt="2021-07-29T08:23:11.054" v="2230" actId="20577"/>
+          <ac:spMkLst>
+            <pc:docMk/>
+            <pc:sldMk cId="3101039968" sldId="624"/>
+            <ac:spMk id="2" creationId="{1301A668-9C9B-4CFB-B248-4E04422B723A}"/>
+          </ac:spMkLst>
+        </pc:spChg>
+      </pc:sldChg>
+      <pc:sldChg chg="modSp new del mod">
+        <pc:chgData name="Yannick Vogt" userId="860741af1eec8ecc" providerId="LiveId" clId="{2CD5F5D6-88A3-4631-A66A-40A03704DD16}" dt="2021-07-29T08:29:18.931" v="2441" actId="680"/>
+        <pc:sldMkLst>
+          <pc:docMk/>
+          <pc:sldMk cId="252676587" sldId="625"/>
+        </pc:sldMkLst>
+        <pc:spChg chg="mod">
+          <ac:chgData name="Yannick Vogt" userId="860741af1eec8ecc" providerId="LiveId" clId="{2CD5F5D6-88A3-4631-A66A-40A03704DD16}" dt="2021-07-29T08:29:18.476" v="2440" actId="20577"/>
+          <ac:spMkLst>
+            <pc:docMk/>
+            <pc:sldMk cId="252676587" sldId="625"/>
+            <ac:spMk id="2" creationId="{00B93E99-FFD9-4390-A993-A01EF72CED93}"/>
+          </ac:spMkLst>
+        </pc:spChg>
+      </pc:sldChg>
+      <pc:sldChg chg="modSp new mod">
+        <pc:chgData name="Yannick Vogt" userId="860741af1eec8ecc" providerId="LiveId" clId="{2CD5F5D6-88A3-4631-A66A-40A03704DD16}" dt="2021-07-29T08:29:32.828" v="2456"/>
+        <pc:sldMkLst>
+          <pc:docMk/>
+          <pc:sldMk cId="1654048308" sldId="625"/>
+        </pc:sldMkLst>
+        <pc:spChg chg="mod">
+          <ac:chgData name="Yannick Vogt" userId="860741af1eec8ecc" providerId="LiveId" clId="{2CD5F5D6-88A3-4631-A66A-40A03704DD16}" dt="2021-07-29T08:29:31.695" v="2455" actId="20577"/>
+          <ac:spMkLst>
+            <pc:docMk/>
+            <pc:sldMk cId="1654048308" sldId="625"/>
+            <ac:spMk id="2" creationId="{CDD681D0-9648-4448-8027-24F11F18DF8C}"/>
+          </ac:spMkLst>
+        </pc:spChg>
+        <pc:spChg chg="mod">
+          <ac:chgData name="Yannick Vogt" userId="860741af1eec8ecc" providerId="LiveId" clId="{2CD5F5D6-88A3-4631-A66A-40A03704DD16}" dt="2021-07-29T08:29:32.828" v="2456"/>
+          <ac:spMkLst>
+            <pc:docMk/>
+            <pc:sldMk cId="1654048308" sldId="625"/>
+            <ac:spMk id="3" creationId="{32B4301B-1D8A-4760-8D63-E70381AAD5D9}"/>
+          </ac:spMkLst>
+        </pc:spChg>
       </pc:sldChg>
       <pc:sldMasterChg chg="modSldLayout">
         <pc:chgData name="Yannick Vogt" userId="860741af1eec8ecc" providerId="LiveId" clId="{2CD5F5D6-88A3-4631-A66A-40A03704DD16}" dt="2021-07-23T08:06:29.750" v="0" actId="478"/>
@@ -1153,7 +1208,7 @@
           <a:p>
             <a:fld id="{4E9DBEC1-03D6-8C41-96E3-520E1D7FD629}" type="datetimeFigureOut">
               <a:rPr lang="en-US" smtClean="0"/>
-              <a:t>7/27/2021</a:t>
+              <a:t>7/29/2021</a:t>
             </a:fld>
             <a:endParaRPr lang="en-US"/>
           </a:p>
@@ -2052,7 +2107,7 @@
             <a:pPr marL="0" indent="0">
               <a:buNone/>
             </a:pPr>
-            <a:endParaRPr lang="en-US" dirty="0"/>
+            <a:endParaRPr lang="en-US"/>
           </a:p>
         </p:txBody>
       </p:sp>
@@ -2143,18 +2198,18 @@
           <a:lstStyle/>
           <a:p>
             <a:r>
-              <a:rPr lang="en-US" dirty="0"/>
+              <a:rPr lang="en-US"/>
               <a:t>Explain cases</a:t>
             </a:r>
           </a:p>
           <a:p>
             <a:r>
-              <a:rPr lang="en-US" dirty="0"/>
+              <a:rPr lang="en-US"/>
               <a:t>only outside can be modified</a:t>
             </a:r>
           </a:p>
           <a:p>
-            <a:endParaRPr lang="en-US" dirty="0"/>
+            <a:endParaRPr lang="en-US"/>
           </a:p>
         </p:txBody>
       </p:sp>
@@ -2489,7 +2544,7 @@
           <a:bodyPr/>
           <a:lstStyle/>
           <a:p>
-            <a:endParaRPr lang="en-US" dirty="0"/>
+            <a:endParaRPr lang="en-US"/>
           </a:p>
         </p:txBody>
       </p:sp>
@@ -2516,7 +2571,7 @@
               <a:pPr>
                 <a:defRPr/>
               </a:pPr>
-              <a:t>10</a:t>
+              <a:t>11</a:t>
             </a:fld>
             <a:endParaRPr lang="en-US"/>
           </a:p>
@@ -2606,7 +2661,7 @@
               <a:pPr>
                 <a:defRPr/>
               </a:pPr>
-              <a:t>11</a:t>
+              <a:t>12</a:t>
             </a:fld>
             <a:endParaRPr lang="en-US"/>
           </a:p>
@@ -2701,7 +2756,7 @@
               <a:pPr>
                 <a:defRPr/>
               </a:pPr>
-              <a:t>13</a:t>
+              <a:t>15</a:t>
             </a:fld>
             <a:endParaRPr lang="en-US"/>
           </a:p>
@@ -4918,6 +4973,114 @@
       </p:grpSpPr>
       <p:sp>
         <p:nvSpPr>
+          <p:cNvPr id="2" name="Titel 1">
+            <a:extLst>
+              <a:ext uri="{FF2B5EF4-FFF2-40B4-BE49-F238E27FC236}">
+                <a16:creationId xmlns:a16="http://schemas.microsoft.com/office/drawing/2014/main" id="{2DE899C9-ECB8-4209-B44A-D55809197041}"/>
+              </a:ext>
+            </a:extLst>
+          </p:cNvPr>
+          <p:cNvSpPr>
+            <a:spLocks noGrp="1"/>
+          </p:cNvSpPr>
+          <p:nvPr>
+            <p:ph type="title"/>
+          </p:nvPr>
+        </p:nvSpPr>
+        <p:spPr/>
+        <p:txBody>
+          <a:bodyPr/>
+          <a:lstStyle/>
+          <a:p>
+            <a:r>
+              <a:rPr lang="en-US"/>
+              <a:t>Training Setting</a:t>
+            </a:r>
+          </a:p>
+        </p:txBody>
+      </p:sp>
+      <p:sp>
+        <p:nvSpPr>
+          <p:cNvPr id="3" name="Inhaltsplatzhalter 2">
+            <a:extLst>
+              <a:ext uri="{FF2B5EF4-FFF2-40B4-BE49-F238E27FC236}">
+                <a16:creationId xmlns:a16="http://schemas.microsoft.com/office/drawing/2014/main" id="{855BEFD4-C452-40AA-8020-77316D8CF61E}"/>
+              </a:ext>
+            </a:extLst>
+          </p:cNvPr>
+          <p:cNvSpPr>
+            <a:spLocks noGrp="1"/>
+          </p:cNvSpPr>
+          <p:nvPr>
+            <p:ph idx="1"/>
+          </p:nvPr>
+        </p:nvSpPr>
+        <p:spPr/>
+        <p:txBody>
+          <a:bodyPr/>
+          <a:lstStyle/>
+          <a:p>
+            <a:r>
+              <a:rPr lang="en-US" dirty="0"/>
+              <a:t>1024*512 Image size, 512*256 Crop size</a:t>
+            </a:r>
+          </a:p>
+          <a:p>
+            <a:r>
+              <a:rPr lang="en-US" dirty="0"/>
+              <a:t>100 epochs of training with </a:t>
+            </a:r>
+            <a:r>
+              <a:rPr lang="en-US" b="0" i="0" u="none" strike="noStrike" baseline="0" dirty="0"/>
+              <a:t>2975 training images</a:t>
+            </a:r>
+          </a:p>
+          <a:p>
+            <a:r>
+              <a:rPr lang="en-US" dirty="0"/>
+              <a:t>8 Image per Batch on a single GPU</a:t>
+            </a:r>
+          </a:p>
+          <a:p>
+            <a:r>
+              <a:rPr lang="en-US" dirty="0"/>
+              <a:t>~37.200 iterations</a:t>
+            </a:r>
+          </a:p>
+        </p:txBody>
+      </p:sp>
+    </p:spTree>
+    <p:extLst>
+      <p:ext uri="{BB962C8B-B14F-4D97-AF65-F5344CB8AC3E}">
+        <p14:creationId xmlns:p14="http://schemas.microsoft.com/office/powerpoint/2010/main" val="2836184599"/>
+      </p:ext>
+    </p:extLst>
+  </p:cSld>
+  <p:clrMapOvr>
+    <a:masterClrMapping/>
+  </p:clrMapOvr>
+</p:sld>
+</file>
+
+<file path=ppt/slides/slide11.xml><?xml version="1.0" encoding="utf-8"?>
+<p:sld xmlns:a="http://schemas.openxmlformats.org/drawingml/2006/main" xmlns:r="http://schemas.openxmlformats.org/officeDocument/2006/relationships" xmlns:p="http://schemas.openxmlformats.org/presentationml/2006/main">
+  <p:cSld>
+    <p:spTree>
+      <p:nvGrpSpPr>
+        <p:cNvPr id="1" name=""/>
+        <p:cNvGrpSpPr/>
+        <p:nvPr/>
+      </p:nvGrpSpPr>
+      <p:grpSpPr>
+        <a:xfrm>
+          <a:off x="0" y="0"/>
+          <a:ext cx="0" cy="0"/>
+          <a:chOff x="0" y="0"/>
+          <a:chExt cx="0" cy="0"/>
+        </a:xfrm>
+      </p:grpSpPr>
+      <p:sp>
+        <p:nvSpPr>
           <p:cNvPr id="2" name="Title 1">
             <a:extLst>
               <a:ext uri="{FF2B5EF4-FFF2-40B4-BE49-F238E27FC236}">
@@ -5050,7 +5213,7 @@
 </p:sld>
 </file>
 
-<file path=ppt/slides/slide11.xml><?xml version="1.0" encoding="utf-8"?>
+<file path=ppt/slides/slide12.xml><?xml version="1.0" encoding="utf-8"?>
 <p:sld xmlns:a="http://schemas.openxmlformats.org/drawingml/2006/main" xmlns:r="http://schemas.openxmlformats.org/officeDocument/2006/relationships" xmlns:p="http://schemas.openxmlformats.org/presentationml/2006/main">
   <p:cSld>
     <p:spTree>
@@ -5089,8 +5252,8 @@
           <a:lstStyle/>
           <a:p>
             <a:r>
-              <a:rPr lang="en-US"/>
-              <a:t>Test Results</a:t>
+              <a:rPr lang="en-US" dirty="0"/>
+              <a:t>Validation Results</a:t>
             </a:r>
           </a:p>
         </p:txBody>
@@ -5117,10 +5280,10 @@
           <a:lstStyle/>
           <a:p>
             <a:r>
-              <a:rPr lang="en-GB" b="0" i="0">
+              <a:rPr lang="en-GB" b="0" i="0" dirty="0">
                 <a:effectLst/>
               </a:rPr>
-              <a:t>Test models at epoch 100 on 500 full-sized images</a:t>
+              <a:t>Validate models at epoch 100 on 500 full-sized images</a:t>
             </a:r>
           </a:p>
         </p:txBody>
@@ -5140,13 +5303,13 @@
           <p:nvPr>
             <p:extLst>
               <p:ext uri="{D42A27DB-BD31-4B8C-83A1-F6EECF244321}">
-                <p14:modId xmlns:p14="http://schemas.microsoft.com/office/powerpoint/2010/main" val="2538361091"/>
+                <p14:modId xmlns:p14="http://schemas.microsoft.com/office/powerpoint/2010/main" val="1298849403"/>
               </p:ext>
             </p:extLst>
           </p:nvPr>
         </p:nvGraphicFramePr>
         <p:xfrm>
-          <a:off x="1524000" y="3130232"/>
+          <a:off x="1524000" y="3374390"/>
           <a:ext cx="6096000" cy="1483360"/>
         </p:xfrm>
         <a:graphic>
@@ -5199,7 +5362,7 @@
                     <a:lstStyle/>
                     <a:p>
                       <a:r>
-                        <a:rPr lang="en-US" dirty="0"/>
+                        <a:rPr lang="en-US"/>
                         <a:t>CABB</a:t>
                       </a:r>
                     </a:p>
@@ -5284,7 +5447,7 @@
                     <a:lstStyle/>
                     <a:p>
                       <a:r>
-                        <a:rPr lang="en-US"/>
+                        <a:rPr lang="en-US" dirty="0"/>
                         <a:t>46.1</a:t>
                       </a:r>
                     </a:p>
@@ -5499,13 +5662,13 @@
           <p:nvPr>
             <p:extLst>
               <p:ext uri="{D42A27DB-BD31-4B8C-83A1-F6EECF244321}">
-                <p14:modId xmlns:p14="http://schemas.microsoft.com/office/powerpoint/2010/main" val="3627895658"/>
+                <p14:modId xmlns:p14="http://schemas.microsoft.com/office/powerpoint/2010/main" val="3814069105"/>
               </p:ext>
             </p:extLst>
           </p:nvPr>
         </p:nvGraphicFramePr>
         <p:xfrm>
-          <a:off x="1524000" y="1402715"/>
+          <a:off x="1524000" y="1743393"/>
           <a:ext cx="6096000" cy="1483360"/>
         </p:xfrm>
         <a:graphic>
@@ -5558,7 +5721,7 @@
                     <a:lstStyle/>
                     <a:p>
                       <a:r>
-                        <a:rPr lang="en-US"/>
+                        <a:rPr lang="en-US" dirty="0"/>
                         <a:t>Base</a:t>
                       </a:r>
                     </a:p>
@@ -5826,7 +5989,7 @@
                     <a:lstStyle/>
                     <a:p>
                       <a:r>
-                        <a:rPr lang="en-US"/>
+                        <a:rPr lang="en-US" dirty="0"/>
                         <a:t>11</a:t>
                       </a:r>
                     </a:p>
@@ -5856,7 +6019,90 @@
 </p:sld>
 </file>
 
-<file path=ppt/slides/slide12.xml><?xml version="1.0" encoding="utf-8"?>
+<file path=ppt/slides/slide13.xml><?xml version="1.0" encoding="utf-8"?>
+<p:sld xmlns:a="http://schemas.openxmlformats.org/drawingml/2006/main" xmlns:r="http://schemas.openxmlformats.org/officeDocument/2006/relationships" xmlns:p="http://schemas.openxmlformats.org/presentationml/2006/main">
+  <p:cSld>
+    <p:spTree>
+      <p:nvGrpSpPr>
+        <p:cNvPr id="1" name=""/>
+        <p:cNvGrpSpPr/>
+        <p:nvPr/>
+      </p:nvGrpSpPr>
+      <p:grpSpPr>
+        <a:xfrm>
+          <a:off x="0" y="0"/>
+          <a:ext cx="0" cy="0"/>
+          <a:chOff x="0" y="0"/>
+          <a:chExt cx="0" cy="0"/>
+        </a:xfrm>
+      </p:grpSpPr>
+      <p:sp>
+        <p:nvSpPr>
+          <p:cNvPr id="2" name="Title 1">
+            <a:extLst>
+              <a:ext uri="{FF2B5EF4-FFF2-40B4-BE49-F238E27FC236}">
+                <a16:creationId xmlns:a16="http://schemas.microsoft.com/office/drawing/2014/main" id="{1301A668-9C9B-4CFB-B248-4E04422B723A}"/>
+              </a:ext>
+            </a:extLst>
+          </p:cNvPr>
+          <p:cNvSpPr>
+            <a:spLocks noGrp="1"/>
+          </p:cNvSpPr>
+          <p:nvPr>
+            <p:ph type="title"/>
+          </p:nvPr>
+        </p:nvSpPr>
+        <p:spPr/>
+        <p:txBody>
+          <a:bodyPr/>
+          <a:lstStyle/>
+          <a:p>
+            <a:r>
+              <a:rPr lang="en-US" dirty="0"/>
+              <a:t>Conclusion</a:t>
+            </a:r>
+          </a:p>
+        </p:txBody>
+      </p:sp>
+      <p:sp>
+        <p:nvSpPr>
+          <p:cNvPr id="3" name="Content Placeholder 2">
+            <a:extLst>
+              <a:ext uri="{FF2B5EF4-FFF2-40B4-BE49-F238E27FC236}">
+                <a16:creationId xmlns:a16="http://schemas.microsoft.com/office/drawing/2014/main" id="{4D0CC04A-0C87-4CFE-AE42-D60E694AF527}"/>
+              </a:ext>
+            </a:extLst>
+          </p:cNvPr>
+          <p:cNvSpPr>
+            <a:spLocks noGrp="1"/>
+          </p:cNvSpPr>
+          <p:nvPr>
+            <p:ph idx="1"/>
+          </p:nvPr>
+        </p:nvSpPr>
+        <p:spPr/>
+        <p:txBody>
+          <a:bodyPr/>
+          <a:lstStyle/>
+          <a:p>
+            <a:endParaRPr lang="en-US"/>
+          </a:p>
+        </p:txBody>
+      </p:sp>
+    </p:spTree>
+    <p:extLst>
+      <p:ext uri="{BB962C8B-B14F-4D97-AF65-F5344CB8AC3E}">
+        <p14:creationId xmlns:p14="http://schemas.microsoft.com/office/powerpoint/2010/main" val="3101039968"/>
+      </p:ext>
+    </p:extLst>
+  </p:cSld>
+  <p:clrMapOvr>
+    <a:masterClrMapping/>
+  </p:clrMapOvr>
+</p:sld>
+</file>
+
+<file path=ppt/slides/slide14.xml><?xml version="1.0" encoding="utf-8"?>
 <p:sld xmlns:a="http://schemas.openxmlformats.org/drawingml/2006/main" xmlns:r="http://schemas.openxmlformats.org/officeDocument/2006/relationships" xmlns:p="http://schemas.openxmlformats.org/presentationml/2006/main">
   <p:cSld>
     <p:spTree>
@@ -5895,8 +6141,8 @@
           <a:lstStyle/>
           <a:p>
             <a:r>
-              <a:rPr lang="en-US"/>
-              <a:t>Sources</a:t>
+              <a:rPr lang="en-US" dirty="0"/>
+              <a:t>References</a:t>
             </a:r>
           </a:p>
         </p:txBody>
@@ -6103,7 +6349,7 @@
 </p:sld>
 </file>
 
-<file path=ppt/slides/slide13.xml><?xml version="1.0" encoding="utf-8"?>
+<file path=ppt/slides/slide15.xml><?xml version="1.0" encoding="utf-8"?>
 <p:sld xmlns:a="http://schemas.openxmlformats.org/drawingml/2006/main" xmlns:r="http://schemas.openxmlformats.org/officeDocument/2006/relationships" xmlns:p="http://schemas.openxmlformats.org/presentationml/2006/main">
   <p:cSld>
     <p:spTree>
@@ -6370,24 +6616,24 @@
           <a:lstStyle/>
           <a:p>
             <a:r>
-              <a:rPr lang="en-US" dirty="0"/>
+              <a:rPr lang="en-US"/>
               <a:t>Region Proposal Network proposes anchor boxes</a:t>
             </a:r>
           </a:p>
           <a:p>
             <a:r>
-              <a:rPr lang="en-US" dirty="0"/>
+              <a:rPr lang="en-US"/>
               <a:t>Fully Connect Layer regresses transformations applied to the anchor to fit the ground truth Bounding Box</a:t>
             </a:r>
           </a:p>
           <a:p>
             <a:r>
-              <a:rPr lang="en-US" dirty="0"/>
+              <a:rPr lang="en-US"/>
               <a:t>Smooth-L1 Loss</a:t>
             </a:r>
           </a:p>
           <a:p>
-            <a:endParaRPr lang="en-US" dirty="0"/>
+            <a:endParaRPr lang="en-US"/>
           </a:p>
         </p:txBody>
       </p:sp>
@@ -6794,7 +7040,7 @@
               <a:buNone/>
             </a:pPr>
             <a:r>
-              <a:rPr lang="en-GB" kern="0" dirty="0">
+              <a:rPr lang="en-GB" kern="0">
                 <a:solidFill>
                   <a:srgbClr val="002060"/>
                 </a:solidFill>
@@ -6802,18 +7048,18 @@
               <a:t>Ground Truth</a:t>
             </a:r>
             <a:r>
-              <a:rPr lang="en-GB" kern="0" dirty="0"/>
+              <a:rPr lang="en-GB" kern="0"/>
               <a:t>, </a:t>
             </a:r>
             <a:r>
-              <a:rPr lang="en-GB" kern="0" dirty="0">
+              <a:rPr lang="en-GB" kern="0">
                 <a:solidFill>
                   <a:srgbClr val="FF0000"/>
                 </a:solidFill>
               </a:rPr>
               <a:t>Anchor Box</a:t>
             </a:r>
-            <a:endParaRPr lang="en-GB" kern="0" dirty="0">
+            <a:endParaRPr lang="en-GB" kern="0">
               <a:solidFill>
                 <a:srgbClr val="E8DD00"/>
               </a:solidFill>
@@ -7150,24 +7396,24 @@
           <a:lstStyle/>
           <a:p>
             <a:r>
-              <a:rPr lang="en-US" dirty="0"/>
+              <a:rPr lang="en-US"/>
               <a:t>Network is allowed to “hallucinate”</a:t>
             </a:r>
           </a:p>
           <a:p>
             <a:r>
-              <a:rPr lang="en-US" dirty="0"/>
+              <a:rPr lang="en-US"/>
               <a:t>Can improve performance on objects which were cropped in training</a:t>
             </a:r>
           </a:p>
           <a:p>
-            <a:endParaRPr lang="en-US" dirty="0"/>
+            <a:endParaRPr lang="en-US"/>
           </a:p>
           <a:p>
             <a:pPr marL="0" indent="0">
               <a:buNone/>
             </a:pPr>
-            <a:endParaRPr lang="en-US" dirty="0"/>
+            <a:endParaRPr lang="en-US"/>
           </a:p>
         </p:txBody>
       </p:sp>
@@ -7347,7 +7593,7 @@
               <a:buNone/>
             </a:pPr>
             <a:r>
-              <a:rPr lang="en-GB" dirty="0">
+              <a:rPr lang="en-GB">
                 <a:solidFill>
                   <a:srgbClr val="002060"/>
                 </a:solidFill>
@@ -7355,11 +7601,11 @@
               <a:t>Ground Truth</a:t>
             </a:r>
             <a:r>
-              <a:rPr lang="en-GB" dirty="0"/>
+              <a:rPr lang="en-GB"/>
               <a:t>, </a:t>
             </a:r>
             <a:r>
-              <a:rPr lang="en-GB" dirty="0">
+              <a:rPr lang="en-GB">
                 <a:solidFill>
                   <a:srgbClr val="00B050"/>
                 </a:solidFill>
@@ -7367,11 +7613,11 @@
               <a:t>Prediction</a:t>
             </a:r>
             <a:r>
-              <a:rPr lang="en-GB" dirty="0"/>
+              <a:rPr lang="en-GB"/>
               <a:t>, </a:t>
             </a:r>
             <a:r>
-              <a:rPr lang="en-GB" dirty="0">
+              <a:rPr lang="en-GB">
                 <a:solidFill>
                   <a:schemeClr val="tx2">
                     <a:lumMod val="40000"/>
@@ -7382,11 +7628,11 @@
               <a:t>Crop Area</a:t>
             </a:r>
             <a:r>
-              <a:rPr lang="en-GB" dirty="0"/>
+              <a:rPr lang="en-GB"/>
               <a:t>, </a:t>
             </a:r>
             <a:r>
-              <a:rPr lang="en-GB" dirty="0">
+              <a:rPr lang="en-GB">
                 <a:solidFill>
                   <a:srgbClr val="FF0000"/>
                 </a:solidFill>
@@ -7394,11 +7640,11 @@
               <a:t>Anchor Box</a:t>
             </a:r>
             <a:r>
-              <a:rPr lang="en-GB" dirty="0"/>
+              <a:rPr lang="en-GB"/>
               <a:t>, </a:t>
             </a:r>
             <a:r>
-              <a:rPr lang="en-GB" dirty="0">
+              <a:rPr lang="en-GB">
                 <a:solidFill>
                   <a:srgbClr val="E8DD00"/>
                 </a:solidFill>
@@ -7578,10 +7824,10 @@
       </p:grpSpPr>
       <p:sp>
         <p:nvSpPr>
-          <p:cNvPr id="2" name="Titel 1">
+          <p:cNvPr id="2" name="Title 1">
             <a:extLst>
               <a:ext uri="{FF2B5EF4-FFF2-40B4-BE49-F238E27FC236}">
-                <a16:creationId xmlns:a16="http://schemas.microsoft.com/office/drawing/2014/main" id="{2DE899C9-ECB8-4209-B44A-D55809197041}"/>
+                <a16:creationId xmlns:a16="http://schemas.microsoft.com/office/drawing/2014/main" id="{CDD681D0-9648-4448-8027-24F11F18DF8C}"/>
               </a:ext>
             </a:extLst>
           </p:cNvPr>
@@ -7598,18 +7844,18 @@
           <a:lstStyle/>
           <a:p>
             <a:r>
-              <a:rPr lang="en-US"/>
-              <a:t>Training Setting</a:t>
+              <a:rPr lang="en-US" dirty="0"/>
+              <a:t>Dataset</a:t>
             </a:r>
           </a:p>
         </p:txBody>
       </p:sp>
       <p:sp>
         <p:nvSpPr>
-          <p:cNvPr id="3" name="Inhaltsplatzhalter 2">
+          <p:cNvPr id="3" name="Content Placeholder 2">
             <a:extLst>
               <a:ext uri="{FF2B5EF4-FFF2-40B4-BE49-F238E27FC236}">
-                <a16:creationId xmlns:a16="http://schemas.microsoft.com/office/drawing/2014/main" id="{855BEFD4-C452-40AA-8020-77316D8CF61E}"/>
+                <a16:creationId xmlns:a16="http://schemas.microsoft.com/office/drawing/2014/main" id="{32B4301B-1D8A-4760-8D63-E70381AAD5D9}"/>
               </a:ext>
             </a:extLst>
           </p:cNvPr>
@@ -7626,33 +7872,40 @@
           <a:lstStyle/>
           <a:p>
             <a:r>
-              <a:rPr lang="en-US"/>
-              <a:t>1024*512 Image size, 512*256 Crop size</a:t>
-            </a:r>
-          </a:p>
-          <a:p>
-            <a:r>
-              <a:rPr lang="en-US"/>
-              <a:t>8 Image per Batch on a single GPU</a:t>
-            </a:r>
-          </a:p>
-          <a:p>
-            <a:r>
-              <a:rPr lang="en-US"/>
-              <a:t>100 epochs of training with </a:t>
-            </a:r>
-            <a:r>
-              <a:rPr lang="en-US" b="0" i="0" u="none" strike="noStrike" baseline="0"/>
-              <a:t>2975 training images</a:t>
-            </a:r>
-            <a:endParaRPr lang="en-US"/>
+              <a:rPr lang="en-US" dirty="0"/>
+              <a:t>Cityscapes Dataset</a:t>
+            </a:r>
+          </a:p>
+          <a:p>
+            <a:pPr lvl="1"/>
+            <a:r>
+              <a:rPr lang="en-US" dirty="0"/>
+              <a:t>2975 training samples</a:t>
+            </a:r>
+          </a:p>
+          <a:p>
+            <a:pPr lvl="1"/>
+            <a:r>
+              <a:rPr lang="en-US" dirty="0"/>
+              <a:t>500 validation samples</a:t>
+            </a:r>
+          </a:p>
+          <a:p>
+            <a:pPr lvl="1"/>
+            <a:r>
+              <a:rPr lang="en-US" dirty="0"/>
+              <a:t>1525 test samples without ground truth</a:t>
+            </a:r>
+          </a:p>
+          <a:p>
+            <a:endParaRPr lang="en-US" dirty="0"/>
           </a:p>
         </p:txBody>
       </p:sp>
     </p:spTree>
     <p:extLst>
       <p:ext uri="{BB962C8B-B14F-4D97-AF65-F5344CB8AC3E}">
-        <p14:creationId xmlns:p14="http://schemas.microsoft.com/office/powerpoint/2010/main" val="2836184599"/>
+        <p14:creationId xmlns:p14="http://schemas.microsoft.com/office/powerpoint/2010/main" val="1654048308"/>
       </p:ext>
     </p:extLst>
   </p:cSld>
